--- a/Presentations/Supervisor Meetings/2024/Upcoming Meeting.pptx
+++ b/Presentations/Supervisor Meetings/2024/Upcoming Meeting.pptx
@@ -120,7 +120,7 @@
 <file path=ppt/revisionInfo.xml><?xml version="1.0" encoding="utf-8"?>
 <p1510:revInfo xmlns:a="http://schemas.openxmlformats.org/drawingml/2006/main" xmlns:r="http://schemas.openxmlformats.org/officeDocument/2006/relationships" xmlns:p1510="http://schemas.microsoft.com/office/powerpoint/2015/10/main">
   <p1510:revLst>
-    <p1510:client id="{CA64B30F-511C-45F5-B991-1BF90300E7E0}" v="88" dt="2024-02-10T16:34:53.639"/>
+    <p1510:client id="{B7574C7C-3686-460F-9B9F-2A9122AA95F8}" v="20" dt="2024-02-12T21:07:55.309"/>
   </p1510:revLst>
 </p1510:revInfo>
 </file>
@@ -1479,6 +1479,189 @@
     </pc:docChg>
   </pc:docChgLst>
   <pc:docChgLst>
+    <pc:chgData name="Sean O Fithcheallaigh" userId="47659c31-a575-4792-8be3-61268c4ee0d6" providerId="ADAL" clId="{B7574C7C-3686-460F-9B9F-2A9122AA95F8}"/>
+    <pc:docChg chg="undo custSel modSld">
+      <pc:chgData name="Sean O Fithcheallaigh" userId="47659c31-a575-4792-8be3-61268c4ee0d6" providerId="ADAL" clId="{B7574C7C-3686-460F-9B9F-2A9122AA95F8}" dt="2024-02-12T21:08:34.338" v="270" actId="1076"/>
+      <pc:docMkLst>
+        <pc:docMk/>
+      </pc:docMkLst>
+      <pc:sldChg chg="modSp mod">
+        <pc:chgData name="Sean O Fithcheallaigh" userId="47659c31-a575-4792-8be3-61268c4ee0d6" providerId="ADAL" clId="{B7574C7C-3686-460F-9B9F-2A9122AA95F8}" dt="2024-02-12T19:34:42.577" v="7" actId="20577"/>
+        <pc:sldMkLst>
+          <pc:docMk/>
+          <pc:sldMk cId="905190482" sldId="256"/>
+        </pc:sldMkLst>
+        <pc:spChg chg="mod">
+          <ac:chgData name="Sean O Fithcheallaigh" userId="47659c31-a575-4792-8be3-61268c4ee0d6" providerId="ADAL" clId="{B7574C7C-3686-460F-9B9F-2A9122AA95F8}" dt="2024-02-12T19:34:42.577" v="7" actId="20577"/>
+          <ac:spMkLst>
+            <pc:docMk/>
+            <pc:sldMk cId="905190482" sldId="256"/>
+            <ac:spMk id="3" creationId="{678D1CD4-AABC-4B3E-A2CC-37ACEEC74568}"/>
+          </ac:spMkLst>
+        </pc:spChg>
+      </pc:sldChg>
+      <pc:sldChg chg="addSp delSp modSp mod">
+        <pc:chgData name="Sean O Fithcheallaigh" userId="47659c31-a575-4792-8be3-61268c4ee0d6" providerId="ADAL" clId="{B7574C7C-3686-460F-9B9F-2A9122AA95F8}" dt="2024-02-12T21:08:34.338" v="270" actId="1076"/>
+        <pc:sldMkLst>
+          <pc:docMk/>
+          <pc:sldMk cId="3126834720" sldId="257"/>
+        </pc:sldMkLst>
+        <pc:spChg chg="add del mod ord">
+          <ac:chgData name="Sean O Fithcheallaigh" userId="47659c31-a575-4792-8be3-61268c4ee0d6" providerId="ADAL" clId="{B7574C7C-3686-460F-9B9F-2A9122AA95F8}" dt="2024-02-12T19:55:42.077" v="39" actId="478"/>
+          <ac:spMkLst>
+            <pc:docMk/>
+            <pc:sldMk cId="3126834720" sldId="257"/>
+            <ac:spMk id="5" creationId="{575F6EDC-937B-10CA-3C91-1893AD6821E6}"/>
+          </ac:spMkLst>
+        </pc:spChg>
+        <pc:spChg chg="add del mod ord">
+          <ac:chgData name="Sean O Fithcheallaigh" userId="47659c31-a575-4792-8be3-61268c4ee0d6" providerId="ADAL" clId="{B7574C7C-3686-460F-9B9F-2A9122AA95F8}" dt="2024-02-12T19:56:49.773" v="48" actId="478"/>
+          <ac:spMkLst>
+            <pc:docMk/>
+            <pc:sldMk cId="3126834720" sldId="257"/>
+            <ac:spMk id="6" creationId="{4A871592-85CB-1726-66AB-1316FA75F2C7}"/>
+          </ac:spMkLst>
+        </pc:spChg>
+        <pc:spChg chg="add del mod">
+          <ac:chgData name="Sean O Fithcheallaigh" userId="47659c31-a575-4792-8be3-61268c4ee0d6" providerId="ADAL" clId="{B7574C7C-3686-460F-9B9F-2A9122AA95F8}" dt="2024-02-12T19:56:05.897" v="42" actId="478"/>
+          <ac:spMkLst>
+            <pc:docMk/>
+            <pc:sldMk cId="3126834720" sldId="257"/>
+            <ac:spMk id="8" creationId="{E6E5BA94-420D-E1A4-D2B6-608AF90668A9}"/>
+          </ac:spMkLst>
+        </pc:spChg>
+        <pc:spChg chg="add del mod">
+          <ac:chgData name="Sean O Fithcheallaigh" userId="47659c31-a575-4792-8be3-61268c4ee0d6" providerId="ADAL" clId="{B7574C7C-3686-460F-9B9F-2A9122AA95F8}" dt="2024-02-12T19:56:20.589" v="44" actId="478"/>
+          <ac:spMkLst>
+            <pc:docMk/>
+            <pc:sldMk cId="3126834720" sldId="257"/>
+            <ac:spMk id="10" creationId="{D77639BD-0474-4062-85B6-D32CCAF416C6}"/>
+          </ac:spMkLst>
+        </pc:spChg>
+        <pc:spChg chg="add del mod">
+          <ac:chgData name="Sean O Fithcheallaigh" userId="47659c31-a575-4792-8be3-61268c4ee0d6" providerId="ADAL" clId="{B7574C7C-3686-460F-9B9F-2A9122AA95F8}" dt="2024-02-12T19:56:43.663" v="47" actId="478"/>
+          <ac:spMkLst>
+            <pc:docMk/>
+            <pc:sldMk cId="3126834720" sldId="257"/>
+            <ac:spMk id="13" creationId="{74CFEFE0-E0A3-D760-0ABD-E583FCDE85FD}"/>
+          </ac:spMkLst>
+        </pc:spChg>
+        <pc:spChg chg="add del mod">
+          <ac:chgData name="Sean O Fithcheallaigh" userId="47659c31-a575-4792-8be3-61268c4ee0d6" providerId="ADAL" clId="{B7574C7C-3686-460F-9B9F-2A9122AA95F8}" dt="2024-02-12T21:01:09.211" v="218" actId="478"/>
+          <ac:spMkLst>
+            <pc:docMk/>
+            <pc:sldMk cId="3126834720" sldId="257"/>
+            <ac:spMk id="14" creationId="{48647157-09A2-231D-485A-EBA6D09023C0}"/>
+          </ac:spMkLst>
+        </pc:spChg>
+        <pc:spChg chg="add mod">
+          <ac:chgData name="Sean O Fithcheallaigh" userId="47659c31-a575-4792-8be3-61268c4ee0d6" providerId="ADAL" clId="{B7574C7C-3686-460F-9B9F-2A9122AA95F8}" dt="2024-02-12T20:29:40.155" v="151" actId="1076"/>
+          <ac:spMkLst>
+            <pc:docMk/>
+            <pc:sldMk cId="3126834720" sldId="257"/>
+            <ac:spMk id="15" creationId="{8AE473AE-29B7-6026-C0F2-DA1933880EC2}"/>
+          </ac:spMkLst>
+        </pc:spChg>
+        <pc:spChg chg="add mod ord">
+          <ac:chgData name="Sean O Fithcheallaigh" userId="47659c31-a575-4792-8be3-61268c4ee0d6" providerId="ADAL" clId="{B7574C7C-3686-460F-9B9F-2A9122AA95F8}" dt="2024-02-12T20:28:48.327" v="86" actId="171"/>
+          <ac:spMkLst>
+            <pc:docMk/>
+            <pc:sldMk cId="3126834720" sldId="257"/>
+            <ac:spMk id="16" creationId="{E0BBAE84-68A8-27FD-899F-5CDAF2AC1E95}"/>
+          </ac:spMkLst>
+        </pc:spChg>
+        <pc:spChg chg="add del mod">
+          <ac:chgData name="Sean O Fithcheallaigh" userId="47659c31-a575-4792-8be3-61268c4ee0d6" providerId="ADAL" clId="{B7574C7C-3686-460F-9B9F-2A9122AA95F8}" dt="2024-02-12T20:46:58.611" v="157" actId="478"/>
+          <ac:spMkLst>
+            <pc:docMk/>
+            <pc:sldMk cId="3126834720" sldId="257"/>
+            <ac:spMk id="17" creationId="{C6561D82-3049-CA71-A215-26891C78B928}"/>
+          </ac:spMkLst>
+        </pc:spChg>
+        <pc:spChg chg="add del mod">
+          <ac:chgData name="Sean O Fithcheallaigh" userId="47659c31-a575-4792-8be3-61268c4ee0d6" providerId="ADAL" clId="{B7574C7C-3686-460F-9B9F-2A9122AA95F8}" dt="2024-02-12T20:47:13.998" v="160" actId="478"/>
+          <ac:spMkLst>
+            <pc:docMk/>
+            <pc:sldMk cId="3126834720" sldId="257"/>
+            <ac:spMk id="18" creationId="{5359FDEB-03FE-208F-66A1-BA71770A3735}"/>
+          </ac:spMkLst>
+        </pc:spChg>
+        <pc:spChg chg="add mod ord">
+          <ac:chgData name="Sean O Fithcheallaigh" userId="47659c31-a575-4792-8be3-61268c4ee0d6" providerId="ADAL" clId="{B7574C7C-3686-460F-9B9F-2A9122AA95F8}" dt="2024-02-12T20:48:34.784" v="167" actId="171"/>
+          <ac:spMkLst>
+            <pc:docMk/>
+            <pc:sldMk cId="3126834720" sldId="257"/>
+            <ac:spMk id="21" creationId="{F81318ED-4874-C383-CE1C-7EAB0D2E4D49}"/>
+          </ac:spMkLst>
+        </pc:spChg>
+        <pc:spChg chg="add mod">
+          <ac:chgData name="Sean O Fithcheallaigh" userId="47659c31-a575-4792-8be3-61268c4ee0d6" providerId="ADAL" clId="{B7574C7C-3686-460F-9B9F-2A9122AA95F8}" dt="2024-02-12T21:08:28.411" v="269" actId="1076"/>
+          <ac:spMkLst>
+            <pc:docMk/>
+            <pc:sldMk cId="3126834720" sldId="257"/>
+            <ac:spMk id="22" creationId="{7E902860-1C74-5CA9-A793-C728FE4F2298}"/>
+          </ac:spMkLst>
+        </pc:spChg>
+        <pc:spChg chg="add mod ord">
+          <ac:chgData name="Sean O Fithcheallaigh" userId="47659c31-a575-4792-8be3-61268c4ee0d6" providerId="ADAL" clId="{B7574C7C-3686-460F-9B9F-2A9122AA95F8}" dt="2024-02-12T21:07:03.117" v="225" actId="171"/>
+          <ac:spMkLst>
+            <pc:docMk/>
+            <pc:sldMk cId="3126834720" sldId="257"/>
+            <ac:spMk id="27" creationId="{EF46DCAD-7D94-7B9B-51EF-B4C3FAC004D1}"/>
+          </ac:spMkLst>
+        </pc:spChg>
+        <pc:spChg chg="add mod">
+          <ac:chgData name="Sean O Fithcheallaigh" userId="47659c31-a575-4792-8be3-61268c4ee0d6" providerId="ADAL" clId="{B7574C7C-3686-460F-9B9F-2A9122AA95F8}" dt="2024-02-12T21:08:34.338" v="270" actId="1076"/>
+          <ac:spMkLst>
+            <pc:docMk/>
+            <pc:sldMk cId="3126834720" sldId="257"/>
+            <ac:spMk id="28" creationId="{96652C29-5EF2-FFC2-5E0D-819921E7E15A}"/>
+          </ac:spMkLst>
+        </pc:spChg>
+        <pc:graphicFrameChg chg="add del mod">
+          <ac:chgData name="Sean O Fithcheallaigh" userId="47659c31-a575-4792-8be3-61268c4ee0d6" providerId="ADAL" clId="{B7574C7C-3686-460F-9B9F-2A9122AA95F8}" dt="2024-02-12T19:56:25.686" v="45" actId="478"/>
+          <ac:graphicFrameMkLst>
+            <pc:docMk/>
+            <pc:sldMk cId="3126834720" sldId="257"/>
+            <ac:graphicFrameMk id="12" creationId="{A5A4C080-DB32-26A6-3579-42B671D802FD}"/>
+          </ac:graphicFrameMkLst>
+        </pc:graphicFrameChg>
+        <pc:picChg chg="add del mod">
+          <ac:chgData name="Sean O Fithcheallaigh" userId="47659c31-a575-4792-8be3-61268c4ee0d6" providerId="ADAL" clId="{B7574C7C-3686-460F-9B9F-2A9122AA95F8}" dt="2024-02-12T19:49:22.881" v="20" actId="478"/>
+          <ac:picMkLst>
+            <pc:docMk/>
+            <pc:sldMk cId="3126834720" sldId="257"/>
+            <ac:picMk id="4" creationId="{F5C98A63-2E01-8F62-8FDC-50B55A17F3AD}"/>
+          </ac:picMkLst>
+        </pc:picChg>
+        <pc:picChg chg="add mod">
+          <ac:chgData name="Sean O Fithcheallaigh" userId="47659c31-a575-4792-8be3-61268c4ee0d6" providerId="ADAL" clId="{B7574C7C-3686-460F-9B9F-2A9122AA95F8}" dt="2024-02-12T20:48:22.859" v="164" actId="688"/>
+          <ac:picMkLst>
+            <pc:docMk/>
+            <pc:sldMk cId="3126834720" sldId="257"/>
+            <ac:picMk id="20" creationId="{6A704CDB-F399-A5B0-B228-5A96D6007F7B}"/>
+          </ac:picMkLst>
+        </pc:picChg>
+        <pc:picChg chg="add mod">
+          <ac:chgData name="Sean O Fithcheallaigh" userId="47659c31-a575-4792-8be3-61268c4ee0d6" providerId="ADAL" clId="{B7574C7C-3686-460F-9B9F-2A9122AA95F8}" dt="2024-02-12T21:01:16.395" v="219" actId="1076"/>
+          <ac:picMkLst>
+            <pc:docMk/>
+            <pc:sldMk cId="3126834720" sldId="257"/>
+            <ac:picMk id="24" creationId="{0DD4D4B0-0A52-1DF7-B880-785EA01EC5FA}"/>
+          </ac:picMkLst>
+        </pc:picChg>
+        <pc:picChg chg="add mod">
+          <ac:chgData name="Sean O Fithcheallaigh" userId="47659c31-a575-4792-8be3-61268c4ee0d6" providerId="ADAL" clId="{B7574C7C-3686-460F-9B9F-2A9122AA95F8}" dt="2024-02-12T21:07:07.750" v="226" actId="1076"/>
+          <ac:picMkLst>
+            <pc:docMk/>
+            <pc:sldMk cId="3126834720" sldId="257"/>
+            <ac:picMk id="26" creationId="{28C865F2-E07A-5A6F-E23E-F58FAAF85216}"/>
+          </ac:picMkLst>
+        </pc:picChg>
+      </pc:sldChg>
+    </pc:docChg>
+  </pc:docChgLst>
+  <pc:docChgLst>
     <pc:chgData name="Sean" userId="47659c31-a575-4792-8be3-61268c4ee0d6" providerId="ADAL" clId="{CA64B30F-511C-45F5-B991-1BF90300E7E0}"/>
     <pc:docChg chg="custSel addSld modSld">
       <pc:chgData name="Sean" userId="47659c31-a575-4792-8be3-61268c4ee0d6" providerId="ADAL" clId="{CA64B30F-511C-45F5-B991-1BF90300E7E0}" dt="2024-02-03T15:45:02.204" v="112" actId="313"/>
@@ -1534,3099 +1717,6 @@
     </pc:docChg>
   </pc:docChgLst>
 </pc:chgInfo>
-</file>
-
-<file path=ppt/diagrams/colors1.xml><?xml version="1.0" encoding="utf-8"?>
-<dgm:colorsDef xmlns:dgm="http://schemas.openxmlformats.org/drawingml/2006/diagram" xmlns:a="http://schemas.openxmlformats.org/drawingml/2006/main" uniqueId="urn:microsoft.com/office/officeart/2018/5/colors/Iconchunking_neutralbg_colorful5">
-  <dgm:title val=""/>
-  <dgm:desc val=""/>
-  <dgm:catLst>
-    <dgm:cat type="colorful" pri="10500"/>
-  </dgm:catLst>
-  <dgm:styleLbl name="node0">
-    <dgm:fillClrLst meth="repeat">
-      <a:schemeClr val="accent4"/>
-    </dgm:fillClrLst>
-    <dgm:linClrLst meth="repeat">
-      <a:schemeClr val="lt1"/>
-    </dgm:linClrLst>
-    <dgm:effectClrLst/>
-    <dgm:txLinClrLst/>
-    <dgm:txFillClrLst/>
-    <dgm:txEffectClrLst/>
-  </dgm:styleLbl>
-  <dgm:styleLbl name="node1">
-    <dgm:fillClrLst>
-      <a:schemeClr val="accent5"/>
-      <a:schemeClr val="accent6"/>
-    </dgm:fillClrLst>
-    <dgm:linClrLst meth="repeat">
-      <a:schemeClr val="lt1">
-        <a:alpha val="0"/>
-      </a:schemeClr>
-    </dgm:linClrLst>
-    <dgm:effectClrLst/>
-    <dgm:txLinClrLst/>
-    <dgm:txFillClrLst/>
-    <dgm:txEffectClrLst/>
-  </dgm:styleLbl>
-  <dgm:styleLbl name="alignNode1">
-    <dgm:fillClrLst>
-      <a:schemeClr val="accent5"/>
-      <a:schemeClr val="accent6"/>
-    </dgm:fillClrLst>
-    <dgm:linClrLst>
-      <a:schemeClr val="accent5"/>
-      <a:schemeClr val="accent6"/>
-    </dgm:linClrLst>
-    <dgm:effectClrLst/>
-    <dgm:txLinClrLst/>
-    <dgm:txFillClrLst/>
-    <dgm:txEffectClrLst/>
-  </dgm:styleLbl>
-  <dgm:styleLbl name="lnNode1">
-    <dgm:fillClrLst>
-      <a:schemeClr val="accent5"/>
-      <a:schemeClr val="accent6"/>
-    </dgm:fillClrLst>
-    <dgm:linClrLst meth="repeat">
-      <a:schemeClr val="lt1"/>
-    </dgm:linClrLst>
-    <dgm:effectClrLst/>
-    <dgm:txLinClrLst/>
-    <dgm:txFillClrLst/>
-    <dgm:txEffectClrLst/>
-  </dgm:styleLbl>
-  <dgm:styleLbl name="vennNode1">
-    <dgm:fillClrLst>
-      <a:schemeClr val="accent5">
-        <a:alpha val="50000"/>
-      </a:schemeClr>
-      <a:schemeClr val="accent6">
-        <a:alpha val="50000"/>
-      </a:schemeClr>
-    </dgm:fillClrLst>
-    <dgm:linClrLst meth="repeat">
-      <a:schemeClr val="lt1"/>
-    </dgm:linClrLst>
-    <dgm:effectClrLst/>
-    <dgm:txLinClrLst/>
-    <dgm:txFillClrLst/>
-    <dgm:txEffectClrLst/>
-  </dgm:styleLbl>
-  <dgm:styleLbl name="node2">
-    <dgm:fillClrLst>
-      <a:schemeClr val="accent6"/>
-    </dgm:fillClrLst>
-    <dgm:linClrLst meth="repeat">
-      <a:schemeClr val="lt1"/>
-    </dgm:linClrLst>
-    <dgm:effectClrLst/>
-    <dgm:txLinClrLst/>
-    <dgm:txFillClrLst/>
-    <dgm:txEffectClrLst/>
-  </dgm:styleLbl>
-  <dgm:styleLbl name="node3">
-    <dgm:fillClrLst>
-      <a:schemeClr val="accent1"/>
-    </dgm:fillClrLst>
-    <dgm:linClrLst meth="repeat">
-      <a:schemeClr val="lt1"/>
-    </dgm:linClrLst>
-    <dgm:effectClrLst/>
-    <dgm:txLinClrLst/>
-    <dgm:txFillClrLst/>
-    <dgm:txEffectClrLst/>
-  </dgm:styleLbl>
-  <dgm:styleLbl name="node4">
-    <dgm:fillClrLst>
-      <a:schemeClr val="accent2"/>
-    </dgm:fillClrLst>
-    <dgm:linClrLst meth="repeat">
-      <a:schemeClr val="lt1"/>
-    </dgm:linClrLst>
-    <dgm:effectClrLst/>
-    <dgm:txLinClrLst/>
-    <dgm:txFillClrLst/>
-    <dgm:txEffectClrLst/>
-  </dgm:styleLbl>
-  <dgm:styleLbl name="fgImgPlace1">
-    <dgm:fillClrLst>
-      <a:schemeClr val="accent5">
-        <a:tint val="50000"/>
-      </a:schemeClr>
-      <a:schemeClr val="accent6">
-        <a:tint val="50000"/>
-      </a:schemeClr>
-    </dgm:fillClrLst>
-    <dgm:linClrLst meth="repeat">
-      <a:schemeClr val="lt1"/>
-    </dgm:linClrLst>
-    <dgm:effectClrLst/>
-    <dgm:txLinClrLst/>
-    <dgm:txFillClrLst meth="repeat">
-      <a:schemeClr val="lt1"/>
-    </dgm:txFillClrLst>
-    <dgm:txEffectClrLst/>
-  </dgm:styleLbl>
-  <dgm:styleLbl name="alignImgPlace1">
-    <dgm:fillClrLst>
-      <a:schemeClr val="accent5">
-        <a:tint val="50000"/>
-      </a:schemeClr>
-      <a:schemeClr val="accent6">
-        <a:tint val="20000"/>
-      </a:schemeClr>
-    </dgm:fillClrLst>
-    <dgm:linClrLst meth="repeat">
-      <a:schemeClr val="lt1"/>
-    </dgm:linClrLst>
-    <dgm:effectClrLst/>
-    <dgm:txLinClrLst/>
-    <dgm:txFillClrLst meth="repeat">
-      <a:schemeClr val="lt1"/>
-    </dgm:txFillClrLst>
-    <dgm:txEffectClrLst/>
-  </dgm:styleLbl>
-  <dgm:styleLbl name="bgImgPlace1">
-    <dgm:fillClrLst>
-      <a:schemeClr val="accent5">
-        <a:tint val="50000"/>
-      </a:schemeClr>
-      <a:schemeClr val="accent6">
-        <a:tint val="20000"/>
-      </a:schemeClr>
-    </dgm:fillClrLst>
-    <dgm:linClrLst meth="repeat">
-      <a:schemeClr val="lt1"/>
-    </dgm:linClrLst>
-    <dgm:effectClrLst/>
-    <dgm:txLinClrLst/>
-    <dgm:txFillClrLst meth="repeat">
-      <a:schemeClr val="lt1"/>
-    </dgm:txFillClrLst>
-    <dgm:txEffectClrLst/>
-  </dgm:styleLbl>
-  <dgm:styleLbl name="sibTrans2D1">
-    <dgm:fillClrLst>
-      <a:schemeClr val="accent5"/>
-      <a:schemeClr val="accent6"/>
-    </dgm:fillClrLst>
-    <dgm:linClrLst meth="repeat">
-      <a:schemeClr val="lt1"/>
-    </dgm:linClrLst>
-    <dgm:effectClrLst/>
-    <dgm:txLinClrLst/>
-    <dgm:txFillClrLst/>
-    <dgm:txEffectClrLst/>
-  </dgm:styleLbl>
-  <dgm:styleLbl name="fgSibTrans2D1">
-    <dgm:fillClrLst>
-      <a:schemeClr val="accent5"/>
-      <a:schemeClr val="accent6"/>
-    </dgm:fillClrLst>
-    <dgm:linClrLst meth="repeat">
-      <a:schemeClr val="lt1"/>
-    </dgm:linClrLst>
-    <dgm:effectClrLst/>
-    <dgm:txLinClrLst/>
-    <dgm:txFillClrLst meth="repeat">
-      <a:schemeClr val="lt1"/>
-    </dgm:txFillClrLst>
-    <dgm:txEffectClrLst/>
-  </dgm:styleLbl>
-  <dgm:styleLbl name="bgSibTrans2D1">
-    <dgm:fillClrLst>
-      <a:schemeClr val="accent5"/>
-      <a:schemeClr val="accent6"/>
-    </dgm:fillClrLst>
-    <dgm:linClrLst meth="repeat">
-      <a:schemeClr val="lt1"/>
-    </dgm:linClrLst>
-    <dgm:effectClrLst/>
-    <dgm:txLinClrLst/>
-    <dgm:txFillClrLst meth="repeat">
-      <a:schemeClr val="lt1"/>
-    </dgm:txFillClrLst>
-    <dgm:txEffectClrLst/>
-  </dgm:styleLbl>
-  <dgm:styleLbl name="sibTrans1D1">
-    <dgm:fillClrLst/>
-    <dgm:linClrLst>
-      <a:schemeClr val="accent5"/>
-      <a:schemeClr val="accent6"/>
-    </dgm:linClrLst>
-    <dgm:effectClrLst/>
-    <dgm:txLinClrLst/>
-    <dgm:txFillClrLst meth="repeat">
-      <a:schemeClr val="tx1"/>
-    </dgm:txFillClrLst>
-    <dgm:txEffectClrLst/>
-  </dgm:styleLbl>
-  <dgm:styleLbl name="callout">
-    <dgm:fillClrLst meth="repeat">
-      <a:schemeClr val="accent5"/>
-    </dgm:fillClrLst>
-    <dgm:linClrLst meth="repeat">
-      <a:schemeClr val="accent5">
-        <a:tint val="50000"/>
-      </a:schemeClr>
-    </dgm:linClrLst>
-    <dgm:effectClrLst/>
-    <dgm:txLinClrLst/>
-    <dgm:txFillClrLst meth="repeat">
-      <a:schemeClr val="tx1"/>
-    </dgm:txFillClrLst>
-    <dgm:txEffectClrLst/>
-  </dgm:styleLbl>
-  <dgm:styleLbl name="asst0">
-    <dgm:fillClrLst meth="repeat">
-      <a:schemeClr val="accent5"/>
-    </dgm:fillClrLst>
-    <dgm:linClrLst meth="repeat">
-      <a:schemeClr val="lt1">
-        <a:shade val="80000"/>
-      </a:schemeClr>
-    </dgm:linClrLst>
-    <dgm:effectClrLst/>
-    <dgm:txLinClrLst/>
-    <dgm:txFillClrLst/>
-    <dgm:txEffectClrLst/>
-  </dgm:styleLbl>
-  <dgm:styleLbl name="asst1">
-    <dgm:fillClrLst meth="repeat">
-      <a:schemeClr val="accent6"/>
-    </dgm:fillClrLst>
-    <dgm:linClrLst meth="repeat">
-      <a:schemeClr val="lt1">
-        <a:shade val="80000"/>
-      </a:schemeClr>
-    </dgm:linClrLst>
-    <dgm:effectClrLst/>
-    <dgm:txLinClrLst/>
-    <dgm:txFillClrLst/>
-    <dgm:txEffectClrLst/>
-  </dgm:styleLbl>
-  <dgm:styleLbl name="asst2">
-    <dgm:fillClrLst>
-      <a:schemeClr val="accent1"/>
-    </dgm:fillClrLst>
-    <dgm:linClrLst meth="repeat">
-      <a:schemeClr val="lt1"/>
-    </dgm:linClrLst>
-    <dgm:effectClrLst/>
-    <dgm:txLinClrLst/>
-    <dgm:txFillClrLst/>
-    <dgm:txEffectClrLst/>
-  </dgm:styleLbl>
-  <dgm:styleLbl name="asst3">
-    <dgm:fillClrLst>
-      <a:schemeClr val="accent2"/>
-    </dgm:fillClrLst>
-    <dgm:linClrLst meth="repeat">
-      <a:schemeClr val="lt1"/>
-    </dgm:linClrLst>
-    <dgm:effectClrLst/>
-    <dgm:txLinClrLst/>
-    <dgm:txFillClrLst/>
-    <dgm:txEffectClrLst/>
-  </dgm:styleLbl>
-  <dgm:styleLbl name="asst4">
-    <dgm:fillClrLst>
-      <a:schemeClr val="accent3"/>
-    </dgm:fillClrLst>
-    <dgm:linClrLst meth="repeat">
-      <a:schemeClr val="lt1"/>
-    </dgm:linClrLst>
-    <dgm:effectClrLst/>
-    <dgm:txLinClrLst/>
-    <dgm:txFillClrLst/>
-    <dgm:txEffectClrLst/>
-  </dgm:styleLbl>
-  <dgm:styleLbl name="parChTrans2D1">
-    <dgm:fillClrLst meth="repeat">
-      <a:schemeClr val="accent5"/>
-    </dgm:fillClrLst>
-    <dgm:linClrLst meth="repeat">
-      <a:schemeClr val="lt1"/>
-    </dgm:linClrLst>
-    <dgm:effectClrLst/>
-    <dgm:txLinClrLst/>
-    <dgm:txFillClrLst meth="repeat">
-      <a:schemeClr val="lt1"/>
-    </dgm:txFillClrLst>
-    <dgm:txEffectClrLst/>
-  </dgm:styleLbl>
-  <dgm:styleLbl name="parChTrans2D2">
-    <dgm:fillClrLst meth="repeat">
-      <a:schemeClr val="accent6"/>
-    </dgm:fillClrLst>
-    <dgm:linClrLst meth="repeat">
-      <a:schemeClr val="lt1"/>
-    </dgm:linClrLst>
-    <dgm:effectClrLst/>
-    <dgm:txLinClrLst/>
-    <dgm:txFillClrLst/>
-    <dgm:txEffectClrLst/>
-  </dgm:styleLbl>
-  <dgm:styleLbl name="parChTrans2D3">
-    <dgm:fillClrLst meth="repeat">
-      <a:schemeClr val="accent6"/>
-    </dgm:fillClrLst>
-    <dgm:linClrLst meth="repeat">
-      <a:schemeClr val="lt1"/>
-    </dgm:linClrLst>
-    <dgm:effectClrLst/>
-    <dgm:txLinClrLst/>
-    <dgm:txFillClrLst/>
-    <dgm:txEffectClrLst/>
-  </dgm:styleLbl>
-  <dgm:styleLbl name="parChTrans2D4">
-    <dgm:fillClrLst meth="repeat">
-      <a:schemeClr val="accent1"/>
-    </dgm:fillClrLst>
-    <dgm:linClrLst meth="repeat">
-      <a:schemeClr val="lt1"/>
-    </dgm:linClrLst>
-    <dgm:effectClrLst/>
-    <dgm:txLinClrLst/>
-    <dgm:txFillClrLst meth="repeat">
-      <a:schemeClr val="lt1"/>
-    </dgm:txFillClrLst>
-    <dgm:txEffectClrLst/>
-  </dgm:styleLbl>
-  <dgm:styleLbl name="parChTrans1D1">
-    <dgm:fillClrLst meth="repeat">
-      <a:schemeClr val="accent5"/>
-    </dgm:fillClrLst>
-    <dgm:linClrLst meth="repeat">
-      <a:schemeClr val="accent5"/>
-    </dgm:linClrLst>
-    <dgm:effectClrLst/>
-    <dgm:txLinClrLst/>
-    <dgm:txFillClrLst meth="repeat">
-      <a:schemeClr val="tx1"/>
-    </dgm:txFillClrLst>
-    <dgm:txEffectClrLst/>
-  </dgm:styleLbl>
-  <dgm:styleLbl name="parChTrans1D2">
-    <dgm:fillClrLst meth="repeat">
-      <a:schemeClr val="accent6">
-        <a:tint val="90000"/>
-      </a:schemeClr>
-    </dgm:fillClrLst>
-    <dgm:linClrLst meth="repeat">
-      <a:schemeClr val="accent6"/>
-    </dgm:linClrLst>
-    <dgm:effectClrLst/>
-    <dgm:txLinClrLst/>
-    <dgm:txFillClrLst meth="repeat">
-      <a:schemeClr val="tx1"/>
-    </dgm:txFillClrLst>
-    <dgm:txEffectClrLst/>
-  </dgm:styleLbl>
-  <dgm:styleLbl name="parChTrans1D3">
-    <dgm:fillClrLst meth="repeat">
-      <a:schemeClr val="accent6">
-        <a:tint val="70000"/>
-      </a:schemeClr>
-    </dgm:fillClrLst>
-    <dgm:linClrLst meth="repeat">
-      <a:schemeClr val="accent1"/>
-    </dgm:linClrLst>
-    <dgm:effectClrLst/>
-    <dgm:txLinClrLst/>
-    <dgm:txFillClrLst meth="repeat">
-      <a:schemeClr val="tx1"/>
-    </dgm:txFillClrLst>
-    <dgm:txEffectClrLst/>
-  </dgm:styleLbl>
-  <dgm:styleLbl name="parChTrans1D4">
-    <dgm:fillClrLst meth="repeat">
-      <a:schemeClr val="accent6">
-        <a:tint val="50000"/>
-      </a:schemeClr>
-    </dgm:fillClrLst>
-    <dgm:linClrLst meth="repeat">
-      <a:schemeClr val="accent2"/>
-    </dgm:linClrLst>
-    <dgm:effectClrLst/>
-    <dgm:txLinClrLst/>
-    <dgm:txFillClrLst meth="repeat">
-      <a:schemeClr val="tx1"/>
-    </dgm:txFillClrLst>
-    <dgm:txEffectClrLst/>
-  </dgm:styleLbl>
-  <dgm:styleLbl name="fgAcc1">
-    <dgm:fillClrLst meth="repeat">
-      <a:schemeClr val="lt1">
-        <a:alpha val="90000"/>
-      </a:schemeClr>
-    </dgm:fillClrLst>
-    <dgm:linClrLst>
-      <a:schemeClr val="accent5"/>
-      <a:schemeClr val="accent6"/>
-    </dgm:linClrLst>
-    <dgm:effectClrLst/>
-    <dgm:txLinClrLst/>
-    <dgm:txFillClrLst meth="repeat">
-      <a:schemeClr val="dk1"/>
-    </dgm:txFillClrLst>
-    <dgm:txEffectClrLst/>
-  </dgm:styleLbl>
-  <dgm:styleLbl name="conFgAcc1">
-    <dgm:fillClrLst meth="repeat">
-      <a:schemeClr val="lt1">
-        <a:alpha val="90000"/>
-      </a:schemeClr>
-    </dgm:fillClrLst>
-    <dgm:linClrLst>
-      <a:schemeClr val="accent5"/>
-      <a:schemeClr val="accent6"/>
-    </dgm:linClrLst>
-    <dgm:effectClrLst/>
-    <dgm:txLinClrLst/>
-    <dgm:txFillClrLst meth="repeat">
-      <a:schemeClr val="dk1"/>
-    </dgm:txFillClrLst>
-    <dgm:txEffectClrLst/>
-  </dgm:styleLbl>
-  <dgm:styleLbl name="alignAcc1">
-    <dgm:fillClrLst meth="repeat">
-      <a:schemeClr val="lt1">
-        <a:alpha val="90000"/>
-      </a:schemeClr>
-    </dgm:fillClrLst>
-    <dgm:linClrLst>
-      <a:schemeClr val="accent5"/>
-      <a:schemeClr val="accent6"/>
-    </dgm:linClrLst>
-    <dgm:effectClrLst/>
-    <dgm:txLinClrLst/>
-    <dgm:txFillClrLst meth="repeat">
-      <a:schemeClr val="dk1"/>
-    </dgm:txFillClrLst>
-    <dgm:txEffectClrLst/>
-  </dgm:styleLbl>
-  <dgm:styleLbl name="trAlignAcc1">
-    <dgm:fillClrLst meth="repeat">
-      <a:schemeClr val="lt1">
-        <a:alpha val="40000"/>
-      </a:schemeClr>
-    </dgm:fillClrLst>
-    <dgm:linClrLst meth="repeat">
-      <a:schemeClr val="accent5"/>
-    </dgm:linClrLst>
-    <dgm:effectClrLst/>
-    <dgm:txLinClrLst/>
-    <dgm:txFillClrLst meth="repeat">
-      <a:schemeClr val="dk1"/>
-    </dgm:txFillClrLst>
-    <dgm:txEffectClrLst/>
-  </dgm:styleLbl>
-  <dgm:styleLbl name="bgAcc1">
-    <dgm:fillClrLst meth="repeat">
-      <a:schemeClr val="lt1">
-        <a:alpha val="90000"/>
-      </a:schemeClr>
-    </dgm:fillClrLst>
-    <dgm:linClrLst>
-      <a:schemeClr val="accent5"/>
-      <a:schemeClr val="accent6"/>
-    </dgm:linClrLst>
-    <dgm:effectClrLst/>
-    <dgm:txLinClrLst/>
-    <dgm:txFillClrLst meth="repeat">
-      <a:schemeClr val="dk1"/>
-    </dgm:txFillClrLst>
-    <dgm:txEffectClrLst/>
-  </dgm:styleLbl>
-  <dgm:styleLbl name="solidFgAcc1">
-    <dgm:fillClrLst meth="repeat">
-      <a:schemeClr val="lt1"/>
-    </dgm:fillClrLst>
-    <dgm:linClrLst>
-      <a:schemeClr val="accent5"/>
-      <a:schemeClr val="accent6"/>
-    </dgm:linClrLst>
-    <dgm:effectClrLst/>
-    <dgm:txLinClrLst/>
-    <dgm:txFillClrLst meth="repeat">
-      <a:schemeClr val="dk1"/>
-    </dgm:txFillClrLst>
-    <dgm:txEffectClrLst/>
-  </dgm:styleLbl>
-  <dgm:styleLbl name="solidAlignAcc1">
-    <dgm:fillClrLst meth="repeat">
-      <a:schemeClr val="lt1"/>
-    </dgm:fillClrLst>
-    <dgm:linClrLst>
-      <a:schemeClr val="accent5"/>
-      <a:schemeClr val="accent6"/>
-    </dgm:linClrLst>
-    <dgm:effectClrLst/>
-    <dgm:txLinClrLst/>
-    <dgm:txFillClrLst meth="repeat">
-      <a:schemeClr val="dk1"/>
-    </dgm:txFillClrLst>
-    <dgm:txEffectClrLst/>
-  </dgm:styleLbl>
-  <dgm:styleLbl name="solidBgAcc1">
-    <dgm:fillClrLst meth="repeat">
-      <a:schemeClr val="lt1"/>
-    </dgm:fillClrLst>
-    <dgm:linClrLst>
-      <a:schemeClr val="accent5"/>
-      <a:schemeClr val="accent6"/>
-    </dgm:linClrLst>
-    <dgm:effectClrLst/>
-    <dgm:txLinClrLst/>
-    <dgm:txFillClrLst meth="repeat">
-      <a:schemeClr val="dk1"/>
-    </dgm:txFillClrLst>
-    <dgm:txEffectClrLst/>
-  </dgm:styleLbl>
-  <dgm:styleLbl name="fgAccFollowNode1">
-    <dgm:fillClrLst>
-      <a:schemeClr val="accent5">
-        <a:tint val="40000"/>
-        <a:alpha val="90000"/>
-      </a:schemeClr>
-      <a:schemeClr val="accent6">
-        <a:tint val="40000"/>
-        <a:alpha val="90000"/>
-      </a:schemeClr>
-    </dgm:fillClrLst>
-    <dgm:linClrLst>
-      <a:schemeClr val="accent5">
-        <a:tint val="40000"/>
-        <a:alpha val="90000"/>
-      </a:schemeClr>
-      <a:schemeClr val="accent5">
-        <a:tint val="40000"/>
-        <a:alpha val="90000"/>
-      </a:schemeClr>
-    </dgm:linClrLst>
-    <dgm:effectClrLst/>
-    <dgm:txLinClrLst/>
-    <dgm:txFillClrLst meth="repeat">
-      <a:schemeClr val="dk1"/>
-    </dgm:txFillClrLst>
-    <dgm:txEffectClrLst/>
-  </dgm:styleLbl>
-  <dgm:styleLbl name="alignAccFollowNode1">
-    <dgm:fillClrLst>
-      <a:schemeClr val="accent5">
-        <a:tint val="40000"/>
-        <a:alpha val="90000"/>
-      </a:schemeClr>
-      <a:schemeClr val="accent6">
-        <a:tint val="40000"/>
-        <a:alpha val="90000"/>
-      </a:schemeClr>
-    </dgm:fillClrLst>
-    <dgm:linClrLst>
-      <a:schemeClr val="accent5">
-        <a:tint val="40000"/>
-        <a:alpha val="90000"/>
-      </a:schemeClr>
-      <a:schemeClr val="accent6">
-        <a:tint val="40000"/>
-        <a:alpha val="90000"/>
-      </a:schemeClr>
-    </dgm:linClrLst>
-    <dgm:effectClrLst/>
-    <dgm:txLinClrLst/>
-    <dgm:txFillClrLst meth="repeat">
-      <a:schemeClr val="dk1"/>
-    </dgm:txFillClrLst>
-    <dgm:txEffectClrLst/>
-  </dgm:styleLbl>
-  <dgm:styleLbl name="bgAccFollowNode1">
-    <dgm:fillClrLst>
-      <a:schemeClr val="accent5">
-        <a:tint val="40000"/>
-        <a:alpha val="90000"/>
-      </a:schemeClr>
-      <a:schemeClr val="accent6">
-        <a:tint val="40000"/>
-        <a:alpha val="90000"/>
-      </a:schemeClr>
-    </dgm:fillClrLst>
-    <dgm:linClrLst>
-      <a:schemeClr val="accent5">
-        <a:tint val="40000"/>
-        <a:alpha val="90000"/>
-      </a:schemeClr>
-      <a:schemeClr val="accent6">
-        <a:tint val="40000"/>
-        <a:alpha val="90000"/>
-      </a:schemeClr>
-    </dgm:linClrLst>
-    <dgm:effectClrLst/>
-    <dgm:txLinClrLst/>
-    <dgm:txFillClrLst meth="repeat">
-      <a:schemeClr val="dk1"/>
-    </dgm:txFillClrLst>
-    <dgm:txEffectClrLst/>
-  </dgm:styleLbl>
-  <dgm:styleLbl name="fgAcc0">
-    <dgm:fillClrLst meth="repeat">
-      <a:schemeClr val="lt1">
-        <a:alpha val="90000"/>
-      </a:schemeClr>
-    </dgm:fillClrLst>
-    <dgm:linClrLst>
-      <a:schemeClr val="accent4"/>
-    </dgm:linClrLst>
-    <dgm:effectClrLst/>
-    <dgm:txLinClrLst/>
-    <dgm:txFillClrLst meth="repeat">
-      <a:schemeClr val="dk1"/>
-    </dgm:txFillClrLst>
-    <dgm:txEffectClrLst/>
-  </dgm:styleLbl>
-  <dgm:styleLbl name="fgAcc2">
-    <dgm:fillClrLst meth="repeat">
-      <a:schemeClr val="lt1">
-        <a:alpha val="90000"/>
-      </a:schemeClr>
-    </dgm:fillClrLst>
-    <dgm:linClrLst>
-      <a:schemeClr val="accent6"/>
-    </dgm:linClrLst>
-    <dgm:effectClrLst/>
-    <dgm:txLinClrLst/>
-    <dgm:txFillClrLst meth="repeat">
-      <a:schemeClr val="dk1"/>
-    </dgm:txFillClrLst>
-    <dgm:txEffectClrLst/>
-  </dgm:styleLbl>
-  <dgm:styleLbl name="fgAcc3">
-    <dgm:fillClrLst meth="repeat">
-      <a:schemeClr val="lt1">
-        <a:alpha val="90000"/>
-      </a:schemeClr>
-    </dgm:fillClrLst>
-    <dgm:linClrLst>
-      <a:schemeClr val="accent1"/>
-    </dgm:linClrLst>
-    <dgm:effectClrLst/>
-    <dgm:txLinClrLst/>
-    <dgm:txFillClrLst meth="repeat">
-      <a:schemeClr val="dk1"/>
-    </dgm:txFillClrLst>
-    <dgm:txEffectClrLst/>
-  </dgm:styleLbl>
-  <dgm:styleLbl name="fgAcc4">
-    <dgm:fillClrLst meth="repeat">
-      <a:schemeClr val="lt1">
-        <a:alpha val="90000"/>
-      </a:schemeClr>
-    </dgm:fillClrLst>
-    <dgm:linClrLst>
-      <a:schemeClr val="accent2"/>
-    </dgm:linClrLst>
-    <dgm:effectClrLst/>
-    <dgm:txLinClrLst/>
-    <dgm:txFillClrLst meth="repeat">
-      <a:schemeClr val="dk1"/>
-    </dgm:txFillClrLst>
-    <dgm:txEffectClrLst/>
-  </dgm:styleLbl>
-  <dgm:styleLbl name="bgShp">
-    <dgm:fillClrLst meth="repeat">
-      <a:schemeClr val="bg1">
-        <a:lumMod val="95000"/>
-      </a:schemeClr>
-    </dgm:fillClrLst>
-    <dgm:linClrLst meth="repeat">
-      <a:schemeClr val="dk1"/>
-    </dgm:linClrLst>
-    <dgm:effectClrLst/>
-    <dgm:txLinClrLst/>
-    <dgm:txFillClrLst meth="repeat">
-      <a:schemeClr val="dk1"/>
-    </dgm:txFillClrLst>
-    <dgm:txEffectClrLst/>
-  </dgm:styleLbl>
-  <dgm:styleLbl name="dkBgShp">
-    <dgm:fillClrLst meth="repeat">
-      <a:schemeClr val="accent5">
-        <a:shade val="90000"/>
-      </a:schemeClr>
-    </dgm:fillClrLst>
-    <dgm:linClrLst meth="repeat">
-      <a:schemeClr val="dk1"/>
-    </dgm:linClrLst>
-    <dgm:effectClrLst/>
-    <dgm:txLinClrLst/>
-    <dgm:txFillClrLst meth="repeat">
-      <a:schemeClr val="lt1"/>
-    </dgm:txFillClrLst>
-    <dgm:txEffectClrLst/>
-  </dgm:styleLbl>
-  <dgm:styleLbl name="trBgShp">
-    <dgm:fillClrLst meth="repeat">
-      <a:schemeClr val="accent5">
-        <a:tint val="50000"/>
-        <a:alpha val="40000"/>
-      </a:schemeClr>
-    </dgm:fillClrLst>
-    <dgm:linClrLst meth="repeat">
-      <a:schemeClr val="accent5"/>
-    </dgm:linClrLst>
-    <dgm:effectClrLst/>
-    <dgm:txLinClrLst/>
-    <dgm:txFillClrLst meth="repeat">
-      <a:schemeClr val="lt1"/>
-    </dgm:txFillClrLst>
-    <dgm:txEffectClrLst/>
-  </dgm:styleLbl>
-  <dgm:styleLbl name="fgShp">
-    <dgm:fillClrLst meth="repeat">
-      <a:schemeClr val="accent5">
-        <a:tint val="40000"/>
-      </a:schemeClr>
-    </dgm:fillClrLst>
-    <dgm:linClrLst meth="repeat">
-      <a:schemeClr val="lt1"/>
-    </dgm:linClrLst>
-    <dgm:effectClrLst/>
-    <dgm:txLinClrLst/>
-    <dgm:txFillClrLst meth="repeat">
-      <a:schemeClr val="dk1"/>
-    </dgm:txFillClrLst>
-    <dgm:txEffectClrLst/>
-  </dgm:styleLbl>
-  <dgm:styleLbl name="revTx">
-    <dgm:fillClrLst meth="repeat">
-      <a:schemeClr val="lt1">
-        <a:alpha val="0"/>
-      </a:schemeClr>
-    </dgm:fillClrLst>
-    <dgm:linClrLst meth="repeat">
-      <a:schemeClr val="dk1">
-        <a:alpha val="0"/>
-      </a:schemeClr>
-    </dgm:linClrLst>
-    <dgm:effectClrLst/>
-    <dgm:txLinClrLst/>
-    <dgm:txFillClrLst meth="repeat">
-      <a:schemeClr val="tx1"/>
-    </dgm:txFillClrLst>
-    <dgm:txEffectClrLst/>
-  </dgm:styleLbl>
-</dgm:colorsDef>
-</file>
-
-<file path=ppt/diagrams/data1.xml><?xml version="1.0" encoding="utf-8"?>
-<dgm:dataModel xmlns:dgm="http://schemas.openxmlformats.org/drawingml/2006/diagram" xmlns:a="http://schemas.openxmlformats.org/drawingml/2006/main">
-  <dgm:ptLst>
-    <dgm:pt modelId="{76711620-EBD7-470A-B364-1E2EC967F01A}" type="doc">
-      <dgm:prSet loTypeId="urn:microsoft.com/office/officeart/2018/5/layout/IconCircleLabelList" loCatId="icon" qsTypeId="urn:microsoft.com/office/officeart/2005/8/quickstyle/simple1" qsCatId="simple" csTypeId="urn:microsoft.com/office/officeart/2018/5/colors/Iconchunking_neutralbg_colorful5" csCatId="colorful" phldr="1"/>
-      <dgm:spPr/>
-      <dgm:t>
-        <a:bodyPr/>
-        <a:lstStyle/>
-        <a:p>
-          <a:endParaRPr lang="en-US"/>
-        </a:p>
-      </dgm:t>
-    </dgm:pt>
-    <dgm:pt modelId="{D5A23640-46BF-4391-9191-ED9CF0F7B4C4}">
-      <dgm:prSet/>
-      <dgm:spPr/>
-      <dgm:t>
-        <a:bodyPr/>
-        <a:lstStyle/>
-        <a:p>
-          <a:pPr>
-            <a:lnSpc>
-              <a:spcPct val="100000"/>
-            </a:lnSpc>
-            <a:defRPr cap="all"/>
-          </a:pPr>
-          <a:r>
-            <a:rPr lang="en-US"/>
-            <a:t>Elevator Pitch</a:t>
-          </a:r>
-        </a:p>
-      </dgm:t>
-    </dgm:pt>
-    <dgm:pt modelId="{0ECD1F44-451D-42FF-BC15-AFA9E959E8BD}" type="parTrans" cxnId="{4B9692CB-DA67-4590-9083-113D364F25B8}">
-      <dgm:prSet/>
-      <dgm:spPr/>
-      <dgm:t>
-        <a:bodyPr/>
-        <a:lstStyle/>
-        <a:p>
-          <a:endParaRPr lang="en-US"/>
-        </a:p>
-      </dgm:t>
-    </dgm:pt>
-    <dgm:pt modelId="{3A8F3A21-2554-490E-B110-B03B4309F55C}" type="sibTrans" cxnId="{4B9692CB-DA67-4590-9083-113D364F25B8}">
-      <dgm:prSet/>
-      <dgm:spPr/>
-      <dgm:t>
-        <a:bodyPr/>
-        <a:lstStyle/>
-        <a:p>
-          <a:endParaRPr lang="en-US"/>
-        </a:p>
-      </dgm:t>
-    </dgm:pt>
-    <dgm:pt modelId="{B5FD7DE2-2D42-4711-BD55-21BB56090194}">
-      <dgm:prSet/>
-      <dgm:spPr/>
-      <dgm:t>
-        <a:bodyPr/>
-        <a:lstStyle/>
-        <a:p>
-          <a:pPr>
-            <a:lnSpc>
-              <a:spcPct val="100000"/>
-            </a:lnSpc>
-            <a:defRPr cap="all"/>
-          </a:pPr>
-          <a:r>
-            <a:rPr lang="en-US"/>
-            <a:t>Research Proposal Review</a:t>
-          </a:r>
-        </a:p>
-      </dgm:t>
-    </dgm:pt>
-    <dgm:pt modelId="{B2EF460F-FAC8-426D-896D-7002A289BEF3}" type="parTrans" cxnId="{98DEB606-8F87-461E-AB9E-28C8B2CCE852}">
-      <dgm:prSet/>
-      <dgm:spPr/>
-      <dgm:t>
-        <a:bodyPr/>
-        <a:lstStyle/>
-        <a:p>
-          <a:endParaRPr lang="en-US"/>
-        </a:p>
-      </dgm:t>
-    </dgm:pt>
-    <dgm:pt modelId="{683A7181-9139-43B6-847D-1E5E111C9D91}" type="sibTrans" cxnId="{98DEB606-8F87-461E-AB9E-28C8B2CCE852}">
-      <dgm:prSet/>
-      <dgm:spPr/>
-      <dgm:t>
-        <a:bodyPr/>
-        <a:lstStyle/>
-        <a:p>
-          <a:endParaRPr lang="en-US"/>
-        </a:p>
-      </dgm:t>
-    </dgm:pt>
-    <dgm:pt modelId="{2A7E3C0A-D61B-433F-BF33-BB781EF1AA82}">
-      <dgm:prSet/>
-      <dgm:spPr/>
-      <dgm:t>
-        <a:bodyPr/>
-        <a:lstStyle/>
-        <a:p>
-          <a:pPr>
-            <a:lnSpc>
-              <a:spcPct val="100000"/>
-            </a:lnSpc>
-            <a:defRPr cap="all"/>
-          </a:pPr>
-          <a:r>
-            <a:rPr lang="en-GB"/>
-            <a:t>Keywords Search</a:t>
-          </a:r>
-          <a:endParaRPr lang="en-US"/>
-        </a:p>
-      </dgm:t>
-    </dgm:pt>
-    <dgm:pt modelId="{54B836A1-3665-48F3-95F3-673C9C5CD003}" type="parTrans" cxnId="{3EF33094-FAE1-49A3-8661-C8241FA361A5}">
-      <dgm:prSet/>
-      <dgm:spPr/>
-      <dgm:t>
-        <a:bodyPr/>
-        <a:lstStyle/>
-        <a:p>
-          <a:endParaRPr lang="en-US"/>
-        </a:p>
-      </dgm:t>
-    </dgm:pt>
-    <dgm:pt modelId="{9A7EB952-33B5-4E62-837C-A592D9C94B53}" type="sibTrans" cxnId="{3EF33094-FAE1-49A3-8661-C8241FA361A5}">
-      <dgm:prSet/>
-      <dgm:spPr/>
-      <dgm:t>
-        <a:bodyPr/>
-        <a:lstStyle/>
-        <a:p>
-          <a:endParaRPr lang="en-US"/>
-        </a:p>
-      </dgm:t>
-    </dgm:pt>
-    <dgm:pt modelId="{07ADF82A-3250-4919-B747-F750FA27EF19}">
-      <dgm:prSet/>
-      <dgm:spPr/>
-      <dgm:t>
-        <a:bodyPr/>
-        <a:lstStyle/>
-        <a:p>
-          <a:pPr>
-            <a:lnSpc>
-              <a:spcPct val="100000"/>
-            </a:lnSpc>
-            <a:defRPr cap="all"/>
-          </a:pPr>
-          <a:r>
-            <a:rPr lang="en-GB"/>
-            <a:t>Search Results	</a:t>
-          </a:r>
-          <a:endParaRPr lang="en-US"/>
-        </a:p>
-      </dgm:t>
-    </dgm:pt>
-    <dgm:pt modelId="{928B218B-F617-416B-8EDC-0B57228DD655}" type="parTrans" cxnId="{57422377-6A11-494A-AC65-320040CA6034}">
-      <dgm:prSet/>
-      <dgm:spPr/>
-      <dgm:t>
-        <a:bodyPr/>
-        <a:lstStyle/>
-        <a:p>
-          <a:endParaRPr lang="en-US"/>
-        </a:p>
-      </dgm:t>
-    </dgm:pt>
-    <dgm:pt modelId="{38A28A41-C689-43FF-96A2-11291EE16D50}" type="sibTrans" cxnId="{57422377-6A11-494A-AC65-320040CA6034}">
-      <dgm:prSet/>
-      <dgm:spPr/>
-      <dgm:t>
-        <a:bodyPr/>
-        <a:lstStyle/>
-        <a:p>
-          <a:endParaRPr lang="en-US"/>
-        </a:p>
-      </dgm:t>
-    </dgm:pt>
-    <dgm:pt modelId="{9AAFE6A1-6C3B-4D37-A085-856D7FC02567}" type="pres">
-      <dgm:prSet presAssocID="{76711620-EBD7-470A-B364-1E2EC967F01A}" presName="root" presStyleCnt="0">
-        <dgm:presLayoutVars>
-          <dgm:dir/>
-          <dgm:resizeHandles val="exact"/>
-        </dgm:presLayoutVars>
-      </dgm:prSet>
-      <dgm:spPr/>
-    </dgm:pt>
-    <dgm:pt modelId="{444582B5-8A58-4DDB-A8F3-E7AEB89347E6}" type="pres">
-      <dgm:prSet presAssocID="{D5A23640-46BF-4391-9191-ED9CF0F7B4C4}" presName="compNode" presStyleCnt="0"/>
-      <dgm:spPr/>
-    </dgm:pt>
-    <dgm:pt modelId="{29F5D29F-4E5C-4A20-8FFF-135807CAF664}" type="pres">
-      <dgm:prSet presAssocID="{D5A23640-46BF-4391-9191-ED9CF0F7B4C4}" presName="iconBgRect" presStyleLbl="bgShp" presStyleIdx="0" presStyleCnt="4"/>
-      <dgm:spPr/>
-    </dgm:pt>
-    <dgm:pt modelId="{E86BB8B3-C152-46F1-A003-90B89C2B8838}" type="pres">
-      <dgm:prSet presAssocID="{D5A23640-46BF-4391-9191-ED9CF0F7B4C4}" presName="iconRect" presStyleLbl="node1" presStyleIdx="0" presStyleCnt="4"/>
-      <dgm:spPr>
-        <a:blipFill>
-          <a:blip xmlns:r="http://schemas.openxmlformats.org/officeDocument/2006/relationships" r:embed="rId1">
-            <a:extLst>
-              <a:ext uri="{28A0092B-C50C-407E-A947-70E740481C1C}">
-                <a14:useLocalDpi xmlns:a14="http://schemas.microsoft.com/office/drawing/2010/main" val="0"/>
-              </a:ext>
-              <a:ext uri="{96DAC541-7B7A-43D3-8B79-37D633B846F1}">
-                <asvg:svgBlip xmlns:asvg="http://schemas.microsoft.com/office/drawing/2016/SVG/main" r:embed="rId2"/>
-              </a:ext>
-            </a:extLst>
-          </a:blip>
-          <a:stretch>
-            <a:fillRect/>
-          </a:stretch>
-        </a:blipFill>
-        <a:ln>
-          <a:noFill/>
-        </a:ln>
-      </dgm:spPr>
-      <dgm:extLst>
-        <a:ext uri="{E40237B7-FDA0-4F09-8148-C483321AD2D9}">
-          <dgm14:cNvPr xmlns:dgm14="http://schemas.microsoft.com/office/drawing/2010/diagram" id="0" name="" descr="Step"/>
-        </a:ext>
-      </dgm:extLst>
-    </dgm:pt>
-    <dgm:pt modelId="{A3526650-2E3F-435F-A4E9-37E6FC6768D0}" type="pres">
-      <dgm:prSet presAssocID="{D5A23640-46BF-4391-9191-ED9CF0F7B4C4}" presName="spaceRect" presStyleCnt="0"/>
-      <dgm:spPr/>
-    </dgm:pt>
-    <dgm:pt modelId="{8EEC54BC-4CA1-4145-8B81-B38B471B3BCA}" type="pres">
-      <dgm:prSet presAssocID="{D5A23640-46BF-4391-9191-ED9CF0F7B4C4}" presName="textRect" presStyleLbl="revTx" presStyleIdx="0" presStyleCnt="4">
-        <dgm:presLayoutVars>
-          <dgm:chMax val="1"/>
-          <dgm:chPref val="1"/>
-        </dgm:presLayoutVars>
-      </dgm:prSet>
-      <dgm:spPr/>
-    </dgm:pt>
-    <dgm:pt modelId="{582B6D13-113F-4267-B9D3-5818E2D4EF4A}" type="pres">
-      <dgm:prSet presAssocID="{3A8F3A21-2554-490E-B110-B03B4309F55C}" presName="sibTrans" presStyleCnt="0"/>
-      <dgm:spPr/>
-    </dgm:pt>
-    <dgm:pt modelId="{65A95556-9EC7-4928-BFAC-64D103F8E5E8}" type="pres">
-      <dgm:prSet presAssocID="{B5FD7DE2-2D42-4711-BD55-21BB56090194}" presName="compNode" presStyleCnt="0"/>
-      <dgm:spPr/>
-    </dgm:pt>
-    <dgm:pt modelId="{447B4303-A014-4513-B772-3CEBB6A55163}" type="pres">
-      <dgm:prSet presAssocID="{B5FD7DE2-2D42-4711-BD55-21BB56090194}" presName="iconBgRect" presStyleLbl="bgShp" presStyleIdx="1" presStyleCnt="4"/>
-      <dgm:spPr/>
-    </dgm:pt>
-    <dgm:pt modelId="{E6B372C6-9A55-4C7D-9867-C3FADAE10DEA}" type="pres">
-      <dgm:prSet presAssocID="{B5FD7DE2-2D42-4711-BD55-21BB56090194}" presName="iconRect" presStyleLbl="node1" presStyleIdx="1" presStyleCnt="4"/>
-      <dgm:spPr>
-        <a:blipFill>
-          <a:blip xmlns:r="http://schemas.openxmlformats.org/officeDocument/2006/relationships" r:embed="rId3">
-            <a:extLst>
-              <a:ext uri="{28A0092B-C50C-407E-A947-70E740481C1C}">
-                <a14:useLocalDpi xmlns:a14="http://schemas.microsoft.com/office/drawing/2010/main" val="0"/>
-              </a:ext>
-              <a:ext uri="{96DAC541-7B7A-43D3-8B79-37D633B846F1}">
-                <asvg:svgBlip xmlns:asvg="http://schemas.microsoft.com/office/drawing/2016/SVG/main" r:embed="rId4"/>
-              </a:ext>
-            </a:extLst>
-          </a:blip>
-          <a:stretch>
-            <a:fillRect/>
-          </a:stretch>
-        </a:blipFill>
-        <a:ln>
-          <a:noFill/>
-        </a:ln>
-      </dgm:spPr>
-      <dgm:extLst>
-        <a:ext uri="{E40237B7-FDA0-4F09-8148-C483321AD2D9}">
-          <dgm14:cNvPr xmlns:dgm14="http://schemas.microsoft.com/office/drawing/2010/diagram" id="0" name="" descr="Fabric Report Library"/>
-        </a:ext>
-      </dgm:extLst>
-    </dgm:pt>
-    <dgm:pt modelId="{4424B280-61AE-48ED-9674-E8DC8E29927E}" type="pres">
-      <dgm:prSet presAssocID="{B5FD7DE2-2D42-4711-BD55-21BB56090194}" presName="spaceRect" presStyleCnt="0"/>
-      <dgm:spPr/>
-    </dgm:pt>
-    <dgm:pt modelId="{5B4D6BF4-B0CD-4E20-90B2-3365988150D3}" type="pres">
-      <dgm:prSet presAssocID="{B5FD7DE2-2D42-4711-BD55-21BB56090194}" presName="textRect" presStyleLbl="revTx" presStyleIdx="1" presStyleCnt="4">
-        <dgm:presLayoutVars>
-          <dgm:chMax val="1"/>
-          <dgm:chPref val="1"/>
-        </dgm:presLayoutVars>
-      </dgm:prSet>
-      <dgm:spPr/>
-    </dgm:pt>
-    <dgm:pt modelId="{358B4BB7-BB4C-41A6-AF63-E17094D021DC}" type="pres">
-      <dgm:prSet presAssocID="{683A7181-9139-43B6-847D-1E5E111C9D91}" presName="sibTrans" presStyleCnt="0"/>
-      <dgm:spPr/>
-    </dgm:pt>
-    <dgm:pt modelId="{CD02D60E-48FE-41A9-BB99-45DD21990773}" type="pres">
-      <dgm:prSet presAssocID="{2A7E3C0A-D61B-433F-BF33-BB781EF1AA82}" presName="compNode" presStyleCnt="0"/>
-      <dgm:spPr/>
-    </dgm:pt>
-    <dgm:pt modelId="{D131B22B-34C5-4BC3-B666-5510AD37B97D}" type="pres">
-      <dgm:prSet presAssocID="{2A7E3C0A-D61B-433F-BF33-BB781EF1AA82}" presName="iconBgRect" presStyleLbl="bgShp" presStyleIdx="2" presStyleCnt="4"/>
-      <dgm:spPr/>
-    </dgm:pt>
-    <dgm:pt modelId="{06B643F7-99F9-4D35-8154-E07D3438E4B2}" type="pres">
-      <dgm:prSet presAssocID="{2A7E3C0A-D61B-433F-BF33-BB781EF1AA82}" presName="iconRect" presStyleLbl="node1" presStyleIdx="2" presStyleCnt="4"/>
-      <dgm:spPr>
-        <a:blipFill>
-          <a:blip xmlns:r="http://schemas.openxmlformats.org/officeDocument/2006/relationships" r:embed="rId5">
-            <a:extLst>
-              <a:ext uri="{28A0092B-C50C-407E-A947-70E740481C1C}">
-                <a14:useLocalDpi xmlns:a14="http://schemas.microsoft.com/office/drawing/2010/main" val="0"/>
-              </a:ext>
-              <a:ext uri="{96DAC541-7B7A-43D3-8B79-37D633B846F1}">
-                <asvg:svgBlip xmlns:asvg="http://schemas.microsoft.com/office/drawing/2016/SVG/main" r:embed="rId6"/>
-              </a:ext>
-            </a:extLst>
-          </a:blip>
-          <a:stretch>
-            <a:fillRect/>
-          </a:stretch>
-        </a:blipFill>
-        <a:ln>
-          <a:noFill/>
-        </a:ln>
-      </dgm:spPr>
-      <dgm:extLst>
-        <a:ext uri="{E40237B7-FDA0-4F09-8148-C483321AD2D9}">
-          <dgm14:cNvPr xmlns:dgm14="http://schemas.microsoft.com/office/drawing/2010/diagram" id="0" name="" descr="Search"/>
-        </a:ext>
-      </dgm:extLst>
-    </dgm:pt>
-    <dgm:pt modelId="{7B881DB7-0053-43CD-AEFA-896B977410A7}" type="pres">
-      <dgm:prSet presAssocID="{2A7E3C0A-D61B-433F-BF33-BB781EF1AA82}" presName="spaceRect" presStyleCnt="0"/>
-      <dgm:spPr/>
-    </dgm:pt>
-    <dgm:pt modelId="{826F9300-E13D-42B1-9B2F-3F24B1598902}" type="pres">
-      <dgm:prSet presAssocID="{2A7E3C0A-D61B-433F-BF33-BB781EF1AA82}" presName="textRect" presStyleLbl="revTx" presStyleIdx="2" presStyleCnt="4">
-        <dgm:presLayoutVars>
-          <dgm:chMax val="1"/>
-          <dgm:chPref val="1"/>
-        </dgm:presLayoutVars>
-      </dgm:prSet>
-      <dgm:spPr/>
-    </dgm:pt>
-    <dgm:pt modelId="{F6AB281E-A6FB-4136-9023-33B1EB14D357}" type="pres">
-      <dgm:prSet presAssocID="{9A7EB952-33B5-4E62-837C-A592D9C94B53}" presName="sibTrans" presStyleCnt="0"/>
-      <dgm:spPr/>
-    </dgm:pt>
-    <dgm:pt modelId="{6780E69C-0860-47DE-B396-29189CE3E0B3}" type="pres">
-      <dgm:prSet presAssocID="{07ADF82A-3250-4919-B747-F750FA27EF19}" presName="compNode" presStyleCnt="0"/>
-      <dgm:spPr/>
-    </dgm:pt>
-    <dgm:pt modelId="{4E0135BC-ED3B-422D-AC5A-A53EE6B423B1}" type="pres">
-      <dgm:prSet presAssocID="{07ADF82A-3250-4919-B747-F750FA27EF19}" presName="iconBgRect" presStyleLbl="bgShp" presStyleIdx="3" presStyleCnt="4"/>
-      <dgm:spPr/>
-    </dgm:pt>
-    <dgm:pt modelId="{6B17AD27-FB49-4550-A2D2-3951A209B89E}" type="pres">
-      <dgm:prSet presAssocID="{07ADF82A-3250-4919-B747-F750FA27EF19}" presName="iconRect" presStyleLbl="node1" presStyleIdx="3" presStyleCnt="4"/>
-      <dgm:spPr>
-        <a:blipFill>
-          <a:blip xmlns:r="http://schemas.openxmlformats.org/officeDocument/2006/relationships" r:embed="rId7">
-            <a:extLst>
-              <a:ext uri="{28A0092B-C50C-407E-A947-70E740481C1C}">
-                <a14:useLocalDpi xmlns:a14="http://schemas.microsoft.com/office/drawing/2010/main" val="0"/>
-              </a:ext>
-              <a:ext uri="{96DAC541-7B7A-43D3-8B79-37D633B846F1}">
-                <asvg:svgBlip xmlns:asvg="http://schemas.microsoft.com/office/drawing/2016/SVG/main" r:embed="rId8"/>
-              </a:ext>
-            </a:extLst>
-          </a:blip>
-          <a:stretch>
-            <a:fillRect/>
-          </a:stretch>
-        </a:blipFill>
-        <a:ln>
-          <a:noFill/>
-        </a:ln>
-      </dgm:spPr>
-      <dgm:extLst>
-        <a:ext uri="{E40237B7-FDA0-4F09-8148-C483321AD2D9}">
-          <dgm14:cNvPr xmlns:dgm14="http://schemas.microsoft.com/office/drawing/2010/diagram" id="0" name="" descr="Document Search"/>
-        </a:ext>
-      </dgm:extLst>
-    </dgm:pt>
-    <dgm:pt modelId="{94F6A08E-F17D-4541-979F-9D6B519C17CA}" type="pres">
-      <dgm:prSet presAssocID="{07ADF82A-3250-4919-B747-F750FA27EF19}" presName="spaceRect" presStyleCnt="0"/>
-      <dgm:spPr/>
-    </dgm:pt>
-    <dgm:pt modelId="{77949F9E-0D9C-4CCF-9FD7-C60A5BB6F787}" type="pres">
-      <dgm:prSet presAssocID="{07ADF82A-3250-4919-B747-F750FA27EF19}" presName="textRect" presStyleLbl="revTx" presStyleIdx="3" presStyleCnt="4">
-        <dgm:presLayoutVars>
-          <dgm:chMax val="1"/>
-          <dgm:chPref val="1"/>
-        </dgm:presLayoutVars>
-      </dgm:prSet>
-      <dgm:spPr/>
-    </dgm:pt>
-  </dgm:ptLst>
-  <dgm:cxnLst>
-    <dgm:cxn modelId="{98DEB606-8F87-461E-AB9E-28C8B2CCE852}" srcId="{76711620-EBD7-470A-B364-1E2EC967F01A}" destId="{B5FD7DE2-2D42-4711-BD55-21BB56090194}" srcOrd="1" destOrd="0" parTransId="{B2EF460F-FAC8-426D-896D-7002A289BEF3}" sibTransId="{683A7181-9139-43B6-847D-1E5E111C9D91}"/>
-    <dgm:cxn modelId="{9260A00A-1B22-4782-981B-48A32E005F6B}" type="presOf" srcId="{2A7E3C0A-D61B-433F-BF33-BB781EF1AA82}" destId="{826F9300-E13D-42B1-9B2F-3F24B1598902}" srcOrd="0" destOrd="0" presId="urn:microsoft.com/office/officeart/2018/5/layout/IconCircleLabelList"/>
-    <dgm:cxn modelId="{9C21FA37-0833-4A40-A64A-C48AC21FECA6}" type="presOf" srcId="{07ADF82A-3250-4919-B747-F750FA27EF19}" destId="{77949F9E-0D9C-4CCF-9FD7-C60A5BB6F787}" srcOrd="0" destOrd="0" presId="urn:microsoft.com/office/officeart/2018/5/layout/IconCircleLabelList"/>
-    <dgm:cxn modelId="{5AE37839-E187-41E6-973C-FBDF3F0519F4}" type="presOf" srcId="{76711620-EBD7-470A-B364-1E2EC967F01A}" destId="{9AAFE6A1-6C3B-4D37-A085-856D7FC02567}" srcOrd="0" destOrd="0" presId="urn:microsoft.com/office/officeart/2018/5/layout/IconCircleLabelList"/>
-    <dgm:cxn modelId="{57422377-6A11-494A-AC65-320040CA6034}" srcId="{76711620-EBD7-470A-B364-1E2EC967F01A}" destId="{07ADF82A-3250-4919-B747-F750FA27EF19}" srcOrd="3" destOrd="0" parTransId="{928B218B-F617-416B-8EDC-0B57228DD655}" sibTransId="{38A28A41-C689-43FF-96A2-11291EE16D50}"/>
-    <dgm:cxn modelId="{D6C6007E-2DE3-4845-A098-27085A534665}" type="presOf" srcId="{B5FD7DE2-2D42-4711-BD55-21BB56090194}" destId="{5B4D6BF4-B0CD-4E20-90B2-3365988150D3}" srcOrd="0" destOrd="0" presId="urn:microsoft.com/office/officeart/2018/5/layout/IconCircleLabelList"/>
-    <dgm:cxn modelId="{3EF33094-FAE1-49A3-8661-C8241FA361A5}" srcId="{76711620-EBD7-470A-B364-1E2EC967F01A}" destId="{2A7E3C0A-D61B-433F-BF33-BB781EF1AA82}" srcOrd="2" destOrd="0" parTransId="{54B836A1-3665-48F3-95F3-673C9C5CD003}" sibTransId="{9A7EB952-33B5-4E62-837C-A592D9C94B53}"/>
-    <dgm:cxn modelId="{4B9692CB-DA67-4590-9083-113D364F25B8}" srcId="{76711620-EBD7-470A-B364-1E2EC967F01A}" destId="{D5A23640-46BF-4391-9191-ED9CF0F7B4C4}" srcOrd="0" destOrd="0" parTransId="{0ECD1F44-451D-42FF-BC15-AFA9E959E8BD}" sibTransId="{3A8F3A21-2554-490E-B110-B03B4309F55C}"/>
-    <dgm:cxn modelId="{345610D9-AD0E-419E-9760-C6ADCF6BE443}" type="presOf" srcId="{D5A23640-46BF-4391-9191-ED9CF0F7B4C4}" destId="{8EEC54BC-4CA1-4145-8B81-B38B471B3BCA}" srcOrd="0" destOrd="0" presId="urn:microsoft.com/office/officeart/2018/5/layout/IconCircleLabelList"/>
-    <dgm:cxn modelId="{D777E001-10ED-431F-97D5-8152438654C7}" type="presParOf" srcId="{9AAFE6A1-6C3B-4D37-A085-856D7FC02567}" destId="{444582B5-8A58-4DDB-A8F3-E7AEB89347E6}" srcOrd="0" destOrd="0" presId="urn:microsoft.com/office/officeart/2018/5/layout/IconCircleLabelList"/>
-    <dgm:cxn modelId="{D8B9264E-12BB-4CDC-A0A2-0677563CB6B1}" type="presParOf" srcId="{444582B5-8A58-4DDB-A8F3-E7AEB89347E6}" destId="{29F5D29F-4E5C-4A20-8FFF-135807CAF664}" srcOrd="0" destOrd="0" presId="urn:microsoft.com/office/officeart/2018/5/layout/IconCircleLabelList"/>
-    <dgm:cxn modelId="{9212CF3F-EABB-44D6-9175-56B11A28AFA5}" type="presParOf" srcId="{444582B5-8A58-4DDB-A8F3-E7AEB89347E6}" destId="{E86BB8B3-C152-46F1-A003-90B89C2B8838}" srcOrd="1" destOrd="0" presId="urn:microsoft.com/office/officeart/2018/5/layout/IconCircleLabelList"/>
-    <dgm:cxn modelId="{C0376CEF-72C2-4186-8B32-1F79717362CA}" type="presParOf" srcId="{444582B5-8A58-4DDB-A8F3-E7AEB89347E6}" destId="{A3526650-2E3F-435F-A4E9-37E6FC6768D0}" srcOrd="2" destOrd="0" presId="urn:microsoft.com/office/officeart/2018/5/layout/IconCircleLabelList"/>
-    <dgm:cxn modelId="{66073A6C-A09F-475F-870C-AB91F807B264}" type="presParOf" srcId="{444582B5-8A58-4DDB-A8F3-E7AEB89347E6}" destId="{8EEC54BC-4CA1-4145-8B81-B38B471B3BCA}" srcOrd="3" destOrd="0" presId="urn:microsoft.com/office/officeart/2018/5/layout/IconCircleLabelList"/>
-    <dgm:cxn modelId="{9ABEFF62-EE3B-4113-96EB-85E7BE04E869}" type="presParOf" srcId="{9AAFE6A1-6C3B-4D37-A085-856D7FC02567}" destId="{582B6D13-113F-4267-B9D3-5818E2D4EF4A}" srcOrd="1" destOrd="0" presId="urn:microsoft.com/office/officeart/2018/5/layout/IconCircleLabelList"/>
-    <dgm:cxn modelId="{A7F82069-C536-49CD-B3FC-A2C287ED831E}" type="presParOf" srcId="{9AAFE6A1-6C3B-4D37-A085-856D7FC02567}" destId="{65A95556-9EC7-4928-BFAC-64D103F8E5E8}" srcOrd="2" destOrd="0" presId="urn:microsoft.com/office/officeart/2018/5/layout/IconCircleLabelList"/>
-    <dgm:cxn modelId="{22726B97-A9A9-4025-BB9F-A8E4E833C31E}" type="presParOf" srcId="{65A95556-9EC7-4928-BFAC-64D103F8E5E8}" destId="{447B4303-A014-4513-B772-3CEBB6A55163}" srcOrd="0" destOrd="0" presId="urn:microsoft.com/office/officeart/2018/5/layout/IconCircleLabelList"/>
-    <dgm:cxn modelId="{B49F9475-A151-4D8C-B0BE-50BECCEB08E3}" type="presParOf" srcId="{65A95556-9EC7-4928-BFAC-64D103F8E5E8}" destId="{E6B372C6-9A55-4C7D-9867-C3FADAE10DEA}" srcOrd="1" destOrd="0" presId="urn:microsoft.com/office/officeart/2018/5/layout/IconCircleLabelList"/>
-    <dgm:cxn modelId="{5B34071D-4885-4541-80E9-69FE0F2D4F30}" type="presParOf" srcId="{65A95556-9EC7-4928-BFAC-64D103F8E5E8}" destId="{4424B280-61AE-48ED-9674-E8DC8E29927E}" srcOrd="2" destOrd="0" presId="urn:microsoft.com/office/officeart/2018/5/layout/IconCircleLabelList"/>
-    <dgm:cxn modelId="{3D2EF340-1A78-4F2E-9C07-06E14188ED04}" type="presParOf" srcId="{65A95556-9EC7-4928-BFAC-64D103F8E5E8}" destId="{5B4D6BF4-B0CD-4E20-90B2-3365988150D3}" srcOrd="3" destOrd="0" presId="urn:microsoft.com/office/officeart/2018/5/layout/IconCircleLabelList"/>
-    <dgm:cxn modelId="{6AC6E672-3F32-408F-82B8-3D1F7AD0FB7B}" type="presParOf" srcId="{9AAFE6A1-6C3B-4D37-A085-856D7FC02567}" destId="{358B4BB7-BB4C-41A6-AF63-E17094D021DC}" srcOrd="3" destOrd="0" presId="urn:microsoft.com/office/officeart/2018/5/layout/IconCircleLabelList"/>
-    <dgm:cxn modelId="{AA3C12D3-BD12-401D-982B-122896A02DFE}" type="presParOf" srcId="{9AAFE6A1-6C3B-4D37-A085-856D7FC02567}" destId="{CD02D60E-48FE-41A9-BB99-45DD21990773}" srcOrd="4" destOrd="0" presId="urn:microsoft.com/office/officeart/2018/5/layout/IconCircleLabelList"/>
-    <dgm:cxn modelId="{27CFDC81-60A7-4A24-99E7-349BA31824B3}" type="presParOf" srcId="{CD02D60E-48FE-41A9-BB99-45DD21990773}" destId="{D131B22B-34C5-4BC3-B666-5510AD37B97D}" srcOrd="0" destOrd="0" presId="urn:microsoft.com/office/officeart/2018/5/layout/IconCircleLabelList"/>
-    <dgm:cxn modelId="{05FD289A-935D-43E3-9279-CC6B3AFC60C9}" type="presParOf" srcId="{CD02D60E-48FE-41A9-BB99-45DD21990773}" destId="{06B643F7-99F9-4D35-8154-E07D3438E4B2}" srcOrd="1" destOrd="0" presId="urn:microsoft.com/office/officeart/2018/5/layout/IconCircleLabelList"/>
-    <dgm:cxn modelId="{9F822515-5B41-4522-9E58-B87013A542B2}" type="presParOf" srcId="{CD02D60E-48FE-41A9-BB99-45DD21990773}" destId="{7B881DB7-0053-43CD-AEFA-896B977410A7}" srcOrd="2" destOrd="0" presId="urn:microsoft.com/office/officeart/2018/5/layout/IconCircleLabelList"/>
-    <dgm:cxn modelId="{F8C06456-C118-4B2D-871D-3F7635BC1139}" type="presParOf" srcId="{CD02D60E-48FE-41A9-BB99-45DD21990773}" destId="{826F9300-E13D-42B1-9B2F-3F24B1598902}" srcOrd="3" destOrd="0" presId="urn:microsoft.com/office/officeart/2018/5/layout/IconCircleLabelList"/>
-    <dgm:cxn modelId="{31820153-08C8-410A-9BFE-C8D3CAE3B8E8}" type="presParOf" srcId="{9AAFE6A1-6C3B-4D37-A085-856D7FC02567}" destId="{F6AB281E-A6FB-4136-9023-33B1EB14D357}" srcOrd="5" destOrd="0" presId="urn:microsoft.com/office/officeart/2018/5/layout/IconCircleLabelList"/>
-    <dgm:cxn modelId="{AF02E7D4-A00F-4877-BE9B-0873F9D2F558}" type="presParOf" srcId="{9AAFE6A1-6C3B-4D37-A085-856D7FC02567}" destId="{6780E69C-0860-47DE-B396-29189CE3E0B3}" srcOrd="6" destOrd="0" presId="urn:microsoft.com/office/officeart/2018/5/layout/IconCircleLabelList"/>
-    <dgm:cxn modelId="{9F65E6C5-FBFB-4FC9-8611-0AA82AF39F52}" type="presParOf" srcId="{6780E69C-0860-47DE-B396-29189CE3E0B3}" destId="{4E0135BC-ED3B-422D-AC5A-A53EE6B423B1}" srcOrd="0" destOrd="0" presId="urn:microsoft.com/office/officeart/2018/5/layout/IconCircleLabelList"/>
-    <dgm:cxn modelId="{D064D58E-830E-4CA6-81FF-0985F2AB105F}" type="presParOf" srcId="{6780E69C-0860-47DE-B396-29189CE3E0B3}" destId="{6B17AD27-FB49-4550-A2D2-3951A209B89E}" srcOrd="1" destOrd="0" presId="urn:microsoft.com/office/officeart/2018/5/layout/IconCircleLabelList"/>
-    <dgm:cxn modelId="{B4A75AC5-8E82-49D9-97D6-4EACDBE5137B}" type="presParOf" srcId="{6780E69C-0860-47DE-B396-29189CE3E0B3}" destId="{94F6A08E-F17D-4541-979F-9D6B519C17CA}" srcOrd="2" destOrd="0" presId="urn:microsoft.com/office/officeart/2018/5/layout/IconCircleLabelList"/>
-    <dgm:cxn modelId="{828BD6F2-44CC-43B4-9FD2-EC75761C32D2}" type="presParOf" srcId="{6780E69C-0860-47DE-B396-29189CE3E0B3}" destId="{77949F9E-0D9C-4CCF-9FD7-C60A5BB6F787}" srcOrd="3" destOrd="0" presId="urn:microsoft.com/office/officeart/2018/5/layout/IconCircleLabelList"/>
-  </dgm:cxnLst>
-  <dgm:bg/>
-  <dgm:whole/>
-  <dgm:extLst>
-    <a:ext uri="http://schemas.microsoft.com/office/drawing/2008/diagram">
-      <dsp:dataModelExt xmlns:dsp="http://schemas.microsoft.com/office/drawing/2008/diagram" relId="rId6" minVer="http://schemas.openxmlformats.org/drawingml/2006/diagram"/>
-    </a:ext>
-  </dgm:extLst>
-</dgm:dataModel>
-</file>
-
-<file path=ppt/diagrams/drawing1.xml><?xml version="1.0" encoding="utf-8"?>
-<dsp:drawing xmlns:dgm="http://schemas.openxmlformats.org/drawingml/2006/diagram" xmlns:dsp="http://schemas.microsoft.com/office/drawing/2008/diagram" xmlns:a="http://schemas.openxmlformats.org/drawingml/2006/main">
-  <dsp:spTree>
-    <dsp:nvGrpSpPr>
-      <dsp:cNvPr id="0" name=""/>
-      <dsp:cNvGrpSpPr/>
-    </dsp:nvGrpSpPr>
-    <dsp:grpSpPr/>
-    <dsp:sp modelId="{29F5D29F-4E5C-4A20-8FFF-135807CAF664}">
-      <dsp:nvSpPr>
-        <dsp:cNvPr id="0" name=""/>
-        <dsp:cNvSpPr/>
-      </dsp:nvSpPr>
-      <dsp:spPr>
-        <a:xfrm>
-          <a:off x="774129" y="709809"/>
-          <a:ext cx="1255425" cy="1255425"/>
-        </a:xfrm>
-        <a:prstGeom prst="ellipse">
-          <a:avLst/>
-        </a:prstGeom>
-        <a:solidFill>
-          <a:schemeClr val="bg1">
-            <a:lumMod val="95000"/>
-            <a:hueOff val="0"/>
-            <a:satOff val="0"/>
-            <a:lumOff val="0"/>
-            <a:alphaOff val="0"/>
-          </a:schemeClr>
-        </a:solidFill>
-        <a:ln>
-          <a:noFill/>
-        </a:ln>
-        <a:effectLst/>
-      </dsp:spPr>
-      <dsp:style>
-        <a:lnRef idx="0">
-          <a:scrgbClr r="0" g="0" b="0"/>
-        </a:lnRef>
-        <a:fillRef idx="1">
-          <a:scrgbClr r="0" g="0" b="0"/>
-        </a:fillRef>
-        <a:effectRef idx="0">
-          <a:scrgbClr r="0" g="0" b="0"/>
-        </a:effectRef>
-        <a:fontRef idx="minor"/>
-      </dsp:style>
-    </dsp:sp>
-    <dsp:sp modelId="{E86BB8B3-C152-46F1-A003-90B89C2B8838}">
-      <dsp:nvSpPr>
-        <dsp:cNvPr id="0" name=""/>
-        <dsp:cNvSpPr/>
-      </dsp:nvSpPr>
-      <dsp:spPr>
-        <a:xfrm>
-          <a:off x="1041679" y="977359"/>
-          <a:ext cx="720326" cy="720326"/>
-        </a:xfrm>
-        <a:prstGeom prst="rect">
-          <a:avLst/>
-        </a:prstGeom>
-        <a:blipFill>
-          <a:blip xmlns:r="http://schemas.openxmlformats.org/officeDocument/2006/relationships" r:embed="rId1">
-            <a:extLst>
-              <a:ext uri="{28A0092B-C50C-407E-A947-70E740481C1C}">
-                <a14:useLocalDpi xmlns:a14="http://schemas.microsoft.com/office/drawing/2010/main" val="0"/>
-              </a:ext>
-              <a:ext uri="{96DAC541-7B7A-43D3-8B79-37D633B846F1}">
-                <asvg:svgBlip xmlns:asvg="http://schemas.microsoft.com/office/drawing/2016/SVG/main" r:embed="rId2"/>
-              </a:ext>
-            </a:extLst>
-          </a:blip>
-          <a:stretch>
-            <a:fillRect/>
-          </a:stretch>
-        </a:blipFill>
-        <a:ln w="15875" cap="flat" cmpd="sng" algn="ctr">
-          <a:noFill/>
-          <a:prstDash val="solid"/>
-        </a:ln>
-        <a:effectLst/>
-      </dsp:spPr>
-      <dsp:style>
-        <a:lnRef idx="2">
-          <a:scrgbClr r="0" g="0" b="0"/>
-        </a:lnRef>
-        <a:fillRef idx="1">
-          <a:scrgbClr r="0" g="0" b="0"/>
-        </a:fillRef>
-        <a:effectRef idx="0">
-          <a:scrgbClr r="0" g="0" b="0"/>
-        </a:effectRef>
-        <a:fontRef idx="minor">
-          <a:schemeClr val="lt1"/>
-        </a:fontRef>
-      </dsp:style>
-    </dsp:sp>
-    <dsp:sp modelId="{8EEC54BC-4CA1-4145-8B81-B38B471B3BCA}">
-      <dsp:nvSpPr>
-        <dsp:cNvPr id="0" name=""/>
-        <dsp:cNvSpPr/>
-      </dsp:nvSpPr>
-      <dsp:spPr>
-        <a:xfrm>
-          <a:off x="372805" y="2356270"/>
-          <a:ext cx="2058075" cy="720000"/>
-        </a:xfrm>
-        <a:prstGeom prst="rect">
-          <a:avLst/>
-        </a:prstGeom>
-        <a:noFill/>
-        <a:ln>
-          <a:noFill/>
-        </a:ln>
-        <a:effectLst/>
-      </dsp:spPr>
-      <dsp:style>
-        <a:lnRef idx="0">
-          <a:scrgbClr r="0" g="0" b="0"/>
-        </a:lnRef>
-        <a:fillRef idx="0">
-          <a:scrgbClr r="0" g="0" b="0"/>
-        </a:fillRef>
-        <a:effectRef idx="0">
-          <a:scrgbClr r="0" g="0" b="0"/>
-        </a:effectRef>
-        <a:fontRef idx="minor"/>
-      </dsp:style>
-      <dsp:txBody>
-        <a:bodyPr spcFirstLastPara="0" vert="horz" wrap="square" lIns="0" tIns="0" rIns="0" bIns="0" numCol="1" spcCol="1270" anchor="t" anchorCtr="0">
-          <a:noAutofit/>
-        </a:bodyPr>
-        <a:lstStyle/>
-        <a:p>
-          <a:pPr marL="0" lvl="0" indent="0" algn="ctr" defTabSz="889000">
-            <a:lnSpc>
-              <a:spcPct val="100000"/>
-            </a:lnSpc>
-            <a:spcBef>
-              <a:spcPct val="0"/>
-            </a:spcBef>
-            <a:spcAft>
-              <a:spcPct val="35000"/>
-            </a:spcAft>
-            <a:buNone/>
-            <a:defRPr cap="all"/>
-          </a:pPr>
-          <a:r>
-            <a:rPr lang="en-US" sz="2000" kern="1200"/>
-            <a:t>Elevator Pitch</a:t>
-          </a:r>
-        </a:p>
-      </dsp:txBody>
-      <dsp:txXfrm>
-        <a:off x="372805" y="2356270"/>
-        <a:ext cx="2058075" cy="720000"/>
-      </dsp:txXfrm>
-    </dsp:sp>
-    <dsp:sp modelId="{447B4303-A014-4513-B772-3CEBB6A55163}">
-      <dsp:nvSpPr>
-        <dsp:cNvPr id="0" name=""/>
-        <dsp:cNvSpPr/>
-      </dsp:nvSpPr>
-      <dsp:spPr>
-        <a:xfrm>
-          <a:off x="3192368" y="709809"/>
-          <a:ext cx="1255425" cy="1255425"/>
-        </a:xfrm>
-        <a:prstGeom prst="ellipse">
-          <a:avLst/>
-        </a:prstGeom>
-        <a:solidFill>
-          <a:schemeClr val="bg1">
-            <a:lumMod val="95000"/>
-            <a:hueOff val="0"/>
-            <a:satOff val="0"/>
-            <a:lumOff val="0"/>
-            <a:alphaOff val="0"/>
-          </a:schemeClr>
-        </a:solidFill>
-        <a:ln>
-          <a:noFill/>
-        </a:ln>
-        <a:effectLst/>
-      </dsp:spPr>
-      <dsp:style>
-        <a:lnRef idx="0">
-          <a:scrgbClr r="0" g="0" b="0"/>
-        </a:lnRef>
-        <a:fillRef idx="1">
-          <a:scrgbClr r="0" g="0" b="0"/>
-        </a:fillRef>
-        <a:effectRef idx="0">
-          <a:scrgbClr r="0" g="0" b="0"/>
-        </a:effectRef>
-        <a:fontRef idx="minor"/>
-      </dsp:style>
-    </dsp:sp>
-    <dsp:sp modelId="{E6B372C6-9A55-4C7D-9867-C3FADAE10DEA}">
-      <dsp:nvSpPr>
-        <dsp:cNvPr id="0" name=""/>
-        <dsp:cNvSpPr/>
-      </dsp:nvSpPr>
-      <dsp:spPr>
-        <a:xfrm>
-          <a:off x="3459917" y="977359"/>
-          <a:ext cx="720326" cy="720326"/>
-        </a:xfrm>
-        <a:prstGeom prst="rect">
-          <a:avLst/>
-        </a:prstGeom>
-        <a:blipFill>
-          <a:blip xmlns:r="http://schemas.openxmlformats.org/officeDocument/2006/relationships" r:embed="rId3">
-            <a:extLst>
-              <a:ext uri="{28A0092B-C50C-407E-A947-70E740481C1C}">
-                <a14:useLocalDpi xmlns:a14="http://schemas.microsoft.com/office/drawing/2010/main" val="0"/>
-              </a:ext>
-              <a:ext uri="{96DAC541-7B7A-43D3-8B79-37D633B846F1}">
-                <asvg:svgBlip xmlns:asvg="http://schemas.microsoft.com/office/drawing/2016/SVG/main" r:embed="rId4"/>
-              </a:ext>
-            </a:extLst>
-          </a:blip>
-          <a:stretch>
-            <a:fillRect/>
-          </a:stretch>
-        </a:blipFill>
-        <a:ln w="15875" cap="flat" cmpd="sng" algn="ctr">
-          <a:noFill/>
-          <a:prstDash val="solid"/>
-        </a:ln>
-        <a:effectLst/>
-      </dsp:spPr>
-      <dsp:style>
-        <a:lnRef idx="2">
-          <a:scrgbClr r="0" g="0" b="0"/>
-        </a:lnRef>
-        <a:fillRef idx="1">
-          <a:scrgbClr r="0" g="0" b="0"/>
-        </a:fillRef>
-        <a:effectRef idx="0">
-          <a:scrgbClr r="0" g="0" b="0"/>
-        </a:effectRef>
-        <a:fontRef idx="minor">
-          <a:schemeClr val="lt1"/>
-        </a:fontRef>
-      </dsp:style>
-    </dsp:sp>
-    <dsp:sp modelId="{5B4D6BF4-B0CD-4E20-90B2-3365988150D3}">
-      <dsp:nvSpPr>
-        <dsp:cNvPr id="0" name=""/>
-        <dsp:cNvSpPr/>
-      </dsp:nvSpPr>
-      <dsp:spPr>
-        <a:xfrm>
-          <a:off x="2791043" y="2356270"/>
-          <a:ext cx="2058075" cy="720000"/>
-        </a:xfrm>
-        <a:prstGeom prst="rect">
-          <a:avLst/>
-        </a:prstGeom>
-        <a:noFill/>
-        <a:ln>
-          <a:noFill/>
-        </a:ln>
-        <a:effectLst/>
-      </dsp:spPr>
-      <dsp:style>
-        <a:lnRef idx="0">
-          <a:scrgbClr r="0" g="0" b="0"/>
-        </a:lnRef>
-        <a:fillRef idx="0">
-          <a:scrgbClr r="0" g="0" b="0"/>
-        </a:fillRef>
-        <a:effectRef idx="0">
-          <a:scrgbClr r="0" g="0" b="0"/>
-        </a:effectRef>
-        <a:fontRef idx="minor"/>
-      </dsp:style>
-      <dsp:txBody>
-        <a:bodyPr spcFirstLastPara="0" vert="horz" wrap="square" lIns="0" tIns="0" rIns="0" bIns="0" numCol="1" spcCol="1270" anchor="t" anchorCtr="0">
-          <a:noAutofit/>
-        </a:bodyPr>
-        <a:lstStyle/>
-        <a:p>
-          <a:pPr marL="0" lvl="0" indent="0" algn="ctr" defTabSz="889000">
-            <a:lnSpc>
-              <a:spcPct val="100000"/>
-            </a:lnSpc>
-            <a:spcBef>
-              <a:spcPct val="0"/>
-            </a:spcBef>
-            <a:spcAft>
-              <a:spcPct val="35000"/>
-            </a:spcAft>
-            <a:buNone/>
-            <a:defRPr cap="all"/>
-          </a:pPr>
-          <a:r>
-            <a:rPr lang="en-US" sz="2000" kern="1200"/>
-            <a:t>Research Proposal Review</a:t>
-          </a:r>
-        </a:p>
-      </dsp:txBody>
-      <dsp:txXfrm>
-        <a:off x="2791043" y="2356270"/>
-        <a:ext cx="2058075" cy="720000"/>
-      </dsp:txXfrm>
-    </dsp:sp>
-    <dsp:sp modelId="{D131B22B-34C5-4BC3-B666-5510AD37B97D}">
-      <dsp:nvSpPr>
-        <dsp:cNvPr id="0" name=""/>
-        <dsp:cNvSpPr/>
-      </dsp:nvSpPr>
-      <dsp:spPr>
-        <a:xfrm>
-          <a:off x="5610606" y="709809"/>
-          <a:ext cx="1255425" cy="1255425"/>
-        </a:xfrm>
-        <a:prstGeom prst="ellipse">
-          <a:avLst/>
-        </a:prstGeom>
-        <a:solidFill>
-          <a:schemeClr val="bg1">
-            <a:lumMod val="95000"/>
-            <a:hueOff val="0"/>
-            <a:satOff val="0"/>
-            <a:lumOff val="0"/>
-            <a:alphaOff val="0"/>
-          </a:schemeClr>
-        </a:solidFill>
-        <a:ln>
-          <a:noFill/>
-        </a:ln>
-        <a:effectLst/>
-      </dsp:spPr>
-      <dsp:style>
-        <a:lnRef idx="0">
-          <a:scrgbClr r="0" g="0" b="0"/>
-        </a:lnRef>
-        <a:fillRef idx="1">
-          <a:scrgbClr r="0" g="0" b="0"/>
-        </a:fillRef>
-        <a:effectRef idx="0">
-          <a:scrgbClr r="0" g="0" b="0"/>
-        </a:effectRef>
-        <a:fontRef idx="minor"/>
-      </dsp:style>
-    </dsp:sp>
-    <dsp:sp modelId="{06B643F7-99F9-4D35-8154-E07D3438E4B2}">
-      <dsp:nvSpPr>
-        <dsp:cNvPr id="0" name=""/>
-        <dsp:cNvSpPr/>
-      </dsp:nvSpPr>
-      <dsp:spPr>
-        <a:xfrm>
-          <a:off x="5878155" y="977359"/>
-          <a:ext cx="720326" cy="720326"/>
-        </a:xfrm>
-        <a:prstGeom prst="rect">
-          <a:avLst/>
-        </a:prstGeom>
-        <a:blipFill>
-          <a:blip xmlns:r="http://schemas.openxmlformats.org/officeDocument/2006/relationships" r:embed="rId5">
-            <a:extLst>
-              <a:ext uri="{28A0092B-C50C-407E-A947-70E740481C1C}">
-                <a14:useLocalDpi xmlns:a14="http://schemas.microsoft.com/office/drawing/2010/main" val="0"/>
-              </a:ext>
-              <a:ext uri="{96DAC541-7B7A-43D3-8B79-37D633B846F1}">
-                <asvg:svgBlip xmlns:asvg="http://schemas.microsoft.com/office/drawing/2016/SVG/main" r:embed="rId6"/>
-              </a:ext>
-            </a:extLst>
-          </a:blip>
-          <a:stretch>
-            <a:fillRect/>
-          </a:stretch>
-        </a:blipFill>
-        <a:ln w="15875" cap="flat" cmpd="sng" algn="ctr">
-          <a:noFill/>
-          <a:prstDash val="solid"/>
-        </a:ln>
-        <a:effectLst/>
-      </dsp:spPr>
-      <dsp:style>
-        <a:lnRef idx="2">
-          <a:scrgbClr r="0" g="0" b="0"/>
-        </a:lnRef>
-        <a:fillRef idx="1">
-          <a:scrgbClr r="0" g="0" b="0"/>
-        </a:fillRef>
-        <a:effectRef idx="0">
-          <a:scrgbClr r="0" g="0" b="0"/>
-        </a:effectRef>
-        <a:fontRef idx="minor">
-          <a:schemeClr val="lt1"/>
-        </a:fontRef>
-      </dsp:style>
-    </dsp:sp>
-    <dsp:sp modelId="{826F9300-E13D-42B1-9B2F-3F24B1598902}">
-      <dsp:nvSpPr>
-        <dsp:cNvPr id="0" name=""/>
-        <dsp:cNvSpPr/>
-      </dsp:nvSpPr>
-      <dsp:spPr>
-        <a:xfrm>
-          <a:off x="5209281" y="2356270"/>
-          <a:ext cx="2058075" cy="720000"/>
-        </a:xfrm>
-        <a:prstGeom prst="rect">
-          <a:avLst/>
-        </a:prstGeom>
-        <a:noFill/>
-        <a:ln>
-          <a:noFill/>
-        </a:ln>
-        <a:effectLst/>
-      </dsp:spPr>
-      <dsp:style>
-        <a:lnRef idx="0">
-          <a:scrgbClr r="0" g="0" b="0"/>
-        </a:lnRef>
-        <a:fillRef idx="0">
-          <a:scrgbClr r="0" g="0" b="0"/>
-        </a:fillRef>
-        <a:effectRef idx="0">
-          <a:scrgbClr r="0" g="0" b="0"/>
-        </a:effectRef>
-        <a:fontRef idx="minor"/>
-      </dsp:style>
-      <dsp:txBody>
-        <a:bodyPr spcFirstLastPara="0" vert="horz" wrap="square" lIns="0" tIns="0" rIns="0" bIns="0" numCol="1" spcCol="1270" anchor="t" anchorCtr="0">
-          <a:noAutofit/>
-        </a:bodyPr>
-        <a:lstStyle/>
-        <a:p>
-          <a:pPr marL="0" lvl="0" indent="0" algn="ctr" defTabSz="889000">
-            <a:lnSpc>
-              <a:spcPct val="100000"/>
-            </a:lnSpc>
-            <a:spcBef>
-              <a:spcPct val="0"/>
-            </a:spcBef>
-            <a:spcAft>
-              <a:spcPct val="35000"/>
-            </a:spcAft>
-            <a:buNone/>
-            <a:defRPr cap="all"/>
-          </a:pPr>
-          <a:r>
-            <a:rPr lang="en-GB" sz="2000" kern="1200"/>
-            <a:t>Keywords Search</a:t>
-          </a:r>
-          <a:endParaRPr lang="en-US" sz="2000" kern="1200"/>
-        </a:p>
-      </dsp:txBody>
-      <dsp:txXfrm>
-        <a:off x="5209281" y="2356270"/>
-        <a:ext cx="2058075" cy="720000"/>
-      </dsp:txXfrm>
-    </dsp:sp>
-    <dsp:sp modelId="{4E0135BC-ED3B-422D-AC5A-A53EE6B423B1}">
-      <dsp:nvSpPr>
-        <dsp:cNvPr id="0" name=""/>
-        <dsp:cNvSpPr/>
-      </dsp:nvSpPr>
-      <dsp:spPr>
-        <a:xfrm>
-          <a:off x="8028844" y="709809"/>
-          <a:ext cx="1255425" cy="1255425"/>
-        </a:xfrm>
-        <a:prstGeom prst="ellipse">
-          <a:avLst/>
-        </a:prstGeom>
-        <a:solidFill>
-          <a:schemeClr val="bg1">
-            <a:lumMod val="95000"/>
-            <a:hueOff val="0"/>
-            <a:satOff val="0"/>
-            <a:lumOff val="0"/>
-            <a:alphaOff val="0"/>
-          </a:schemeClr>
-        </a:solidFill>
-        <a:ln>
-          <a:noFill/>
-        </a:ln>
-        <a:effectLst/>
-      </dsp:spPr>
-      <dsp:style>
-        <a:lnRef idx="0">
-          <a:scrgbClr r="0" g="0" b="0"/>
-        </a:lnRef>
-        <a:fillRef idx="1">
-          <a:scrgbClr r="0" g="0" b="0"/>
-        </a:fillRef>
-        <a:effectRef idx="0">
-          <a:scrgbClr r="0" g="0" b="0"/>
-        </a:effectRef>
-        <a:fontRef idx="minor"/>
-      </dsp:style>
-    </dsp:sp>
-    <dsp:sp modelId="{6B17AD27-FB49-4550-A2D2-3951A209B89E}">
-      <dsp:nvSpPr>
-        <dsp:cNvPr id="0" name=""/>
-        <dsp:cNvSpPr/>
-      </dsp:nvSpPr>
-      <dsp:spPr>
-        <a:xfrm>
-          <a:off x="8296394" y="977359"/>
-          <a:ext cx="720326" cy="720326"/>
-        </a:xfrm>
-        <a:prstGeom prst="rect">
-          <a:avLst/>
-        </a:prstGeom>
-        <a:blipFill>
-          <a:blip xmlns:r="http://schemas.openxmlformats.org/officeDocument/2006/relationships" r:embed="rId7">
-            <a:extLst>
-              <a:ext uri="{28A0092B-C50C-407E-A947-70E740481C1C}">
-                <a14:useLocalDpi xmlns:a14="http://schemas.microsoft.com/office/drawing/2010/main" val="0"/>
-              </a:ext>
-              <a:ext uri="{96DAC541-7B7A-43D3-8B79-37D633B846F1}">
-                <asvg:svgBlip xmlns:asvg="http://schemas.microsoft.com/office/drawing/2016/SVG/main" r:embed="rId8"/>
-              </a:ext>
-            </a:extLst>
-          </a:blip>
-          <a:stretch>
-            <a:fillRect/>
-          </a:stretch>
-        </a:blipFill>
-        <a:ln w="15875" cap="flat" cmpd="sng" algn="ctr">
-          <a:noFill/>
-          <a:prstDash val="solid"/>
-        </a:ln>
-        <a:effectLst/>
-      </dsp:spPr>
-      <dsp:style>
-        <a:lnRef idx="2">
-          <a:scrgbClr r="0" g="0" b="0"/>
-        </a:lnRef>
-        <a:fillRef idx="1">
-          <a:scrgbClr r="0" g="0" b="0"/>
-        </a:fillRef>
-        <a:effectRef idx="0">
-          <a:scrgbClr r="0" g="0" b="0"/>
-        </a:effectRef>
-        <a:fontRef idx="minor">
-          <a:schemeClr val="lt1"/>
-        </a:fontRef>
-      </dsp:style>
-    </dsp:sp>
-    <dsp:sp modelId="{77949F9E-0D9C-4CCF-9FD7-C60A5BB6F787}">
-      <dsp:nvSpPr>
-        <dsp:cNvPr id="0" name=""/>
-        <dsp:cNvSpPr/>
-      </dsp:nvSpPr>
-      <dsp:spPr>
-        <a:xfrm>
-          <a:off x="7627519" y="2356270"/>
-          <a:ext cx="2058075" cy="720000"/>
-        </a:xfrm>
-        <a:prstGeom prst="rect">
-          <a:avLst/>
-        </a:prstGeom>
-        <a:noFill/>
-        <a:ln>
-          <a:noFill/>
-        </a:ln>
-        <a:effectLst/>
-      </dsp:spPr>
-      <dsp:style>
-        <a:lnRef idx="0">
-          <a:scrgbClr r="0" g="0" b="0"/>
-        </a:lnRef>
-        <a:fillRef idx="0">
-          <a:scrgbClr r="0" g="0" b="0"/>
-        </a:fillRef>
-        <a:effectRef idx="0">
-          <a:scrgbClr r="0" g="0" b="0"/>
-        </a:effectRef>
-        <a:fontRef idx="minor"/>
-      </dsp:style>
-      <dsp:txBody>
-        <a:bodyPr spcFirstLastPara="0" vert="horz" wrap="square" lIns="0" tIns="0" rIns="0" bIns="0" numCol="1" spcCol="1270" anchor="t" anchorCtr="0">
-          <a:noAutofit/>
-        </a:bodyPr>
-        <a:lstStyle/>
-        <a:p>
-          <a:pPr marL="0" lvl="0" indent="0" algn="ctr" defTabSz="889000">
-            <a:lnSpc>
-              <a:spcPct val="100000"/>
-            </a:lnSpc>
-            <a:spcBef>
-              <a:spcPct val="0"/>
-            </a:spcBef>
-            <a:spcAft>
-              <a:spcPct val="35000"/>
-            </a:spcAft>
-            <a:buNone/>
-            <a:defRPr cap="all"/>
-          </a:pPr>
-          <a:r>
-            <a:rPr lang="en-GB" sz="2000" kern="1200"/>
-            <a:t>Search Results	</a:t>
-          </a:r>
-          <a:endParaRPr lang="en-US" sz="2000" kern="1200"/>
-        </a:p>
-      </dsp:txBody>
-      <dsp:txXfrm>
-        <a:off x="7627519" y="2356270"/>
-        <a:ext cx="2058075" cy="720000"/>
-      </dsp:txXfrm>
-    </dsp:sp>
-  </dsp:spTree>
-</dsp:drawing>
-</file>
-
-<file path=ppt/diagrams/layout1.xml><?xml version="1.0" encoding="utf-8"?>
-<dgm:layoutDef xmlns:dgm="http://schemas.openxmlformats.org/drawingml/2006/diagram" xmlns:a="http://schemas.openxmlformats.org/drawingml/2006/main" uniqueId="urn:microsoft.com/office/officeart/2018/5/layout/IconCircleLabelList">
-  <dgm:title val="Icon Circle Label List"/>
-  <dgm:desc val="Use to show non-sequential or grouped chunks of information accompanied by a related visuals. Works best with icons or small pictures with short text captions."/>
-  <dgm:catLst>
-    <dgm:cat type="icon" pri="500"/>
-  </dgm:catLst>
-  <dgm:sampData useDef="1">
-    <dgm:dataModel>
-      <dgm:ptLst/>
-      <dgm:bg/>
-      <dgm:whole/>
-    </dgm:dataModel>
-  </dgm:sampData>
-  <dgm:styleData useDef="1">
-    <dgm:dataModel>
-      <dgm:ptLst/>
-      <dgm:bg/>
-      <dgm:whole/>
-    </dgm:dataModel>
-  </dgm:styleData>
-  <dgm:clrData useDef="1">
-    <dgm:dataModel>
-      <dgm:ptLst/>
-      <dgm:bg/>
-      <dgm:whole/>
-    </dgm:dataModel>
-  </dgm:clrData>
-  <dgm:layoutNode name="root">
-    <dgm:varLst>
-      <dgm:dir/>
-      <dgm:resizeHandles val="exact"/>
-    </dgm:varLst>
-    <dgm:choose name="Name0">
-      <dgm:if name="Name1" axis="self" func="var" arg="dir" op="equ" val="norm">
-        <dgm:alg type="snake">
-          <dgm:param type="grDir" val="tL"/>
-          <dgm:param type="flowDir" val="row"/>
-          <dgm:param type="contDir" val="sameDir"/>
-          <dgm:param type="off" val="ctr"/>
-          <dgm:param type="vertAlign" val="mid"/>
-          <dgm:param type="horzAlign" val="ctr"/>
-        </dgm:alg>
-      </dgm:if>
-      <dgm:else name="Name2">
-        <dgm:alg type="snake">
-          <dgm:param type="grDir" val="tR"/>
-          <dgm:param type="flowDir" val="row"/>
-          <dgm:param type="contDir" val="sameDir"/>
-          <dgm:param type="off" val="ctr"/>
-          <dgm:param type="vertAlign" val="mid"/>
-          <dgm:param type="horzAlign" val="ctr"/>
-        </dgm:alg>
-      </dgm:else>
-    </dgm:choose>
-    <dgm:shape xmlns:r="http://schemas.openxmlformats.org/officeDocument/2006/relationships" r:blip="">
-      <dgm:adjLst/>
-    </dgm:shape>
-    <dgm:presOf/>
-    <dgm:choose name="Name3">
-      <dgm:if name="Name4" axis="ch" ptType="node" func="cnt" op="lte" val="2">
-        <dgm:constrLst>
-          <dgm:constr type="h" for="ch" forName="compNode" refType="h" fact="0.4"/>
-          <dgm:constr type="w" for="ch" forName="compNode" val="100"/>
-          <dgm:constr type="w" for="ch" forName="sibTrans" refType="w" refFor="ch" refForName="compNode" fact="0.175"/>
-          <dgm:constr type="sp" refType="w" refFor="ch" refForName="compNode" op="equ" fact="0.25"/>
-          <dgm:constr type="primFontSz" for="des" ptType="node" op="equ" val="44"/>
-          <dgm:constr type="h" for="des" forName="compNode" op="equ"/>
-          <dgm:constr type="h" for="des" forName="textRect" op="equ"/>
-        </dgm:constrLst>
-      </dgm:if>
-      <dgm:if name="Name5" axis="ch" ptType="node" func="cnt" op="lte" val="3">
-        <dgm:constrLst>
-          <dgm:constr type="h" for="ch" forName="compNode" refType="h" fact="0.4"/>
-          <dgm:constr type="w" for="ch" forName="compNode" val="100"/>
-          <dgm:constr type="w" for="ch" forName="sibTrans" refType="w" refFor="ch" refForName="compNode" fact="0.175"/>
-          <dgm:constr type="sp" refType="w" refFor="ch" refForName="compNode" op="equ" fact="0.25"/>
-          <dgm:constr type="primFontSz" for="des" ptType="node" op="equ" val="40"/>
-          <dgm:constr type="h" for="des" forName="compNode" op="equ"/>
-          <dgm:constr type="h" for="des" forName="textRect" op="equ"/>
-        </dgm:constrLst>
-      </dgm:if>
-      <dgm:if name="Name6" axis="ch" ptType="node" func="cnt" op="lte" val="4">
-        <dgm:constrLst>
-          <dgm:constr type="h" for="ch" forName="compNode" refType="h" fact="0.4"/>
-          <dgm:constr type="w" for="ch" forName="compNode" refType="w"/>
-          <dgm:constr type="w" for="ch" forName="sibTrans" refType="w" refFor="ch" refForName="compNode" fact="0.175"/>
-          <dgm:constr type="sp" refType="w" refFor="ch" refForName="compNode" op="equ" fact="0.25"/>
-          <dgm:constr type="primFontSz" for="des" ptType="node" op="equ" val="32"/>
-          <dgm:constr type="h" for="des" forName="compNode" op="equ"/>
-          <dgm:constr type="h" for="des" forName="textRect" op="equ"/>
-        </dgm:constrLst>
-      </dgm:if>
-      <dgm:else name="Name7">
-        <dgm:constrLst>
-          <dgm:constr type="h" for="ch" forName="compNode" refType="h" fact="0.4"/>
-          <dgm:constr type="w" for="ch" forName="compNode" refType="w"/>
-          <dgm:constr type="w" for="ch" forName="sibTrans" refType="w" refFor="ch" refForName="compNode" fact="0.175"/>
-          <dgm:constr type="sp" refType="w" refFor="ch" refForName="compNode" op="equ" fact="0.25"/>
-          <dgm:constr type="primFontSz" for="des" ptType="node" op="equ" val="24"/>
-          <dgm:constr type="h" for="des" forName="compNode" op="equ"/>
-          <dgm:constr type="h" for="des" forName="textRect" op="equ"/>
-        </dgm:constrLst>
-      </dgm:else>
-    </dgm:choose>
-    <dgm:ruleLst>
-      <dgm:rule type="w" for="ch" forName="compNode" val="50" fact="NaN" max="NaN"/>
-    </dgm:ruleLst>
-    <dgm:forEach name="Name8" axis="ch" ptType="node">
-      <dgm:layoutNode name="compNode">
-        <dgm:alg type="composite"/>
-        <dgm:shape xmlns:r="http://schemas.openxmlformats.org/officeDocument/2006/relationships" r:blip="">
-          <dgm:adjLst/>
-        </dgm:shape>
-        <dgm:presOf axis="self"/>
-        <dgm:constrLst>
-          <dgm:constr type="w" for="ch" forName="iconBgRect" refType="w" fact="0.61"/>
-          <dgm:constr type="h" for="ch" forName="iconBgRect" refType="w" refFor="ch" refForName="iconBgRect"/>
-          <dgm:constr type="t" for="ch" forName="iconBgRect"/>
-          <dgm:constr type="ctrX" for="ch" forName="iconBgRect" refType="w" fact="0.5"/>
-          <dgm:constr type="w" for="ch" forName="iconRect" refType="w" fact="0.35"/>
-          <dgm:constr type="h" for="ch" forName="iconRect" refType="w" refFor="ch" refForName="iconRect"/>
-          <dgm:constr type="ctrX" for="ch" forName="iconRect" refType="ctrX" refFor="ch" refForName="iconBgRect"/>
-          <dgm:constr type="ctrY" for="ch" forName="iconRect" refType="ctrY" refFor="ch" refForName="iconBgRect"/>
-          <dgm:constr type="h" for="ch" forName="spaceRect" refType="w" fact="0.19"/>
-          <dgm:constr type="w" for="ch" forName="spaceRect" refType="w"/>
-          <dgm:constr type="l" for="ch" forName="spaceRect"/>
-          <dgm:constr type="t" for="ch" forName="spaceRect" refType="b" refFor="ch" refForName="iconBgRect"/>
-          <dgm:constr type="h" for="ch" forName="textRect" val="20"/>
-          <dgm:constr type="w" for="ch" forName="textRect" refType="w"/>
-          <dgm:constr type="l" for="ch" forName="textRect"/>
-          <dgm:constr type="t" for="ch" forName="textRect" refType="b" refFor="ch" refForName="spaceRect"/>
-        </dgm:constrLst>
-        <dgm:ruleLst>
-          <dgm:rule type="h" val="INF" fact="NaN" max="NaN"/>
-        </dgm:ruleLst>
-        <dgm:layoutNode name="iconBgRect" styleLbl="bgShp">
-          <dgm:alg type="sp"/>
-          <dgm:shape xmlns:r="http://schemas.openxmlformats.org/officeDocument/2006/relationships" type="ellipse" r:blip="">
-            <dgm:adjLst/>
-          </dgm:shape>
-          <dgm:presOf/>
-          <dgm:constrLst/>
-          <dgm:ruleLst/>
-        </dgm:layoutNode>
-        <dgm:layoutNode name="iconRect" styleLbl="node1">
-          <dgm:alg type="sp"/>
-          <dgm:shape xmlns:r="http://schemas.openxmlformats.org/officeDocument/2006/relationships" type="rect" r:blip="" blipPhldr="1">
-            <dgm:adjLst/>
-          </dgm:shape>
-          <dgm:presOf/>
-          <dgm:constrLst/>
-          <dgm:ruleLst/>
-        </dgm:layoutNode>
-        <dgm:layoutNode name="spaceRect">
-          <dgm:alg type="sp"/>
-          <dgm:shape xmlns:r="http://schemas.openxmlformats.org/officeDocument/2006/relationships" r:blip="">
-            <dgm:adjLst/>
-          </dgm:shape>
-          <dgm:presOf/>
-          <dgm:constrLst/>
-          <dgm:ruleLst/>
-        </dgm:layoutNode>
-        <dgm:layoutNode name="textRect" styleLbl="revTx">
-          <dgm:varLst>
-            <dgm:chMax val="1"/>
-            <dgm:chPref val="1"/>
-          </dgm:varLst>
-          <dgm:alg type="tx">
-            <dgm:param type="txAnchorVert" val="t"/>
-          </dgm:alg>
-          <dgm:shape xmlns:r="http://schemas.openxmlformats.org/officeDocument/2006/relationships" type="rect" r:blip="">
-            <dgm:adjLst/>
-          </dgm:shape>
-          <dgm:presOf axis="self" ptType="node"/>
-          <dgm:constrLst>
-            <dgm:constr type="lMarg"/>
-            <dgm:constr type="rMarg"/>
-            <dgm:constr type="tMarg"/>
-            <dgm:constr type="bMarg"/>
-          </dgm:constrLst>
-          <dgm:ruleLst>
-            <dgm:rule type="primFontSz" val="11" fact="NaN" max="NaN"/>
-            <dgm:rule type="h" val="INF" fact="NaN" max="NaN"/>
-          </dgm:ruleLst>
-        </dgm:layoutNode>
-      </dgm:layoutNode>
-      <dgm:forEach name="Name9" axis="followSib" ptType="sibTrans" cnt="1">
-        <dgm:layoutNode name="sibTrans">
-          <dgm:alg type="sp"/>
-          <dgm:shape xmlns:r="http://schemas.openxmlformats.org/officeDocument/2006/relationships" r:blip="">
-            <dgm:adjLst/>
-          </dgm:shape>
-          <dgm:presOf axis="self"/>
-          <dgm:constrLst/>
-          <dgm:ruleLst/>
-        </dgm:layoutNode>
-      </dgm:forEach>
-    </dgm:forEach>
-  </dgm:layoutNode>
-  <dgm:extLst>
-    <a:ext uri="{68A01E43-0DF5-4B5B-8FA6-DAF915123BFB}">
-      <dgm1612:lstStyle xmlns:dgm1612="http://schemas.microsoft.com/office/drawing/2016/12/diagram">
-        <a:lvl1pPr>
-          <a:lnSpc>
-            <a:spcPct val="100000"/>
-          </a:lnSpc>
-          <a:defRPr cap="all"/>
-        </a:lvl1pPr>
-      </dgm1612:lstStyle>
-    </a:ext>
-  </dgm:extLst>
-</dgm:layoutDef>
-</file>
-
-<file path=ppt/diagrams/quickStyle1.xml><?xml version="1.0" encoding="utf-8"?>
-<dgm:styleDef xmlns:dgm="http://schemas.openxmlformats.org/drawingml/2006/diagram" xmlns:a="http://schemas.openxmlformats.org/drawingml/2006/main" uniqueId="urn:microsoft.com/office/officeart/2005/8/quickstyle/simple1">
-  <dgm:title val=""/>
-  <dgm:desc val=""/>
-  <dgm:catLst>
-    <dgm:cat type="simple" pri="10100"/>
-  </dgm:catLst>
-  <dgm:scene3d>
-    <a:camera prst="orthographicFront"/>
-    <a:lightRig rig="threePt" dir="t"/>
-  </dgm:scene3d>
-  <dgm:styleLbl name="node0">
-    <dgm:scene3d>
-      <a:camera prst="orthographicFront"/>
-      <a:lightRig rig="threePt" dir="t"/>
-    </dgm:scene3d>
-    <dgm:sp3d/>
-    <dgm:txPr/>
-    <dgm:style>
-      <a:lnRef idx="2">
-        <a:scrgbClr r="0" g="0" b="0"/>
-      </a:lnRef>
-      <a:fillRef idx="1">
-        <a:scrgbClr r="0" g="0" b="0"/>
-      </a:fillRef>
-      <a:effectRef idx="0">
-        <a:scrgbClr r="0" g="0" b="0"/>
-      </a:effectRef>
-      <a:fontRef idx="minor">
-        <a:schemeClr val="lt1"/>
-      </a:fontRef>
-    </dgm:style>
-  </dgm:styleLbl>
-  <dgm:styleLbl name="lnNode1">
-    <dgm:scene3d>
-      <a:camera prst="orthographicFront"/>
-      <a:lightRig rig="threePt" dir="t"/>
-    </dgm:scene3d>
-    <dgm:sp3d/>
-    <dgm:txPr/>
-    <dgm:style>
-      <a:lnRef idx="2">
-        <a:scrgbClr r="0" g="0" b="0"/>
-      </a:lnRef>
-      <a:fillRef idx="1">
-        <a:scrgbClr r="0" g="0" b="0"/>
-      </a:fillRef>
-      <a:effectRef idx="0">
-        <a:scrgbClr r="0" g="0" b="0"/>
-      </a:effectRef>
-      <a:fontRef idx="minor">
-        <a:schemeClr val="lt1"/>
-      </a:fontRef>
-    </dgm:style>
-  </dgm:styleLbl>
-  <dgm:styleLbl name="vennNode1">
-    <dgm:scene3d>
-      <a:camera prst="orthographicFront"/>
-      <a:lightRig rig="threePt" dir="t"/>
-    </dgm:scene3d>
-    <dgm:sp3d/>
-    <dgm:txPr/>
-    <dgm:style>
-      <a:lnRef idx="2">
-        <a:scrgbClr r="0" g="0" b="0"/>
-      </a:lnRef>
-      <a:fillRef idx="1">
-        <a:scrgbClr r="0" g="0" b="0"/>
-      </a:fillRef>
-      <a:effectRef idx="0">
-        <a:scrgbClr r="0" g="0" b="0"/>
-      </a:effectRef>
-      <a:fontRef idx="minor">
-        <a:schemeClr val="tx1"/>
-      </a:fontRef>
-    </dgm:style>
-  </dgm:styleLbl>
-  <dgm:styleLbl name="alignNode1">
-    <dgm:scene3d>
-      <a:camera prst="orthographicFront"/>
-      <a:lightRig rig="threePt" dir="t"/>
-    </dgm:scene3d>
-    <dgm:sp3d/>
-    <dgm:txPr/>
-    <dgm:style>
-      <a:lnRef idx="2">
-        <a:scrgbClr r="0" g="0" b="0"/>
-      </a:lnRef>
-      <a:fillRef idx="1">
-        <a:scrgbClr r="0" g="0" b="0"/>
-      </a:fillRef>
-      <a:effectRef idx="0">
-        <a:scrgbClr r="0" g="0" b="0"/>
-      </a:effectRef>
-      <a:fontRef idx="minor">
-        <a:schemeClr val="lt1"/>
-      </a:fontRef>
-    </dgm:style>
-  </dgm:styleLbl>
-  <dgm:styleLbl name="node1">
-    <dgm:scene3d>
-      <a:camera prst="orthographicFront"/>
-      <a:lightRig rig="threePt" dir="t"/>
-    </dgm:scene3d>
-    <dgm:sp3d/>
-    <dgm:txPr/>
-    <dgm:style>
-      <a:lnRef idx="2">
-        <a:scrgbClr r="0" g="0" b="0"/>
-      </a:lnRef>
-      <a:fillRef idx="1">
-        <a:scrgbClr r="0" g="0" b="0"/>
-      </a:fillRef>
-      <a:effectRef idx="0">
-        <a:scrgbClr r="0" g="0" b="0"/>
-      </a:effectRef>
-      <a:fontRef idx="minor">
-        <a:schemeClr val="lt1"/>
-      </a:fontRef>
-    </dgm:style>
-  </dgm:styleLbl>
-  <dgm:styleLbl name="node2">
-    <dgm:scene3d>
-      <a:camera prst="orthographicFront"/>
-      <a:lightRig rig="threePt" dir="t"/>
-    </dgm:scene3d>
-    <dgm:sp3d/>
-    <dgm:txPr/>
-    <dgm:style>
-      <a:lnRef idx="2">
-        <a:scrgbClr r="0" g="0" b="0"/>
-      </a:lnRef>
-      <a:fillRef idx="1">
-        <a:scrgbClr r="0" g="0" b="0"/>
-      </a:fillRef>
-      <a:effectRef idx="0">
-        <a:scrgbClr r="0" g="0" b="0"/>
-      </a:effectRef>
-      <a:fontRef idx="minor">
-        <a:schemeClr val="lt1"/>
-      </a:fontRef>
-    </dgm:style>
-  </dgm:styleLbl>
-  <dgm:styleLbl name="node3">
-    <dgm:scene3d>
-      <a:camera prst="orthographicFront"/>
-      <a:lightRig rig="threePt" dir="t"/>
-    </dgm:scene3d>
-    <dgm:sp3d/>
-    <dgm:txPr/>
-    <dgm:style>
-      <a:lnRef idx="2">
-        <a:scrgbClr r="0" g="0" b="0"/>
-      </a:lnRef>
-      <a:fillRef idx="1">
-        <a:scrgbClr r="0" g="0" b="0"/>
-      </a:fillRef>
-      <a:effectRef idx="0">
-        <a:scrgbClr r="0" g="0" b="0"/>
-      </a:effectRef>
-      <a:fontRef idx="minor">
-        <a:schemeClr val="lt1"/>
-      </a:fontRef>
-    </dgm:style>
-  </dgm:styleLbl>
-  <dgm:styleLbl name="node4">
-    <dgm:scene3d>
-      <a:camera prst="orthographicFront"/>
-      <a:lightRig rig="threePt" dir="t"/>
-    </dgm:scene3d>
-    <dgm:sp3d/>
-    <dgm:txPr/>
-    <dgm:style>
-      <a:lnRef idx="2">
-        <a:scrgbClr r="0" g="0" b="0"/>
-      </a:lnRef>
-      <a:fillRef idx="1">
-        <a:scrgbClr r="0" g="0" b="0"/>
-      </a:fillRef>
-      <a:effectRef idx="0">
-        <a:scrgbClr r="0" g="0" b="0"/>
-      </a:effectRef>
-      <a:fontRef idx="minor">
-        <a:schemeClr val="lt1"/>
-      </a:fontRef>
-    </dgm:style>
-  </dgm:styleLbl>
-  <dgm:styleLbl name="fgImgPlace1">
-    <dgm:scene3d>
-      <a:camera prst="orthographicFront"/>
-      <a:lightRig rig="threePt" dir="t"/>
-    </dgm:scene3d>
-    <dgm:sp3d/>
-    <dgm:txPr/>
-    <dgm:style>
-      <a:lnRef idx="2">
-        <a:scrgbClr r="0" g="0" b="0"/>
-      </a:lnRef>
-      <a:fillRef idx="1">
-        <a:scrgbClr r="0" g="0" b="0"/>
-      </a:fillRef>
-      <a:effectRef idx="0">
-        <a:scrgbClr r="0" g="0" b="0"/>
-      </a:effectRef>
-      <a:fontRef idx="minor"/>
-    </dgm:style>
-  </dgm:styleLbl>
-  <dgm:styleLbl name="alignImgPlace1">
-    <dgm:scene3d>
-      <a:camera prst="orthographicFront"/>
-      <a:lightRig rig="threePt" dir="t"/>
-    </dgm:scene3d>
-    <dgm:sp3d/>
-    <dgm:txPr/>
-    <dgm:style>
-      <a:lnRef idx="2">
-        <a:scrgbClr r="0" g="0" b="0"/>
-      </a:lnRef>
-      <a:fillRef idx="1">
-        <a:scrgbClr r="0" g="0" b="0"/>
-      </a:fillRef>
-      <a:effectRef idx="0">
-        <a:scrgbClr r="0" g="0" b="0"/>
-      </a:effectRef>
-      <a:fontRef idx="minor"/>
-    </dgm:style>
-  </dgm:styleLbl>
-  <dgm:styleLbl name="bgImgPlace1">
-    <dgm:scene3d>
-      <a:camera prst="orthographicFront"/>
-      <a:lightRig rig="threePt" dir="t"/>
-    </dgm:scene3d>
-    <dgm:sp3d/>
-    <dgm:txPr/>
-    <dgm:style>
-      <a:lnRef idx="2">
-        <a:scrgbClr r="0" g="0" b="0"/>
-      </a:lnRef>
-      <a:fillRef idx="1">
-        <a:scrgbClr r="0" g="0" b="0"/>
-      </a:fillRef>
-      <a:effectRef idx="0">
-        <a:scrgbClr r="0" g="0" b="0"/>
-      </a:effectRef>
-      <a:fontRef idx="minor"/>
-    </dgm:style>
-  </dgm:styleLbl>
-  <dgm:styleLbl name="sibTrans2D1">
-    <dgm:scene3d>
-      <a:camera prst="orthographicFront"/>
-      <a:lightRig rig="threePt" dir="t"/>
-    </dgm:scene3d>
-    <dgm:sp3d/>
-    <dgm:txPr/>
-    <dgm:style>
-      <a:lnRef idx="0">
-        <a:scrgbClr r="0" g="0" b="0"/>
-      </a:lnRef>
-      <a:fillRef idx="1">
-        <a:scrgbClr r="0" g="0" b="0"/>
-      </a:fillRef>
-      <a:effectRef idx="0">
-        <a:scrgbClr r="0" g="0" b="0"/>
-      </a:effectRef>
-      <a:fontRef idx="minor">
-        <a:schemeClr val="lt1"/>
-      </a:fontRef>
-    </dgm:style>
-  </dgm:styleLbl>
-  <dgm:styleLbl name="fgSibTrans2D1">
-    <dgm:scene3d>
-      <a:camera prst="orthographicFront"/>
-      <a:lightRig rig="threePt" dir="t"/>
-    </dgm:scene3d>
-    <dgm:sp3d/>
-    <dgm:txPr/>
-    <dgm:style>
-      <a:lnRef idx="0">
-        <a:scrgbClr r="0" g="0" b="0"/>
-      </a:lnRef>
-      <a:fillRef idx="1">
-        <a:scrgbClr r="0" g="0" b="0"/>
-      </a:fillRef>
-      <a:effectRef idx="0">
-        <a:scrgbClr r="0" g="0" b="0"/>
-      </a:effectRef>
-      <a:fontRef idx="minor">
-        <a:schemeClr val="lt1"/>
-      </a:fontRef>
-    </dgm:style>
-  </dgm:styleLbl>
-  <dgm:styleLbl name="bgSibTrans2D1">
-    <dgm:scene3d>
-      <a:camera prst="orthographicFront"/>
-      <a:lightRig rig="threePt" dir="t"/>
-    </dgm:scene3d>
-    <dgm:sp3d/>
-    <dgm:txPr/>
-    <dgm:style>
-      <a:lnRef idx="0">
-        <a:scrgbClr r="0" g="0" b="0"/>
-      </a:lnRef>
-      <a:fillRef idx="1">
-        <a:scrgbClr r="0" g="0" b="0"/>
-      </a:fillRef>
-      <a:effectRef idx="0">
-        <a:scrgbClr r="0" g="0" b="0"/>
-      </a:effectRef>
-      <a:fontRef idx="minor">
-        <a:schemeClr val="lt1"/>
-      </a:fontRef>
-    </dgm:style>
-  </dgm:styleLbl>
-  <dgm:styleLbl name="sibTrans1D1">
-    <dgm:scene3d>
-      <a:camera prst="orthographicFront"/>
-      <a:lightRig rig="threePt" dir="t"/>
-    </dgm:scene3d>
-    <dgm:sp3d/>
-    <dgm:txPr/>
-    <dgm:style>
-      <a:lnRef idx="1">
-        <a:scrgbClr r="0" g="0" b="0"/>
-      </a:lnRef>
-      <a:fillRef idx="0">
-        <a:scrgbClr r="0" g="0" b="0"/>
-      </a:fillRef>
-      <a:effectRef idx="0">
-        <a:scrgbClr r="0" g="0" b="0"/>
-      </a:effectRef>
-      <a:fontRef idx="minor"/>
-    </dgm:style>
-  </dgm:styleLbl>
-  <dgm:styleLbl name="callout">
-    <dgm:scene3d>
-      <a:camera prst="orthographicFront"/>
-      <a:lightRig rig="threePt" dir="t"/>
-    </dgm:scene3d>
-    <dgm:sp3d/>
-    <dgm:txPr/>
-    <dgm:style>
-      <a:lnRef idx="2">
-        <a:scrgbClr r="0" g="0" b="0"/>
-      </a:lnRef>
-      <a:fillRef idx="1">
-        <a:scrgbClr r="0" g="0" b="0"/>
-      </a:fillRef>
-      <a:effectRef idx="0">
-        <a:scrgbClr r="0" g="0" b="0"/>
-      </a:effectRef>
-      <a:fontRef idx="minor"/>
-    </dgm:style>
-  </dgm:styleLbl>
-  <dgm:styleLbl name="asst0">
-    <dgm:scene3d>
-      <a:camera prst="orthographicFront"/>
-      <a:lightRig rig="threePt" dir="t"/>
-    </dgm:scene3d>
-    <dgm:sp3d/>
-    <dgm:txPr/>
-    <dgm:style>
-      <a:lnRef idx="2">
-        <a:scrgbClr r="0" g="0" b="0"/>
-      </a:lnRef>
-      <a:fillRef idx="1">
-        <a:scrgbClr r="0" g="0" b="0"/>
-      </a:fillRef>
-      <a:effectRef idx="0">
-        <a:scrgbClr r="0" g="0" b="0"/>
-      </a:effectRef>
-      <a:fontRef idx="minor">
-        <a:schemeClr val="lt1"/>
-      </a:fontRef>
-    </dgm:style>
-  </dgm:styleLbl>
-  <dgm:styleLbl name="asst1">
-    <dgm:scene3d>
-      <a:camera prst="orthographicFront"/>
-      <a:lightRig rig="threePt" dir="t"/>
-    </dgm:scene3d>
-    <dgm:sp3d/>
-    <dgm:txPr/>
-    <dgm:style>
-      <a:lnRef idx="2">
-        <a:scrgbClr r="0" g="0" b="0"/>
-      </a:lnRef>
-      <a:fillRef idx="1">
-        <a:scrgbClr r="0" g="0" b="0"/>
-      </a:fillRef>
-      <a:effectRef idx="0">
-        <a:scrgbClr r="0" g="0" b="0"/>
-      </a:effectRef>
-      <a:fontRef idx="minor">
-        <a:schemeClr val="lt1"/>
-      </a:fontRef>
-    </dgm:style>
-  </dgm:styleLbl>
-  <dgm:styleLbl name="asst2">
-    <dgm:scene3d>
-      <a:camera prst="orthographicFront"/>
-      <a:lightRig rig="threePt" dir="t"/>
-    </dgm:scene3d>
-    <dgm:sp3d/>
-    <dgm:txPr/>
-    <dgm:style>
-      <a:lnRef idx="2">
-        <a:scrgbClr r="0" g="0" b="0"/>
-      </a:lnRef>
-      <a:fillRef idx="1">
-        <a:scrgbClr r="0" g="0" b="0"/>
-      </a:fillRef>
-      <a:effectRef idx="0">
-        <a:scrgbClr r="0" g="0" b="0"/>
-      </a:effectRef>
-      <a:fontRef idx="minor">
-        <a:schemeClr val="lt1"/>
-      </a:fontRef>
-    </dgm:style>
-  </dgm:styleLbl>
-  <dgm:styleLbl name="asst3">
-    <dgm:scene3d>
-      <a:camera prst="orthographicFront"/>
-      <a:lightRig rig="threePt" dir="t"/>
-    </dgm:scene3d>
-    <dgm:sp3d/>
-    <dgm:txPr/>
-    <dgm:style>
-      <a:lnRef idx="2">
-        <a:scrgbClr r="0" g="0" b="0"/>
-      </a:lnRef>
-      <a:fillRef idx="1">
-        <a:scrgbClr r="0" g="0" b="0"/>
-      </a:fillRef>
-      <a:effectRef idx="0">
-        <a:scrgbClr r="0" g="0" b="0"/>
-      </a:effectRef>
-      <a:fontRef idx="minor">
-        <a:schemeClr val="lt1"/>
-      </a:fontRef>
-    </dgm:style>
-  </dgm:styleLbl>
-  <dgm:styleLbl name="asst4">
-    <dgm:scene3d>
-      <a:camera prst="orthographicFront"/>
-      <a:lightRig rig="threePt" dir="t"/>
-    </dgm:scene3d>
-    <dgm:sp3d/>
-    <dgm:txPr/>
-    <dgm:style>
-      <a:lnRef idx="2">
-        <a:scrgbClr r="0" g="0" b="0"/>
-      </a:lnRef>
-      <a:fillRef idx="1">
-        <a:scrgbClr r="0" g="0" b="0"/>
-      </a:fillRef>
-      <a:effectRef idx="0">
-        <a:scrgbClr r="0" g="0" b="0"/>
-      </a:effectRef>
-      <a:fontRef idx="minor">
-        <a:schemeClr val="lt1"/>
-      </a:fontRef>
-    </dgm:style>
-  </dgm:styleLbl>
-  <dgm:styleLbl name="parChTrans2D1">
-    <dgm:scene3d>
-      <a:camera prst="orthographicFront"/>
-      <a:lightRig rig="threePt" dir="t"/>
-    </dgm:scene3d>
-    <dgm:sp3d/>
-    <dgm:txPr/>
-    <dgm:style>
-      <a:lnRef idx="2">
-        <a:scrgbClr r="0" g="0" b="0"/>
-      </a:lnRef>
-      <a:fillRef idx="1">
-        <a:scrgbClr r="0" g="0" b="0"/>
-      </a:fillRef>
-      <a:effectRef idx="0">
-        <a:scrgbClr r="0" g="0" b="0"/>
-      </a:effectRef>
-      <a:fontRef idx="minor">
-        <a:schemeClr val="lt1"/>
-      </a:fontRef>
-    </dgm:style>
-  </dgm:styleLbl>
-  <dgm:styleLbl name="parChTrans2D2">
-    <dgm:scene3d>
-      <a:camera prst="orthographicFront"/>
-      <a:lightRig rig="threePt" dir="t"/>
-    </dgm:scene3d>
-    <dgm:sp3d/>
-    <dgm:txPr/>
-    <dgm:style>
-      <a:lnRef idx="2">
-        <a:scrgbClr r="0" g="0" b="0"/>
-      </a:lnRef>
-      <a:fillRef idx="1">
-        <a:scrgbClr r="0" g="0" b="0"/>
-      </a:fillRef>
-      <a:effectRef idx="0">
-        <a:scrgbClr r="0" g="0" b="0"/>
-      </a:effectRef>
-      <a:fontRef idx="minor">
-        <a:schemeClr val="lt1"/>
-      </a:fontRef>
-    </dgm:style>
-  </dgm:styleLbl>
-  <dgm:styleLbl name="parChTrans2D3">
-    <dgm:scene3d>
-      <a:camera prst="orthographicFront"/>
-      <a:lightRig rig="threePt" dir="t"/>
-    </dgm:scene3d>
-    <dgm:sp3d/>
-    <dgm:txPr/>
-    <dgm:style>
-      <a:lnRef idx="2">
-        <a:scrgbClr r="0" g="0" b="0"/>
-      </a:lnRef>
-      <a:fillRef idx="1">
-        <a:scrgbClr r="0" g="0" b="0"/>
-      </a:fillRef>
-      <a:effectRef idx="0">
-        <a:scrgbClr r="0" g="0" b="0"/>
-      </a:effectRef>
-      <a:fontRef idx="minor">
-        <a:schemeClr val="lt1"/>
-      </a:fontRef>
-    </dgm:style>
-  </dgm:styleLbl>
-  <dgm:styleLbl name="parChTrans2D4">
-    <dgm:scene3d>
-      <a:camera prst="orthographicFront"/>
-      <a:lightRig rig="threePt" dir="t"/>
-    </dgm:scene3d>
-    <dgm:sp3d/>
-    <dgm:txPr/>
-    <dgm:style>
-      <a:lnRef idx="2">
-        <a:scrgbClr r="0" g="0" b="0"/>
-      </a:lnRef>
-      <a:fillRef idx="1">
-        <a:scrgbClr r="0" g="0" b="0"/>
-      </a:fillRef>
-      <a:effectRef idx="0">
-        <a:scrgbClr r="0" g="0" b="0"/>
-      </a:effectRef>
-      <a:fontRef idx="minor">
-        <a:schemeClr val="lt1"/>
-      </a:fontRef>
-    </dgm:style>
-  </dgm:styleLbl>
-  <dgm:styleLbl name="parChTrans1D1">
-    <dgm:scene3d>
-      <a:camera prst="orthographicFront"/>
-      <a:lightRig rig="threePt" dir="t"/>
-    </dgm:scene3d>
-    <dgm:sp3d/>
-    <dgm:txPr/>
-    <dgm:style>
-      <a:lnRef idx="2">
-        <a:scrgbClr r="0" g="0" b="0"/>
-      </a:lnRef>
-      <a:fillRef idx="0">
-        <a:scrgbClr r="0" g="0" b="0"/>
-      </a:fillRef>
-      <a:effectRef idx="0">
-        <a:scrgbClr r="0" g="0" b="0"/>
-      </a:effectRef>
-      <a:fontRef idx="minor"/>
-    </dgm:style>
-  </dgm:styleLbl>
-  <dgm:styleLbl name="parChTrans1D2">
-    <dgm:scene3d>
-      <a:camera prst="orthographicFront"/>
-      <a:lightRig rig="threePt" dir="t"/>
-    </dgm:scene3d>
-    <dgm:sp3d/>
-    <dgm:txPr/>
-    <dgm:style>
-      <a:lnRef idx="2">
-        <a:scrgbClr r="0" g="0" b="0"/>
-      </a:lnRef>
-      <a:fillRef idx="0">
-        <a:scrgbClr r="0" g="0" b="0"/>
-      </a:fillRef>
-      <a:effectRef idx="0">
-        <a:scrgbClr r="0" g="0" b="0"/>
-      </a:effectRef>
-      <a:fontRef idx="minor"/>
-    </dgm:style>
-  </dgm:styleLbl>
-  <dgm:styleLbl name="parChTrans1D3">
-    <dgm:scene3d>
-      <a:camera prst="orthographicFront"/>
-      <a:lightRig rig="threePt" dir="t"/>
-    </dgm:scene3d>
-    <dgm:sp3d/>
-    <dgm:txPr/>
-    <dgm:style>
-      <a:lnRef idx="2">
-        <a:scrgbClr r="0" g="0" b="0"/>
-      </a:lnRef>
-      <a:fillRef idx="0">
-        <a:scrgbClr r="0" g="0" b="0"/>
-      </a:fillRef>
-      <a:effectRef idx="0">
-        <a:scrgbClr r="0" g="0" b="0"/>
-      </a:effectRef>
-      <a:fontRef idx="minor"/>
-    </dgm:style>
-  </dgm:styleLbl>
-  <dgm:styleLbl name="parChTrans1D4">
-    <dgm:scene3d>
-      <a:camera prst="orthographicFront"/>
-      <a:lightRig rig="threePt" dir="t"/>
-    </dgm:scene3d>
-    <dgm:sp3d/>
-    <dgm:txPr/>
-    <dgm:style>
-      <a:lnRef idx="2">
-        <a:scrgbClr r="0" g="0" b="0"/>
-      </a:lnRef>
-      <a:fillRef idx="0">
-        <a:scrgbClr r="0" g="0" b="0"/>
-      </a:fillRef>
-      <a:effectRef idx="0">
-        <a:scrgbClr r="0" g="0" b="0"/>
-      </a:effectRef>
-      <a:fontRef idx="minor"/>
-    </dgm:style>
-  </dgm:styleLbl>
-  <dgm:styleLbl name="fgAcc1">
-    <dgm:scene3d>
-      <a:camera prst="orthographicFront"/>
-      <a:lightRig rig="threePt" dir="t"/>
-    </dgm:scene3d>
-    <dgm:sp3d/>
-    <dgm:txPr/>
-    <dgm:style>
-      <a:lnRef idx="2">
-        <a:scrgbClr r="0" g="0" b="0"/>
-      </a:lnRef>
-      <a:fillRef idx="1">
-        <a:scrgbClr r="0" g="0" b="0"/>
-      </a:fillRef>
-      <a:effectRef idx="0">
-        <a:scrgbClr r="0" g="0" b="0"/>
-      </a:effectRef>
-      <a:fontRef idx="minor"/>
-    </dgm:style>
-  </dgm:styleLbl>
-  <dgm:styleLbl name="conFgAcc1">
-    <dgm:scene3d>
-      <a:camera prst="orthographicFront"/>
-      <a:lightRig rig="threePt" dir="t"/>
-    </dgm:scene3d>
-    <dgm:sp3d/>
-    <dgm:txPr/>
-    <dgm:style>
-      <a:lnRef idx="2">
-        <a:scrgbClr r="0" g="0" b="0"/>
-      </a:lnRef>
-      <a:fillRef idx="1">
-        <a:scrgbClr r="0" g="0" b="0"/>
-      </a:fillRef>
-      <a:effectRef idx="0">
-        <a:scrgbClr r="0" g="0" b="0"/>
-      </a:effectRef>
-      <a:fontRef idx="minor"/>
-    </dgm:style>
-  </dgm:styleLbl>
-  <dgm:styleLbl name="alignAcc1">
-    <dgm:scene3d>
-      <a:camera prst="orthographicFront"/>
-      <a:lightRig rig="threePt" dir="t"/>
-    </dgm:scene3d>
-    <dgm:sp3d/>
-    <dgm:txPr/>
-    <dgm:style>
-      <a:lnRef idx="2">
-        <a:scrgbClr r="0" g="0" b="0"/>
-      </a:lnRef>
-      <a:fillRef idx="1">
-        <a:scrgbClr r="0" g="0" b="0"/>
-      </a:fillRef>
-      <a:effectRef idx="0">
-        <a:scrgbClr r="0" g="0" b="0"/>
-      </a:effectRef>
-      <a:fontRef idx="minor"/>
-    </dgm:style>
-  </dgm:styleLbl>
-  <dgm:styleLbl name="trAlignAcc1">
-    <dgm:scene3d>
-      <a:camera prst="orthographicFront"/>
-      <a:lightRig rig="threePt" dir="t"/>
-    </dgm:scene3d>
-    <dgm:sp3d/>
-    <dgm:txPr/>
-    <dgm:style>
-      <a:lnRef idx="1">
-        <a:scrgbClr r="0" g="0" b="0"/>
-      </a:lnRef>
-      <a:fillRef idx="1">
-        <a:scrgbClr r="0" g="0" b="0"/>
-      </a:fillRef>
-      <a:effectRef idx="0">
-        <a:scrgbClr r="0" g="0" b="0"/>
-      </a:effectRef>
-      <a:fontRef idx="minor"/>
-    </dgm:style>
-  </dgm:styleLbl>
-  <dgm:styleLbl name="bgAcc1">
-    <dgm:scene3d>
-      <a:camera prst="orthographicFront"/>
-      <a:lightRig rig="threePt" dir="t"/>
-    </dgm:scene3d>
-    <dgm:sp3d/>
-    <dgm:txPr/>
-    <dgm:style>
-      <a:lnRef idx="2">
-        <a:scrgbClr r="0" g="0" b="0"/>
-      </a:lnRef>
-      <a:fillRef idx="1">
-        <a:scrgbClr r="0" g="0" b="0"/>
-      </a:fillRef>
-      <a:effectRef idx="0">
-        <a:scrgbClr r="0" g="0" b="0"/>
-      </a:effectRef>
-      <a:fontRef idx="minor"/>
-    </dgm:style>
-  </dgm:styleLbl>
-  <dgm:styleLbl name="solidFgAcc1">
-    <dgm:scene3d>
-      <a:camera prst="orthographicFront"/>
-      <a:lightRig rig="threePt" dir="t"/>
-    </dgm:scene3d>
-    <dgm:sp3d/>
-    <dgm:txPr/>
-    <dgm:style>
-      <a:lnRef idx="2">
-        <a:scrgbClr r="0" g="0" b="0"/>
-      </a:lnRef>
-      <a:fillRef idx="1">
-        <a:scrgbClr r="0" g="0" b="0"/>
-      </a:fillRef>
-      <a:effectRef idx="0">
-        <a:scrgbClr r="0" g="0" b="0"/>
-      </a:effectRef>
-      <a:fontRef idx="minor"/>
-    </dgm:style>
-  </dgm:styleLbl>
-  <dgm:styleLbl name="solidAlignAcc1">
-    <dgm:scene3d>
-      <a:camera prst="orthographicFront"/>
-      <a:lightRig rig="threePt" dir="t"/>
-    </dgm:scene3d>
-    <dgm:sp3d/>
-    <dgm:txPr/>
-    <dgm:style>
-      <a:lnRef idx="2">
-        <a:scrgbClr r="0" g="0" b="0"/>
-      </a:lnRef>
-      <a:fillRef idx="1">
-        <a:scrgbClr r="0" g="0" b="0"/>
-      </a:fillRef>
-      <a:effectRef idx="0">
-        <a:scrgbClr r="0" g="0" b="0"/>
-      </a:effectRef>
-      <a:fontRef idx="minor"/>
-    </dgm:style>
-  </dgm:styleLbl>
-  <dgm:styleLbl name="solidBgAcc1">
-    <dgm:scene3d>
-      <a:camera prst="orthographicFront"/>
-      <a:lightRig rig="threePt" dir="t"/>
-    </dgm:scene3d>
-    <dgm:sp3d/>
-    <dgm:txPr/>
-    <dgm:style>
-      <a:lnRef idx="2">
-        <a:scrgbClr r="0" g="0" b="0"/>
-      </a:lnRef>
-      <a:fillRef idx="1">
-        <a:scrgbClr r="0" g="0" b="0"/>
-      </a:fillRef>
-      <a:effectRef idx="0">
-        <a:scrgbClr r="0" g="0" b="0"/>
-      </a:effectRef>
-      <a:fontRef idx="minor"/>
-    </dgm:style>
-  </dgm:styleLbl>
-  <dgm:styleLbl name="fgAccFollowNode1">
-    <dgm:scene3d>
-      <a:camera prst="orthographicFront"/>
-      <a:lightRig rig="threePt" dir="t"/>
-    </dgm:scene3d>
-    <dgm:sp3d/>
-    <dgm:txPr/>
-    <dgm:style>
-      <a:lnRef idx="2">
-        <a:scrgbClr r="0" g="0" b="0"/>
-      </a:lnRef>
-      <a:fillRef idx="1">
-        <a:scrgbClr r="0" g="0" b="0"/>
-      </a:fillRef>
-      <a:effectRef idx="0">
-        <a:scrgbClr r="0" g="0" b="0"/>
-      </a:effectRef>
-      <a:fontRef idx="minor"/>
-    </dgm:style>
-  </dgm:styleLbl>
-  <dgm:styleLbl name="alignAccFollowNode1">
-    <dgm:scene3d>
-      <a:camera prst="orthographicFront"/>
-      <a:lightRig rig="threePt" dir="t"/>
-    </dgm:scene3d>
-    <dgm:sp3d/>
-    <dgm:txPr/>
-    <dgm:style>
-      <a:lnRef idx="2">
-        <a:scrgbClr r="0" g="0" b="0"/>
-      </a:lnRef>
-      <a:fillRef idx="1">
-        <a:scrgbClr r="0" g="0" b="0"/>
-      </a:fillRef>
-      <a:effectRef idx="0">
-        <a:scrgbClr r="0" g="0" b="0"/>
-      </a:effectRef>
-      <a:fontRef idx="minor"/>
-    </dgm:style>
-  </dgm:styleLbl>
-  <dgm:styleLbl name="bgAccFollowNode1">
-    <dgm:scene3d>
-      <a:camera prst="orthographicFront"/>
-      <a:lightRig rig="threePt" dir="t"/>
-    </dgm:scene3d>
-    <dgm:sp3d/>
-    <dgm:txPr/>
-    <dgm:style>
-      <a:lnRef idx="2">
-        <a:scrgbClr r="0" g="0" b="0"/>
-      </a:lnRef>
-      <a:fillRef idx="1">
-        <a:scrgbClr r="0" g="0" b="0"/>
-      </a:fillRef>
-      <a:effectRef idx="0">
-        <a:scrgbClr r="0" g="0" b="0"/>
-      </a:effectRef>
-      <a:fontRef idx="minor"/>
-    </dgm:style>
-  </dgm:styleLbl>
-  <dgm:styleLbl name="fgAcc0">
-    <dgm:scene3d>
-      <a:camera prst="orthographicFront"/>
-      <a:lightRig rig="threePt" dir="t"/>
-    </dgm:scene3d>
-    <dgm:sp3d/>
-    <dgm:txPr/>
-    <dgm:style>
-      <a:lnRef idx="2">
-        <a:scrgbClr r="0" g="0" b="0"/>
-      </a:lnRef>
-      <a:fillRef idx="1">
-        <a:scrgbClr r="0" g="0" b="0"/>
-      </a:fillRef>
-      <a:effectRef idx="0">
-        <a:scrgbClr r="0" g="0" b="0"/>
-      </a:effectRef>
-      <a:fontRef idx="minor"/>
-    </dgm:style>
-  </dgm:styleLbl>
-  <dgm:styleLbl name="fgAcc2">
-    <dgm:scene3d>
-      <a:camera prst="orthographicFront"/>
-      <a:lightRig rig="threePt" dir="t"/>
-    </dgm:scene3d>
-    <dgm:sp3d/>
-    <dgm:txPr/>
-    <dgm:style>
-      <a:lnRef idx="2">
-        <a:scrgbClr r="0" g="0" b="0"/>
-      </a:lnRef>
-      <a:fillRef idx="1">
-        <a:scrgbClr r="0" g="0" b="0"/>
-      </a:fillRef>
-      <a:effectRef idx="0">
-        <a:scrgbClr r="0" g="0" b="0"/>
-      </a:effectRef>
-      <a:fontRef idx="minor"/>
-    </dgm:style>
-  </dgm:styleLbl>
-  <dgm:styleLbl name="fgAcc3">
-    <dgm:scene3d>
-      <a:camera prst="orthographicFront"/>
-      <a:lightRig rig="threePt" dir="t"/>
-    </dgm:scene3d>
-    <dgm:sp3d/>
-    <dgm:txPr/>
-    <dgm:style>
-      <a:lnRef idx="2">
-        <a:scrgbClr r="0" g="0" b="0"/>
-      </a:lnRef>
-      <a:fillRef idx="1">
-        <a:scrgbClr r="0" g="0" b="0"/>
-      </a:fillRef>
-      <a:effectRef idx="0">
-        <a:scrgbClr r="0" g="0" b="0"/>
-      </a:effectRef>
-      <a:fontRef idx="minor"/>
-    </dgm:style>
-  </dgm:styleLbl>
-  <dgm:styleLbl name="fgAcc4">
-    <dgm:scene3d>
-      <a:camera prst="orthographicFront"/>
-      <a:lightRig rig="threePt" dir="t"/>
-    </dgm:scene3d>
-    <dgm:sp3d/>
-    <dgm:txPr/>
-    <dgm:style>
-      <a:lnRef idx="2">
-        <a:scrgbClr r="0" g="0" b="0"/>
-      </a:lnRef>
-      <a:fillRef idx="1">
-        <a:scrgbClr r="0" g="0" b="0"/>
-      </a:fillRef>
-      <a:effectRef idx="0">
-        <a:scrgbClr r="0" g="0" b="0"/>
-      </a:effectRef>
-      <a:fontRef idx="minor"/>
-    </dgm:style>
-  </dgm:styleLbl>
-  <dgm:styleLbl name="bgShp">
-    <dgm:scene3d>
-      <a:camera prst="orthographicFront"/>
-      <a:lightRig rig="threePt" dir="t"/>
-    </dgm:scene3d>
-    <dgm:sp3d/>
-    <dgm:txPr/>
-    <dgm:style>
-      <a:lnRef idx="0">
-        <a:scrgbClr r="0" g="0" b="0"/>
-      </a:lnRef>
-      <a:fillRef idx="1">
-        <a:scrgbClr r="0" g="0" b="0"/>
-      </a:fillRef>
-      <a:effectRef idx="0">
-        <a:scrgbClr r="0" g="0" b="0"/>
-      </a:effectRef>
-      <a:fontRef idx="minor"/>
-    </dgm:style>
-  </dgm:styleLbl>
-  <dgm:styleLbl name="dkBgShp">
-    <dgm:scene3d>
-      <a:camera prst="orthographicFront"/>
-      <a:lightRig rig="threePt" dir="t"/>
-    </dgm:scene3d>
-    <dgm:sp3d/>
-    <dgm:txPr/>
-    <dgm:style>
-      <a:lnRef idx="0">
-        <a:scrgbClr r="0" g="0" b="0"/>
-      </a:lnRef>
-      <a:fillRef idx="1">
-        <a:scrgbClr r="0" g="0" b="0"/>
-      </a:fillRef>
-      <a:effectRef idx="0">
-        <a:scrgbClr r="0" g="0" b="0"/>
-      </a:effectRef>
-      <a:fontRef idx="minor"/>
-    </dgm:style>
-  </dgm:styleLbl>
-  <dgm:styleLbl name="trBgShp">
-    <dgm:scene3d>
-      <a:camera prst="orthographicFront"/>
-      <a:lightRig rig="threePt" dir="t"/>
-    </dgm:scene3d>
-    <dgm:sp3d/>
-    <dgm:txPr/>
-    <dgm:style>
-      <a:lnRef idx="0">
-        <a:scrgbClr r="0" g="0" b="0"/>
-      </a:lnRef>
-      <a:fillRef idx="1">
-        <a:scrgbClr r="0" g="0" b="0"/>
-      </a:fillRef>
-      <a:effectRef idx="0">
-        <a:scrgbClr r="0" g="0" b="0"/>
-      </a:effectRef>
-      <a:fontRef idx="minor"/>
-    </dgm:style>
-  </dgm:styleLbl>
-  <dgm:styleLbl name="fgShp">
-    <dgm:scene3d>
-      <a:camera prst="orthographicFront"/>
-      <a:lightRig rig="threePt" dir="t"/>
-    </dgm:scene3d>
-    <dgm:sp3d/>
-    <dgm:txPr/>
-    <dgm:style>
-      <a:lnRef idx="2">
-        <a:scrgbClr r="0" g="0" b="0"/>
-      </a:lnRef>
-      <a:fillRef idx="1">
-        <a:scrgbClr r="0" g="0" b="0"/>
-      </a:fillRef>
-      <a:effectRef idx="0">
-        <a:scrgbClr r="0" g="0" b="0"/>
-      </a:effectRef>
-      <a:fontRef idx="minor"/>
-    </dgm:style>
-  </dgm:styleLbl>
-  <dgm:styleLbl name="revTx">
-    <dgm:scene3d>
-      <a:camera prst="orthographicFront"/>
-      <a:lightRig rig="threePt" dir="t"/>
-    </dgm:scene3d>
-    <dgm:sp3d/>
-    <dgm:txPr/>
-    <dgm:style>
-      <a:lnRef idx="0">
-        <a:scrgbClr r="0" g="0" b="0"/>
-      </a:lnRef>
-      <a:fillRef idx="0">
-        <a:scrgbClr r="0" g="0" b="0"/>
-      </a:fillRef>
-      <a:effectRef idx="0">
-        <a:scrgbClr r="0" g="0" b="0"/>
-      </a:effectRef>
-      <a:fontRef idx="minor"/>
-    </dgm:style>
-  </dgm:styleLbl>
-</dgm:styleDef>
 </file>
 
 <file path=ppt/slideLayouts/slideLayout1.xml><?xml version="1.0" encoding="utf-8"?>
@@ -4857,7 +1947,7 @@
           <a:p>
             <a:fld id="{0CD94E99-FA29-4EFF-88BE-3447E30E8C4D}" type="datetimeFigureOut">
               <a:rPr lang="en-GB" smtClean="0"/>
-              <a:t>10/02/2024</a:t>
+              <a:t>12/02/2024</a:t>
             </a:fld>
             <a:endParaRPr lang="en-GB"/>
           </a:p>
@@ -5065,7 +2155,7 @@
           <a:p>
             <a:fld id="{0CD94E99-FA29-4EFF-88BE-3447E30E8C4D}" type="datetimeFigureOut">
               <a:rPr lang="en-GB" smtClean="0"/>
-              <a:t>10/02/2024</a:t>
+              <a:t>12/02/2024</a:t>
             </a:fld>
             <a:endParaRPr lang="en-GB"/>
           </a:p>
@@ -5323,7 +2413,7 @@
           <a:p>
             <a:fld id="{0CD94E99-FA29-4EFF-88BE-3447E30E8C4D}" type="datetimeFigureOut">
               <a:rPr lang="en-GB" smtClean="0"/>
-              <a:t>10/02/2024</a:t>
+              <a:t>12/02/2024</a:t>
             </a:fld>
             <a:endParaRPr lang="en-GB"/>
           </a:p>
@@ -5493,7 +2583,7 @@
           <a:p>
             <a:fld id="{0CD94E99-FA29-4EFF-88BE-3447E30E8C4D}" type="datetimeFigureOut">
               <a:rPr lang="en-GB" smtClean="0"/>
-              <a:t>10/02/2024</a:t>
+              <a:t>12/02/2024</a:t>
             </a:fld>
             <a:endParaRPr lang="en-GB"/>
           </a:p>
@@ -5830,7 +2920,7 @@
           <a:p>
             <a:fld id="{0CD94E99-FA29-4EFF-88BE-3447E30E8C4D}" type="datetimeFigureOut">
               <a:rPr lang="en-GB" smtClean="0"/>
-              <a:t>10/02/2024</a:t>
+              <a:t>12/02/2024</a:t>
             </a:fld>
             <a:endParaRPr lang="en-GB"/>
           </a:p>
@@ -6110,7 +3200,7 @@
           <a:p>
             <a:fld id="{0CD94E99-FA29-4EFF-88BE-3447E30E8C4D}" type="datetimeFigureOut">
               <a:rPr lang="en-GB" smtClean="0"/>
-              <a:t>10/02/2024</a:t>
+              <a:t>12/02/2024</a:t>
             </a:fld>
             <a:endParaRPr lang="en-GB"/>
           </a:p>
@@ -6489,7 +3579,7 @@
           <a:p>
             <a:fld id="{0CD94E99-FA29-4EFF-88BE-3447E30E8C4D}" type="datetimeFigureOut">
               <a:rPr lang="en-GB" smtClean="0"/>
-              <a:t>10/02/2024</a:t>
+              <a:t>12/02/2024</a:t>
             </a:fld>
             <a:endParaRPr lang="en-GB"/>
           </a:p>
@@ -6607,7 +3697,7 @@
           <a:p>
             <a:fld id="{0CD94E99-FA29-4EFF-88BE-3447E30E8C4D}" type="datetimeFigureOut">
               <a:rPr lang="en-GB" smtClean="0"/>
-              <a:t>10/02/2024</a:t>
+              <a:t>12/02/2024</a:t>
             </a:fld>
             <a:endParaRPr lang="en-GB"/>
           </a:p>
@@ -6780,7 +3870,7 @@
           <a:p>
             <a:fld id="{0CD94E99-FA29-4EFF-88BE-3447E30E8C4D}" type="datetimeFigureOut">
               <a:rPr lang="en-GB" smtClean="0"/>
-              <a:t>10/02/2024</a:t>
+              <a:t>12/02/2024</a:t>
             </a:fld>
             <a:endParaRPr lang="en-GB"/>
           </a:p>
@@ -7136,7 +4226,7 @@
           <a:p>
             <a:fld id="{0CD94E99-FA29-4EFF-88BE-3447E30E8C4D}" type="datetimeFigureOut">
               <a:rPr lang="en-GB" smtClean="0"/>
-              <a:t>10/02/2024</a:t>
+              <a:t>12/02/2024</a:t>
             </a:fld>
             <a:endParaRPr lang="en-GB"/>
           </a:p>
@@ -7515,7 +4605,7 @@
           <a:p>
             <a:fld id="{0CD94E99-FA29-4EFF-88BE-3447E30E8C4D}" type="datetimeFigureOut">
               <a:rPr lang="en-GB" smtClean="0"/>
-              <a:t>10/02/2024</a:t>
+              <a:t>12/02/2024</a:t>
             </a:fld>
             <a:endParaRPr lang="en-GB"/>
           </a:p>
@@ -7804,7 +4894,7 @@
           <a:p>
             <a:fld id="{0CD94E99-FA29-4EFF-88BE-3447E30E8C4D}" type="datetimeFigureOut">
               <a:rPr lang="en-GB" smtClean="0"/>
-              <a:t>10/02/2024</a:t>
+              <a:t>12/02/2024</a:t>
             </a:fld>
             <a:endParaRPr lang="en-GB"/>
           </a:p>
@@ -8411,14 +5501,18 @@
           <a:p>
             <a:pPr algn="l"/>
             <a:r>
-              <a:rPr lang="en-US" sz="2000">
+              <a:rPr lang="en-US" sz="2000" dirty="0"/>
+              <a:t>xx</a:t>
+            </a:r>
+            <a:r>
+              <a:rPr lang="en-US" sz="2000" dirty="0">
                 <a:solidFill>
                   <a:schemeClr val="tx2"/>
                 </a:solidFill>
               </a:rPr>
-              <a:t>09/02/24</a:t>
-            </a:r>
-            <a:endParaRPr lang="en-GB" sz="2000">
+              <a:t>/xx/24</a:t>
+            </a:r>
+            <a:endParaRPr lang="en-GB" sz="2000" dirty="0">
               <a:solidFill>
                 <a:schemeClr val="tx2"/>
               </a:solidFill>
@@ -8542,37 +5636,376 @@
           </a:p>
         </p:txBody>
       </p:sp>
-      <p:graphicFrame>
-        <p:nvGraphicFramePr>
-          <p:cNvPr id="12" name="Content Placeholder 2">
+      <p:sp>
+        <p:nvSpPr>
+          <p:cNvPr id="16" name="Rectangle: Rounded Corners 15">
             <a:extLst>
               <a:ext uri="{FF2B5EF4-FFF2-40B4-BE49-F238E27FC236}">
-                <a16:creationId xmlns:a16="http://schemas.microsoft.com/office/drawing/2014/main" id="{A5A4C080-DB32-26A6-3579-42B671D802FD}"/>
+                <a16:creationId xmlns:a16="http://schemas.microsoft.com/office/drawing/2014/main" id="{E0BBAE84-68A8-27FD-899F-5CDAF2AC1E95}"/>
               </a:ext>
             </a:extLst>
           </p:cNvPr>
-          <p:cNvGraphicFramePr>
-            <a:graphicFrameLocks noGrp="1"/>
-          </p:cNvGraphicFramePr>
-          <p:nvPr>
-            <p:ph idx="1"/>
-            <p:extLst>
-              <p:ext uri="{D42A27DB-BD31-4B8C-83A1-F6EECF244321}">
-                <p14:modId xmlns:p14="http://schemas.microsoft.com/office/powerpoint/2010/main" val="3477687710"/>
-              </p:ext>
-            </p:extLst>
-          </p:nvPr>
-        </p:nvGraphicFramePr>
-        <p:xfrm>
-          <a:off x="1096963" y="2098515"/>
-          <a:ext cx="10058400" cy="3786080"/>
-        </p:xfrm>
-        <a:graphic>
-          <a:graphicData uri="http://schemas.openxmlformats.org/drawingml/2006/diagram">
-            <dgm:relIds xmlns:dgm="http://schemas.openxmlformats.org/drawingml/2006/diagram" xmlns:r="http://schemas.openxmlformats.org/officeDocument/2006/relationships" r:dm="rId2" r:lo="rId3" r:qs="rId4" r:cs="rId5"/>
-          </a:graphicData>
-        </a:graphic>
-      </p:graphicFrame>
+          <p:cNvSpPr/>
+          <p:nvPr/>
+        </p:nvSpPr>
+        <p:spPr>
+          <a:xfrm>
+            <a:off x="1818525" y="2707240"/>
+            <a:ext cx="1726058" cy="1541123"/>
+          </a:xfrm>
+          <a:prstGeom prst="roundRect">
+            <a:avLst/>
+          </a:prstGeom>
+        </p:spPr>
+        <p:style>
+          <a:lnRef idx="2">
+            <a:schemeClr val="accent1">
+              <a:shade val="15000"/>
+            </a:schemeClr>
+          </a:lnRef>
+          <a:fillRef idx="1">
+            <a:schemeClr val="accent1"/>
+          </a:fillRef>
+          <a:effectRef idx="0">
+            <a:schemeClr val="accent1"/>
+          </a:effectRef>
+          <a:fontRef idx="minor">
+            <a:schemeClr val="lt1"/>
+          </a:fontRef>
+        </p:style>
+        <p:txBody>
+          <a:bodyPr rtlCol="0" anchor="ctr"/>
+          <a:lstStyle/>
+          <a:p>
+            <a:pPr algn="ctr"/>
+            <a:endParaRPr lang="en-GB"/>
+          </a:p>
+        </p:txBody>
+      </p:sp>
+      <p:sp>
+        <p:nvSpPr>
+          <p:cNvPr id="15" name="TextBox 14">
+            <a:extLst>
+              <a:ext uri="{FF2B5EF4-FFF2-40B4-BE49-F238E27FC236}">
+                <a16:creationId xmlns:a16="http://schemas.microsoft.com/office/drawing/2014/main" id="{8AE473AE-29B7-6026-C0F2-DA1933880EC2}"/>
+              </a:ext>
+            </a:extLst>
+          </p:cNvPr>
+          <p:cNvSpPr txBox="1"/>
+          <p:nvPr/>
+        </p:nvSpPr>
+        <p:spPr>
+          <a:xfrm>
+            <a:off x="1646847" y="4469258"/>
+            <a:ext cx="2069413" cy="646331"/>
+          </a:xfrm>
+          <a:prstGeom prst="rect">
+            <a:avLst/>
+          </a:prstGeom>
+          <a:noFill/>
+        </p:spPr>
+        <p:txBody>
+          <a:bodyPr wrap="none" rtlCol="0">
+            <a:spAutoFit/>
+          </a:bodyPr>
+          <a:lstStyle/>
+          <a:p>
+            <a:pPr algn="ctr"/>
+            <a:r>
+              <a:rPr lang="en-US" dirty="0"/>
+              <a:t>REFINED RESEARCH </a:t>
+            </a:r>
+          </a:p>
+          <a:p>
+            <a:pPr algn="ctr"/>
+            <a:r>
+              <a:rPr lang="en-US" dirty="0"/>
+              <a:t>QUESTIONS</a:t>
+            </a:r>
+          </a:p>
+        </p:txBody>
+      </p:sp>
+      <p:sp>
+        <p:nvSpPr>
+          <p:cNvPr id="21" name="Rectangle: Rounded Corners 20">
+            <a:extLst>
+              <a:ext uri="{FF2B5EF4-FFF2-40B4-BE49-F238E27FC236}">
+                <a16:creationId xmlns:a16="http://schemas.microsoft.com/office/drawing/2014/main" id="{F81318ED-4874-C383-CE1C-7EAB0D2E4D49}"/>
+              </a:ext>
+            </a:extLst>
+          </p:cNvPr>
+          <p:cNvSpPr/>
+          <p:nvPr/>
+        </p:nvSpPr>
+        <p:spPr>
+          <a:xfrm>
+            <a:off x="5263451" y="2707239"/>
+            <a:ext cx="1726058" cy="1541123"/>
+          </a:xfrm>
+          <a:prstGeom prst="roundRect">
+            <a:avLst/>
+          </a:prstGeom>
+        </p:spPr>
+        <p:style>
+          <a:lnRef idx="2">
+            <a:schemeClr val="accent1">
+              <a:shade val="15000"/>
+            </a:schemeClr>
+          </a:lnRef>
+          <a:fillRef idx="1">
+            <a:schemeClr val="accent1"/>
+          </a:fillRef>
+          <a:effectRef idx="0">
+            <a:schemeClr val="accent1"/>
+          </a:effectRef>
+          <a:fontRef idx="minor">
+            <a:schemeClr val="lt1"/>
+          </a:fontRef>
+        </p:style>
+        <p:txBody>
+          <a:bodyPr rtlCol="0" anchor="ctr"/>
+          <a:lstStyle/>
+          <a:p>
+            <a:pPr algn="ctr"/>
+            <a:endParaRPr lang="en-GB"/>
+          </a:p>
+        </p:txBody>
+      </p:sp>
+      <p:pic>
+        <p:nvPicPr>
+          <p:cNvPr id="20" name="Graphic 19" descr="Network diagram outline">
+            <a:extLst>
+              <a:ext uri="{FF2B5EF4-FFF2-40B4-BE49-F238E27FC236}">
+                <a16:creationId xmlns:a16="http://schemas.microsoft.com/office/drawing/2014/main" id="{6A704CDB-F399-A5B0-B228-5A96D6007F7B}"/>
+              </a:ext>
+            </a:extLst>
+          </p:cNvPr>
+          <p:cNvPicPr>
+            <a:picLocks noChangeAspect="1"/>
+          </p:cNvPicPr>
+          <p:nvPr/>
+        </p:nvPicPr>
+        <p:blipFill>
+          <a:blip r:embed="rId2">
+            <a:extLst>
+              <a:ext uri="{28A0092B-C50C-407E-A947-70E740481C1C}">
+                <a14:useLocalDpi xmlns:a14="http://schemas.microsoft.com/office/drawing/2010/main" val="0"/>
+              </a:ext>
+              <a:ext uri="{96DAC541-7B7A-43D3-8B79-37D633B846F1}">
+                <asvg:svgBlip xmlns:asvg="http://schemas.microsoft.com/office/drawing/2016/SVG/main" r:embed="rId3"/>
+              </a:ext>
+            </a:extLst>
+          </a:blip>
+          <a:stretch>
+            <a:fillRect/>
+          </a:stretch>
+        </p:blipFill>
+        <p:spPr>
+          <a:xfrm rot="10800000">
+            <a:off x="5638800" y="2971800"/>
+            <a:ext cx="914400" cy="914400"/>
+          </a:xfrm>
+          <a:prstGeom prst="rect">
+            <a:avLst/>
+          </a:prstGeom>
+        </p:spPr>
+      </p:pic>
+      <p:sp>
+        <p:nvSpPr>
+          <p:cNvPr id="22" name="TextBox 21">
+            <a:extLst>
+              <a:ext uri="{FF2B5EF4-FFF2-40B4-BE49-F238E27FC236}">
+                <a16:creationId xmlns:a16="http://schemas.microsoft.com/office/drawing/2014/main" id="{7E902860-1C74-5CA9-A793-C728FE4F2298}"/>
+              </a:ext>
+            </a:extLst>
+          </p:cNvPr>
+          <p:cNvSpPr txBox="1"/>
+          <p:nvPr/>
+        </p:nvSpPr>
+        <p:spPr>
+          <a:xfrm>
+            <a:off x="5272869" y="4512922"/>
+            <a:ext cx="1825180" cy="369332"/>
+          </a:xfrm>
+          <a:prstGeom prst="rect">
+            <a:avLst/>
+          </a:prstGeom>
+          <a:noFill/>
+        </p:spPr>
+        <p:txBody>
+          <a:bodyPr wrap="none" rtlCol="0">
+            <a:spAutoFit/>
+          </a:bodyPr>
+          <a:lstStyle/>
+          <a:p>
+            <a:pPr algn="ctr"/>
+            <a:r>
+              <a:rPr lang="en-US" dirty="0"/>
+              <a:t>SYSTEM GRAPHIC</a:t>
+            </a:r>
+          </a:p>
+        </p:txBody>
+      </p:sp>
+      <p:pic>
+        <p:nvPicPr>
+          <p:cNvPr id="24" name="Graphic 23" descr="Thought outline">
+            <a:extLst>
+              <a:ext uri="{FF2B5EF4-FFF2-40B4-BE49-F238E27FC236}">
+                <a16:creationId xmlns:a16="http://schemas.microsoft.com/office/drawing/2014/main" id="{0DD4D4B0-0A52-1DF7-B880-785EA01EC5FA}"/>
+              </a:ext>
+            </a:extLst>
+          </p:cNvPr>
+          <p:cNvPicPr>
+            <a:picLocks noChangeAspect="1"/>
+          </p:cNvPicPr>
+          <p:nvPr/>
+        </p:nvPicPr>
+        <p:blipFill>
+          <a:blip r:embed="rId4">
+            <a:extLst>
+              <a:ext uri="{28A0092B-C50C-407E-A947-70E740481C1C}">
+                <a14:useLocalDpi xmlns:a14="http://schemas.microsoft.com/office/drawing/2010/main" val="0"/>
+              </a:ext>
+              <a:ext uri="{96DAC541-7B7A-43D3-8B79-37D633B846F1}">
+                <asvg:svgBlip xmlns:asvg="http://schemas.microsoft.com/office/drawing/2016/SVG/main" r:embed="rId5"/>
+              </a:ext>
+            </a:extLst>
+          </a:blip>
+          <a:stretch>
+            <a:fillRect/>
+          </a:stretch>
+        </p:blipFill>
+        <p:spPr>
+          <a:xfrm>
+            <a:off x="2333432" y="2971799"/>
+            <a:ext cx="914400" cy="914400"/>
+          </a:xfrm>
+          <a:prstGeom prst="rect">
+            <a:avLst/>
+          </a:prstGeom>
+        </p:spPr>
+      </p:pic>
+      <p:sp>
+        <p:nvSpPr>
+          <p:cNvPr id="27" name="Rectangle: Rounded Corners 26">
+            <a:extLst>
+              <a:ext uri="{FF2B5EF4-FFF2-40B4-BE49-F238E27FC236}">
+                <a16:creationId xmlns:a16="http://schemas.microsoft.com/office/drawing/2014/main" id="{EF46DCAD-7D94-7B9B-51EF-B4C3FAC004D1}"/>
+              </a:ext>
+            </a:extLst>
+          </p:cNvPr>
+          <p:cNvSpPr/>
+          <p:nvPr/>
+        </p:nvSpPr>
+        <p:spPr>
+          <a:xfrm>
+            <a:off x="8708377" y="2707239"/>
+            <a:ext cx="1726058" cy="1541123"/>
+          </a:xfrm>
+          <a:prstGeom prst="roundRect">
+            <a:avLst/>
+          </a:prstGeom>
+        </p:spPr>
+        <p:style>
+          <a:lnRef idx="2">
+            <a:schemeClr val="accent1">
+              <a:shade val="15000"/>
+            </a:schemeClr>
+          </a:lnRef>
+          <a:fillRef idx="1">
+            <a:schemeClr val="accent1"/>
+          </a:fillRef>
+          <a:effectRef idx="0">
+            <a:schemeClr val="accent1"/>
+          </a:effectRef>
+          <a:fontRef idx="minor">
+            <a:schemeClr val="lt1"/>
+          </a:fontRef>
+        </p:style>
+        <p:txBody>
+          <a:bodyPr rtlCol="0" anchor="ctr"/>
+          <a:lstStyle/>
+          <a:p>
+            <a:pPr algn="ctr"/>
+            <a:endParaRPr lang="en-GB"/>
+          </a:p>
+        </p:txBody>
+      </p:sp>
+      <p:pic>
+        <p:nvPicPr>
+          <p:cNvPr id="26" name="Graphic 25" descr="Newspaper with solid fill">
+            <a:extLst>
+              <a:ext uri="{FF2B5EF4-FFF2-40B4-BE49-F238E27FC236}">
+                <a16:creationId xmlns:a16="http://schemas.microsoft.com/office/drawing/2014/main" id="{28C865F2-E07A-5A6F-E23E-F58FAAF85216}"/>
+              </a:ext>
+            </a:extLst>
+          </p:cNvPr>
+          <p:cNvPicPr>
+            <a:picLocks noChangeAspect="1"/>
+          </p:cNvPicPr>
+          <p:nvPr/>
+        </p:nvPicPr>
+        <p:blipFill>
+          <a:blip r:embed="rId6">
+            <a:extLst>
+              <a:ext uri="{28A0092B-C50C-407E-A947-70E740481C1C}">
+                <a14:useLocalDpi xmlns:a14="http://schemas.microsoft.com/office/drawing/2010/main" val="0"/>
+              </a:ext>
+              <a:ext uri="{96DAC541-7B7A-43D3-8B79-37D633B846F1}">
+                <asvg:svgBlip xmlns:asvg="http://schemas.microsoft.com/office/drawing/2016/SVG/main" r:embed="rId7"/>
+              </a:ext>
+            </a:extLst>
+          </a:blip>
+          <a:stretch>
+            <a:fillRect/>
+          </a:stretch>
+        </p:blipFill>
+        <p:spPr>
+          <a:xfrm>
+            <a:off x="9114206" y="2971799"/>
+            <a:ext cx="914400" cy="914400"/>
+          </a:xfrm>
+          <a:prstGeom prst="rect">
+            <a:avLst/>
+          </a:prstGeom>
+        </p:spPr>
+      </p:pic>
+      <p:sp>
+        <p:nvSpPr>
+          <p:cNvPr id="28" name="TextBox 27">
+            <a:extLst>
+              <a:ext uri="{FF2B5EF4-FFF2-40B4-BE49-F238E27FC236}">
+                <a16:creationId xmlns:a16="http://schemas.microsoft.com/office/drawing/2014/main" id="{96652C29-5EF2-FFC2-5E0D-819921E7E15A}"/>
+              </a:ext>
+            </a:extLst>
+          </p:cNvPr>
+          <p:cNvSpPr txBox="1"/>
+          <p:nvPr/>
+        </p:nvSpPr>
+        <p:spPr>
+          <a:xfrm>
+            <a:off x="8654658" y="4469258"/>
+            <a:ext cx="1951753" cy="369332"/>
+          </a:xfrm>
+          <a:prstGeom prst="rect">
+            <a:avLst/>
+          </a:prstGeom>
+          <a:noFill/>
+        </p:spPr>
+        <p:txBody>
+          <a:bodyPr wrap="none" rtlCol="0">
+            <a:spAutoFit/>
+          </a:bodyPr>
+          <a:lstStyle/>
+          <a:p>
+            <a:pPr algn="ctr"/>
+            <a:r>
+              <a:rPr lang="en-US" dirty="0"/>
+              <a:t>ARTICLE SEARCHES</a:t>
+            </a:r>
+          </a:p>
+        </p:txBody>
+      </p:sp>
     </p:spTree>
     <p:extLst>
       <p:ext uri="{BB962C8B-B14F-4D97-AF65-F5344CB8AC3E}">

--- a/Presentations/Supervisor Meetings/2024/Upcoming Meeting.pptx
+++ b/Presentations/Supervisor Meetings/2024/Upcoming Meeting.pptx
@@ -7,10 +7,7 @@
   <p:sldIdLst>
     <p:sldId id="256" r:id="rId2"/>
     <p:sldId id="257" r:id="rId3"/>
-    <p:sldId id="258" r:id="rId4"/>
-    <p:sldId id="259" r:id="rId5"/>
-    <p:sldId id="260" r:id="rId6"/>
-    <p:sldId id="261" r:id="rId7"/>
+    <p:sldId id="262" r:id="rId4"/>
   </p:sldIdLst>
   <p:sldSz cx="12192000" cy="6858000"/>
   <p:notesSz cx="6858000" cy="9144000"/>
@@ -120,7 +117,7 @@
 <file path=ppt/revisionInfo.xml><?xml version="1.0" encoding="utf-8"?>
 <p1510:revInfo xmlns:a="http://schemas.openxmlformats.org/drawingml/2006/main" xmlns:r="http://schemas.openxmlformats.org/officeDocument/2006/relationships" xmlns:p1510="http://schemas.microsoft.com/office/powerpoint/2015/10/main">
   <p1510:revLst>
-    <p1510:client id="{B7574C7C-3686-460F-9B9F-2A9122AA95F8}" v="20" dt="2024-02-12T21:07:55.309"/>
+    <p1510:client id="{B7574C7C-3686-460F-9B9F-2A9122AA95F8}" v="22" dt="2024-02-13T20:16:58.468"/>
   </p1510:revLst>
 </p1510:revInfo>
 </file>
@@ -1480,8 +1477,8 @@
   </pc:docChgLst>
   <pc:docChgLst>
     <pc:chgData name="Sean O Fithcheallaigh" userId="47659c31-a575-4792-8be3-61268c4ee0d6" providerId="ADAL" clId="{B7574C7C-3686-460F-9B9F-2A9122AA95F8}"/>
-    <pc:docChg chg="undo custSel modSld">
-      <pc:chgData name="Sean O Fithcheallaigh" userId="47659c31-a575-4792-8be3-61268c4ee0d6" providerId="ADAL" clId="{B7574C7C-3686-460F-9B9F-2A9122AA95F8}" dt="2024-02-12T21:08:34.338" v="270" actId="1076"/>
+    <pc:docChg chg="undo custSel addSld delSld modSld modMainMaster">
+      <pc:chgData name="Sean O Fithcheallaigh" userId="47659c31-a575-4792-8be3-61268c4ee0d6" providerId="ADAL" clId="{B7574C7C-3686-460F-9B9F-2A9122AA95F8}" dt="2024-02-13T21:34:41.910" v="1208" actId="20577"/>
       <pc:docMkLst>
         <pc:docMk/>
       </pc:docMkLst>
@@ -1659,6 +1656,80 @@
           </ac:picMkLst>
         </pc:picChg>
       </pc:sldChg>
+      <pc:sldChg chg="del">
+        <pc:chgData name="Sean O Fithcheallaigh" userId="47659c31-a575-4792-8be3-61268c4ee0d6" providerId="ADAL" clId="{B7574C7C-3686-460F-9B9F-2A9122AA95F8}" dt="2024-02-13T20:05:21.984" v="290" actId="2696"/>
+        <pc:sldMkLst>
+          <pc:docMk/>
+          <pc:sldMk cId="3874078205" sldId="258"/>
+        </pc:sldMkLst>
+      </pc:sldChg>
+      <pc:sldChg chg="del">
+        <pc:chgData name="Sean O Fithcheallaigh" userId="47659c31-a575-4792-8be3-61268c4ee0d6" providerId="ADAL" clId="{B7574C7C-3686-460F-9B9F-2A9122AA95F8}" dt="2024-02-13T20:06:29.111" v="297" actId="47"/>
+        <pc:sldMkLst>
+          <pc:docMk/>
+          <pc:sldMk cId="2143467693" sldId="259"/>
+        </pc:sldMkLst>
+      </pc:sldChg>
+      <pc:sldChg chg="del">
+        <pc:chgData name="Sean O Fithcheallaigh" userId="47659c31-a575-4792-8be3-61268c4ee0d6" providerId="ADAL" clId="{B7574C7C-3686-460F-9B9F-2A9122AA95F8}" dt="2024-02-13T20:06:29.925" v="298" actId="47"/>
+        <pc:sldMkLst>
+          <pc:docMk/>
+          <pc:sldMk cId="164553243" sldId="260"/>
+        </pc:sldMkLst>
+      </pc:sldChg>
+      <pc:sldChg chg="del">
+        <pc:chgData name="Sean O Fithcheallaigh" userId="47659c31-a575-4792-8be3-61268c4ee0d6" providerId="ADAL" clId="{B7574C7C-3686-460F-9B9F-2A9122AA95F8}" dt="2024-02-13T20:06:32.051" v="299" actId="47"/>
+        <pc:sldMkLst>
+          <pc:docMk/>
+          <pc:sldMk cId="317938089" sldId="261"/>
+        </pc:sldMkLst>
+      </pc:sldChg>
+      <pc:sldChg chg="addSp delSp modSp new mod">
+        <pc:chgData name="Sean O Fithcheallaigh" userId="47659c31-a575-4792-8be3-61268c4ee0d6" providerId="ADAL" clId="{B7574C7C-3686-460F-9B9F-2A9122AA95F8}" dt="2024-02-13T21:34:41.910" v="1208" actId="20577"/>
+        <pc:sldMkLst>
+          <pc:docMk/>
+          <pc:sldMk cId="2974212779" sldId="262"/>
+        </pc:sldMkLst>
+        <pc:spChg chg="mod">
+          <ac:chgData name="Sean O Fithcheallaigh" userId="47659c31-a575-4792-8be3-61268c4ee0d6" providerId="ADAL" clId="{B7574C7C-3686-460F-9B9F-2A9122AA95F8}" dt="2024-02-13T20:04:25.423" v="289" actId="20577"/>
+          <ac:spMkLst>
+            <pc:docMk/>
+            <pc:sldMk cId="2974212779" sldId="262"/>
+            <ac:spMk id="2" creationId="{F6D46A62-CBF9-68D8-6244-B4D9F731BD4E}"/>
+          </ac:spMkLst>
+        </pc:spChg>
+        <pc:spChg chg="del mod">
+          <ac:chgData name="Sean O Fithcheallaigh" userId="47659c31-a575-4792-8be3-61268c4ee0d6" providerId="ADAL" clId="{B7574C7C-3686-460F-9B9F-2A9122AA95F8}" dt="2024-02-13T20:16:01.760" v="544" actId="3680"/>
+          <ac:spMkLst>
+            <pc:docMk/>
+            <pc:sldMk cId="2974212779" sldId="262"/>
+            <ac:spMk id="3" creationId="{2D3412BC-DD0F-EA80-C9A0-D9F40F09173D}"/>
+          </ac:spMkLst>
+        </pc:spChg>
+        <pc:graphicFrameChg chg="add mod ord modGraphic">
+          <ac:chgData name="Sean O Fithcheallaigh" userId="47659c31-a575-4792-8be3-61268c4ee0d6" providerId="ADAL" clId="{B7574C7C-3686-460F-9B9F-2A9122AA95F8}" dt="2024-02-13T21:34:41.910" v="1208" actId="20577"/>
+          <ac:graphicFrameMkLst>
+            <pc:docMk/>
+            <pc:sldMk cId="2974212779" sldId="262"/>
+            <ac:graphicFrameMk id="4" creationId="{214AC544-048D-9AC6-C15B-95DB87E65341}"/>
+          </ac:graphicFrameMkLst>
+        </pc:graphicFrameChg>
+      </pc:sldChg>
+      <pc:sldMasterChg chg="modSldLayout">
+        <pc:chgData name="Sean O Fithcheallaigh" userId="47659c31-a575-4792-8be3-61268c4ee0d6" providerId="ADAL" clId="{B7574C7C-3686-460F-9B9F-2A9122AA95F8}" dt="2024-02-13T19:56:02.820" v="272"/>
+        <pc:sldMasterMkLst>
+          <pc:docMk/>
+          <pc:sldMasterMk cId="2989193502" sldId="2147483884"/>
+        </pc:sldMasterMkLst>
+        <pc:sldLayoutChg chg="setBg">
+          <pc:chgData name="Sean O Fithcheallaigh" userId="47659c31-a575-4792-8be3-61268c4ee0d6" providerId="ADAL" clId="{B7574C7C-3686-460F-9B9F-2A9122AA95F8}" dt="2024-02-13T19:56:02.820" v="272"/>
+          <pc:sldLayoutMkLst>
+            <pc:docMk/>
+            <pc:sldMasterMk cId="2989193502" sldId="2147483884"/>
+            <pc:sldLayoutMk cId="2634379243" sldId="2147483886"/>
+          </pc:sldLayoutMkLst>
+        </pc:sldLayoutChg>
+      </pc:sldMasterChg>
     </pc:docChg>
   </pc:docChgLst>
   <pc:docChgLst>
@@ -1947,7 +2018,7 @@
           <a:p>
             <a:fld id="{0CD94E99-FA29-4EFF-88BE-3447E30E8C4D}" type="datetimeFigureOut">
               <a:rPr lang="en-GB" smtClean="0"/>
-              <a:t>12/02/2024</a:t>
+              <a:t>13/02/2024</a:t>
             </a:fld>
             <a:endParaRPr lang="en-GB"/>
           </a:p>
@@ -2155,7 +2226,7 @@
           <a:p>
             <a:fld id="{0CD94E99-FA29-4EFF-88BE-3447E30E8C4D}" type="datetimeFigureOut">
               <a:rPr lang="en-GB" smtClean="0"/>
-              <a:t>12/02/2024</a:t>
+              <a:t>13/02/2024</a:t>
             </a:fld>
             <a:endParaRPr lang="en-GB"/>
           </a:p>
@@ -2413,7 +2484,7 @@
           <a:p>
             <a:fld id="{0CD94E99-FA29-4EFF-88BE-3447E30E8C4D}" type="datetimeFigureOut">
               <a:rPr lang="en-GB" smtClean="0"/>
-              <a:t>12/02/2024</a:t>
+              <a:t>13/02/2024</a:t>
             </a:fld>
             <a:endParaRPr lang="en-GB"/>
           </a:p>
@@ -2477,6 +2548,14 @@
 <file path=ppt/slideLayouts/slideLayout2.xml><?xml version="1.0" encoding="utf-8"?>
 <p:sldLayout xmlns:a="http://schemas.openxmlformats.org/drawingml/2006/main" xmlns:r="http://schemas.openxmlformats.org/officeDocument/2006/relationships" xmlns:p="http://schemas.openxmlformats.org/presentationml/2006/main" type="obj" preserve="1">
   <p:cSld name="Title and Content">
+    <p:bg>
+      <p:bgPr>
+        <a:solidFill>
+          <a:schemeClr val="bg1"/>
+        </a:solidFill>
+        <a:effectLst/>
+      </p:bgPr>
+    </p:bg>
     <p:spTree>
       <p:nvGrpSpPr>
         <p:cNvPr id="1" name=""/>
@@ -2583,7 +2662,7 @@
           <a:p>
             <a:fld id="{0CD94E99-FA29-4EFF-88BE-3447E30E8C4D}" type="datetimeFigureOut">
               <a:rPr lang="en-GB" smtClean="0"/>
-              <a:t>12/02/2024</a:t>
+              <a:t>13/02/2024</a:t>
             </a:fld>
             <a:endParaRPr lang="en-GB"/>
           </a:p>
@@ -2920,7 +2999,7 @@
           <a:p>
             <a:fld id="{0CD94E99-FA29-4EFF-88BE-3447E30E8C4D}" type="datetimeFigureOut">
               <a:rPr lang="en-GB" smtClean="0"/>
-              <a:t>12/02/2024</a:t>
+              <a:t>13/02/2024</a:t>
             </a:fld>
             <a:endParaRPr lang="en-GB"/>
           </a:p>
@@ -3200,7 +3279,7 @@
           <a:p>
             <a:fld id="{0CD94E99-FA29-4EFF-88BE-3447E30E8C4D}" type="datetimeFigureOut">
               <a:rPr lang="en-GB" smtClean="0"/>
-              <a:t>12/02/2024</a:t>
+              <a:t>13/02/2024</a:t>
             </a:fld>
             <a:endParaRPr lang="en-GB"/>
           </a:p>
@@ -3579,7 +3658,7 @@
           <a:p>
             <a:fld id="{0CD94E99-FA29-4EFF-88BE-3447E30E8C4D}" type="datetimeFigureOut">
               <a:rPr lang="en-GB" smtClean="0"/>
-              <a:t>12/02/2024</a:t>
+              <a:t>13/02/2024</a:t>
             </a:fld>
             <a:endParaRPr lang="en-GB"/>
           </a:p>
@@ -3697,7 +3776,7 @@
           <a:p>
             <a:fld id="{0CD94E99-FA29-4EFF-88BE-3447E30E8C4D}" type="datetimeFigureOut">
               <a:rPr lang="en-GB" smtClean="0"/>
-              <a:t>12/02/2024</a:t>
+              <a:t>13/02/2024</a:t>
             </a:fld>
             <a:endParaRPr lang="en-GB"/>
           </a:p>
@@ -3870,7 +3949,7 @@
           <a:p>
             <a:fld id="{0CD94E99-FA29-4EFF-88BE-3447E30E8C4D}" type="datetimeFigureOut">
               <a:rPr lang="en-GB" smtClean="0"/>
-              <a:t>12/02/2024</a:t>
+              <a:t>13/02/2024</a:t>
             </a:fld>
             <a:endParaRPr lang="en-GB"/>
           </a:p>
@@ -4226,7 +4305,7 @@
           <a:p>
             <a:fld id="{0CD94E99-FA29-4EFF-88BE-3447E30E8C4D}" type="datetimeFigureOut">
               <a:rPr lang="en-GB" smtClean="0"/>
-              <a:t>12/02/2024</a:t>
+              <a:t>13/02/2024</a:t>
             </a:fld>
             <a:endParaRPr lang="en-GB"/>
           </a:p>
@@ -4605,7 +4684,7 @@
           <a:p>
             <a:fld id="{0CD94E99-FA29-4EFF-88BE-3447E30E8C4D}" type="datetimeFigureOut">
               <a:rPr lang="en-GB" smtClean="0"/>
-              <a:t>12/02/2024</a:t>
+              <a:t>13/02/2024</a:t>
             </a:fld>
             <a:endParaRPr lang="en-GB"/>
           </a:p>
@@ -4894,7 +4973,7 @@
           <a:p>
             <a:fld id="{0CD94E99-FA29-4EFF-88BE-3447E30E8C4D}" type="datetimeFigureOut">
               <a:rPr lang="en-GB" smtClean="0"/>
-              <a:t>12/02/2024</a:t>
+              <a:t>13/02/2024</a:t>
             </a:fld>
             <a:endParaRPr lang="en-GB"/>
           </a:p>
@@ -6022,14 +6101,6 @@
 <file path=ppt/slides/slide3.xml><?xml version="1.0" encoding="utf-8"?>
 <p:sld xmlns:a="http://schemas.openxmlformats.org/drawingml/2006/main" xmlns:r="http://schemas.openxmlformats.org/officeDocument/2006/relationships" xmlns:p="http://schemas.openxmlformats.org/presentationml/2006/main">
   <p:cSld>
-    <p:bg>
-      <p:bgPr>
-        <a:solidFill>
-          <a:schemeClr val="bg1"/>
-        </a:solidFill>
-        <a:effectLst/>
-      </p:bgPr>
-    </p:bg>
     <p:spTree>
       <p:nvGrpSpPr>
         <p:cNvPr id="1" name=""/>
@@ -6049,7 +6120,7 @@
           <p:cNvPr id="2" name="Title 1">
             <a:extLst>
               <a:ext uri="{FF2B5EF4-FFF2-40B4-BE49-F238E27FC236}">
-                <a16:creationId xmlns:a16="http://schemas.microsoft.com/office/drawing/2014/main" id="{781896B6-E7E5-4F41-B664-DC12C7499495}"/>
+                <a16:creationId xmlns:a16="http://schemas.microsoft.com/office/drawing/2014/main" id="{F6D46A62-CBF9-68D8-6244-B4D9F731BD4E}"/>
               </a:ext>
             </a:extLst>
           </p:cNvPr>
@@ -6060,1714 +6131,25 @@
             <p:ph type="title"/>
           </p:nvPr>
         </p:nvSpPr>
-        <p:spPr>
-          <a:xfrm>
-            <a:off x="1371597" y="348865"/>
-            <a:ext cx="10044023" cy="877729"/>
-          </a:xfrm>
-        </p:spPr>
-        <p:txBody>
-          <a:bodyPr anchor="ctr">
-            <a:normAutofit/>
-          </a:bodyPr>
+        <p:spPr/>
+        <p:txBody>
+          <a:bodyPr/>
           <a:lstStyle/>
           <a:p>
             <a:r>
-              <a:rPr lang="en-US" sz="4000" dirty="0">
-                <a:solidFill>
-                  <a:schemeClr val="tx1"/>
-                </a:solidFill>
-              </a:rPr>
-              <a:t>Research Proposal Review: Background</a:t>
-            </a:r>
-            <a:endParaRPr lang="en-GB" sz="4000" dirty="0">
-              <a:solidFill>
-                <a:schemeClr val="tx1"/>
-              </a:solidFill>
-            </a:endParaRPr>
-          </a:p>
-        </p:txBody>
-      </p:sp>
-      <p:sp>
-        <p:nvSpPr>
-          <p:cNvPr id="3" name="Content Placeholder 2">
-            <a:extLst>
-              <a:ext uri="{FF2B5EF4-FFF2-40B4-BE49-F238E27FC236}">
-                <a16:creationId xmlns:a16="http://schemas.microsoft.com/office/drawing/2014/main" id="{F3BFD49E-147C-48F2-94FE-B635D761F52A}"/>
-              </a:ext>
-            </a:extLst>
-          </p:cNvPr>
-          <p:cNvSpPr>
-            <a:spLocks/>
-          </p:cNvSpPr>
-          <p:nvPr/>
-        </p:nvSpPr>
-        <p:spPr>
-          <a:xfrm>
-            <a:off x="811659" y="2112579"/>
-            <a:ext cx="10603962" cy="3743104"/>
-          </a:xfrm>
-          <a:prstGeom prst="rect">
-            <a:avLst/>
-          </a:prstGeom>
-        </p:spPr>
-        <p:txBody>
-          <a:bodyPr>
-            <a:normAutofit/>
-          </a:bodyPr>
-          <a:lstStyle/>
-          <a:p>
-            <a:pPr marL="285750" indent="-285750" defTabSz="777240">
-              <a:spcAft>
-                <a:spcPts val="600"/>
-              </a:spcAft>
-              <a:buFont typeface="Arial" panose="020B0604020202020204" pitchFamily="34" charset="0"/>
-              <a:buChar char="•"/>
-            </a:pPr>
-            <a:r>
-              <a:rPr lang="en-US" sz="2000" kern="1200" dirty="0">
-                <a:solidFill>
-                  <a:schemeClr val="tx1"/>
-                </a:solidFill>
-                <a:latin typeface="+mn-lt"/>
-                <a:ea typeface="+mn-ea"/>
-                <a:cs typeface="+mn-cs"/>
-              </a:rPr>
-              <a:t>Since the introduction of the IoT, we live in a world where sensors have become common place, and the of devices are projected to nearly double from today’s levels [1] </a:t>
-            </a:r>
-          </a:p>
-          <a:p>
-            <a:pPr marL="285750" indent="-285750" defTabSz="777240">
-              <a:spcAft>
-                <a:spcPts val="600"/>
-              </a:spcAft>
-              <a:buFont typeface="Arial" panose="020B0604020202020204" pitchFamily="34" charset="0"/>
-              <a:buChar char="•"/>
-            </a:pPr>
-            <a:r>
-              <a:rPr lang="en-US" sz="2000" kern="1200" dirty="0">
-                <a:solidFill>
-                  <a:schemeClr val="tx1"/>
-                </a:solidFill>
-                <a:latin typeface="+mn-lt"/>
-                <a:ea typeface="+mn-ea"/>
-                <a:cs typeface="+mn-cs"/>
-              </a:rPr>
-              <a:t>As these sensors become commonplace, they are generating vast of data from a wide range of systems and devices.</a:t>
-            </a:r>
-          </a:p>
-          <a:p>
-            <a:pPr marL="285750" indent="-285750" defTabSz="777240">
-              <a:spcAft>
-                <a:spcPts val="600"/>
-              </a:spcAft>
-              <a:buFont typeface="Arial" panose="020B0604020202020204" pitchFamily="34" charset="0"/>
-              <a:buChar char="•"/>
-            </a:pPr>
-            <a:r>
-              <a:rPr lang="en-US" sz="2000" kern="1200" dirty="0">
-                <a:solidFill>
-                  <a:schemeClr val="tx1"/>
-                </a:solidFill>
-                <a:latin typeface="+mn-lt"/>
-                <a:ea typeface="+mn-ea"/>
-                <a:cs typeface="+mn-cs"/>
-              </a:rPr>
-              <a:t>As privacy concerns around this data come increasingly into focus, federated learning is seen as a promising approach which allows data to be gathered on an Edge device</a:t>
-            </a:r>
-            <a:r>
-              <a:rPr lang="en-GB" sz="2000" kern="1200" dirty="0">
-                <a:solidFill>
-                  <a:schemeClr val="tx1"/>
-                </a:solidFill>
-                <a:latin typeface="+mn-lt"/>
-                <a:ea typeface="+mn-ea"/>
-                <a:cs typeface="+mn-cs"/>
-              </a:rPr>
-              <a:t>, allowing the data to be trained on that device</a:t>
-            </a:r>
-          </a:p>
-          <a:p>
-            <a:pPr marL="285750" indent="-285750" defTabSz="777240">
-              <a:spcAft>
-                <a:spcPts val="600"/>
-              </a:spcAft>
-              <a:buFont typeface="Arial" panose="020B0604020202020204" pitchFamily="34" charset="0"/>
-              <a:buChar char="•"/>
-            </a:pPr>
-            <a:r>
-              <a:rPr lang="en-GB" sz="2000" kern="1200" dirty="0">
-                <a:solidFill>
-                  <a:schemeClr val="tx1"/>
-                </a:solidFill>
-                <a:latin typeface="+mn-lt"/>
-                <a:ea typeface="+mn-ea"/>
-                <a:cs typeface="+mn-cs"/>
-              </a:rPr>
-              <a:t>Federated learning has several challenges which must be addressed, and these challenges will form the basis of this project</a:t>
-            </a:r>
-          </a:p>
-          <a:p>
-            <a:pPr>
-              <a:spcAft>
-                <a:spcPts val="600"/>
-              </a:spcAft>
-            </a:pPr>
+              <a:rPr lang="en-US" dirty="0"/>
+              <a:t>Research Question</a:t>
+            </a:r>
             <a:endParaRPr lang="en-GB" dirty="0"/>
           </a:p>
         </p:txBody>
       </p:sp>
-      <p:sp>
-        <p:nvSpPr>
-          <p:cNvPr id="5" name="TextBox 4">
-            <a:extLst>
-              <a:ext uri="{FF2B5EF4-FFF2-40B4-BE49-F238E27FC236}">
-                <a16:creationId xmlns:a16="http://schemas.microsoft.com/office/drawing/2014/main" id="{FB4FD9FC-751B-4BD0-BE9C-133545251952}"/>
-              </a:ext>
-            </a:extLst>
-          </p:cNvPr>
-          <p:cNvSpPr txBox="1"/>
-          <p:nvPr/>
-        </p:nvSpPr>
-        <p:spPr>
-          <a:xfrm>
-            <a:off x="811658" y="5699197"/>
-            <a:ext cx="10568683" cy="458587"/>
-          </a:xfrm>
-          <a:prstGeom prst="rect">
-            <a:avLst/>
-          </a:prstGeom>
-          <a:noFill/>
-        </p:spPr>
-        <p:txBody>
-          <a:bodyPr wrap="square" rtlCol="0">
-            <a:spAutoFit/>
-          </a:bodyPr>
-          <a:lstStyle/>
-          <a:p>
-            <a:pPr defTabSz="777240">
-              <a:spcAft>
-                <a:spcPts val="600"/>
-              </a:spcAft>
-            </a:pPr>
-            <a:r>
-              <a:rPr lang="en-US" sz="1190" kern="1200" dirty="0">
-                <a:solidFill>
-                  <a:schemeClr val="tx1"/>
-                </a:solidFill>
-                <a:latin typeface="Calibri" panose="020F0502020204030204" pitchFamily="34" charset="0"/>
-                <a:ea typeface="+mn-ea"/>
-                <a:cs typeface="Times New Roman" panose="02020603050405020304" pitchFamily="18" charset="0"/>
-              </a:rPr>
-              <a:t>[1] L. Sujay </a:t>
-            </a:r>
-            <a:r>
-              <a:rPr lang="en-US" sz="1190" kern="1200" dirty="0" err="1">
-                <a:solidFill>
-                  <a:schemeClr val="tx1"/>
-                </a:solidFill>
-                <a:latin typeface="Calibri" panose="020F0502020204030204" pitchFamily="34" charset="0"/>
-                <a:ea typeface="+mn-ea"/>
-                <a:cs typeface="Times New Roman" panose="02020603050405020304" pitchFamily="18" charset="0"/>
-              </a:rPr>
-              <a:t>Vailshery</a:t>
-            </a:r>
-            <a:r>
-              <a:rPr lang="en-US" sz="1190" kern="1200" dirty="0">
-                <a:solidFill>
-                  <a:schemeClr val="tx1"/>
-                </a:solidFill>
-                <a:latin typeface="Calibri" panose="020F0502020204030204" pitchFamily="34" charset="0"/>
-                <a:ea typeface="+mn-ea"/>
-                <a:cs typeface="Times New Roman" panose="02020603050405020304" pitchFamily="18" charset="0"/>
-              </a:rPr>
-              <a:t>, "Number of Internet of Things (IoT) connected devices worldwide from 2019 to 2023, with forecasts from 2022 to 2030," Statista, July 2023. [Online]. Available: https://www.statista.com/statistics/1183457/iot-connected-devices-worldwide/. [Accessed 23 11 2].</a:t>
-            </a:r>
-            <a:endParaRPr lang="en-GB" sz="1400" dirty="0"/>
-          </a:p>
-        </p:txBody>
-      </p:sp>
-    </p:spTree>
-    <p:extLst>
-      <p:ext uri="{BB962C8B-B14F-4D97-AF65-F5344CB8AC3E}">
-        <p14:creationId xmlns:p14="http://schemas.microsoft.com/office/powerpoint/2010/main" val="3874078205"/>
-      </p:ext>
-    </p:extLst>
-  </p:cSld>
-  <p:clrMapOvr>
-    <a:masterClrMapping/>
-  </p:clrMapOvr>
-</p:sld>
-</file>
-
-<file path=ppt/slides/slide4.xml><?xml version="1.0" encoding="utf-8"?>
-<p:sld xmlns:a="http://schemas.openxmlformats.org/drawingml/2006/main" xmlns:r="http://schemas.openxmlformats.org/officeDocument/2006/relationships" xmlns:p="http://schemas.openxmlformats.org/presentationml/2006/main">
-  <p:cSld>
-    <p:bg>
-      <p:bgPr>
-        <a:solidFill>
-          <a:schemeClr val="bg1"/>
-        </a:solidFill>
-        <a:effectLst/>
-      </p:bgPr>
-    </p:bg>
-    <p:spTree>
-      <p:nvGrpSpPr>
-        <p:cNvPr id="1" name=""/>
-        <p:cNvGrpSpPr/>
-        <p:nvPr/>
-      </p:nvGrpSpPr>
-      <p:grpSpPr>
-        <a:xfrm>
-          <a:off x="0" y="0"/>
-          <a:ext cx="0" cy="0"/>
-          <a:chOff x="0" y="0"/>
-          <a:chExt cx="0" cy="0"/>
-        </a:xfrm>
-      </p:grpSpPr>
-      <p:sp>
-        <p:nvSpPr>
-          <p:cNvPr id="2" name="Title 1">
-            <a:extLst>
-              <a:ext uri="{FF2B5EF4-FFF2-40B4-BE49-F238E27FC236}">
-                <a16:creationId xmlns:a16="http://schemas.microsoft.com/office/drawing/2014/main" id="{781896B6-E7E5-4F41-B664-DC12C7499495}"/>
-              </a:ext>
-            </a:extLst>
-          </p:cNvPr>
-          <p:cNvSpPr>
-            <a:spLocks noGrp="1"/>
-          </p:cNvSpPr>
-          <p:nvPr>
-            <p:ph type="title"/>
-          </p:nvPr>
-        </p:nvSpPr>
-        <p:spPr>
-          <a:xfrm>
-            <a:off x="1530036" y="519558"/>
-            <a:ext cx="8944823" cy="1073851"/>
-          </a:xfrm>
-        </p:spPr>
-        <p:txBody>
-          <a:bodyPr anchor="b">
-            <a:noAutofit/>
-          </a:bodyPr>
-          <a:lstStyle/>
-          <a:p>
-            <a:pPr algn="ctr"/>
-            <a:r>
-              <a:rPr lang="en-US" sz="4000" dirty="0">
-                <a:solidFill>
-                  <a:schemeClr val="tx1"/>
-                </a:solidFill>
-              </a:rPr>
-              <a:t>Research Proposal: Aim and Research Questions</a:t>
-            </a:r>
-            <a:endParaRPr lang="en-GB" sz="4000" dirty="0">
-              <a:solidFill>
-                <a:schemeClr val="tx1"/>
-              </a:solidFill>
-            </a:endParaRPr>
-          </a:p>
-        </p:txBody>
-      </p:sp>
-      <p:sp>
-        <p:nvSpPr>
-          <p:cNvPr id="3" name="Content Placeholder 2">
-            <a:extLst>
-              <a:ext uri="{FF2B5EF4-FFF2-40B4-BE49-F238E27FC236}">
-                <a16:creationId xmlns:a16="http://schemas.microsoft.com/office/drawing/2014/main" id="{F3BFD49E-147C-48F2-94FE-B635D761F52A}"/>
-              </a:ext>
-            </a:extLst>
-          </p:cNvPr>
-          <p:cNvSpPr>
-            <a:spLocks/>
-          </p:cNvSpPr>
-          <p:nvPr/>
-        </p:nvSpPr>
-        <p:spPr>
-          <a:xfrm>
-            <a:off x="2679826" y="2219218"/>
-            <a:ext cx="8865479" cy="985709"/>
-          </a:xfrm>
-          <a:prstGeom prst="rect">
-            <a:avLst/>
-          </a:prstGeom>
-        </p:spPr>
-        <p:txBody>
-          <a:bodyPr>
-            <a:noAutofit/>
-          </a:bodyPr>
-          <a:lstStyle/>
-          <a:p>
-            <a:pPr algn="ctr" defTabSz="557784">
-              <a:spcAft>
-                <a:spcPts val="600"/>
-              </a:spcAft>
-            </a:pPr>
-            <a:r>
-              <a:rPr lang="en-US" sz="1400" kern="1200" dirty="0">
-                <a:solidFill>
-                  <a:schemeClr val="tx1"/>
-                </a:solidFill>
-                <a:latin typeface="+mn-lt"/>
-                <a:ea typeface="+mn-ea"/>
-                <a:cs typeface="+mn-cs"/>
-              </a:rPr>
-              <a:t>The overreaching aim of this project will be to advance the understanding and application of federated learning in distributed environments, focusing on model efficiency, overall system security, and communication efficiency.</a:t>
-            </a:r>
-            <a:endParaRPr lang="en-GB" sz="1400" kern="1200" dirty="0">
-              <a:solidFill>
-                <a:schemeClr val="tx1"/>
-              </a:solidFill>
-              <a:latin typeface="+mn-lt"/>
-              <a:ea typeface="+mn-ea"/>
-              <a:cs typeface="+mn-cs"/>
-            </a:endParaRPr>
-          </a:p>
-          <a:p>
-            <a:pPr algn="ctr" defTabSz="557784">
-              <a:spcAft>
-                <a:spcPts val="600"/>
-              </a:spcAft>
-            </a:pPr>
-            <a:r>
-              <a:rPr lang="en-GB" sz="1400" kern="1200" dirty="0">
-                <a:solidFill>
-                  <a:schemeClr val="tx1"/>
-                </a:solidFill>
-                <a:latin typeface="+mn-lt"/>
-                <a:ea typeface="+mn-ea"/>
-                <a:cs typeface="+mn-cs"/>
-              </a:rPr>
-              <a:t>Focusing on these area, we have some research questions as a starting point.</a:t>
-            </a:r>
-            <a:endParaRPr lang="en-US" sz="1400" dirty="0"/>
-          </a:p>
-        </p:txBody>
-      </p:sp>
-      <p:sp>
-        <p:nvSpPr>
-          <p:cNvPr id="21" name="Content Placeholder 2">
-            <a:extLst>
-              <a:ext uri="{FF2B5EF4-FFF2-40B4-BE49-F238E27FC236}">
-                <a16:creationId xmlns:a16="http://schemas.microsoft.com/office/drawing/2014/main" id="{B1BF8FF0-C5F9-44EC-AB52-3D3EA590CDC6}"/>
-              </a:ext>
-            </a:extLst>
-          </p:cNvPr>
-          <p:cNvSpPr txBox="1">
-            <a:spLocks/>
-          </p:cNvSpPr>
-          <p:nvPr/>
-        </p:nvSpPr>
-        <p:spPr>
-          <a:xfrm>
-            <a:off x="2679826" y="3453640"/>
-            <a:ext cx="9128871" cy="2689934"/>
-          </a:xfrm>
-          <a:prstGeom prst="rect">
-            <a:avLst/>
-          </a:prstGeom>
-        </p:spPr>
-        <p:txBody>
-          <a:bodyPr vert="horz" lIns="91440" tIns="45720" rIns="91440" bIns="45720" rtlCol="0">
-            <a:noAutofit/>
-          </a:bodyPr>
-          <a:lstStyle>
-            <a:lvl1pPr marL="228600" indent="-228600" algn="l" defTabSz="914400" rtl="0" eaLnBrk="1" latinLnBrk="0" hangingPunct="1">
-              <a:lnSpc>
-                <a:spcPct val="90000"/>
-              </a:lnSpc>
-              <a:spcBef>
-                <a:spcPts val="1000"/>
-              </a:spcBef>
-              <a:buFont typeface="Arial" panose="020B0604020202020204" pitchFamily="34" charset="0"/>
-              <a:buChar char="•"/>
-              <a:defRPr sz="2800" kern="1200">
-                <a:solidFill>
-                  <a:schemeClr val="tx1"/>
-                </a:solidFill>
-                <a:latin typeface="+mn-lt"/>
-                <a:ea typeface="+mn-ea"/>
-                <a:cs typeface="+mn-cs"/>
-              </a:defRPr>
-            </a:lvl1pPr>
-            <a:lvl2pPr marL="685800" indent="-228600" algn="l" defTabSz="914400" rtl="0" eaLnBrk="1" latinLnBrk="0" hangingPunct="1">
-              <a:lnSpc>
-                <a:spcPct val="90000"/>
-              </a:lnSpc>
-              <a:spcBef>
-                <a:spcPts val="500"/>
-              </a:spcBef>
-              <a:buFont typeface="Arial" panose="020B0604020202020204" pitchFamily="34" charset="0"/>
-              <a:buChar char="•"/>
-              <a:defRPr sz="2400" kern="1200">
-                <a:solidFill>
-                  <a:schemeClr val="tx1"/>
-                </a:solidFill>
-                <a:latin typeface="+mn-lt"/>
-                <a:ea typeface="+mn-ea"/>
-                <a:cs typeface="+mn-cs"/>
-              </a:defRPr>
-            </a:lvl2pPr>
-            <a:lvl3pPr marL="1143000" indent="-228600" algn="l" defTabSz="914400" rtl="0" eaLnBrk="1" latinLnBrk="0" hangingPunct="1">
-              <a:lnSpc>
-                <a:spcPct val="90000"/>
-              </a:lnSpc>
-              <a:spcBef>
-                <a:spcPts val="500"/>
-              </a:spcBef>
-              <a:buFont typeface="Arial" panose="020B0604020202020204" pitchFamily="34" charset="0"/>
-              <a:buChar char="•"/>
-              <a:defRPr sz="2000" kern="1200">
-                <a:solidFill>
-                  <a:schemeClr val="tx1"/>
-                </a:solidFill>
-                <a:latin typeface="+mn-lt"/>
-                <a:ea typeface="+mn-ea"/>
-                <a:cs typeface="+mn-cs"/>
-              </a:defRPr>
-            </a:lvl3pPr>
-            <a:lvl4pPr marL="1600200" indent="-228600" algn="l" defTabSz="914400" rtl="0" eaLnBrk="1" latinLnBrk="0" hangingPunct="1">
-              <a:lnSpc>
-                <a:spcPct val="90000"/>
-              </a:lnSpc>
-              <a:spcBef>
-                <a:spcPts val="500"/>
-              </a:spcBef>
-              <a:buFont typeface="Arial" panose="020B0604020202020204" pitchFamily="34" charset="0"/>
-              <a:buChar char="•"/>
-              <a:defRPr sz="1800" kern="1200">
-                <a:solidFill>
-                  <a:schemeClr val="tx1"/>
-                </a:solidFill>
-                <a:latin typeface="+mn-lt"/>
-                <a:ea typeface="+mn-ea"/>
-                <a:cs typeface="+mn-cs"/>
-              </a:defRPr>
-            </a:lvl4pPr>
-            <a:lvl5pPr marL="2057400" indent="-228600" algn="l" defTabSz="914400" rtl="0" eaLnBrk="1" latinLnBrk="0" hangingPunct="1">
-              <a:lnSpc>
-                <a:spcPct val="90000"/>
-              </a:lnSpc>
-              <a:spcBef>
-                <a:spcPts val="500"/>
-              </a:spcBef>
-              <a:buFont typeface="Arial" panose="020B0604020202020204" pitchFamily="34" charset="0"/>
-              <a:buChar char="•"/>
-              <a:defRPr sz="1800" kern="1200">
-                <a:solidFill>
-                  <a:schemeClr val="tx1"/>
-                </a:solidFill>
-                <a:latin typeface="+mn-lt"/>
-                <a:ea typeface="+mn-ea"/>
-                <a:cs typeface="+mn-cs"/>
-              </a:defRPr>
-            </a:lvl5pPr>
-            <a:lvl6pPr marL="2514600" indent="-228600" algn="l" defTabSz="914400" rtl="0" eaLnBrk="1" latinLnBrk="0" hangingPunct="1">
-              <a:lnSpc>
-                <a:spcPct val="90000"/>
-              </a:lnSpc>
-              <a:spcBef>
-                <a:spcPts val="500"/>
-              </a:spcBef>
-              <a:buFont typeface="Arial" panose="020B0604020202020204" pitchFamily="34" charset="0"/>
-              <a:buChar char="•"/>
-              <a:defRPr sz="1800" kern="1200">
-                <a:solidFill>
-                  <a:schemeClr val="tx1"/>
-                </a:solidFill>
-                <a:latin typeface="+mn-lt"/>
-                <a:ea typeface="+mn-ea"/>
-                <a:cs typeface="+mn-cs"/>
-              </a:defRPr>
-            </a:lvl6pPr>
-            <a:lvl7pPr marL="2971800" indent="-228600" algn="l" defTabSz="914400" rtl="0" eaLnBrk="1" latinLnBrk="0" hangingPunct="1">
-              <a:lnSpc>
-                <a:spcPct val="90000"/>
-              </a:lnSpc>
-              <a:spcBef>
-                <a:spcPts val="500"/>
-              </a:spcBef>
-              <a:buFont typeface="Arial" panose="020B0604020202020204" pitchFamily="34" charset="0"/>
-              <a:buChar char="•"/>
-              <a:defRPr sz="1800" kern="1200">
-                <a:solidFill>
-                  <a:schemeClr val="tx1"/>
-                </a:solidFill>
-                <a:latin typeface="+mn-lt"/>
-                <a:ea typeface="+mn-ea"/>
-                <a:cs typeface="+mn-cs"/>
-              </a:defRPr>
-            </a:lvl7pPr>
-            <a:lvl8pPr marL="3429000" indent="-228600" algn="l" defTabSz="914400" rtl="0" eaLnBrk="1" latinLnBrk="0" hangingPunct="1">
-              <a:lnSpc>
-                <a:spcPct val="90000"/>
-              </a:lnSpc>
-              <a:spcBef>
-                <a:spcPts val="500"/>
-              </a:spcBef>
-              <a:buFont typeface="Arial" panose="020B0604020202020204" pitchFamily="34" charset="0"/>
-              <a:buChar char="•"/>
-              <a:defRPr sz="1800" kern="1200">
-                <a:solidFill>
-                  <a:schemeClr val="tx1"/>
-                </a:solidFill>
-                <a:latin typeface="+mn-lt"/>
-                <a:ea typeface="+mn-ea"/>
-                <a:cs typeface="+mn-cs"/>
-              </a:defRPr>
-            </a:lvl8pPr>
-            <a:lvl9pPr marL="3886200" indent="-228600" algn="l" defTabSz="914400" rtl="0" eaLnBrk="1" latinLnBrk="0" hangingPunct="1">
-              <a:lnSpc>
-                <a:spcPct val="90000"/>
-              </a:lnSpc>
-              <a:spcBef>
-                <a:spcPts val="500"/>
-              </a:spcBef>
-              <a:buFont typeface="Arial" panose="020B0604020202020204" pitchFamily="34" charset="0"/>
-              <a:buChar char="•"/>
-              <a:defRPr sz="1800" kern="1200">
-                <a:solidFill>
-                  <a:schemeClr val="tx1"/>
-                </a:solidFill>
-                <a:latin typeface="+mn-lt"/>
-                <a:ea typeface="+mn-ea"/>
-                <a:cs typeface="+mn-cs"/>
-              </a:defRPr>
-            </a:lvl9pPr>
-          </a:lstStyle>
-          <a:p>
-            <a:pPr marL="139446" indent="-139446" defTabSz="557784">
-              <a:spcBef>
-                <a:spcPts val="610"/>
-              </a:spcBef>
-            </a:pPr>
-            <a:r>
-              <a:rPr lang="en-US" sz="1400" kern="1200" dirty="0">
-                <a:solidFill>
-                  <a:schemeClr val="tx1"/>
-                </a:solidFill>
-                <a:latin typeface="+mn-lt"/>
-                <a:ea typeface="+mn-ea"/>
-                <a:cs typeface="+mn-cs"/>
-              </a:rPr>
-              <a:t>RQ1: 	With the ever-increasing use of IoT devices, </a:t>
-            </a:r>
-            <a:r>
-              <a:rPr lang="en-US" sz="1400" b="1" kern="1200" dirty="0">
-                <a:solidFill>
-                  <a:schemeClr val="tx1"/>
-                </a:solidFill>
-                <a:latin typeface="+mn-lt"/>
-                <a:ea typeface="+mn-ea"/>
-                <a:cs typeface="+mn-cs"/>
-              </a:rPr>
-              <a:t>can</a:t>
-            </a:r>
-            <a:r>
-              <a:rPr lang="en-US" sz="1400" kern="1200" dirty="0">
-                <a:solidFill>
-                  <a:schemeClr val="tx1"/>
-                </a:solidFill>
-                <a:latin typeface="+mn-lt"/>
-                <a:ea typeface="+mn-ea"/>
-                <a:cs typeface="+mn-cs"/>
-              </a:rPr>
-              <a:t> </a:t>
-            </a:r>
-            <a:r>
-              <a:rPr lang="en-US" sz="1400" b="1" kern="1200" dirty="0">
-                <a:solidFill>
-                  <a:schemeClr val="tx1"/>
-                </a:solidFill>
-                <a:latin typeface="+mn-lt"/>
-                <a:ea typeface="+mn-ea"/>
-                <a:cs typeface="+mn-cs"/>
-              </a:rPr>
-              <a:t>FL algorithms or tools be designed to operate specifically on 	resource Edge devices</a:t>
-            </a:r>
-            <a:r>
-              <a:rPr lang="en-US" sz="1400" kern="1200" dirty="0">
-                <a:solidFill>
-                  <a:schemeClr val="tx1"/>
-                </a:solidFill>
-                <a:latin typeface="+mn-lt"/>
-                <a:ea typeface="+mn-ea"/>
-                <a:cs typeface="+mn-cs"/>
-              </a:rPr>
-              <a:t> to minimize computational and communication costs</a:t>
-            </a:r>
-          </a:p>
-          <a:p>
-            <a:pPr marL="139446" indent="-139446" defTabSz="557784">
-              <a:spcBef>
-                <a:spcPts val="610"/>
-              </a:spcBef>
-            </a:pPr>
-            <a:r>
-              <a:rPr lang="en-US" sz="1400" kern="1200" dirty="0">
-                <a:solidFill>
-                  <a:schemeClr val="tx1"/>
-                </a:solidFill>
-                <a:latin typeface="+mn-lt"/>
-                <a:ea typeface="+mn-ea"/>
-                <a:cs typeface="+mn-cs"/>
-              </a:rPr>
-              <a:t>RQ2: 	Real-world data will typically have elements of variability that can reduce the accuracy of any model. </a:t>
-            </a:r>
-            <a:r>
-              <a:rPr lang="en-US" sz="1400" b="1" kern="1200" dirty="0">
-                <a:solidFill>
-                  <a:schemeClr val="tx1"/>
-                </a:solidFill>
-                <a:latin typeface="+mn-lt"/>
-                <a:ea typeface="+mn-ea"/>
-                <a:cs typeface="+mn-cs"/>
-              </a:rPr>
-              <a:t>Can we 	develop FL algorithms that are adaptable to non IID (Independently and Identically Distributed </a:t>
-            </a:r>
-            <a:r>
-              <a:rPr lang="en-US" sz="1400" b="1" dirty="0"/>
-              <a:t>D</a:t>
-            </a:r>
-            <a:r>
-              <a:rPr lang="en-US" sz="1400" b="1" kern="1200" dirty="0">
-                <a:solidFill>
-                  <a:schemeClr val="tx1"/>
-                </a:solidFill>
-                <a:latin typeface="+mn-lt"/>
-                <a:ea typeface="+mn-ea"/>
-                <a:cs typeface="+mn-cs"/>
-              </a:rPr>
-              <a:t>ata)?</a:t>
-            </a:r>
-          </a:p>
-          <a:p>
-            <a:pPr marL="139446" indent="-139446" defTabSz="557784">
-              <a:spcBef>
-                <a:spcPts val="610"/>
-              </a:spcBef>
-            </a:pPr>
-            <a:r>
-              <a:rPr lang="en-US" sz="1400" kern="1200" dirty="0">
-                <a:solidFill>
-                  <a:schemeClr val="tx1"/>
-                </a:solidFill>
-                <a:latin typeface="+mn-lt"/>
-                <a:ea typeface="+mn-ea"/>
-                <a:cs typeface="+mn-cs"/>
-              </a:rPr>
-              <a:t>RQ3: 	</a:t>
-            </a:r>
-            <a:r>
-              <a:rPr lang="en-US" sz="1400" b="1" kern="1200" dirty="0">
-                <a:solidFill>
-                  <a:schemeClr val="tx1"/>
-                </a:solidFill>
-                <a:latin typeface="+mn-lt"/>
-                <a:ea typeface="+mn-ea"/>
-                <a:cs typeface="+mn-cs"/>
-              </a:rPr>
-              <a:t>Can adaptive communication strategies for FL be developed that dynamically adjust their transmission frequency 	and allowable bandwidth </a:t>
-            </a:r>
-            <a:r>
-              <a:rPr lang="en-US" sz="1400" kern="1200" dirty="0">
-                <a:solidFill>
-                  <a:schemeClr val="tx1"/>
-                </a:solidFill>
-                <a:latin typeface="+mn-lt"/>
-                <a:ea typeface="+mn-ea"/>
-                <a:cs typeface="+mn-cs"/>
-              </a:rPr>
-              <a:t>based on factors such as model complexity, the type of data, and the transmission 	network condition?</a:t>
-            </a:r>
-          </a:p>
-          <a:p>
-            <a:pPr marL="139446" indent="-139446" defTabSz="557784">
-              <a:spcBef>
-                <a:spcPts val="610"/>
-              </a:spcBef>
-            </a:pPr>
-            <a:r>
-              <a:rPr lang="en-US" sz="1400" kern="1200" dirty="0">
-                <a:solidFill>
-                  <a:schemeClr val="tx1"/>
-                </a:solidFill>
-                <a:latin typeface="+mn-lt"/>
-                <a:ea typeface="+mn-ea"/>
-                <a:cs typeface="+mn-cs"/>
-              </a:rPr>
-              <a:t>RQ4: 	</a:t>
-            </a:r>
-            <a:r>
-              <a:rPr lang="en-US" sz="1400" b="1" kern="1200" dirty="0">
-                <a:solidFill>
-                  <a:schemeClr val="tx1"/>
-                </a:solidFill>
-                <a:latin typeface="+mn-lt"/>
-                <a:ea typeface="+mn-ea"/>
-                <a:cs typeface="+mn-cs"/>
-              </a:rPr>
-              <a:t>Can FL be resilient to unreliable network conditions </a:t>
-            </a:r>
-            <a:r>
-              <a:rPr lang="en-US" sz="1400" kern="1200" dirty="0">
-                <a:solidFill>
-                  <a:schemeClr val="tx1"/>
-                </a:solidFill>
-                <a:latin typeface="+mn-lt"/>
-                <a:ea typeface="+mn-ea"/>
-                <a:cs typeface="+mn-cs"/>
-              </a:rPr>
-              <a:t>introducing latency and packet loss while ensuring that model 	training is reliable, and updates remain efficient and robust</a:t>
-            </a:r>
-          </a:p>
-          <a:p>
-            <a:pPr marL="139446" indent="-139446" defTabSz="557784">
-              <a:spcBef>
-                <a:spcPts val="610"/>
-              </a:spcBef>
-            </a:pPr>
-            <a:r>
-              <a:rPr lang="en-US" sz="1400" kern="1200" dirty="0">
-                <a:solidFill>
-                  <a:schemeClr val="tx1"/>
-                </a:solidFill>
-                <a:latin typeface="+mn-lt"/>
-                <a:ea typeface="+mn-ea"/>
-                <a:cs typeface="+mn-cs"/>
-              </a:rPr>
-              <a:t>RQ5:	</a:t>
-            </a:r>
-            <a:r>
-              <a:rPr lang="en-US" sz="1400" b="1" kern="1200" dirty="0">
-                <a:solidFill>
-                  <a:schemeClr val="tx1"/>
-                </a:solidFill>
-                <a:latin typeface="+mn-lt"/>
-                <a:ea typeface="+mn-ea"/>
-                <a:cs typeface="+mn-cs"/>
-              </a:rPr>
-              <a:t>How can we design efficient aggregation algorithms for FL </a:t>
-            </a:r>
-            <a:r>
-              <a:rPr lang="en-US" sz="1400" kern="1200" dirty="0">
-                <a:solidFill>
-                  <a:schemeClr val="tx1"/>
-                </a:solidFill>
-                <a:latin typeface="+mn-lt"/>
-                <a:ea typeface="+mn-ea"/>
-                <a:cs typeface="+mn-cs"/>
-              </a:rPr>
-              <a:t>that minimize the data exchange between clients and 	servers while not reducing the model accuracy?</a:t>
-            </a:r>
-          </a:p>
-          <a:p>
-            <a:endParaRPr lang="en-US" sz="1400" dirty="0"/>
-          </a:p>
-        </p:txBody>
-      </p:sp>
-      <p:sp>
-        <p:nvSpPr>
-          <p:cNvPr id="5" name="Rectangle: Rounded Corners 4">
-            <a:extLst>
-              <a:ext uri="{FF2B5EF4-FFF2-40B4-BE49-F238E27FC236}">
-                <a16:creationId xmlns:a16="http://schemas.microsoft.com/office/drawing/2014/main" id="{98386D18-C179-44AB-9A0E-54B0136025BE}"/>
-              </a:ext>
-            </a:extLst>
-          </p:cNvPr>
-          <p:cNvSpPr/>
-          <p:nvPr/>
-        </p:nvSpPr>
-        <p:spPr>
-          <a:xfrm>
-            <a:off x="2679826" y="2030993"/>
-            <a:ext cx="8865479" cy="1173934"/>
-          </a:xfrm>
-          <a:prstGeom prst="roundRect">
-            <a:avLst/>
-          </a:prstGeom>
-          <a:noFill/>
-        </p:spPr>
-        <p:style>
-          <a:lnRef idx="2">
-            <a:schemeClr val="accent1">
-              <a:shade val="50000"/>
-            </a:schemeClr>
-          </a:lnRef>
-          <a:fillRef idx="1">
-            <a:schemeClr val="accent1"/>
-          </a:fillRef>
-          <a:effectRef idx="0">
-            <a:schemeClr val="accent1"/>
-          </a:effectRef>
-          <a:fontRef idx="minor">
-            <a:schemeClr val="lt1"/>
-          </a:fontRef>
-        </p:style>
-        <p:txBody>
-          <a:bodyPr rtlCol="0" anchor="ctr"/>
-          <a:lstStyle/>
-          <a:p>
-            <a:pPr algn="ctr"/>
-            <a:endParaRPr lang="en-GB"/>
-          </a:p>
-        </p:txBody>
-      </p:sp>
-      <p:sp>
-        <p:nvSpPr>
-          <p:cNvPr id="12" name="Title 1">
-            <a:extLst>
-              <a:ext uri="{FF2B5EF4-FFF2-40B4-BE49-F238E27FC236}">
-                <a16:creationId xmlns:a16="http://schemas.microsoft.com/office/drawing/2014/main" id="{B5E0D9F7-4059-4AC9-B6F0-FD0340F0BC27}"/>
-              </a:ext>
-            </a:extLst>
-          </p:cNvPr>
-          <p:cNvSpPr txBox="1">
-            <a:spLocks/>
-          </p:cNvSpPr>
-          <p:nvPr/>
-        </p:nvSpPr>
-        <p:spPr>
-          <a:xfrm>
-            <a:off x="1358020" y="2327592"/>
-            <a:ext cx="887239" cy="654454"/>
-          </a:xfrm>
-          <a:prstGeom prst="rect">
-            <a:avLst/>
-          </a:prstGeom>
-        </p:spPr>
-        <p:txBody>
-          <a:bodyPr vert="horz" lIns="91440" tIns="45720" rIns="91440" bIns="45720" rtlCol="0" anchor="b">
-            <a:normAutofit fontScale="97500"/>
-          </a:bodyPr>
-          <a:lstStyle>
-            <a:lvl1pPr algn="l" defTabSz="914400" rtl="0" eaLnBrk="1" latinLnBrk="0" hangingPunct="1">
-              <a:lnSpc>
-                <a:spcPct val="85000"/>
-              </a:lnSpc>
-              <a:spcBef>
-                <a:spcPct val="0"/>
-              </a:spcBef>
-              <a:buNone/>
-              <a:defRPr sz="4800" kern="1200" spc="-50" baseline="0">
-                <a:solidFill>
-                  <a:schemeClr val="tx1">
-                    <a:lumMod val="75000"/>
-                    <a:lumOff val="25000"/>
-                  </a:schemeClr>
-                </a:solidFill>
-                <a:latin typeface="+mj-lt"/>
-                <a:ea typeface="+mj-ea"/>
-                <a:cs typeface="+mj-cs"/>
-              </a:defRPr>
-            </a:lvl1pPr>
-          </a:lstStyle>
-          <a:p>
-            <a:pPr algn="r"/>
-            <a:r>
-              <a:rPr lang="en-US" sz="3100" dirty="0">
-                <a:solidFill>
-                  <a:schemeClr val="tx1"/>
-                </a:solidFill>
-              </a:rPr>
-              <a:t>AIM</a:t>
-            </a:r>
-            <a:endParaRPr lang="en-GB" sz="3100" dirty="0">
-              <a:solidFill>
-                <a:schemeClr val="tx1"/>
-              </a:solidFill>
-            </a:endParaRPr>
-          </a:p>
-        </p:txBody>
-      </p:sp>
-      <p:sp>
-        <p:nvSpPr>
-          <p:cNvPr id="13" name="Title 1">
-            <a:extLst>
-              <a:ext uri="{FF2B5EF4-FFF2-40B4-BE49-F238E27FC236}">
-                <a16:creationId xmlns:a16="http://schemas.microsoft.com/office/drawing/2014/main" id="{8243B285-2BD0-4E5C-A96C-518F8A18E67B}"/>
-              </a:ext>
-            </a:extLst>
-          </p:cNvPr>
-          <p:cNvSpPr txBox="1">
-            <a:spLocks/>
-          </p:cNvSpPr>
-          <p:nvPr/>
-        </p:nvSpPr>
-        <p:spPr>
-          <a:xfrm>
-            <a:off x="652454" y="4157893"/>
-            <a:ext cx="1592805" cy="654454"/>
-          </a:xfrm>
-          <a:prstGeom prst="rect">
-            <a:avLst/>
-          </a:prstGeom>
-        </p:spPr>
-        <p:txBody>
-          <a:bodyPr vert="horz" lIns="91440" tIns="45720" rIns="91440" bIns="45720" rtlCol="0" anchor="b">
-            <a:normAutofit fontScale="82500" lnSpcReduction="20000"/>
-          </a:bodyPr>
-          <a:lstStyle>
-            <a:lvl1pPr algn="l" defTabSz="914400" rtl="0" eaLnBrk="1" latinLnBrk="0" hangingPunct="1">
-              <a:lnSpc>
-                <a:spcPct val="85000"/>
-              </a:lnSpc>
-              <a:spcBef>
-                <a:spcPct val="0"/>
-              </a:spcBef>
-              <a:buNone/>
-              <a:defRPr sz="4800" kern="1200" spc="-50" baseline="0">
-                <a:solidFill>
-                  <a:schemeClr val="tx1">
-                    <a:lumMod val="75000"/>
-                    <a:lumOff val="25000"/>
-                  </a:schemeClr>
-                </a:solidFill>
-                <a:latin typeface="+mj-lt"/>
-                <a:ea typeface="+mj-ea"/>
-                <a:cs typeface="+mj-cs"/>
-              </a:defRPr>
-            </a:lvl1pPr>
-          </a:lstStyle>
-          <a:p>
-            <a:pPr algn="r"/>
-            <a:r>
-              <a:rPr lang="en-US" sz="3100" dirty="0">
-                <a:solidFill>
-                  <a:schemeClr val="tx1"/>
-                </a:solidFill>
-              </a:rPr>
-              <a:t>Research</a:t>
-            </a:r>
-          </a:p>
-          <a:p>
-            <a:pPr algn="r"/>
-            <a:r>
-              <a:rPr lang="en-US" sz="3100" dirty="0">
-                <a:solidFill>
-                  <a:schemeClr val="tx1"/>
-                </a:solidFill>
-              </a:rPr>
-              <a:t>Questions</a:t>
-            </a:r>
-            <a:endParaRPr lang="en-GB" sz="3100" dirty="0">
-              <a:solidFill>
-                <a:schemeClr val="tx1"/>
-              </a:solidFill>
-            </a:endParaRPr>
-          </a:p>
-        </p:txBody>
-      </p:sp>
-    </p:spTree>
-    <p:extLst>
-      <p:ext uri="{BB962C8B-B14F-4D97-AF65-F5344CB8AC3E}">
-        <p14:creationId xmlns:p14="http://schemas.microsoft.com/office/powerpoint/2010/main" val="2143467693"/>
-      </p:ext>
-    </p:extLst>
-  </p:cSld>
-  <p:clrMapOvr>
-    <a:masterClrMapping/>
-  </p:clrMapOvr>
-</p:sld>
-</file>
-
-<file path=ppt/slides/slide5.xml><?xml version="1.0" encoding="utf-8"?>
-<p:sld xmlns:a="http://schemas.openxmlformats.org/drawingml/2006/main" xmlns:r="http://schemas.openxmlformats.org/officeDocument/2006/relationships" xmlns:p="http://schemas.openxmlformats.org/presentationml/2006/main">
-  <p:cSld>
-    <p:bg>
-      <p:bgPr>
-        <a:solidFill>
-          <a:schemeClr val="bg1"/>
-        </a:solidFill>
-        <a:effectLst/>
-      </p:bgPr>
-    </p:bg>
-    <p:spTree>
-      <p:nvGrpSpPr>
-        <p:cNvPr id="1" name=""/>
-        <p:cNvGrpSpPr/>
-        <p:nvPr/>
-      </p:nvGrpSpPr>
-      <p:grpSpPr>
-        <a:xfrm>
-          <a:off x="0" y="0"/>
-          <a:ext cx="0" cy="0"/>
-          <a:chOff x="0" y="0"/>
-          <a:chExt cx="0" cy="0"/>
-        </a:xfrm>
-      </p:grpSpPr>
-      <p:sp>
-        <p:nvSpPr>
-          <p:cNvPr id="2" name="Title 1">
-            <a:extLst>
-              <a:ext uri="{FF2B5EF4-FFF2-40B4-BE49-F238E27FC236}">
-                <a16:creationId xmlns:a16="http://schemas.microsoft.com/office/drawing/2014/main" id="{73222592-EF99-403F-9F40-ECBD63945B05}"/>
-              </a:ext>
-            </a:extLst>
-          </p:cNvPr>
-          <p:cNvSpPr>
-            <a:spLocks noGrp="1"/>
-          </p:cNvSpPr>
-          <p:nvPr>
-            <p:ph type="title"/>
-          </p:nvPr>
-        </p:nvSpPr>
-        <p:spPr>
-          <a:xfrm>
-            <a:off x="492369" y="523981"/>
-            <a:ext cx="9874255" cy="1099335"/>
-          </a:xfrm>
-        </p:spPr>
-        <p:txBody>
-          <a:bodyPr vert="horz" lIns="91440" tIns="45720" rIns="91440" bIns="45720" rtlCol="0" anchor="ctr">
-            <a:normAutofit/>
-          </a:bodyPr>
-          <a:lstStyle/>
-          <a:p>
-            <a:r>
-              <a:rPr lang="en-US" sz="3600" dirty="0">
-                <a:solidFill>
-                  <a:schemeClr val="tx1"/>
-                </a:solidFill>
-              </a:rPr>
-              <a:t>Literature Review: Databases and Keywords</a:t>
-            </a:r>
-          </a:p>
-        </p:txBody>
-      </p:sp>
-      <p:sp>
-        <p:nvSpPr>
+      <p:graphicFrame>
+        <p:nvGraphicFramePr>
           <p:cNvPr id="4" name="Content Placeholder 3">
             <a:extLst>
               <a:ext uri="{FF2B5EF4-FFF2-40B4-BE49-F238E27FC236}">
-                <a16:creationId xmlns:a16="http://schemas.microsoft.com/office/drawing/2014/main" id="{FF2D577E-CBD9-4A66-AB00-870654181764}"/>
-              </a:ext>
-            </a:extLst>
-          </p:cNvPr>
-          <p:cNvSpPr>
-            <a:spLocks/>
-          </p:cNvSpPr>
-          <p:nvPr/>
-        </p:nvSpPr>
-        <p:spPr>
-          <a:xfrm>
-            <a:off x="968011" y="2034119"/>
-            <a:ext cx="4169068" cy="2599526"/>
-          </a:xfrm>
-          <a:prstGeom prst="rect">
-            <a:avLst/>
-          </a:prstGeom>
-        </p:spPr>
-        <p:txBody>
-          <a:bodyPr>
-            <a:normAutofit/>
-          </a:bodyPr>
-          <a:lstStyle/>
-          <a:p>
-            <a:pPr defTabSz="461772">
-              <a:spcAft>
-                <a:spcPts val="600"/>
-              </a:spcAft>
-            </a:pPr>
-            <a:r>
-              <a:rPr lang="en-US" sz="2020" kern="1200" dirty="0">
-                <a:solidFill>
-                  <a:schemeClr val="tx1"/>
-                </a:solidFill>
-                <a:latin typeface="+mn-lt"/>
-                <a:ea typeface="+mn-ea"/>
-                <a:cs typeface="+mn-cs"/>
-              </a:rPr>
-              <a:t>The following are the main databases which will be used:</a:t>
-            </a:r>
-          </a:p>
-          <a:p>
-            <a:pPr marL="804672" lvl="1" indent="-342900" defTabSz="461772">
-              <a:spcAft>
-                <a:spcPts val="600"/>
-              </a:spcAft>
-              <a:buFont typeface="Arial" panose="020B0604020202020204" pitchFamily="34" charset="0"/>
-              <a:buChar char="•"/>
-            </a:pPr>
-            <a:r>
-              <a:rPr lang="en-US" sz="2020" kern="1200" dirty="0">
-                <a:solidFill>
-                  <a:schemeClr val="tx1"/>
-                </a:solidFill>
-                <a:latin typeface="+mn-lt"/>
-                <a:ea typeface="+mn-ea"/>
-                <a:cs typeface="+mn-cs"/>
-              </a:rPr>
-              <a:t>IEEE Xplore</a:t>
-            </a:r>
-          </a:p>
-          <a:p>
-            <a:pPr marL="804672" lvl="1" indent="-342900" defTabSz="461772">
-              <a:spcAft>
-                <a:spcPts val="600"/>
-              </a:spcAft>
-              <a:buFont typeface="Arial" panose="020B0604020202020204" pitchFamily="34" charset="0"/>
-              <a:buChar char="•"/>
-            </a:pPr>
-            <a:r>
-              <a:rPr lang="en-US" sz="2020" kern="1200" dirty="0">
-                <a:solidFill>
-                  <a:schemeClr val="tx1"/>
-                </a:solidFill>
-                <a:latin typeface="+mn-lt"/>
-                <a:ea typeface="+mn-ea"/>
-                <a:cs typeface="+mn-cs"/>
-              </a:rPr>
-              <a:t>Scopus</a:t>
-            </a:r>
-          </a:p>
-          <a:p>
-            <a:pPr marL="804672" lvl="1" indent="-342900" defTabSz="461772">
-              <a:spcAft>
-                <a:spcPts val="600"/>
-              </a:spcAft>
-              <a:buFont typeface="Arial" panose="020B0604020202020204" pitchFamily="34" charset="0"/>
-              <a:buChar char="•"/>
-            </a:pPr>
-            <a:r>
-              <a:rPr lang="en-US" sz="2020" kern="1200" dirty="0">
-                <a:solidFill>
-                  <a:schemeClr val="tx1"/>
-                </a:solidFill>
-                <a:latin typeface="+mn-lt"/>
-                <a:ea typeface="+mn-ea"/>
-                <a:cs typeface="+mn-cs"/>
-              </a:rPr>
-              <a:t>Science Direct</a:t>
-            </a:r>
-          </a:p>
-          <a:p>
-            <a:pPr marL="804672" lvl="1" indent="-342900" defTabSz="461772">
-              <a:spcAft>
-                <a:spcPts val="600"/>
-              </a:spcAft>
-              <a:buFont typeface="Arial" panose="020B0604020202020204" pitchFamily="34" charset="0"/>
-              <a:buChar char="•"/>
-            </a:pPr>
-            <a:r>
-              <a:rPr lang="en-US" sz="2020" kern="1200" dirty="0">
-                <a:solidFill>
-                  <a:schemeClr val="tx1"/>
-                </a:solidFill>
-                <a:latin typeface="+mn-lt"/>
-                <a:ea typeface="+mn-ea"/>
-                <a:cs typeface="+mn-cs"/>
-              </a:rPr>
-              <a:t>ACM Digital Library</a:t>
-            </a:r>
-            <a:endParaRPr lang="en-GB" sz="2000" dirty="0"/>
-          </a:p>
-        </p:txBody>
-      </p:sp>
-      <p:sp>
-        <p:nvSpPr>
-          <p:cNvPr id="5" name="Content Placeholder 4">
-            <a:extLst>
-              <a:ext uri="{FF2B5EF4-FFF2-40B4-BE49-F238E27FC236}">
-                <a16:creationId xmlns:a16="http://schemas.microsoft.com/office/drawing/2014/main" id="{55DC74A5-31C9-4AAD-A110-C2D6894BB4B8}"/>
-              </a:ext>
-            </a:extLst>
-          </p:cNvPr>
-          <p:cNvSpPr>
-            <a:spLocks/>
-          </p:cNvSpPr>
-          <p:nvPr/>
-        </p:nvSpPr>
-        <p:spPr>
-          <a:xfrm>
-            <a:off x="5794625" y="2034119"/>
-            <a:ext cx="5661060" cy="4459148"/>
-          </a:xfrm>
-          <a:prstGeom prst="rect">
-            <a:avLst/>
-          </a:prstGeom>
-        </p:spPr>
-        <p:txBody>
-          <a:bodyPr>
-            <a:normAutofit fontScale="25000" lnSpcReduction="20000"/>
-          </a:bodyPr>
-          <a:lstStyle/>
-          <a:p>
-            <a:pPr defTabSz="461772">
-              <a:lnSpc>
-                <a:spcPct val="90000"/>
-              </a:lnSpc>
-              <a:spcAft>
-                <a:spcPts val="600"/>
-              </a:spcAft>
-            </a:pPr>
-            <a:r>
-              <a:rPr lang="en-US" sz="7200" kern="1200" dirty="0">
-                <a:solidFill>
-                  <a:schemeClr val="tx1"/>
-                </a:solidFill>
-                <a:latin typeface="+mn-lt"/>
-                <a:ea typeface="+mn-ea"/>
-                <a:cs typeface="+mn-cs"/>
-              </a:rPr>
-              <a:t>The following keywords will be used in the searches</a:t>
-            </a:r>
-          </a:p>
-          <a:p>
-            <a:pPr marL="861822" indent="-432000" defTabSz="461772">
-              <a:lnSpc>
-                <a:spcPct val="90000"/>
-              </a:lnSpc>
-              <a:spcAft>
-                <a:spcPts val="600"/>
-              </a:spcAft>
-              <a:buFont typeface="Arial" panose="020B0604020202020204" pitchFamily="34" charset="0"/>
-              <a:buChar char="•"/>
-            </a:pPr>
-            <a:r>
-              <a:rPr lang="en-US" sz="7200" kern="1200" dirty="0">
-                <a:solidFill>
-                  <a:schemeClr val="tx1"/>
-                </a:solidFill>
-                <a:latin typeface="+mn-lt"/>
-                <a:ea typeface="+mn-ea"/>
-                <a:cs typeface="+mn-cs"/>
-              </a:rPr>
-              <a:t>Artificial Intelligence</a:t>
-            </a:r>
-          </a:p>
-          <a:p>
-            <a:pPr marL="861822" indent="-432000" defTabSz="461772">
-              <a:lnSpc>
-                <a:spcPct val="90000"/>
-              </a:lnSpc>
-              <a:spcAft>
-                <a:spcPts val="600"/>
-              </a:spcAft>
-              <a:buFont typeface="Arial" panose="020B0604020202020204" pitchFamily="34" charset="0"/>
-              <a:buChar char="•"/>
-            </a:pPr>
-            <a:r>
-              <a:rPr lang="en-US" sz="7200" kern="1200" dirty="0">
-                <a:solidFill>
-                  <a:schemeClr val="tx1"/>
-                </a:solidFill>
-                <a:latin typeface="+mn-lt"/>
-                <a:ea typeface="+mn-ea"/>
-                <a:cs typeface="+mn-cs"/>
-              </a:rPr>
-              <a:t>(</a:t>
-            </a:r>
-            <a:r>
-              <a:rPr lang="en-US" sz="7200" kern="1200" dirty="0" err="1">
-                <a:solidFill>
-                  <a:schemeClr val="tx1"/>
-                </a:solidFill>
-                <a:latin typeface="+mn-lt"/>
-                <a:ea typeface="+mn-ea"/>
-                <a:cs typeface="+mn-cs"/>
-              </a:rPr>
-              <a:t>Decentralised</a:t>
-            </a:r>
-            <a:r>
-              <a:rPr lang="en-US" sz="7200" kern="1200" dirty="0">
-                <a:solidFill>
-                  <a:schemeClr val="tx1"/>
-                </a:solidFill>
-                <a:latin typeface="+mn-lt"/>
-                <a:ea typeface="+mn-ea"/>
-                <a:cs typeface="+mn-cs"/>
-              </a:rPr>
-              <a:t>) Machine Learning</a:t>
-            </a:r>
-          </a:p>
-          <a:p>
-            <a:pPr marL="861822" indent="-432000" defTabSz="461772">
-              <a:lnSpc>
-                <a:spcPct val="90000"/>
-              </a:lnSpc>
-              <a:spcAft>
-                <a:spcPts val="600"/>
-              </a:spcAft>
-              <a:buFont typeface="Arial" panose="020B0604020202020204" pitchFamily="34" charset="0"/>
-              <a:buChar char="•"/>
-            </a:pPr>
-            <a:r>
-              <a:rPr lang="en-GB" sz="7200" kern="1200" dirty="0">
-                <a:solidFill>
-                  <a:schemeClr val="tx1"/>
-                </a:solidFill>
-                <a:latin typeface="+mn-lt"/>
-                <a:ea typeface="+mn-ea"/>
-                <a:cs typeface="+mn-cs"/>
-              </a:rPr>
-              <a:t>Internet of Things/IoT</a:t>
-            </a:r>
-          </a:p>
-          <a:p>
-            <a:pPr marL="861822" indent="-432000" defTabSz="461772">
-              <a:lnSpc>
-                <a:spcPct val="90000"/>
-              </a:lnSpc>
-              <a:spcAft>
-                <a:spcPts val="600"/>
-              </a:spcAft>
-              <a:buFont typeface="Arial" panose="020B0604020202020204" pitchFamily="34" charset="0"/>
-              <a:buChar char="•"/>
-            </a:pPr>
-            <a:r>
-              <a:rPr lang="en-GB" sz="7200" kern="1200" dirty="0">
-                <a:solidFill>
-                  <a:schemeClr val="tx1"/>
-                </a:solidFill>
-                <a:latin typeface="+mn-lt"/>
-                <a:ea typeface="+mn-ea"/>
-                <a:cs typeface="+mn-cs"/>
-              </a:rPr>
-              <a:t>Data Heterogeneity</a:t>
-            </a:r>
-          </a:p>
-          <a:p>
-            <a:pPr marL="861822" indent="-432000" defTabSz="461772">
-              <a:lnSpc>
-                <a:spcPct val="90000"/>
-              </a:lnSpc>
-              <a:spcAft>
-                <a:spcPts val="600"/>
-              </a:spcAft>
-              <a:buFont typeface="Arial" panose="020B0604020202020204" pitchFamily="34" charset="0"/>
-              <a:buChar char="•"/>
-            </a:pPr>
-            <a:r>
-              <a:rPr lang="en-GB" sz="7200" kern="1200" dirty="0">
-                <a:solidFill>
-                  <a:schemeClr val="tx1"/>
-                </a:solidFill>
-                <a:latin typeface="+mn-lt"/>
-                <a:ea typeface="+mn-ea"/>
-                <a:cs typeface="+mn-cs"/>
-              </a:rPr>
-              <a:t>Model Aggregation</a:t>
-            </a:r>
-          </a:p>
-          <a:p>
-            <a:pPr marL="861822" indent="-432000" defTabSz="461772">
-              <a:lnSpc>
-                <a:spcPct val="90000"/>
-              </a:lnSpc>
-              <a:spcAft>
-                <a:spcPts val="600"/>
-              </a:spcAft>
-              <a:buFont typeface="Arial" panose="020B0604020202020204" pitchFamily="34" charset="0"/>
-              <a:buChar char="•"/>
-            </a:pPr>
-            <a:r>
-              <a:rPr lang="en-GB" sz="7200" kern="1200" dirty="0">
-                <a:solidFill>
-                  <a:schemeClr val="tx1"/>
-                </a:solidFill>
-                <a:latin typeface="+mn-lt"/>
-                <a:ea typeface="+mn-ea"/>
-                <a:cs typeface="+mn-cs"/>
-              </a:rPr>
-              <a:t>Communication</a:t>
-            </a:r>
-          </a:p>
-          <a:p>
-            <a:pPr marL="861822" indent="-432000" defTabSz="461772">
-              <a:lnSpc>
-                <a:spcPct val="90000"/>
-              </a:lnSpc>
-              <a:spcAft>
-                <a:spcPts val="600"/>
-              </a:spcAft>
-              <a:buFont typeface="Arial" panose="020B0604020202020204" pitchFamily="34" charset="0"/>
-              <a:buChar char="•"/>
-            </a:pPr>
-            <a:r>
-              <a:rPr lang="en-GB" sz="7200" kern="1200" dirty="0" err="1">
-                <a:solidFill>
-                  <a:schemeClr val="tx1"/>
-                </a:solidFill>
-                <a:latin typeface="+mn-lt"/>
-                <a:ea typeface="+mn-ea"/>
-                <a:cs typeface="+mn-cs"/>
-              </a:rPr>
-              <a:t>EdgeAI</a:t>
-            </a:r>
-            <a:r>
-              <a:rPr lang="en-GB" sz="7200" dirty="0"/>
-              <a:t>/</a:t>
-            </a:r>
-            <a:r>
-              <a:rPr lang="en-GB" sz="7200" kern="1200" dirty="0" err="1">
-                <a:solidFill>
-                  <a:schemeClr val="tx1"/>
-                </a:solidFill>
-                <a:latin typeface="+mn-lt"/>
-                <a:ea typeface="+mn-ea"/>
-                <a:cs typeface="+mn-cs"/>
-              </a:rPr>
-              <a:t>EdgeML</a:t>
-            </a:r>
-            <a:r>
-              <a:rPr lang="en-GB" sz="7200" dirty="0"/>
-              <a:t>/</a:t>
-            </a:r>
-            <a:r>
-              <a:rPr lang="en-GB" sz="7200" kern="1200" dirty="0" err="1">
-                <a:solidFill>
-                  <a:schemeClr val="tx1"/>
-                </a:solidFill>
-                <a:latin typeface="+mn-lt"/>
-                <a:ea typeface="+mn-ea"/>
-                <a:cs typeface="+mn-cs"/>
-              </a:rPr>
-              <a:t>TinyML</a:t>
-            </a:r>
-            <a:endParaRPr lang="en-GB" sz="7200" kern="1200" dirty="0">
-              <a:solidFill>
-                <a:schemeClr val="tx1"/>
-              </a:solidFill>
-              <a:latin typeface="+mn-lt"/>
-              <a:ea typeface="+mn-ea"/>
-              <a:cs typeface="+mn-cs"/>
-            </a:endParaRPr>
-          </a:p>
-          <a:p>
-            <a:pPr marL="861822" indent="-432000" defTabSz="461772">
-              <a:lnSpc>
-                <a:spcPct val="90000"/>
-              </a:lnSpc>
-              <a:spcAft>
-                <a:spcPts val="600"/>
-              </a:spcAft>
-              <a:buFont typeface="Arial" panose="020B0604020202020204" pitchFamily="34" charset="0"/>
-              <a:buChar char="•"/>
-            </a:pPr>
-            <a:r>
-              <a:rPr lang="en-GB" sz="7200" kern="1200" dirty="0">
-                <a:solidFill>
-                  <a:schemeClr val="tx1"/>
-                </a:solidFill>
-                <a:latin typeface="+mn-lt"/>
-                <a:ea typeface="+mn-ea"/>
-                <a:cs typeface="+mn-cs"/>
-              </a:rPr>
-              <a:t>Data Privacy</a:t>
-            </a:r>
-          </a:p>
-          <a:p>
-            <a:pPr marL="861822" indent="-432000" defTabSz="461772">
-              <a:lnSpc>
-                <a:spcPct val="90000"/>
-              </a:lnSpc>
-              <a:spcAft>
-                <a:spcPts val="600"/>
-              </a:spcAft>
-              <a:buFont typeface="Arial" panose="020B0604020202020204" pitchFamily="34" charset="0"/>
-              <a:buChar char="•"/>
-            </a:pPr>
-            <a:r>
-              <a:rPr lang="en-GB" sz="7200" kern="1200" dirty="0">
-                <a:solidFill>
-                  <a:schemeClr val="tx1"/>
-                </a:solidFill>
-                <a:latin typeface="+mn-lt"/>
-                <a:ea typeface="+mn-ea"/>
-                <a:cs typeface="+mn-cs"/>
-              </a:rPr>
-              <a:t>Transfer Learning</a:t>
-            </a:r>
-          </a:p>
-          <a:p>
-            <a:pPr marL="861822" indent="-432000" defTabSz="461772">
-              <a:lnSpc>
-                <a:spcPct val="90000"/>
-              </a:lnSpc>
-              <a:spcAft>
-                <a:spcPts val="600"/>
-              </a:spcAft>
-              <a:buFont typeface="Arial" panose="020B0604020202020204" pitchFamily="34" charset="0"/>
-              <a:buChar char="•"/>
-            </a:pPr>
-            <a:r>
-              <a:rPr lang="en-GB" sz="7200" kern="1200" dirty="0">
-                <a:solidFill>
-                  <a:schemeClr val="tx1"/>
-                </a:solidFill>
-                <a:latin typeface="+mn-lt"/>
-                <a:ea typeface="+mn-ea"/>
-                <a:cs typeface="+mn-cs"/>
-              </a:rPr>
-              <a:t>Federated Averaging</a:t>
-            </a:r>
-          </a:p>
-          <a:p>
-            <a:pPr marL="861822" indent="-432000" defTabSz="461772">
-              <a:lnSpc>
-                <a:spcPct val="90000"/>
-              </a:lnSpc>
-              <a:spcAft>
-                <a:spcPts val="600"/>
-              </a:spcAft>
-              <a:buFont typeface="Arial" panose="020B0604020202020204" pitchFamily="34" charset="0"/>
-              <a:buChar char="•"/>
-            </a:pPr>
-            <a:r>
-              <a:rPr lang="en-GB" sz="7200" kern="1200" dirty="0">
-                <a:solidFill>
-                  <a:schemeClr val="tx1"/>
-                </a:solidFill>
-                <a:latin typeface="+mn-lt"/>
-                <a:ea typeface="+mn-ea"/>
-                <a:cs typeface="+mn-cs"/>
-              </a:rPr>
-              <a:t>Manufacturing</a:t>
-            </a:r>
-          </a:p>
-          <a:p>
-            <a:pPr marL="861822" indent="-432000" defTabSz="461772">
-              <a:lnSpc>
-                <a:spcPct val="90000"/>
-              </a:lnSpc>
-              <a:spcAft>
-                <a:spcPts val="600"/>
-              </a:spcAft>
-              <a:buFont typeface="Arial" panose="020B0604020202020204" pitchFamily="34" charset="0"/>
-              <a:buChar char="•"/>
-            </a:pPr>
-            <a:r>
-              <a:rPr lang="en-GB" sz="7200" dirty="0"/>
-              <a:t>Intrusion Detection</a:t>
-            </a:r>
-          </a:p>
-          <a:p>
-            <a:pPr marL="861822" indent="-432000" defTabSz="461772">
-              <a:lnSpc>
-                <a:spcPct val="90000"/>
-              </a:lnSpc>
-              <a:spcAft>
-                <a:spcPts val="600"/>
-              </a:spcAft>
-              <a:buFont typeface="Arial" panose="020B0604020202020204" pitchFamily="34" charset="0"/>
-              <a:buChar char="•"/>
-            </a:pPr>
-            <a:r>
-              <a:rPr lang="en-GB" sz="7200" kern="1200" dirty="0">
-                <a:solidFill>
-                  <a:schemeClr val="tx1"/>
-                </a:solidFill>
-                <a:latin typeface="+mn-lt"/>
-                <a:ea typeface="+mn-ea"/>
-                <a:cs typeface="+mn-cs"/>
-              </a:rPr>
-              <a:t>Constrained device</a:t>
-            </a:r>
-          </a:p>
-          <a:p>
-            <a:pPr marL="861822" indent="-432000" defTabSz="461772">
-              <a:lnSpc>
-                <a:spcPct val="90000"/>
-              </a:lnSpc>
-              <a:spcAft>
-                <a:spcPts val="600"/>
-              </a:spcAft>
-              <a:buFont typeface="Arial" panose="020B0604020202020204" pitchFamily="34" charset="0"/>
-              <a:buChar char="•"/>
-            </a:pPr>
-            <a:r>
-              <a:rPr lang="en-GB" sz="7200"/>
-              <a:t>Efficient</a:t>
-            </a:r>
-            <a:endParaRPr lang="en-GB" sz="7200" kern="1200" dirty="0">
-              <a:solidFill>
-                <a:schemeClr val="tx1"/>
-              </a:solidFill>
-              <a:latin typeface="+mn-lt"/>
-              <a:ea typeface="+mn-ea"/>
-              <a:cs typeface="+mn-cs"/>
-            </a:endParaRPr>
-          </a:p>
-          <a:p>
-            <a:pPr lvl="1">
-              <a:lnSpc>
-                <a:spcPct val="90000"/>
-              </a:lnSpc>
-              <a:spcAft>
-                <a:spcPts val="600"/>
-              </a:spcAft>
-            </a:pPr>
-            <a:endParaRPr lang="en-GB" sz="1500" dirty="0"/>
-          </a:p>
-        </p:txBody>
-      </p:sp>
-    </p:spTree>
-    <p:extLst>
-      <p:ext uri="{BB962C8B-B14F-4D97-AF65-F5344CB8AC3E}">
-        <p14:creationId xmlns:p14="http://schemas.microsoft.com/office/powerpoint/2010/main" val="164553243"/>
-      </p:ext>
-    </p:extLst>
-  </p:cSld>
-  <p:clrMapOvr>
-    <a:masterClrMapping/>
-  </p:clrMapOvr>
-</p:sld>
-</file>
-
-<file path=ppt/slides/slide6.xml><?xml version="1.0" encoding="utf-8"?>
-<p:sld xmlns:a="http://schemas.openxmlformats.org/drawingml/2006/main" xmlns:r="http://schemas.openxmlformats.org/officeDocument/2006/relationships" xmlns:p="http://schemas.openxmlformats.org/presentationml/2006/main">
-  <p:cSld>
-    <p:spTree>
-      <p:nvGrpSpPr>
-        <p:cNvPr id="1" name=""/>
-        <p:cNvGrpSpPr/>
-        <p:nvPr/>
-      </p:nvGrpSpPr>
-      <p:grpSpPr>
-        <a:xfrm>
-          <a:off x="0" y="0"/>
-          <a:ext cx="0" cy="0"/>
-          <a:chOff x="0" y="0"/>
-          <a:chExt cx="0" cy="0"/>
-        </a:xfrm>
-      </p:grpSpPr>
-      <p:sp>
-        <p:nvSpPr>
-          <p:cNvPr id="7" name="Title 6">
-            <a:extLst>
-              <a:ext uri="{FF2B5EF4-FFF2-40B4-BE49-F238E27FC236}">
-                <a16:creationId xmlns:a16="http://schemas.microsoft.com/office/drawing/2014/main" id="{CEFD8811-F419-4DA0-B54C-032290F3EFA7}"/>
-              </a:ext>
-            </a:extLst>
-          </p:cNvPr>
-          <p:cNvSpPr>
-            <a:spLocks noGrp="1"/>
-          </p:cNvSpPr>
-          <p:nvPr>
-            <p:ph type="title"/>
-          </p:nvPr>
-        </p:nvSpPr>
-        <p:spPr/>
-        <p:txBody>
-          <a:bodyPr/>
-          <a:lstStyle/>
-          <a:p>
-            <a:r>
-              <a:rPr lang="en-US" dirty="0"/>
-              <a:t>Abbreviations</a:t>
-            </a:r>
-            <a:endParaRPr lang="en-GB" dirty="0"/>
-          </a:p>
-        </p:txBody>
-      </p:sp>
-      <p:graphicFrame>
-        <p:nvGraphicFramePr>
-          <p:cNvPr id="11" name="Table 11">
-            <a:extLst>
-              <a:ext uri="{FF2B5EF4-FFF2-40B4-BE49-F238E27FC236}">
-                <a16:creationId xmlns:a16="http://schemas.microsoft.com/office/drawing/2014/main" id="{315749BC-1665-4742-86E2-0FB66CDF8C7A}"/>
+                <a16:creationId xmlns:a16="http://schemas.microsoft.com/office/drawing/2014/main" id="{214AC544-048D-9AC6-C15B-95DB87E65341}"/>
               </a:ext>
             </a:extLst>
           </p:cNvPr>
@@ -7775,16 +6157,17 @@
             <a:graphicFrameLocks noGrp="1"/>
           </p:cNvGraphicFramePr>
           <p:nvPr>
+            <p:ph idx="1"/>
             <p:extLst>
               <p:ext uri="{D42A27DB-BD31-4B8C-83A1-F6EECF244321}">
-                <p14:modId xmlns:p14="http://schemas.microsoft.com/office/powerpoint/2010/main" val="783079961"/>
+                <p14:modId xmlns:p14="http://schemas.microsoft.com/office/powerpoint/2010/main" val="321224982"/>
               </p:ext>
             </p:extLst>
           </p:nvPr>
         </p:nvGraphicFramePr>
         <p:xfrm>
-          <a:off x="1097280" y="1980295"/>
-          <a:ext cx="10058400" cy="1198880"/>
+          <a:off x="1096963" y="1846263"/>
+          <a:ext cx="10058400" cy="2844800"/>
         </p:xfrm>
         <a:graphic>
           <a:graphicData uri="http://schemas.openxmlformats.org/drawingml/2006/table">
@@ -7793,24 +6176,17 @@
                 <a:tableStyleId>{5C22544A-7EE6-4342-B048-85BDC9FD1C3A}</a:tableStyleId>
               </a:tblPr>
               <a:tblGrid>
-                <a:gridCol w="1059994">
+                <a:gridCol w="1029788">
                   <a:extLst>
                     <a:ext uri="{9D8B030D-6E8A-4147-A177-3AD203B41FA5}">
-                      <a16:colId xmlns:a16="http://schemas.microsoft.com/office/drawing/2014/main" val="1528090214"/>
+                      <a16:colId xmlns:a16="http://schemas.microsoft.com/office/drawing/2014/main" val="2982368362"/>
                     </a:ext>
                   </a:extLst>
                 </a:gridCol>
-                <a:gridCol w="3195961">
+                <a:gridCol w="9028612">
                   <a:extLst>
                     <a:ext uri="{9D8B030D-6E8A-4147-A177-3AD203B41FA5}">
-                      <a16:colId xmlns:a16="http://schemas.microsoft.com/office/drawing/2014/main" val="226333329"/>
-                    </a:ext>
-                  </a:extLst>
-                </a:gridCol>
-                <a:gridCol w="5802445">
-                  <a:extLst>
-                    <a:ext uri="{9D8B030D-6E8A-4147-A177-3AD203B41FA5}">
-                      <a16:colId xmlns:a16="http://schemas.microsoft.com/office/drawing/2014/main" val="3333155880"/>
+                      <a16:colId xmlns:a16="http://schemas.microsoft.com/office/drawing/2014/main" val="3194187255"/>
                     </a:ext>
                   </a:extLst>
                 </a:gridCol>
@@ -7822,10 +6198,10 @@
                     <a:lstStyle/>
                     <a:p>
                       <a:r>
-                        <a:rPr lang="en-US" sz="1200" dirty="0"/>
-                        <a:t>Abbreviation</a:t>
+                        <a:rPr lang="en-US" dirty="0"/>
+                        <a:t>Number</a:t>
                       </a:r>
-                      <a:endParaRPr lang="en-GB" sz="1200" dirty="0"/>
+                      <a:endParaRPr lang="en-GB" dirty="0"/>
                     </a:p>
                   </a:txBody>
                   <a:tcPr/>
@@ -7836,10 +6212,31 @@
                     <a:lstStyle/>
                     <a:p>
                       <a:r>
-                        <a:rPr lang="en-US" sz="1200" dirty="0"/>
-                        <a:t>Meaning</a:t>
+                        <a:rPr lang="en-US" dirty="0"/>
+                        <a:t>Research Question</a:t>
                       </a:r>
-                      <a:endParaRPr lang="en-GB" sz="1200" dirty="0"/>
+                      <a:endParaRPr lang="en-GB" dirty="0"/>
+                    </a:p>
+                  </a:txBody>
+                  <a:tcPr/>
+                </a:tc>
+                <a:extLst>
+                  <a:ext uri="{0D108BD9-81ED-4DB2-BD59-A6C34878D82A}">
+                    <a16:rowId xmlns:a16="http://schemas.microsoft.com/office/drawing/2014/main" val="2797290972"/>
+                  </a:ext>
+                </a:extLst>
+              </a:tr>
+              <a:tr h="370840">
+                <a:tc>
+                  <a:txBody>
+                    <a:bodyPr/>
+                    <a:lstStyle/>
+                    <a:p>
+                      <a:r>
+                        <a:rPr lang="en-US" dirty="0"/>
+                        <a:t>1</a:t>
+                      </a:r>
+                      <a:endParaRPr lang="en-GB" dirty="0"/>
                     </a:p>
                   </a:txBody>
                   <a:tcPr/>
@@ -7850,17 +6247,17 @@
                     <a:lstStyle/>
                     <a:p>
                       <a:r>
-                        <a:rPr lang="en-US" sz="1200" dirty="0"/>
-                        <a:t>Comment</a:t>
+                        <a:rPr lang="en-US" dirty="0"/>
+                        <a:t>With the ever-increasing use of IoT devices, can FL algorithms or tools be designed to operate specifically on resources Edge devices to minimize computational and communications costs. The models will have to be adaptable to non independently and identically distributed data (IID)</a:t>
                       </a:r>
-                      <a:endParaRPr lang="en-GB" sz="1200" dirty="0"/>
+                      <a:endParaRPr lang="en-GB" dirty="0"/>
                     </a:p>
                   </a:txBody>
                   <a:tcPr/>
                 </a:tc>
                 <a:extLst>
                   <a:ext uri="{0D108BD9-81ED-4DB2-BD59-A6C34878D82A}">
-                    <a16:rowId xmlns:a16="http://schemas.microsoft.com/office/drawing/2014/main" val="3121710554"/>
+                    <a16:rowId xmlns:a16="http://schemas.microsoft.com/office/drawing/2014/main" val="2730460639"/>
                   </a:ext>
                 </a:extLst>
               </a:tr>
@@ -7871,10 +6268,10 @@
                     <a:lstStyle/>
                     <a:p>
                       <a:r>
-                        <a:rPr lang="en-US" sz="1200" dirty="0"/>
-                        <a:t>FL</a:t>
+                        <a:rPr lang="en-US" dirty="0"/>
+                        <a:t>2</a:t>
                       </a:r>
-                      <a:endParaRPr lang="en-GB" sz="1200" dirty="0"/>
+                      <a:endParaRPr lang="en-GB" dirty="0"/>
                     </a:p>
                   </a:txBody>
                   <a:tcPr/>
@@ -7885,10 +6282,31 @@
                     <a:lstStyle/>
                     <a:p>
                       <a:r>
-                        <a:rPr lang="en-US" sz="1200" dirty="0"/>
-                        <a:t>Federated Learning</a:t>
+                        <a:rPr lang="en-US" dirty="0"/>
+                        <a:t>In any large distributed network, there is a chance that some nodes can be lost, due to a range of issues, such as loss of power, lost of connection and so on. Can a FL architecture be designed that can identify the missing nodes, and adapt </a:t>
                       </a:r>
-                      <a:endParaRPr lang="en-GB" sz="1200" dirty="0"/>
+                      <a:r>
+                        <a:rPr lang="en-US"/>
+                        <a:t>so that </a:t>
+                      </a:r>
+                      <a:endParaRPr lang="en-GB" dirty="0"/>
+                    </a:p>
+                  </a:txBody>
+                  <a:tcPr/>
+                </a:tc>
+                <a:extLst>
+                  <a:ext uri="{0D108BD9-81ED-4DB2-BD59-A6C34878D82A}">
+                    <a16:rowId xmlns:a16="http://schemas.microsoft.com/office/drawing/2014/main" val="3648500703"/>
+                  </a:ext>
+                </a:extLst>
+              </a:tr>
+              <a:tr h="370840">
+                <a:tc>
+                  <a:txBody>
+                    <a:bodyPr/>
+                    <a:lstStyle/>
+                    <a:p>
+                      <a:endParaRPr lang="en-GB"/>
                     </a:p>
                   </a:txBody>
                   <a:tcPr/>
@@ -7898,69 +6316,14 @@
                     <a:bodyPr/>
                     <a:lstStyle/>
                     <a:p>
-                      <a:endParaRPr lang="en-GB" sz="1200" dirty="0"/>
+                      <a:endParaRPr lang="en-GB" dirty="0"/>
                     </a:p>
                   </a:txBody>
                   <a:tcPr/>
                 </a:tc>
                 <a:extLst>
                   <a:ext uri="{0D108BD9-81ED-4DB2-BD59-A6C34878D82A}">
-                    <a16:rowId xmlns:a16="http://schemas.microsoft.com/office/drawing/2014/main" val="789339868"/>
-                  </a:ext>
-                </a:extLst>
-              </a:tr>
-              <a:tr h="370840">
-                <a:tc>
-                  <a:txBody>
-                    <a:bodyPr/>
-                    <a:lstStyle/>
-                    <a:p>
-                      <a:r>
-                        <a:rPr lang="en-US" sz="1200" dirty="0"/>
-                        <a:t>IID</a:t>
-                      </a:r>
-                      <a:endParaRPr lang="en-GB" sz="1200" dirty="0"/>
-                    </a:p>
-                  </a:txBody>
-                  <a:tcPr/>
-                </a:tc>
-                <a:tc>
-                  <a:txBody>
-                    <a:bodyPr/>
-                    <a:lstStyle/>
-                    <a:p>
-                      <a:r>
-                        <a:rPr lang="en-US" sz="1200" dirty="0"/>
-                        <a:t>Independently and Identically Distributed Data</a:t>
-                      </a:r>
-                      <a:endParaRPr lang="en-GB" sz="1200" dirty="0"/>
-                    </a:p>
-                  </a:txBody>
-                  <a:tcPr/>
-                </a:tc>
-                <a:tc>
-                  <a:txBody>
-                    <a:bodyPr/>
-                    <a:lstStyle/>
-                    <a:p>
-                      <a:r>
-                        <a:rPr lang="en-US" sz="1200" dirty="0"/>
-                        <a:t>Independent: data is not influenced by data on another device</a:t>
-                      </a:r>
-                    </a:p>
-                    <a:p>
-                      <a:r>
-                        <a:rPr lang="en-US" sz="1200" dirty="0"/>
-                        <a:t>Identically distributed: data on each device has the same overall probability distribution</a:t>
-                      </a:r>
-                      <a:endParaRPr lang="en-GB" sz="1200" dirty="0"/>
-                    </a:p>
-                  </a:txBody>
-                  <a:tcPr/>
-                </a:tc>
-                <a:extLst>
-                  <a:ext uri="{0D108BD9-81ED-4DB2-BD59-A6C34878D82A}">
-                    <a16:rowId xmlns:a16="http://schemas.microsoft.com/office/drawing/2014/main" val="3737137955"/>
+                    <a16:rowId xmlns:a16="http://schemas.microsoft.com/office/drawing/2014/main" val="1517453135"/>
                   </a:ext>
                 </a:extLst>
               </a:tr>
@@ -7971,7 +6334,7 @@
     </p:spTree>
     <p:extLst>
       <p:ext uri="{BB962C8B-B14F-4D97-AF65-F5344CB8AC3E}">
-        <p14:creationId xmlns:p14="http://schemas.microsoft.com/office/powerpoint/2010/main" val="317938089"/>
+        <p14:creationId xmlns:p14="http://schemas.microsoft.com/office/powerpoint/2010/main" val="2974212779"/>
       </p:ext>
     </p:extLst>
   </p:cSld>

--- a/Presentations/Supervisor Meetings/2024/Upcoming Meeting.pptx
+++ b/Presentations/Supervisor Meetings/2024/Upcoming Meeting.pptx
@@ -117,7 +117,7 @@
 <file path=ppt/revisionInfo.xml><?xml version="1.0" encoding="utf-8"?>
 <p1510:revInfo xmlns:a="http://schemas.openxmlformats.org/drawingml/2006/main" xmlns:r="http://schemas.openxmlformats.org/officeDocument/2006/relationships" xmlns:p1510="http://schemas.microsoft.com/office/powerpoint/2015/10/main">
   <p1510:revLst>
-    <p1510:client id="{B7574C7C-3686-460F-9B9F-2A9122AA95F8}" v="22" dt="2024-02-13T20:16:58.468"/>
+    <p1510:client id="{B7574C7C-3686-460F-9B9F-2A9122AA95F8}" v="32" dt="2024-02-16T15:23:47.806"/>
   </p1510:revLst>
 </p1510:revInfo>
 </file>
@@ -1478,7 +1478,7 @@
   <pc:docChgLst>
     <pc:chgData name="Sean O Fithcheallaigh" userId="47659c31-a575-4792-8be3-61268c4ee0d6" providerId="ADAL" clId="{B7574C7C-3686-460F-9B9F-2A9122AA95F8}"/>
     <pc:docChg chg="undo custSel addSld delSld modSld modMainMaster">
-      <pc:chgData name="Sean O Fithcheallaigh" userId="47659c31-a575-4792-8be3-61268c4ee0d6" providerId="ADAL" clId="{B7574C7C-3686-460F-9B9F-2A9122AA95F8}" dt="2024-02-13T21:34:41.910" v="1208" actId="20577"/>
+      <pc:chgData name="Sean O Fithcheallaigh" userId="47659c31-a575-4792-8be3-61268c4ee0d6" providerId="ADAL" clId="{B7574C7C-3686-460F-9B9F-2A9122AA95F8}" dt="2024-02-16T15:26:36.337" v="1800" actId="122"/>
       <pc:docMkLst>
         <pc:docMk/>
       </pc:docMkLst>
@@ -1498,7 +1498,7 @@
         </pc:spChg>
       </pc:sldChg>
       <pc:sldChg chg="addSp delSp modSp mod">
-        <pc:chgData name="Sean O Fithcheallaigh" userId="47659c31-a575-4792-8be3-61268c4ee0d6" providerId="ADAL" clId="{B7574C7C-3686-460F-9B9F-2A9122AA95F8}" dt="2024-02-12T21:08:34.338" v="270" actId="1076"/>
+        <pc:chgData name="Sean O Fithcheallaigh" userId="47659c31-a575-4792-8be3-61268c4ee0d6" providerId="ADAL" clId="{B7574C7C-3686-460F-9B9F-2A9122AA95F8}" dt="2024-02-16T14:57:22.743" v="1212" actId="1076"/>
         <pc:sldMkLst>
           <pc:docMk/>
           <pc:sldMk cId="3126834720" sldId="257"/>
@@ -1623,6 +1623,14 @@
             <ac:graphicFrameMk id="12" creationId="{A5A4C080-DB32-26A6-3579-42B671D802FD}"/>
           </ac:graphicFrameMkLst>
         </pc:graphicFrameChg>
+        <pc:picChg chg="add mod">
+          <ac:chgData name="Sean O Fithcheallaigh" userId="47659c31-a575-4792-8be3-61268c4ee0d6" providerId="ADAL" clId="{B7574C7C-3686-460F-9B9F-2A9122AA95F8}" dt="2024-02-16T14:57:22.743" v="1212" actId="1076"/>
+          <ac:picMkLst>
+            <pc:docMk/>
+            <pc:sldMk cId="3126834720" sldId="257"/>
+            <ac:picMk id="4" creationId="{C91C3543-115C-A4F3-BC64-B38A1BD0D772}"/>
+          </ac:picMkLst>
+        </pc:picChg>
         <pc:picChg chg="add del mod">
           <ac:chgData name="Sean O Fithcheallaigh" userId="47659c31-a575-4792-8be3-61268c4ee0d6" providerId="ADAL" clId="{B7574C7C-3686-460F-9B9F-2A9122AA95F8}" dt="2024-02-12T19:49:22.881" v="20" actId="478"/>
           <ac:picMkLst>
@@ -1647,8 +1655,8 @@
             <ac:picMk id="24" creationId="{0DD4D4B0-0A52-1DF7-B880-785EA01EC5FA}"/>
           </ac:picMkLst>
         </pc:picChg>
-        <pc:picChg chg="add mod">
-          <ac:chgData name="Sean O Fithcheallaigh" userId="47659c31-a575-4792-8be3-61268c4ee0d6" providerId="ADAL" clId="{B7574C7C-3686-460F-9B9F-2A9122AA95F8}" dt="2024-02-12T21:07:07.750" v="226" actId="1076"/>
+        <pc:picChg chg="add del mod">
+          <ac:chgData name="Sean O Fithcheallaigh" userId="47659c31-a575-4792-8be3-61268c4ee0d6" providerId="ADAL" clId="{B7574C7C-3686-460F-9B9F-2A9122AA95F8}" dt="2024-02-16T14:57:20.042" v="1211" actId="478"/>
           <ac:picMkLst>
             <pc:docMk/>
             <pc:sldMk cId="3126834720" sldId="257"/>
@@ -1684,14 +1692,14 @@
           <pc:sldMk cId="317938089" sldId="261"/>
         </pc:sldMkLst>
       </pc:sldChg>
-      <pc:sldChg chg="addSp delSp modSp new mod">
-        <pc:chgData name="Sean O Fithcheallaigh" userId="47659c31-a575-4792-8be3-61268c4ee0d6" providerId="ADAL" clId="{B7574C7C-3686-460F-9B9F-2A9122AA95F8}" dt="2024-02-13T21:34:41.910" v="1208" actId="20577"/>
+      <pc:sldChg chg="addSp delSp modSp new mod chgLayout">
+        <pc:chgData name="Sean O Fithcheallaigh" userId="47659c31-a575-4792-8be3-61268c4ee0d6" providerId="ADAL" clId="{B7574C7C-3686-460F-9B9F-2A9122AA95F8}" dt="2024-02-16T15:26:36.337" v="1800" actId="122"/>
         <pc:sldMkLst>
           <pc:docMk/>
           <pc:sldMk cId="2974212779" sldId="262"/>
         </pc:sldMkLst>
-        <pc:spChg chg="mod">
-          <ac:chgData name="Sean O Fithcheallaigh" userId="47659c31-a575-4792-8be3-61268c4ee0d6" providerId="ADAL" clId="{B7574C7C-3686-460F-9B9F-2A9122AA95F8}" dt="2024-02-13T20:04:25.423" v="289" actId="20577"/>
+        <pc:spChg chg="mod ord">
+          <ac:chgData name="Sean O Fithcheallaigh" userId="47659c31-a575-4792-8be3-61268c4ee0d6" providerId="ADAL" clId="{B7574C7C-3686-460F-9B9F-2A9122AA95F8}" dt="2024-02-16T15:26:36.337" v="1800" actId="122"/>
           <ac:spMkLst>
             <pc:docMk/>
             <pc:sldMk cId="2974212779" sldId="262"/>
@@ -1706,8 +1714,104 @@
             <ac:spMk id="3" creationId="{2D3412BC-DD0F-EA80-C9A0-D9F40F09173D}"/>
           </ac:spMkLst>
         </pc:spChg>
-        <pc:graphicFrameChg chg="add mod ord modGraphic">
-          <ac:chgData name="Sean O Fithcheallaigh" userId="47659c31-a575-4792-8be3-61268c4ee0d6" providerId="ADAL" clId="{B7574C7C-3686-460F-9B9F-2A9122AA95F8}" dt="2024-02-13T21:34:41.910" v="1208" actId="20577"/>
+        <pc:spChg chg="add del mod">
+          <ac:chgData name="Sean O Fithcheallaigh" userId="47659c31-a575-4792-8be3-61268c4ee0d6" providerId="ADAL" clId="{B7574C7C-3686-460F-9B9F-2A9122AA95F8}" dt="2024-02-16T15:09:44.619" v="1445" actId="478"/>
+          <ac:spMkLst>
+            <pc:docMk/>
+            <pc:sldMk cId="2974212779" sldId="262"/>
+            <ac:spMk id="3" creationId="{51F93FA8-3939-B691-B925-DB5285307CE7}"/>
+          </ac:spMkLst>
+        </pc:spChg>
+        <pc:spChg chg="add del mod">
+          <ac:chgData name="Sean O Fithcheallaigh" userId="47659c31-a575-4792-8be3-61268c4ee0d6" providerId="ADAL" clId="{B7574C7C-3686-460F-9B9F-2A9122AA95F8}" dt="2024-02-16T15:09:58.157" v="1450" actId="478"/>
+          <ac:spMkLst>
+            <pc:docMk/>
+            <pc:sldMk cId="2974212779" sldId="262"/>
+            <ac:spMk id="6" creationId="{4285F86F-BA5A-8281-4E6D-39A7AEF6D97A}"/>
+          </ac:spMkLst>
+        </pc:spChg>
+        <pc:spChg chg="add mod">
+          <ac:chgData name="Sean O Fithcheallaigh" userId="47659c31-a575-4792-8be3-61268c4ee0d6" providerId="ADAL" clId="{B7574C7C-3686-460F-9B9F-2A9122AA95F8}" dt="2024-02-16T15:20:27.339" v="1597" actId="1076"/>
+          <ac:spMkLst>
+            <pc:docMk/>
+            <pc:sldMk cId="2974212779" sldId="262"/>
+            <ac:spMk id="8" creationId="{E62E95DE-1F47-7F82-7AE9-6E0238820223}"/>
+          </ac:spMkLst>
+        </pc:spChg>
+        <pc:spChg chg="add mod">
+          <ac:chgData name="Sean O Fithcheallaigh" userId="47659c31-a575-4792-8be3-61268c4ee0d6" providerId="ADAL" clId="{B7574C7C-3686-460F-9B9F-2A9122AA95F8}" dt="2024-02-16T15:25:58.234" v="1793" actId="1076"/>
+          <ac:spMkLst>
+            <pc:docMk/>
+            <pc:sldMk cId="2974212779" sldId="262"/>
+            <ac:spMk id="10" creationId="{7ADD75FB-3E51-CABF-D1C7-E1417E081915}"/>
+          </ac:spMkLst>
+        </pc:spChg>
+        <pc:spChg chg="add del mod">
+          <ac:chgData name="Sean O Fithcheallaigh" userId="47659c31-a575-4792-8be3-61268c4ee0d6" providerId="ADAL" clId="{B7574C7C-3686-460F-9B9F-2A9122AA95F8}" dt="2024-02-16T15:10:24.217" v="1459" actId="478"/>
+          <ac:spMkLst>
+            <pc:docMk/>
+            <pc:sldMk cId="2974212779" sldId="262"/>
+            <ac:spMk id="12" creationId="{9DBD96AD-1B54-B48A-174D-8682810F84E0}"/>
+          </ac:spMkLst>
+        </pc:spChg>
+        <pc:spChg chg="add mod">
+          <ac:chgData name="Sean O Fithcheallaigh" userId="47659c31-a575-4792-8be3-61268c4ee0d6" providerId="ADAL" clId="{B7574C7C-3686-460F-9B9F-2A9122AA95F8}" dt="2024-02-16T15:20:25.026" v="1596" actId="1076"/>
+          <ac:spMkLst>
+            <pc:docMk/>
+            <pc:sldMk cId="2974212779" sldId="262"/>
+            <ac:spMk id="13" creationId="{5C025563-8660-1FD1-DCD9-043A3F3BBD94}"/>
+          </ac:spMkLst>
+        </pc:spChg>
+        <pc:spChg chg="add mod">
+          <ac:chgData name="Sean O Fithcheallaigh" userId="47659c31-a575-4792-8be3-61268c4ee0d6" providerId="ADAL" clId="{B7574C7C-3686-460F-9B9F-2A9122AA95F8}" dt="2024-02-16T15:25:51.110" v="1791" actId="1076"/>
+          <ac:spMkLst>
+            <pc:docMk/>
+            <pc:sldMk cId="2974212779" sldId="262"/>
+            <ac:spMk id="14" creationId="{D9D0AB5B-65B7-2487-EF79-97B298F3FB34}"/>
+          </ac:spMkLst>
+        </pc:spChg>
+        <pc:spChg chg="add mod">
+          <ac:chgData name="Sean O Fithcheallaigh" userId="47659c31-a575-4792-8be3-61268c4ee0d6" providerId="ADAL" clId="{B7574C7C-3686-460F-9B9F-2A9122AA95F8}" dt="2024-02-16T15:25:53.774" v="1792" actId="1076"/>
+          <ac:spMkLst>
+            <pc:docMk/>
+            <pc:sldMk cId="2974212779" sldId="262"/>
+            <ac:spMk id="15" creationId="{A073518C-85F6-E23E-B2B9-0105D35E8078}"/>
+          </ac:spMkLst>
+        </pc:spChg>
+        <pc:spChg chg="add mod">
+          <ac:chgData name="Sean O Fithcheallaigh" userId="47659c31-a575-4792-8be3-61268c4ee0d6" providerId="ADAL" clId="{B7574C7C-3686-460F-9B9F-2A9122AA95F8}" dt="2024-02-16T15:20:22.258" v="1595" actId="1076"/>
+          <ac:spMkLst>
+            <pc:docMk/>
+            <pc:sldMk cId="2974212779" sldId="262"/>
+            <ac:spMk id="16" creationId="{7FEFDBC4-98A8-7C96-563D-DC6799A0BC52}"/>
+          </ac:spMkLst>
+        </pc:spChg>
+        <pc:spChg chg="add mod">
+          <ac:chgData name="Sean O Fithcheallaigh" userId="47659c31-a575-4792-8be3-61268c4ee0d6" providerId="ADAL" clId="{B7574C7C-3686-460F-9B9F-2A9122AA95F8}" dt="2024-02-16T15:26:26.362" v="1798" actId="1076"/>
+          <ac:spMkLst>
+            <pc:docMk/>
+            <pc:sldMk cId="2974212779" sldId="262"/>
+            <ac:spMk id="17" creationId="{EB4D7126-56C1-F57F-BC03-FB969A2EBA95}"/>
+          </ac:spMkLst>
+        </pc:spChg>
+        <pc:spChg chg="add mod">
+          <ac:chgData name="Sean O Fithcheallaigh" userId="47659c31-a575-4792-8be3-61268c4ee0d6" providerId="ADAL" clId="{B7574C7C-3686-460F-9B9F-2A9122AA95F8}" dt="2024-02-16T15:26:18.610" v="1796" actId="1076"/>
+          <ac:spMkLst>
+            <pc:docMk/>
+            <pc:sldMk cId="2974212779" sldId="262"/>
+            <ac:spMk id="18" creationId="{AAB7BBFE-E7BF-F713-3D50-5C45479A7548}"/>
+          </ac:spMkLst>
+        </pc:spChg>
+        <pc:spChg chg="add mod">
+          <ac:chgData name="Sean O Fithcheallaigh" userId="47659c31-a575-4792-8be3-61268c4ee0d6" providerId="ADAL" clId="{B7574C7C-3686-460F-9B9F-2A9122AA95F8}" dt="2024-02-16T15:26:20.953" v="1797" actId="1076"/>
+          <ac:spMkLst>
+            <pc:docMk/>
+            <pc:sldMk cId="2974212779" sldId="262"/>
+            <ac:spMk id="19" creationId="{19D8ABCD-558E-12FD-A869-7CB2DE308229}"/>
+          </ac:spMkLst>
+        </pc:spChg>
+        <pc:graphicFrameChg chg="add del mod ord modGraphic">
+          <ac:chgData name="Sean O Fithcheallaigh" userId="47659c31-a575-4792-8be3-61268c4ee0d6" providerId="ADAL" clId="{B7574C7C-3686-460F-9B9F-2A9122AA95F8}" dt="2024-02-16T15:10:19.808" v="1458" actId="478"/>
           <ac:graphicFrameMkLst>
             <pc:docMk/>
             <pc:sldMk cId="2974212779" sldId="262"/>
@@ -2018,7 +2122,7 @@
           <a:p>
             <a:fld id="{0CD94E99-FA29-4EFF-88BE-3447E30E8C4D}" type="datetimeFigureOut">
               <a:rPr lang="en-GB" smtClean="0"/>
-              <a:t>13/02/2024</a:t>
+              <a:t>16/02/2024</a:t>
             </a:fld>
             <a:endParaRPr lang="en-GB"/>
           </a:p>
@@ -2226,7 +2330,7 @@
           <a:p>
             <a:fld id="{0CD94E99-FA29-4EFF-88BE-3447E30E8C4D}" type="datetimeFigureOut">
               <a:rPr lang="en-GB" smtClean="0"/>
-              <a:t>13/02/2024</a:t>
+              <a:t>16/02/2024</a:t>
             </a:fld>
             <a:endParaRPr lang="en-GB"/>
           </a:p>
@@ -2484,7 +2588,7 @@
           <a:p>
             <a:fld id="{0CD94E99-FA29-4EFF-88BE-3447E30E8C4D}" type="datetimeFigureOut">
               <a:rPr lang="en-GB" smtClean="0"/>
-              <a:t>13/02/2024</a:t>
+              <a:t>16/02/2024</a:t>
             </a:fld>
             <a:endParaRPr lang="en-GB"/>
           </a:p>
@@ -2662,7 +2766,7 @@
           <a:p>
             <a:fld id="{0CD94E99-FA29-4EFF-88BE-3447E30E8C4D}" type="datetimeFigureOut">
               <a:rPr lang="en-GB" smtClean="0"/>
-              <a:t>13/02/2024</a:t>
+              <a:t>16/02/2024</a:t>
             </a:fld>
             <a:endParaRPr lang="en-GB"/>
           </a:p>
@@ -2999,7 +3103,7 @@
           <a:p>
             <a:fld id="{0CD94E99-FA29-4EFF-88BE-3447E30E8C4D}" type="datetimeFigureOut">
               <a:rPr lang="en-GB" smtClean="0"/>
-              <a:t>13/02/2024</a:t>
+              <a:t>16/02/2024</a:t>
             </a:fld>
             <a:endParaRPr lang="en-GB"/>
           </a:p>
@@ -3279,7 +3383,7 @@
           <a:p>
             <a:fld id="{0CD94E99-FA29-4EFF-88BE-3447E30E8C4D}" type="datetimeFigureOut">
               <a:rPr lang="en-GB" smtClean="0"/>
-              <a:t>13/02/2024</a:t>
+              <a:t>16/02/2024</a:t>
             </a:fld>
             <a:endParaRPr lang="en-GB"/>
           </a:p>
@@ -3658,7 +3762,7 @@
           <a:p>
             <a:fld id="{0CD94E99-FA29-4EFF-88BE-3447E30E8C4D}" type="datetimeFigureOut">
               <a:rPr lang="en-GB" smtClean="0"/>
-              <a:t>13/02/2024</a:t>
+              <a:t>16/02/2024</a:t>
             </a:fld>
             <a:endParaRPr lang="en-GB"/>
           </a:p>
@@ -3776,7 +3880,7 @@
           <a:p>
             <a:fld id="{0CD94E99-FA29-4EFF-88BE-3447E30E8C4D}" type="datetimeFigureOut">
               <a:rPr lang="en-GB" smtClean="0"/>
-              <a:t>13/02/2024</a:t>
+              <a:t>16/02/2024</a:t>
             </a:fld>
             <a:endParaRPr lang="en-GB"/>
           </a:p>
@@ -3949,7 +4053,7 @@
           <a:p>
             <a:fld id="{0CD94E99-FA29-4EFF-88BE-3447E30E8C4D}" type="datetimeFigureOut">
               <a:rPr lang="en-GB" smtClean="0"/>
-              <a:t>13/02/2024</a:t>
+              <a:t>16/02/2024</a:t>
             </a:fld>
             <a:endParaRPr lang="en-GB"/>
           </a:p>
@@ -4305,7 +4409,7 @@
           <a:p>
             <a:fld id="{0CD94E99-FA29-4EFF-88BE-3447E30E8C4D}" type="datetimeFigureOut">
               <a:rPr lang="en-GB" smtClean="0"/>
-              <a:t>13/02/2024</a:t>
+              <a:t>16/02/2024</a:t>
             </a:fld>
             <a:endParaRPr lang="en-GB"/>
           </a:p>
@@ -4684,7 +4788,7 @@
           <a:p>
             <a:fld id="{0CD94E99-FA29-4EFF-88BE-3447E30E8C4D}" type="datetimeFigureOut">
               <a:rPr lang="en-GB" smtClean="0"/>
-              <a:t>13/02/2024</a:t>
+              <a:t>16/02/2024</a:t>
             </a:fld>
             <a:endParaRPr lang="en-GB"/>
           </a:p>
@@ -4973,7 +5077,7 @@
           <a:p>
             <a:fld id="{0CD94E99-FA29-4EFF-88BE-3447E30E8C4D}" type="datetimeFigureOut">
               <a:rPr lang="en-GB" smtClean="0"/>
-              <a:t>13/02/2024</a:t>
+              <a:t>16/02/2024</a:t>
             </a:fld>
             <a:endParaRPr lang="en-GB"/>
           </a:p>
@@ -6010,12 +6114,48 @@
           </a:p>
         </p:txBody>
       </p:sp>
+      <p:sp>
+        <p:nvSpPr>
+          <p:cNvPr id="28" name="TextBox 27">
+            <a:extLst>
+              <a:ext uri="{FF2B5EF4-FFF2-40B4-BE49-F238E27FC236}">
+                <a16:creationId xmlns:a16="http://schemas.microsoft.com/office/drawing/2014/main" id="{96652C29-5EF2-FFC2-5E0D-819921E7E15A}"/>
+              </a:ext>
+            </a:extLst>
+          </p:cNvPr>
+          <p:cNvSpPr txBox="1"/>
+          <p:nvPr/>
+        </p:nvSpPr>
+        <p:spPr>
+          <a:xfrm>
+            <a:off x="8654658" y="4469258"/>
+            <a:ext cx="1951753" cy="369332"/>
+          </a:xfrm>
+          <a:prstGeom prst="rect">
+            <a:avLst/>
+          </a:prstGeom>
+          <a:noFill/>
+        </p:spPr>
+        <p:txBody>
+          <a:bodyPr wrap="none" rtlCol="0">
+            <a:spAutoFit/>
+          </a:bodyPr>
+          <a:lstStyle/>
+          <a:p>
+            <a:pPr algn="ctr"/>
+            <a:r>
+              <a:rPr lang="en-US" dirty="0"/>
+              <a:t>ARTICLE SEARCHES</a:t>
+            </a:r>
+          </a:p>
+        </p:txBody>
+      </p:sp>
       <p:pic>
         <p:nvPicPr>
-          <p:cNvPr id="26" name="Graphic 25" descr="Newspaper with solid fill">
+          <p:cNvPr id="4" name="Graphic 3" descr="Document outline">
             <a:extLst>
               <a:ext uri="{FF2B5EF4-FFF2-40B4-BE49-F238E27FC236}">
-                <a16:creationId xmlns:a16="http://schemas.microsoft.com/office/drawing/2014/main" id="{28C865F2-E07A-5A6F-E23E-F58FAAF85216}"/>
+                <a16:creationId xmlns:a16="http://schemas.microsoft.com/office/drawing/2014/main" id="{C91C3543-115C-A4F3-BC64-B38A1BD0D772}"/>
               </a:ext>
             </a:extLst>
           </p:cNvPr>
@@ -6041,7 +6181,7 @@
         </p:blipFill>
         <p:spPr>
           <a:xfrm>
-            <a:off x="9114206" y="2971799"/>
+            <a:off x="9173334" y="2971799"/>
             <a:ext cx="914400" cy="914400"/>
           </a:xfrm>
           <a:prstGeom prst="rect">
@@ -6049,42 +6189,6 @@
           </a:prstGeom>
         </p:spPr>
       </p:pic>
-      <p:sp>
-        <p:nvSpPr>
-          <p:cNvPr id="28" name="TextBox 27">
-            <a:extLst>
-              <a:ext uri="{FF2B5EF4-FFF2-40B4-BE49-F238E27FC236}">
-                <a16:creationId xmlns:a16="http://schemas.microsoft.com/office/drawing/2014/main" id="{96652C29-5EF2-FFC2-5E0D-819921E7E15A}"/>
-              </a:ext>
-            </a:extLst>
-          </p:cNvPr>
-          <p:cNvSpPr txBox="1"/>
-          <p:nvPr/>
-        </p:nvSpPr>
-        <p:spPr>
-          <a:xfrm>
-            <a:off x="8654658" y="4469258"/>
-            <a:ext cx="1951753" cy="369332"/>
-          </a:xfrm>
-          <a:prstGeom prst="rect">
-            <a:avLst/>
-          </a:prstGeom>
-          <a:noFill/>
-        </p:spPr>
-        <p:txBody>
-          <a:bodyPr wrap="none" rtlCol="0">
-            <a:spAutoFit/>
-          </a:bodyPr>
-          <a:lstStyle/>
-          <a:p>
-            <a:pPr algn="ctr"/>
-            <a:r>
-              <a:rPr lang="en-US" dirty="0"/>
-              <a:t>ARTICLE SEARCHES</a:t>
-            </a:r>
-          </a:p>
-        </p:txBody>
-      </p:sp>
     </p:spTree>
     <p:extLst>
       <p:ext uri="{BB962C8B-B14F-4D97-AF65-F5344CB8AC3E}">
@@ -6136,201 +6240,400 @@
           <a:bodyPr/>
           <a:lstStyle/>
           <a:p>
+            <a:pPr algn="ctr"/>
             <a:r>
               <a:rPr lang="en-US" dirty="0"/>
-              <a:t>Research Question</a:t>
+              <a:t>Research Questions</a:t>
             </a:r>
             <a:endParaRPr lang="en-GB" dirty="0"/>
           </a:p>
         </p:txBody>
       </p:sp>
-      <p:graphicFrame>
-        <p:nvGraphicFramePr>
-          <p:cNvPr id="4" name="Content Placeholder 3">
+      <p:sp>
+        <p:nvSpPr>
+          <p:cNvPr id="8" name="TextBox 7">
             <a:extLst>
               <a:ext uri="{FF2B5EF4-FFF2-40B4-BE49-F238E27FC236}">
-                <a16:creationId xmlns:a16="http://schemas.microsoft.com/office/drawing/2014/main" id="{214AC544-048D-9AC6-C15B-95DB87E65341}"/>
+                <a16:creationId xmlns:a16="http://schemas.microsoft.com/office/drawing/2014/main" id="{E62E95DE-1F47-7F82-7AE9-6E0238820223}"/>
               </a:ext>
             </a:extLst>
           </p:cNvPr>
-          <p:cNvGraphicFramePr>
-            <a:graphicFrameLocks noGrp="1"/>
-          </p:cNvGraphicFramePr>
-          <p:nvPr>
-            <p:ph idx="1"/>
-            <p:extLst>
-              <p:ext uri="{D42A27DB-BD31-4B8C-83A1-F6EECF244321}">
-                <p14:modId xmlns:p14="http://schemas.microsoft.com/office/powerpoint/2010/main" val="321224982"/>
-              </p:ext>
-            </p:extLst>
-          </p:nvPr>
-        </p:nvGraphicFramePr>
-        <p:xfrm>
-          <a:off x="1096963" y="1846263"/>
-          <a:ext cx="10058400" cy="2844800"/>
-        </p:xfrm>
-        <a:graphic>
-          <a:graphicData uri="http://schemas.openxmlformats.org/drawingml/2006/table">
-            <a:tbl>
-              <a:tblPr firstRow="1" bandRow="1">
-                <a:tableStyleId>{5C22544A-7EE6-4342-B048-85BDC9FD1C3A}</a:tableStyleId>
-              </a:tblPr>
-              <a:tblGrid>
-                <a:gridCol w="1029788">
-                  <a:extLst>
-                    <a:ext uri="{9D8B030D-6E8A-4147-A177-3AD203B41FA5}">
-                      <a16:colId xmlns:a16="http://schemas.microsoft.com/office/drawing/2014/main" val="2982368362"/>
-                    </a:ext>
-                  </a:extLst>
-                </a:gridCol>
-                <a:gridCol w="9028612">
-                  <a:extLst>
-                    <a:ext uri="{9D8B030D-6E8A-4147-A177-3AD203B41FA5}">
-                      <a16:colId xmlns:a16="http://schemas.microsoft.com/office/drawing/2014/main" val="3194187255"/>
-                    </a:ext>
-                  </a:extLst>
-                </a:gridCol>
-              </a:tblGrid>
-              <a:tr h="370840">
-                <a:tc>
-                  <a:txBody>
-                    <a:bodyPr/>
-                    <a:lstStyle/>
-                    <a:p>
-                      <a:r>
-                        <a:rPr lang="en-US" dirty="0"/>
-                        <a:t>Number</a:t>
-                      </a:r>
-                      <a:endParaRPr lang="en-GB" dirty="0"/>
-                    </a:p>
-                  </a:txBody>
-                  <a:tcPr/>
-                </a:tc>
-                <a:tc>
-                  <a:txBody>
-                    <a:bodyPr/>
-                    <a:lstStyle/>
-                    <a:p>
-                      <a:r>
-                        <a:rPr lang="en-US" dirty="0"/>
-                        <a:t>Research Question</a:t>
-                      </a:r>
-                      <a:endParaRPr lang="en-GB" dirty="0"/>
-                    </a:p>
-                  </a:txBody>
-                  <a:tcPr/>
-                </a:tc>
-                <a:extLst>
-                  <a:ext uri="{0D108BD9-81ED-4DB2-BD59-A6C34878D82A}">
-                    <a16:rowId xmlns:a16="http://schemas.microsoft.com/office/drawing/2014/main" val="2797290972"/>
-                  </a:ext>
-                </a:extLst>
-              </a:tr>
-              <a:tr h="370840">
-                <a:tc>
-                  <a:txBody>
-                    <a:bodyPr/>
-                    <a:lstStyle/>
-                    <a:p>
-                      <a:r>
-                        <a:rPr lang="en-US" dirty="0"/>
-                        <a:t>1</a:t>
-                      </a:r>
-                      <a:endParaRPr lang="en-GB" dirty="0"/>
-                    </a:p>
-                  </a:txBody>
-                  <a:tcPr/>
-                </a:tc>
-                <a:tc>
-                  <a:txBody>
-                    <a:bodyPr/>
-                    <a:lstStyle/>
-                    <a:p>
-                      <a:r>
-                        <a:rPr lang="en-US" dirty="0"/>
-                        <a:t>With the ever-increasing use of IoT devices, can FL algorithms or tools be designed to operate specifically on resources Edge devices to minimize computational and communications costs. The models will have to be adaptable to non independently and identically distributed data (IID)</a:t>
-                      </a:r>
-                      <a:endParaRPr lang="en-GB" dirty="0"/>
-                    </a:p>
-                  </a:txBody>
-                  <a:tcPr/>
-                </a:tc>
-                <a:extLst>
-                  <a:ext uri="{0D108BD9-81ED-4DB2-BD59-A6C34878D82A}">
-                    <a16:rowId xmlns:a16="http://schemas.microsoft.com/office/drawing/2014/main" val="2730460639"/>
-                  </a:ext>
-                </a:extLst>
-              </a:tr>
-              <a:tr h="370840">
-                <a:tc>
-                  <a:txBody>
-                    <a:bodyPr/>
-                    <a:lstStyle/>
-                    <a:p>
-                      <a:r>
-                        <a:rPr lang="en-US" dirty="0"/>
-                        <a:t>2</a:t>
-                      </a:r>
-                      <a:endParaRPr lang="en-GB" dirty="0"/>
-                    </a:p>
-                  </a:txBody>
-                  <a:tcPr/>
-                </a:tc>
-                <a:tc>
-                  <a:txBody>
-                    <a:bodyPr/>
-                    <a:lstStyle/>
-                    <a:p>
-                      <a:r>
-                        <a:rPr lang="en-US" dirty="0"/>
-                        <a:t>In any large distributed network, there is a chance that some nodes can be lost, due to a range of issues, such as loss of power, lost of connection and so on. Can a FL architecture be designed that can identify the missing nodes, and adapt </a:t>
-                      </a:r>
-                      <a:r>
-                        <a:rPr lang="en-US"/>
-                        <a:t>so that </a:t>
-                      </a:r>
-                      <a:endParaRPr lang="en-GB" dirty="0"/>
-                    </a:p>
-                  </a:txBody>
-                  <a:tcPr/>
-                </a:tc>
-                <a:extLst>
-                  <a:ext uri="{0D108BD9-81ED-4DB2-BD59-A6C34878D82A}">
-                    <a16:rowId xmlns:a16="http://schemas.microsoft.com/office/drawing/2014/main" val="3648500703"/>
-                  </a:ext>
-                </a:extLst>
-              </a:tr>
-              <a:tr h="370840">
-                <a:tc>
-                  <a:txBody>
-                    <a:bodyPr/>
-                    <a:lstStyle/>
-                    <a:p>
-                      <a:endParaRPr lang="en-GB"/>
-                    </a:p>
-                  </a:txBody>
-                  <a:tcPr/>
-                </a:tc>
-                <a:tc>
-                  <a:txBody>
-                    <a:bodyPr/>
-                    <a:lstStyle/>
-                    <a:p>
-                      <a:endParaRPr lang="en-GB" dirty="0"/>
-                    </a:p>
-                  </a:txBody>
-                  <a:tcPr/>
-                </a:tc>
-                <a:extLst>
-                  <a:ext uri="{0D108BD9-81ED-4DB2-BD59-A6C34878D82A}">
-                    <a16:rowId xmlns:a16="http://schemas.microsoft.com/office/drawing/2014/main" val="1517453135"/>
-                  </a:ext>
-                </a:extLst>
-              </a:tr>
-            </a:tbl>
-          </a:graphicData>
-        </a:graphic>
-      </p:graphicFrame>
+          <p:cNvSpPr txBox="1"/>
+          <p:nvPr/>
+        </p:nvSpPr>
+        <p:spPr>
+          <a:xfrm>
+            <a:off x="5862556" y="3559822"/>
+            <a:ext cx="6094520" cy="1167503"/>
+          </a:xfrm>
+          <a:prstGeom prst="rect">
+            <a:avLst/>
+          </a:prstGeom>
+          <a:noFill/>
+        </p:spPr>
+        <p:txBody>
+          <a:bodyPr wrap="square">
+            <a:normAutofit fontScale="92500" lnSpcReduction="20000"/>
+          </a:bodyPr>
+          <a:lstStyle/>
+          <a:p>
+            <a:pPr algn="ctr"/>
+            <a:r>
+              <a:rPr lang="en-US" dirty="0"/>
+              <a:t>With the ever-increasing use of IoT devices, </a:t>
+            </a:r>
+            <a:r>
+              <a:rPr lang="en-US" b="1" dirty="0"/>
+              <a:t>can FL algorithms or tools be designed to operate specifically on resources Edge devices to minimize computational and communications costs</a:t>
+            </a:r>
+            <a:r>
+              <a:rPr lang="en-US" dirty="0"/>
+              <a:t>. The models should be adaptable to non independently and identically distributed data (IID). </a:t>
+            </a:r>
+          </a:p>
+          <a:p>
+            <a:endParaRPr lang="en-US" dirty="0"/>
+          </a:p>
+        </p:txBody>
+      </p:sp>
+      <p:sp>
+        <p:nvSpPr>
+          <p:cNvPr id="10" name="TextBox 9">
+            <a:extLst>
+              <a:ext uri="{FF2B5EF4-FFF2-40B4-BE49-F238E27FC236}">
+                <a16:creationId xmlns:a16="http://schemas.microsoft.com/office/drawing/2014/main" id="{7ADD75FB-3E51-CABF-D1C7-E1417E081915}"/>
+              </a:ext>
+            </a:extLst>
+          </p:cNvPr>
+          <p:cNvSpPr txBox="1"/>
+          <p:nvPr/>
+        </p:nvSpPr>
+        <p:spPr>
+          <a:xfrm>
+            <a:off x="1189434" y="2125202"/>
+            <a:ext cx="6094520" cy="1009385"/>
+          </a:xfrm>
+          <a:prstGeom prst="rect">
+            <a:avLst/>
+          </a:prstGeom>
+          <a:noFill/>
+        </p:spPr>
+        <p:txBody>
+          <a:bodyPr wrap="square">
+            <a:normAutofit fontScale="92500" lnSpcReduction="20000"/>
+          </a:bodyPr>
+          <a:lstStyle/>
+          <a:p>
+            <a:pPr algn="ctr"/>
+            <a:r>
+              <a:rPr lang="en-US" dirty="0"/>
+              <a:t>In any large distributed network, there is a chance that some nodes can be lost, for a range of reason. </a:t>
+            </a:r>
+            <a:r>
+              <a:rPr lang="en-US" b="1" dirty="0"/>
+              <a:t>Can a FL architecture be designed to be resilient, allowing it to identify missing nodes, and adapt so that there is no loss in performance? </a:t>
+            </a:r>
+            <a:endParaRPr lang="en-GB" b="1" dirty="0"/>
+          </a:p>
+        </p:txBody>
+      </p:sp>
+      <p:sp>
+        <p:nvSpPr>
+          <p:cNvPr id="13" name="Rectangle: Rounded Corners 12">
+            <a:extLst>
+              <a:ext uri="{FF2B5EF4-FFF2-40B4-BE49-F238E27FC236}">
+                <a16:creationId xmlns:a16="http://schemas.microsoft.com/office/drawing/2014/main" id="{5C025563-8660-1FD1-DCD9-043A3F3BBD94}"/>
+              </a:ext>
+            </a:extLst>
+          </p:cNvPr>
+          <p:cNvSpPr/>
+          <p:nvPr/>
+        </p:nvSpPr>
+        <p:spPr>
+          <a:xfrm>
+            <a:off x="5862556" y="3515360"/>
+            <a:ext cx="6094520" cy="1200329"/>
+          </a:xfrm>
+          <a:prstGeom prst="roundRect">
+            <a:avLst/>
+          </a:prstGeom>
+          <a:noFill/>
+        </p:spPr>
+        <p:style>
+          <a:lnRef idx="2">
+            <a:schemeClr val="accent1">
+              <a:shade val="15000"/>
+            </a:schemeClr>
+          </a:lnRef>
+          <a:fillRef idx="1">
+            <a:schemeClr val="accent1"/>
+          </a:fillRef>
+          <a:effectRef idx="0">
+            <a:schemeClr val="accent1"/>
+          </a:effectRef>
+          <a:fontRef idx="minor">
+            <a:schemeClr val="lt1"/>
+          </a:fontRef>
+        </p:style>
+        <p:txBody>
+          <a:bodyPr rtlCol="0" anchor="ctr">
+            <a:normAutofit/>
+          </a:bodyPr>
+          <a:lstStyle/>
+          <a:p>
+            <a:pPr algn="ctr"/>
+            <a:endParaRPr lang="en-GB"/>
+          </a:p>
+        </p:txBody>
+      </p:sp>
+      <p:sp>
+        <p:nvSpPr>
+          <p:cNvPr id="14" name="TextBox 13">
+            <a:extLst>
+              <a:ext uri="{FF2B5EF4-FFF2-40B4-BE49-F238E27FC236}">
+                <a16:creationId xmlns:a16="http://schemas.microsoft.com/office/drawing/2014/main" id="{D9D0AB5B-65B7-2487-EF79-97B298F3FB34}"/>
+              </a:ext>
+            </a:extLst>
+          </p:cNvPr>
+          <p:cNvSpPr txBox="1"/>
+          <p:nvPr/>
+        </p:nvSpPr>
+        <p:spPr>
+          <a:xfrm>
+            <a:off x="1097280" y="1737847"/>
+            <a:ext cx="2109488" cy="369332"/>
+          </a:xfrm>
+          <a:prstGeom prst="rect">
+            <a:avLst/>
+          </a:prstGeom>
+          <a:noFill/>
+        </p:spPr>
+        <p:txBody>
+          <a:bodyPr wrap="none" rtlCol="0">
+            <a:spAutoFit/>
+          </a:bodyPr>
+          <a:lstStyle/>
+          <a:p>
+            <a:r>
+              <a:rPr lang="en-US" dirty="0"/>
+              <a:t>Research Question 1</a:t>
+            </a:r>
+            <a:endParaRPr lang="en-GB" dirty="0"/>
+          </a:p>
+        </p:txBody>
+      </p:sp>
+      <p:sp>
+        <p:nvSpPr>
+          <p:cNvPr id="15" name="Rectangle: Rounded Corners 14">
+            <a:extLst>
+              <a:ext uri="{FF2B5EF4-FFF2-40B4-BE49-F238E27FC236}">
+                <a16:creationId xmlns:a16="http://schemas.microsoft.com/office/drawing/2014/main" id="{A073518C-85F6-E23E-B2B9-0105D35E8078}"/>
+              </a:ext>
+            </a:extLst>
+          </p:cNvPr>
+          <p:cNvSpPr/>
+          <p:nvPr/>
+        </p:nvSpPr>
+        <p:spPr>
+          <a:xfrm>
+            <a:off x="1189434" y="2114669"/>
+            <a:ext cx="6094520" cy="1009385"/>
+          </a:xfrm>
+          <a:prstGeom prst="roundRect">
+            <a:avLst/>
+          </a:prstGeom>
+          <a:noFill/>
+        </p:spPr>
+        <p:style>
+          <a:lnRef idx="2">
+            <a:schemeClr val="accent1">
+              <a:shade val="15000"/>
+            </a:schemeClr>
+          </a:lnRef>
+          <a:fillRef idx="1">
+            <a:schemeClr val="accent1"/>
+          </a:fillRef>
+          <a:effectRef idx="0">
+            <a:schemeClr val="accent1"/>
+          </a:effectRef>
+          <a:fontRef idx="minor">
+            <a:schemeClr val="lt1"/>
+          </a:fontRef>
+        </p:style>
+        <p:txBody>
+          <a:bodyPr rtlCol="0" anchor="ctr"/>
+          <a:lstStyle/>
+          <a:p>
+            <a:pPr algn="ctr"/>
+            <a:endParaRPr lang="en-GB"/>
+          </a:p>
+        </p:txBody>
+      </p:sp>
+      <p:sp>
+        <p:nvSpPr>
+          <p:cNvPr id="16" name="TextBox 15">
+            <a:extLst>
+              <a:ext uri="{FF2B5EF4-FFF2-40B4-BE49-F238E27FC236}">
+                <a16:creationId xmlns:a16="http://schemas.microsoft.com/office/drawing/2014/main" id="{7FEFDBC4-98A8-7C96-563D-DC6799A0BC52}"/>
+              </a:ext>
+            </a:extLst>
+          </p:cNvPr>
+          <p:cNvSpPr txBox="1"/>
+          <p:nvPr/>
+        </p:nvSpPr>
+        <p:spPr>
+          <a:xfrm>
+            <a:off x="8795980" y="3134392"/>
+            <a:ext cx="3161096" cy="369332"/>
+          </a:xfrm>
+          <a:prstGeom prst="rect">
+            <a:avLst/>
+          </a:prstGeom>
+          <a:noFill/>
+        </p:spPr>
+        <p:txBody>
+          <a:bodyPr wrap="square" rtlCol="0">
+            <a:spAutoFit/>
+          </a:bodyPr>
+          <a:lstStyle/>
+          <a:p>
+            <a:pPr algn="r"/>
+            <a:r>
+              <a:rPr lang="en-US" dirty="0"/>
+              <a:t>Research Question 2</a:t>
+            </a:r>
+            <a:endParaRPr lang="en-GB" dirty="0"/>
+          </a:p>
+        </p:txBody>
+      </p:sp>
+      <p:sp>
+        <p:nvSpPr>
+          <p:cNvPr id="17" name="Rectangle: Rounded Corners 16">
+            <a:extLst>
+              <a:ext uri="{FF2B5EF4-FFF2-40B4-BE49-F238E27FC236}">
+                <a16:creationId xmlns:a16="http://schemas.microsoft.com/office/drawing/2014/main" id="{EB4D7126-56C1-F57F-BC03-FB969A2EBA95}"/>
+              </a:ext>
+            </a:extLst>
+          </p:cNvPr>
+          <p:cNvSpPr/>
+          <p:nvPr/>
+        </p:nvSpPr>
+        <p:spPr>
+          <a:xfrm>
+            <a:off x="1189434" y="5106995"/>
+            <a:ext cx="6094520" cy="954485"/>
+          </a:xfrm>
+          <a:prstGeom prst="roundRect">
+            <a:avLst/>
+          </a:prstGeom>
+          <a:noFill/>
+        </p:spPr>
+        <p:style>
+          <a:lnRef idx="2">
+            <a:schemeClr val="accent1">
+              <a:shade val="15000"/>
+            </a:schemeClr>
+          </a:lnRef>
+          <a:fillRef idx="1">
+            <a:schemeClr val="accent1"/>
+          </a:fillRef>
+          <a:effectRef idx="0">
+            <a:schemeClr val="accent1"/>
+          </a:effectRef>
+          <a:fontRef idx="minor">
+            <a:schemeClr val="lt1"/>
+          </a:fontRef>
+        </p:style>
+        <p:txBody>
+          <a:bodyPr rtlCol="0" anchor="ctr">
+            <a:normAutofit/>
+          </a:bodyPr>
+          <a:lstStyle/>
+          <a:p>
+            <a:pPr algn="ctr"/>
+            <a:endParaRPr lang="en-GB"/>
+          </a:p>
+        </p:txBody>
+      </p:sp>
+      <p:sp>
+        <p:nvSpPr>
+          <p:cNvPr id="18" name="TextBox 17">
+            <a:extLst>
+              <a:ext uri="{FF2B5EF4-FFF2-40B4-BE49-F238E27FC236}">
+                <a16:creationId xmlns:a16="http://schemas.microsoft.com/office/drawing/2014/main" id="{AAB7BBFE-E7BF-F713-3D50-5C45479A7548}"/>
+              </a:ext>
+            </a:extLst>
+          </p:cNvPr>
+          <p:cNvSpPr txBox="1"/>
+          <p:nvPr/>
+        </p:nvSpPr>
+        <p:spPr>
+          <a:xfrm>
+            <a:off x="1189434" y="4715689"/>
+            <a:ext cx="3161096" cy="369332"/>
+          </a:xfrm>
+          <a:prstGeom prst="rect">
+            <a:avLst/>
+          </a:prstGeom>
+          <a:noFill/>
+        </p:spPr>
+        <p:txBody>
+          <a:bodyPr wrap="square" rtlCol="0">
+            <a:spAutoFit/>
+          </a:bodyPr>
+          <a:lstStyle/>
+          <a:p>
+            <a:r>
+              <a:rPr lang="en-US" dirty="0"/>
+              <a:t>Research Question 3</a:t>
+            </a:r>
+            <a:endParaRPr lang="en-GB" dirty="0"/>
+          </a:p>
+        </p:txBody>
+      </p:sp>
+      <p:sp>
+        <p:nvSpPr>
+          <p:cNvPr id="19" name="TextBox 18">
+            <a:extLst>
+              <a:ext uri="{FF2B5EF4-FFF2-40B4-BE49-F238E27FC236}">
+                <a16:creationId xmlns:a16="http://schemas.microsoft.com/office/drawing/2014/main" id="{19D8ABCD-558E-12FD-A869-7CB2DE308229}"/>
+              </a:ext>
+            </a:extLst>
+          </p:cNvPr>
+          <p:cNvSpPr txBox="1"/>
+          <p:nvPr/>
+        </p:nvSpPr>
+        <p:spPr>
+          <a:xfrm>
+            <a:off x="1189434" y="5106995"/>
+            <a:ext cx="6094520" cy="954484"/>
+          </a:xfrm>
+          <a:prstGeom prst="rect">
+            <a:avLst/>
+          </a:prstGeom>
+          <a:noFill/>
+        </p:spPr>
+        <p:txBody>
+          <a:bodyPr wrap="square">
+            <a:normAutofit/>
+          </a:bodyPr>
+          <a:lstStyle/>
+          <a:p>
+            <a:pPr algn="ctr"/>
+            <a:r>
+              <a:rPr lang="en-US" b="1" dirty="0"/>
+              <a:t>Can we design efficient aggregation algorithms for FL </a:t>
+            </a:r>
+            <a:r>
+              <a:rPr lang="en-US" dirty="0"/>
+              <a:t>that minimize the data exchange between clients and servers while not reducing the model accuracy?</a:t>
+            </a:r>
+          </a:p>
+          <a:p>
+            <a:endParaRPr lang="en-US" dirty="0"/>
+          </a:p>
+        </p:txBody>
+      </p:sp>
     </p:spTree>
     <p:extLst>
       <p:ext uri="{BB962C8B-B14F-4D97-AF65-F5344CB8AC3E}">

--- a/Presentations/Supervisor Meetings/2024/Upcoming Meeting.pptx
+++ b/Presentations/Supervisor Meetings/2024/Upcoming Meeting.pptx
@@ -8,6 +8,9 @@
     <p:sldId id="256" r:id="rId2"/>
     <p:sldId id="257" r:id="rId3"/>
     <p:sldId id="262" r:id="rId4"/>
+    <p:sldId id="263" r:id="rId5"/>
+    <p:sldId id="264" r:id="rId6"/>
+    <p:sldId id="265" r:id="rId7"/>
   </p:sldIdLst>
   <p:sldSz cx="12192000" cy="6858000"/>
   <p:notesSz cx="6858000" cy="9144000"/>
@@ -117,7 +120,7 @@
 <file path=ppt/revisionInfo.xml><?xml version="1.0" encoding="utf-8"?>
 <p1510:revInfo xmlns:a="http://schemas.openxmlformats.org/drawingml/2006/main" xmlns:r="http://schemas.openxmlformats.org/officeDocument/2006/relationships" xmlns:p1510="http://schemas.microsoft.com/office/powerpoint/2015/10/main">
   <p1510:revLst>
-    <p1510:client id="{B7574C7C-3686-460F-9B9F-2A9122AA95F8}" v="32" dt="2024-02-16T15:23:47.806"/>
+    <p1510:client id="{B7574C7C-3686-460F-9B9F-2A9122AA95F8}" v="34" dt="2024-02-17T12:44:38.054"/>
   </p1510:revLst>
 </p1510:revInfo>
 </file>
@@ -1478,7 +1481,7 @@
   <pc:docChgLst>
     <pc:chgData name="Sean O Fithcheallaigh" userId="47659c31-a575-4792-8be3-61268c4ee0d6" providerId="ADAL" clId="{B7574C7C-3686-460F-9B9F-2A9122AA95F8}"/>
     <pc:docChg chg="undo custSel addSld delSld modSld modMainMaster">
-      <pc:chgData name="Sean O Fithcheallaigh" userId="47659c31-a575-4792-8be3-61268c4ee0d6" providerId="ADAL" clId="{B7574C7C-3686-460F-9B9F-2A9122AA95F8}" dt="2024-02-16T15:26:36.337" v="1800" actId="122"/>
+      <pc:chgData name="Sean O Fithcheallaigh" userId="47659c31-a575-4792-8be3-61268c4ee0d6" providerId="ADAL" clId="{B7574C7C-3686-460F-9B9F-2A9122AA95F8}" dt="2024-02-17T13:15:29.275" v="2050" actId="478"/>
       <pc:docMkLst>
         <pc:docMk/>
       </pc:docMkLst>
@@ -1693,7 +1696,7 @@
         </pc:sldMkLst>
       </pc:sldChg>
       <pc:sldChg chg="addSp delSp modSp new mod chgLayout">
-        <pc:chgData name="Sean O Fithcheallaigh" userId="47659c31-a575-4792-8be3-61268c4ee0d6" providerId="ADAL" clId="{B7574C7C-3686-460F-9B9F-2A9122AA95F8}" dt="2024-02-16T15:26:36.337" v="1800" actId="122"/>
+        <pc:chgData name="Sean O Fithcheallaigh" userId="47659c31-a575-4792-8be3-61268c4ee0d6" providerId="ADAL" clId="{B7574C7C-3686-460F-9B9F-2A9122AA95F8}" dt="2024-02-17T13:15:29.275" v="2050" actId="478"/>
         <pc:sldMkLst>
           <pc:docMk/>
           <pc:sldMk cId="2974212779" sldId="262"/>
@@ -1723,6 +1726,30 @@
           </ac:spMkLst>
         </pc:spChg>
         <pc:spChg chg="add del mod">
+          <ac:chgData name="Sean O Fithcheallaigh" userId="47659c31-a575-4792-8be3-61268c4ee0d6" providerId="ADAL" clId="{B7574C7C-3686-460F-9B9F-2A9122AA95F8}" dt="2024-02-17T12:31:11.160" v="2038" actId="478"/>
+          <ac:spMkLst>
+            <pc:docMk/>
+            <pc:sldMk cId="2974212779" sldId="262"/>
+            <ac:spMk id="3" creationId="{9D8D541C-4A34-9B5C-3767-BB510E72A5C8}"/>
+          </ac:spMkLst>
+        </pc:spChg>
+        <pc:spChg chg="add del mod">
+          <ac:chgData name="Sean O Fithcheallaigh" userId="47659c31-a575-4792-8be3-61268c4ee0d6" providerId="ADAL" clId="{B7574C7C-3686-460F-9B9F-2A9122AA95F8}" dt="2024-02-17T12:31:09.723" v="2037" actId="478"/>
+          <ac:spMkLst>
+            <pc:docMk/>
+            <pc:sldMk cId="2974212779" sldId="262"/>
+            <ac:spMk id="4" creationId="{17BB8BED-0715-C37B-A2A2-8D6185F598C4}"/>
+          </ac:spMkLst>
+        </pc:spChg>
+        <pc:spChg chg="add del mod">
+          <ac:chgData name="Sean O Fithcheallaigh" userId="47659c31-a575-4792-8be3-61268c4ee0d6" providerId="ADAL" clId="{B7574C7C-3686-460F-9B9F-2A9122AA95F8}" dt="2024-02-17T13:15:29.275" v="2050" actId="478"/>
+          <ac:spMkLst>
+            <pc:docMk/>
+            <pc:sldMk cId="2974212779" sldId="262"/>
+            <ac:spMk id="5" creationId="{689E7CD9-6C77-9903-0092-EA1DA26C3946}"/>
+          </ac:spMkLst>
+        </pc:spChg>
+        <pc:spChg chg="add del mod">
           <ac:chgData name="Sean O Fithcheallaigh" userId="47659c31-a575-4792-8be3-61268c4ee0d6" providerId="ADAL" clId="{B7574C7C-3686-460F-9B9F-2A9122AA95F8}" dt="2024-02-16T15:09:58.157" v="1450" actId="478"/>
           <ac:spMkLst>
             <pc:docMk/>
@@ -1730,8 +1757,8 @@
             <ac:spMk id="6" creationId="{4285F86F-BA5A-8281-4E6D-39A7AEF6D97A}"/>
           </ac:spMkLst>
         </pc:spChg>
-        <pc:spChg chg="add mod">
-          <ac:chgData name="Sean O Fithcheallaigh" userId="47659c31-a575-4792-8be3-61268c4ee0d6" providerId="ADAL" clId="{B7574C7C-3686-460F-9B9F-2A9122AA95F8}" dt="2024-02-16T15:20:27.339" v="1597" actId="1076"/>
+        <pc:spChg chg="add del mod">
+          <ac:chgData name="Sean O Fithcheallaigh" userId="47659c31-a575-4792-8be3-61268c4ee0d6" providerId="ADAL" clId="{B7574C7C-3686-460F-9B9F-2A9122AA95F8}" dt="2024-02-17T12:31:04.058" v="2033" actId="478"/>
           <ac:spMkLst>
             <pc:docMk/>
             <pc:sldMk cId="2974212779" sldId="262"/>
@@ -1739,7 +1766,7 @@
           </ac:spMkLst>
         </pc:spChg>
         <pc:spChg chg="add mod">
-          <ac:chgData name="Sean O Fithcheallaigh" userId="47659c31-a575-4792-8be3-61268c4ee0d6" providerId="ADAL" clId="{B7574C7C-3686-460F-9B9F-2A9122AA95F8}" dt="2024-02-16T15:25:58.234" v="1793" actId="1076"/>
+          <ac:chgData name="Sean O Fithcheallaigh" userId="47659c31-a575-4792-8be3-61268c4ee0d6" providerId="ADAL" clId="{B7574C7C-3686-460F-9B9F-2A9122AA95F8}" dt="2024-02-17T12:09:00.941" v="1932" actId="27636"/>
           <ac:spMkLst>
             <pc:docMk/>
             <pc:sldMk cId="2974212779" sldId="262"/>
@@ -1754,8 +1781,8 @@
             <ac:spMk id="12" creationId="{9DBD96AD-1B54-B48A-174D-8682810F84E0}"/>
           </ac:spMkLst>
         </pc:spChg>
-        <pc:spChg chg="add mod">
-          <ac:chgData name="Sean O Fithcheallaigh" userId="47659c31-a575-4792-8be3-61268c4ee0d6" providerId="ADAL" clId="{B7574C7C-3686-460F-9B9F-2A9122AA95F8}" dt="2024-02-16T15:20:25.026" v="1596" actId="1076"/>
+        <pc:spChg chg="add del mod">
+          <ac:chgData name="Sean O Fithcheallaigh" userId="47659c31-a575-4792-8be3-61268c4ee0d6" providerId="ADAL" clId="{B7574C7C-3686-460F-9B9F-2A9122AA95F8}" dt="2024-02-17T12:31:02.358" v="2032" actId="478"/>
           <ac:spMkLst>
             <pc:docMk/>
             <pc:sldMk cId="2974212779" sldId="262"/>
@@ -1771,39 +1798,39 @@
           </ac:spMkLst>
         </pc:spChg>
         <pc:spChg chg="add mod">
-          <ac:chgData name="Sean O Fithcheallaigh" userId="47659c31-a575-4792-8be3-61268c4ee0d6" providerId="ADAL" clId="{B7574C7C-3686-460F-9B9F-2A9122AA95F8}" dt="2024-02-16T15:25:53.774" v="1792" actId="1076"/>
+          <ac:chgData name="Sean O Fithcheallaigh" userId="47659c31-a575-4792-8be3-61268c4ee0d6" providerId="ADAL" clId="{B7574C7C-3686-460F-9B9F-2A9122AA95F8}" dt="2024-02-17T12:09:06.466" v="1933" actId="14100"/>
           <ac:spMkLst>
             <pc:docMk/>
             <pc:sldMk cId="2974212779" sldId="262"/>
             <ac:spMk id="15" creationId="{A073518C-85F6-E23E-B2B9-0105D35E8078}"/>
           </ac:spMkLst>
         </pc:spChg>
-        <pc:spChg chg="add mod">
-          <ac:chgData name="Sean O Fithcheallaigh" userId="47659c31-a575-4792-8be3-61268c4ee0d6" providerId="ADAL" clId="{B7574C7C-3686-460F-9B9F-2A9122AA95F8}" dt="2024-02-16T15:20:22.258" v="1595" actId="1076"/>
+        <pc:spChg chg="add del mod">
+          <ac:chgData name="Sean O Fithcheallaigh" userId="47659c31-a575-4792-8be3-61268c4ee0d6" providerId="ADAL" clId="{B7574C7C-3686-460F-9B9F-2A9122AA95F8}" dt="2024-02-17T12:31:01.399" v="2031" actId="478"/>
           <ac:spMkLst>
             <pc:docMk/>
             <pc:sldMk cId="2974212779" sldId="262"/>
             <ac:spMk id="16" creationId="{7FEFDBC4-98A8-7C96-563D-DC6799A0BC52}"/>
           </ac:spMkLst>
         </pc:spChg>
-        <pc:spChg chg="add mod">
-          <ac:chgData name="Sean O Fithcheallaigh" userId="47659c31-a575-4792-8be3-61268c4ee0d6" providerId="ADAL" clId="{B7574C7C-3686-460F-9B9F-2A9122AA95F8}" dt="2024-02-16T15:26:26.362" v="1798" actId="1076"/>
+        <pc:spChg chg="add del mod">
+          <ac:chgData name="Sean O Fithcheallaigh" userId="47659c31-a575-4792-8be3-61268c4ee0d6" providerId="ADAL" clId="{B7574C7C-3686-460F-9B9F-2A9122AA95F8}" dt="2024-02-17T12:31:06.512" v="2035" actId="478"/>
           <ac:spMkLst>
             <pc:docMk/>
             <pc:sldMk cId="2974212779" sldId="262"/>
             <ac:spMk id="17" creationId="{EB4D7126-56C1-F57F-BC03-FB969A2EBA95}"/>
           </ac:spMkLst>
         </pc:spChg>
-        <pc:spChg chg="add mod">
-          <ac:chgData name="Sean O Fithcheallaigh" userId="47659c31-a575-4792-8be3-61268c4ee0d6" providerId="ADAL" clId="{B7574C7C-3686-460F-9B9F-2A9122AA95F8}" dt="2024-02-16T15:26:18.610" v="1796" actId="1076"/>
+        <pc:spChg chg="add del mod">
+          <ac:chgData name="Sean O Fithcheallaigh" userId="47659c31-a575-4792-8be3-61268c4ee0d6" providerId="ADAL" clId="{B7574C7C-3686-460F-9B9F-2A9122AA95F8}" dt="2024-02-17T12:31:08.298" v="2036" actId="478"/>
           <ac:spMkLst>
             <pc:docMk/>
             <pc:sldMk cId="2974212779" sldId="262"/>
             <ac:spMk id="18" creationId="{AAB7BBFE-E7BF-F713-3D50-5C45479A7548}"/>
           </ac:spMkLst>
         </pc:spChg>
-        <pc:spChg chg="add mod">
-          <ac:chgData name="Sean O Fithcheallaigh" userId="47659c31-a575-4792-8be3-61268c4ee0d6" providerId="ADAL" clId="{B7574C7C-3686-460F-9B9F-2A9122AA95F8}" dt="2024-02-16T15:26:20.953" v="1797" actId="1076"/>
+        <pc:spChg chg="add del mod">
+          <ac:chgData name="Sean O Fithcheallaigh" userId="47659c31-a575-4792-8be3-61268c4ee0d6" providerId="ADAL" clId="{B7574C7C-3686-460F-9B9F-2A9122AA95F8}" dt="2024-02-17T12:31:05.469" v="2034" actId="478"/>
           <ac:spMkLst>
             <pc:docMk/>
             <pc:sldMk cId="2974212779" sldId="262"/>
@@ -1818,6 +1845,27 @@
             <ac:graphicFrameMk id="4" creationId="{214AC544-048D-9AC6-C15B-95DB87E65341}"/>
           </ac:graphicFrameMkLst>
         </pc:graphicFrameChg>
+      </pc:sldChg>
+      <pc:sldChg chg="add">
+        <pc:chgData name="Sean O Fithcheallaigh" userId="47659c31-a575-4792-8be3-61268c4ee0d6" providerId="ADAL" clId="{B7574C7C-3686-460F-9B9F-2A9122AA95F8}" dt="2024-02-17T12:30:52.121" v="2028" actId="2890"/>
+        <pc:sldMkLst>
+          <pc:docMk/>
+          <pc:sldMk cId="2342086455" sldId="263"/>
+        </pc:sldMkLst>
+      </pc:sldChg>
+      <pc:sldChg chg="add">
+        <pc:chgData name="Sean O Fithcheallaigh" userId="47659c31-a575-4792-8be3-61268c4ee0d6" providerId="ADAL" clId="{B7574C7C-3686-460F-9B9F-2A9122AA95F8}" dt="2024-02-17T12:30:54.602" v="2029" actId="2890"/>
+        <pc:sldMkLst>
+          <pc:docMk/>
+          <pc:sldMk cId="2844604785" sldId="264"/>
+        </pc:sldMkLst>
+      </pc:sldChg>
+      <pc:sldChg chg="add">
+        <pc:chgData name="Sean O Fithcheallaigh" userId="47659c31-a575-4792-8be3-61268c4ee0d6" providerId="ADAL" clId="{B7574C7C-3686-460F-9B9F-2A9122AA95F8}" dt="2024-02-17T12:30:56.947" v="2030" actId="2890"/>
+        <pc:sldMkLst>
+          <pc:docMk/>
+          <pc:sldMk cId="3782082519" sldId="265"/>
+        </pc:sldMkLst>
       </pc:sldChg>
       <pc:sldMasterChg chg="modSldLayout">
         <pc:chgData name="Sean O Fithcheallaigh" userId="47659c31-a575-4792-8be3-61268c4ee0d6" providerId="ADAL" clId="{B7574C7C-3686-460F-9B9F-2A9122AA95F8}" dt="2024-02-13T19:56:02.820" v="272"/>
@@ -2122,7 +2170,7 @@
           <a:p>
             <a:fld id="{0CD94E99-FA29-4EFF-88BE-3447E30E8C4D}" type="datetimeFigureOut">
               <a:rPr lang="en-GB" smtClean="0"/>
-              <a:t>16/02/2024</a:t>
+              <a:t>17/02/2024</a:t>
             </a:fld>
             <a:endParaRPr lang="en-GB"/>
           </a:p>
@@ -2330,7 +2378,7 @@
           <a:p>
             <a:fld id="{0CD94E99-FA29-4EFF-88BE-3447E30E8C4D}" type="datetimeFigureOut">
               <a:rPr lang="en-GB" smtClean="0"/>
-              <a:t>16/02/2024</a:t>
+              <a:t>17/02/2024</a:t>
             </a:fld>
             <a:endParaRPr lang="en-GB"/>
           </a:p>
@@ -2588,7 +2636,7 @@
           <a:p>
             <a:fld id="{0CD94E99-FA29-4EFF-88BE-3447E30E8C4D}" type="datetimeFigureOut">
               <a:rPr lang="en-GB" smtClean="0"/>
-              <a:t>16/02/2024</a:t>
+              <a:t>17/02/2024</a:t>
             </a:fld>
             <a:endParaRPr lang="en-GB"/>
           </a:p>
@@ -2766,7 +2814,7 @@
           <a:p>
             <a:fld id="{0CD94E99-FA29-4EFF-88BE-3447E30E8C4D}" type="datetimeFigureOut">
               <a:rPr lang="en-GB" smtClean="0"/>
-              <a:t>16/02/2024</a:t>
+              <a:t>17/02/2024</a:t>
             </a:fld>
             <a:endParaRPr lang="en-GB"/>
           </a:p>
@@ -3103,7 +3151,7 @@
           <a:p>
             <a:fld id="{0CD94E99-FA29-4EFF-88BE-3447E30E8C4D}" type="datetimeFigureOut">
               <a:rPr lang="en-GB" smtClean="0"/>
-              <a:t>16/02/2024</a:t>
+              <a:t>17/02/2024</a:t>
             </a:fld>
             <a:endParaRPr lang="en-GB"/>
           </a:p>
@@ -3383,7 +3431,7 @@
           <a:p>
             <a:fld id="{0CD94E99-FA29-4EFF-88BE-3447E30E8C4D}" type="datetimeFigureOut">
               <a:rPr lang="en-GB" smtClean="0"/>
-              <a:t>16/02/2024</a:t>
+              <a:t>17/02/2024</a:t>
             </a:fld>
             <a:endParaRPr lang="en-GB"/>
           </a:p>
@@ -3762,7 +3810,7 @@
           <a:p>
             <a:fld id="{0CD94E99-FA29-4EFF-88BE-3447E30E8C4D}" type="datetimeFigureOut">
               <a:rPr lang="en-GB" smtClean="0"/>
-              <a:t>16/02/2024</a:t>
+              <a:t>17/02/2024</a:t>
             </a:fld>
             <a:endParaRPr lang="en-GB"/>
           </a:p>
@@ -3880,7 +3928,7 @@
           <a:p>
             <a:fld id="{0CD94E99-FA29-4EFF-88BE-3447E30E8C4D}" type="datetimeFigureOut">
               <a:rPr lang="en-GB" smtClean="0"/>
-              <a:t>16/02/2024</a:t>
+              <a:t>17/02/2024</a:t>
             </a:fld>
             <a:endParaRPr lang="en-GB"/>
           </a:p>
@@ -4053,7 +4101,7 @@
           <a:p>
             <a:fld id="{0CD94E99-FA29-4EFF-88BE-3447E30E8C4D}" type="datetimeFigureOut">
               <a:rPr lang="en-GB" smtClean="0"/>
-              <a:t>16/02/2024</a:t>
+              <a:t>17/02/2024</a:t>
             </a:fld>
             <a:endParaRPr lang="en-GB"/>
           </a:p>
@@ -4409,7 +4457,7 @@
           <a:p>
             <a:fld id="{0CD94E99-FA29-4EFF-88BE-3447E30E8C4D}" type="datetimeFigureOut">
               <a:rPr lang="en-GB" smtClean="0"/>
-              <a:t>16/02/2024</a:t>
+              <a:t>17/02/2024</a:t>
             </a:fld>
             <a:endParaRPr lang="en-GB"/>
           </a:p>
@@ -4788,7 +4836,7 @@
           <a:p>
             <a:fld id="{0CD94E99-FA29-4EFF-88BE-3447E30E8C4D}" type="datetimeFigureOut">
               <a:rPr lang="en-GB" smtClean="0"/>
-              <a:t>16/02/2024</a:t>
+              <a:t>17/02/2024</a:t>
             </a:fld>
             <a:endParaRPr lang="en-GB"/>
           </a:p>
@@ -5077,7 +5125,7 @@
           <a:p>
             <a:fld id="{0CD94E99-FA29-4EFF-88BE-3447E30E8C4D}" type="datetimeFigureOut">
               <a:rPr lang="en-GB" smtClean="0"/>
-              <a:t>16/02/2024</a:t>
+              <a:t>17/02/2024</a:t>
             </a:fld>
             <a:endParaRPr lang="en-GB"/>
           </a:p>
@@ -6251,53 +6299,6 @@
       </p:sp>
       <p:sp>
         <p:nvSpPr>
-          <p:cNvPr id="8" name="TextBox 7">
-            <a:extLst>
-              <a:ext uri="{FF2B5EF4-FFF2-40B4-BE49-F238E27FC236}">
-                <a16:creationId xmlns:a16="http://schemas.microsoft.com/office/drawing/2014/main" id="{E62E95DE-1F47-7F82-7AE9-6E0238820223}"/>
-              </a:ext>
-            </a:extLst>
-          </p:cNvPr>
-          <p:cNvSpPr txBox="1"/>
-          <p:nvPr/>
-        </p:nvSpPr>
-        <p:spPr>
-          <a:xfrm>
-            <a:off x="5862556" y="3559822"/>
-            <a:ext cx="6094520" cy="1167503"/>
-          </a:xfrm>
-          <a:prstGeom prst="rect">
-            <a:avLst/>
-          </a:prstGeom>
-          <a:noFill/>
-        </p:spPr>
-        <p:txBody>
-          <a:bodyPr wrap="square">
-            <a:normAutofit fontScale="92500" lnSpcReduction="20000"/>
-          </a:bodyPr>
-          <a:lstStyle/>
-          <a:p>
-            <a:pPr algn="ctr"/>
-            <a:r>
-              <a:rPr lang="en-US" dirty="0"/>
-              <a:t>With the ever-increasing use of IoT devices, </a:t>
-            </a:r>
-            <a:r>
-              <a:rPr lang="en-US" b="1" dirty="0"/>
-              <a:t>can FL algorithms or tools be designed to operate specifically on resources Edge devices to minimize computational and communications costs</a:t>
-            </a:r>
-            <a:r>
-              <a:rPr lang="en-US" dirty="0"/>
-              <a:t>. The models should be adaptable to non independently and identically distributed data (IID). </a:t>
-            </a:r>
-          </a:p>
-          <a:p>
-            <a:endParaRPr lang="en-US" dirty="0"/>
-          </a:p>
-        </p:txBody>
-      </p:sp>
-      <p:sp>
-        <p:nvSpPr>
           <p:cNvPr id="10" name="TextBox 9">
             <a:extLst>
               <a:ext uri="{FF2B5EF4-FFF2-40B4-BE49-F238E27FC236}">
@@ -6311,7 +6312,7 @@
         <p:spPr>
           <a:xfrm>
             <a:off x="1189434" y="2125202"/>
-            <a:ext cx="6094520" cy="1009385"/>
+            <a:ext cx="5468818" cy="875450"/>
           </a:xfrm>
           <a:prstGeom prst="rect">
             <a:avLst/>
@@ -6320,7 +6321,7 @@
         </p:spPr>
         <p:txBody>
           <a:bodyPr wrap="square">
-            <a:normAutofit fontScale="92500" lnSpcReduction="20000"/>
+            <a:normAutofit fontScale="85000" lnSpcReduction="20000"/>
           </a:bodyPr>
           <a:lstStyle/>
           <a:p>
@@ -6339,10 +6340,46 @@
       </p:sp>
       <p:sp>
         <p:nvSpPr>
-          <p:cNvPr id="13" name="Rectangle: Rounded Corners 12">
+          <p:cNvPr id="14" name="TextBox 13">
             <a:extLst>
               <a:ext uri="{FF2B5EF4-FFF2-40B4-BE49-F238E27FC236}">
-                <a16:creationId xmlns:a16="http://schemas.microsoft.com/office/drawing/2014/main" id="{5C025563-8660-1FD1-DCD9-043A3F3BBD94}"/>
+                <a16:creationId xmlns:a16="http://schemas.microsoft.com/office/drawing/2014/main" id="{D9D0AB5B-65B7-2487-EF79-97B298F3FB34}"/>
+              </a:ext>
+            </a:extLst>
+          </p:cNvPr>
+          <p:cNvSpPr txBox="1"/>
+          <p:nvPr/>
+        </p:nvSpPr>
+        <p:spPr>
+          <a:xfrm>
+            <a:off x="1097280" y="1737847"/>
+            <a:ext cx="2109488" cy="369332"/>
+          </a:xfrm>
+          <a:prstGeom prst="rect">
+            <a:avLst/>
+          </a:prstGeom>
+          <a:noFill/>
+        </p:spPr>
+        <p:txBody>
+          <a:bodyPr wrap="none" rtlCol="0">
+            <a:spAutoFit/>
+          </a:bodyPr>
+          <a:lstStyle/>
+          <a:p>
+            <a:r>
+              <a:rPr lang="en-US" dirty="0"/>
+              <a:t>Research Question 1</a:t>
+            </a:r>
+            <a:endParaRPr lang="en-GB" dirty="0"/>
+          </a:p>
+        </p:txBody>
+      </p:sp>
+      <p:sp>
+        <p:nvSpPr>
+          <p:cNvPr id="15" name="Rectangle: Rounded Corners 14">
+            <a:extLst>
+              <a:ext uri="{FF2B5EF4-FFF2-40B4-BE49-F238E27FC236}">
+                <a16:creationId xmlns:a16="http://schemas.microsoft.com/office/drawing/2014/main" id="{A073518C-85F6-E23E-B2B9-0105D35E8078}"/>
               </a:ext>
             </a:extLst>
           </p:cNvPr>
@@ -6351,8 +6388,8 @@
         </p:nvSpPr>
         <p:spPr>
           <a:xfrm>
-            <a:off x="5862556" y="3515360"/>
-            <a:ext cx="6094520" cy="1200329"/>
+            <a:off x="1189434" y="2114669"/>
+            <a:ext cx="5468818" cy="875451"/>
           </a:xfrm>
           <a:prstGeom prst="roundRect">
             <a:avLst/>
@@ -6376,9 +6413,7 @@
           </a:fontRef>
         </p:style>
         <p:txBody>
-          <a:bodyPr rtlCol="0" anchor="ctr">
-            <a:normAutofit/>
-          </a:bodyPr>
+          <a:bodyPr rtlCol="0" anchor="ctr"/>
           <a:lstStyle/>
           <a:p>
             <a:pPr algn="ctr"/>
@@ -6386,12 +6421,78 @@
           </a:p>
         </p:txBody>
       </p:sp>
-      <p:sp>
-        <p:nvSpPr>
-          <p:cNvPr id="14" name="TextBox 13">
+    </p:spTree>
+    <p:extLst>
+      <p:ext uri="{BB962C8B-B14F-4D97-AF65-F5344CB8AC3E}">
+        <p14:creationId xmlns:p14="http://schemas.microsoft.com/office/powerpoint/2010/main" val="2974212779"/>
+      </p:ext>
+    </p:extLst>
+  </p:cSld>
+  <p:clrMapOvr>
+    <a:masterClrMapping/>
+  </p:clrMapOvr>
+</p:sld>
+</file>
+
+<file path=ppt/slides/slide4.xml><?xml version="1.0" encoding="utf-8"?>
+<p:sld xmlns:a="http://schemas.openxmlformats.org/drawingml/2006/main" xmlns:r="http://schemas.openxmlformats.org/officeDocument/2006/relationships" xmlns:p="http://schemas.openxmlformats.org/presentationml/2006/main">
+  <p:cSld>
+    <p:spTree>
+      <p:nvGrpSpPr>
+        <p:cNvPr id="1" name="">
+          <a:extLst>
+            <a:ext uri="{FF2B5EF4-FFF2-40B4-BE49-F238E27FC236}">
+              <a16:creationId xmlns:a16="http://schemas.microsoft.com/office/drawing/2014/main" id="{C103487E-61DD-12BD-72AB-DDB959FE2FC0}"/>
+            </a:ext>
+          </a:extLst>
+        </p:cNvPr>
+        <p:cNvGrpSpPr/>
+        <p:nvPr/>
+      </p:nvGrpSpPr>
+      <p:grpSpPr>
+        <a:xfrm>
+          <a:off x="0" y="0"/>
+          <a:ext cx="0" cy="0"/>
+          <a:chOff x="0" y="0"/>
+          <a:chExt cx="0" cy="0"/>
+        </a:xfrm>
+      </p:grpSpPr>
+      <p:sp>
+        <p:nvSpPr>
+          <p:cNvPr id="2" name="Title 1">
             <a:extLst>
               <a:ext uri="{FF2B5EF4-FFF2-40B4-BE49-F238E27FC236}">
-                <a16:creationId xmlns:a16="http://schemas.microsoft.com/office/drawing/2014/main" id="{D9D0AB5B-65B7-2487-EF79-97B298F3FB34}"/>
+                <a16:creationId xmlns:a16="http://schemas.microsoft.com/office/drawing/2014/main" id="{5B79BE80-421F-E0A2-E347-1FB3E87F24E8}"/>
+              </a:ext>
+            </a:extLst>
+          </p:cNvPr>
+          <p:cNvSpPr>
+            <a:spLocks noGrp="1"/>
+          </p:cNvSpPr>
+          <p:nvPr>
+            <p:ph type="title"/>
+          </p:nvPr>
+        </p:nvSpPr>
+        <p:spPr/>
+        <p:txBody>
+          <a:bodyPr/>
+          <a:lstStyle/>
+          <a:p>
+            <a:pPr algn="ctr"/>
+            <a:r>
+              <a:rPr lang="en-US" dirty="0"/>
+              <a:t>Research Questions</a:t>
+            </a:r>
+            <a:endParaRPr lang="en-GB" dirty="0"/>
+          </a:p>
+        </p:txBody>
+      </p:sp>
+      <p:sp>
+        <p:nvSpPr>
+          <p:cNvPr id="8" name="TextBox 7">
+            <a:extLst>
+              <a:ext uri="{FF2B5EF4-FFF2-40B4-BE49-F238E27FC236}">
+                <a16:creationId xmlns:a16="http://schemas.microsoft.com/office/drawing/2014/main" id="{4122F22F-CC6A-21A3-E65B-6D9079943A2F}"/>
               </a:ext>
             </a:extLst>
           </p:cNvPr>
@@ -6400,8 +6501,8 @@
         </p:nvSpPr>
         <p:spPr>
           <a:xfrm>
-            <a:off x="1097280" y="1737847"/>
-            <a:ext cx="2109488" cy="369332"/>
+            <a:off x="5862556" y="3067088"/>
+            <a:ext cx="6094520" cy="1167503"/>
           </a:xfrm>
           <a:prstGeom prst="rect">
             <a:avLst/>
@@ -6409,25 +6510,77 @@
           <a:noFill/>
         </p:spPr>
         <p:txBody>
-          <a:bodyPr wrap="none" rtlCol="0">
-            <a:spAutoFit/>
+          <a:bodyPr wrap="square">
+            <a:normAutofit fontScale="85000" lnSpcReduction="10000"/>
           </a:bodyPr>
           <a:lstStyle/>
           <a:p>
+            <a:pPr algn="ctr"/>
             <a:r>
               <a:rPr lang="en-US" dirty="0"/>
-              <a:t>Research Question 1</a:t>
-            </a:r>
-            <a:endParaRPr lang="en-GB" dirty="0"/>
-          </a:p>
-        </p:txBody>
-      </p:sp>
-      <p:sp>
-        <p:nvSpPr>
-          <p:cNvPr id="15" name="Rectangle: Rounded Corners 14">
+              <a:t>With the ever-increasing use of IoT devices, </a:t>
+            </a:r>
+            <a:r>
+              <a:rPr lang="en-US" b="1" dirty="0"/>
+              <a:t>can FL algorithms or tools be designed to operate specifically on resources Edge devices to minimize computational and communications costs</a:t>
+            </a:r>
+            <a:r>
+              <a:rPr lang="en-US" dirty="0"/>
+              <a:t>. The models should be adaptable to non independently and identically distributed data (IID), and ideally be carried out on the device.</a:t>
+            </a:r>
+          </a:p>
+          <a:p>
+            <a:endParaRPr lang="en-US" dirty="0"/>
+          </a:p>
+        </p:txBody>
+      </p:sp>
+      <p:sp>
+        <p:nvSpPr>
+          <p:cNvPr id="10" name="TextBox 9">
             <a:extLst>
               <a:ext uri="{FF2B5EF4-FFF2-40B4-BE49-F238E27FC236}">
-                <a16:creationId xmlns:a16="http://schemas.microsoft.com/office/drawing/2014/main" id="{A073518C-85F6-E23E-B2B9-0105D35E8078}"/>
+                <a16:creationId xmlns:a16="http://schemas.microsoft.com/office/drawing/2014/main" id="{40CF2482-4A72-927A-E174-2D0AD48759E7}"/>
+              </a:ext>
+            </a:extLst>
+          </p:cNvPr>
+          <p:cNvSpPr txBox="1"/>
+          <p:nvPr/>
+        </p:nvSpPr>
+        <p:spPr>
+          <a:xfrm>
+            <a:off x="1189434" y="2125202"/>
+            <a:ext cx="5468818" cy="875450"/>
+          </a:xfrm>
+          <a:prstGeom prst="rect">
+            <a:avLst/>
+          </a:prstGeom>
+          <a:noFill/>
+        </p:spPr>
+        <p:txBody>
+          <a:bodyPr wrap="square">
+            <a:normAutofit fontScale="85000" lnSpcReduction="20000"/>
+          </a:bodyPr>
+          <a:lstStyle/>
+          <a:p>
+            <a:pPr algn="ctr"/>
+            <a:r>
+              <a:rPr lang="en-US" dirty="0"/>
+              <a:t>In any large distributed network, there is a chance that some nodes can be lost, for a range of reason. </a:t>
+            </a:r>
+            <a:r>
+              <a:rPr lang="en-US" b="1" dirty="0"/>
+              <a:t>Can a FL architecture be designed to be resilient, allowing it to identify missing nodes, and adapt so that there is no loss in performance? </a:t>
+            </a:r>
+            <a:endParaRPr lang="en-GB" b="1" dirty="0"/>
+          </a:p>
+        </p:txBody>
+      </p:sp>
+      <p:sp>
+        <p:nvSpPr>
+          <p:cNvPr id="13" name="Rectangle: Rounded Corners 12">
+            <a:extLst>
+              <a:ext uri="{FF2B5EF4-FFF2-40B4-BE49-F238E27FC236}">
+                <a16:creationId xmlns:a16="http://schemas.microsoft.com/office/drawing/2014/main" id="{C4D43637-DC10-B3A5-5029-8D1C5ADAC38A}"/>
               </a:ext>
             </a:extLst>
           </p:cNvPr>
@@ -6436,8 +6589,8 @@
         </p:nvSpPr>
         <p:spPr>
           <a:xfrm>
-            <a:off x="1189434" y="2114669"/>
-            <a:ext cx="6094520" cy="1009385"/>
+            <a:off x="5862556" y="3022626"/>
+            <a:ext cx="6094520" cy="1200329"/>
           </a:xfrm>
           <a:prstGeom prst="roundRect">
             <a:avLst/>
@@ -6461,7 +6614,9 @@
           </a:fontRef>
         </p:style>
         <p:txBody>
-          <a:bodyPr rtlCol="0" anchor="ctr"/>
+          <a:bodyPr rtlCol="0" anchor="ctr">
+            <a:normAutofit/>
+          </a:bodyPr>
           <a:lstStyle/>
           <a:p>
             <a:pPr algn="ctr"/>
@@ -6471,10 +6626,10 @@
       </p:sp>
       <p:sp>
         <p:nvSpPr>
-          <p:cNvPr id="16" name="TextBox 15">
+          <p:cNvPr id="14" name="TextBox 13">
             <a:extLst>
               <a:ext uri="{FF2B5EF4-FFF2-40B4-BE49-F238E27FC236}">
-                <a16:creationId xmlns:a16="http://schemas.microsoft.com/office/drawing/2014/main" id="{7FEFDBC4-98A8-7C96-563D-DC6799A0BC52}"/>
+                <a16:creationId xmlns:a16="http://schemas.microsoft.com/office/drawing/2014/main" id="{7EA31CE1-424E-0550-4A1F-6E858EE6B780}"/>
               </a:ext>
             </a:extLst>
           </p:cNvPr>
@@ -6483,8 +6638,8 @@
         </p:nvSpPr>
         <p:spPr>
           <a:xfrm>
-            <a:off x="8795980" y="3134392"/>
-            <a:ext cx="3161096" cy="369332"/>
+            <a:off x="1097280" y="1737847"/>
+            <a:ext cx="2109488" cy="369332"/>
           </a:xfrm>
           <a:prstGeom prst="rect">
             <a:avLst/>
@@ -6492,15 +6647,14 @@
           <a:noFill/>
         </p:spPr>
         <p:txBody>
-          <a:bodyPr wrap="square" rtlCol="0">
+          <a:bodyPr wrap="none" rtlCol="0">
             <a:spAutoFit/>
           </a:bodyPr>
           <a:lstStyle/>
           <a:p>
-            <a:pPr algn="r"/>
             <a:r>
               <a:rPr lang="en-US" dirty="0"/>
-              <a:t>Research Question 2</a:t>
+              <a:t>Research Question 1</a:t>
             </a:r>
             <a:endParaRPr lang="en-GB" dirty="0"/>
           </a:p>
@@ -6508,10 +6662,10 @@
       </p:sp>
       <p:sp>
         <p:nvSpPr>
-          <p:cNvPr id="17" name="Rectangle: Rounded Corners 16">
+          <p:cNvPr id="15" name="Rectangle: Rounded Corners 14">
             <a:extLst>
               <a:ext uri="{FF2B5EF4-FFF2-40B4-BE49-F238E27FC236}">
-                <a16:creationId xmlns:a16="http://schemas.microsoft.com/office/drawing/2014/main" id="{EB4D7126-56C1-F57F-BC03-FB969A2EBA95}"/>
+                <a16:creationId xmlns:a16="http://schemas.microsoft.com/office/drawing/2014/main" id="{11020F5C-E109-173E-5071-D5E09B0BE377}"/>
               </a:ext>
             </a:extLst>
           </p:cNvPr>
@@ -6520,8 +6674,8 @@
         </p:nvSpPr>
         <p:spPr>
           <a:xfrm>
-            <a:off x="1189434" y="5106995"/>
-            <a:ext cx="6094520" cy="954485"/>
+            <a:off x="1189434" y="2114669"/>
+            <a:ext cx="5468818" cy="875451"/>
           </a:xfrm>
           <a:prstGeom prst="roundRect">
             <a:avLst/>
@@ -6545,9 +6699,7 @@
           </a:fontRef>
         </p:style>
         <p:txBody>
-          <a:bodyPr rtlCol="0" anchor="ctr">
-            <a:normAutofit/>
-          </a:bodyPr>
+          <a:bodyPr rtlCol="0" anchor="ctr"/>
           <a:lstStyle/>
           <a:p>
             <a:pPr algn="ctr"/>
@@ -6557,10 +6709,10 @@
       </p:sp>
       <p:sp>
         <p:nvSpPr>
-          <p:cNvPr id="18" name="TextBox 17">
+          <p:cNvPr id="16" name="TextBox 15">
             <a:extLst>
               <a:ext uri="{FF2B5EF4-FFF2-40B4-BE49-F238E27FC236}">
-                <a16:creationId xmlns:a16="http://schemas.microsoft.com/office/drawing/2014/main" id="{AAB7BBFE-E7BF-F713-3D50-5C45479A7548}"/>
+                <a16:creationId xmlns:a16="http://schemas.microsoft.com/office/drawing/2014/main" id="{B8B448B7-BD48-5613-6948-EFF3941D1E25}"/>
               </a:ext>
             </a:extLst>
           </p:cNvPr>
@@ -6569,7 +6721,7 @@
         </p:nvSpPr>
         <p:spPr>
           <a:xfrm>
-            <a:off x="1189434" y="4715689"/>
+            <a:off x="8600671" y="2633193"/>
             <a:ext cx="3161096" cy="369332"/>
           </a:xfrm>
           <a:prstGeom prst="rect">
@@ -6583,9 +6735,10 @@
           </a:bodyPr>
           <a:lstStyle/>
           <a:p>
+            <a:pPr algn="r"/>
             <a:r>
               <a:rPr lang="en-US" dirty="0"/>
-              <a:t>Research Question 3</a:t>
+              <a:t>Research Question 2</a:t>
             </a:r>
             <a:endParaRPr lang="en-GB" dirty="0"/>
           </a:p>
@@ -6593,10 +6746,59 @@
       </p:sp>
       <p:sp>
         <p:nvSpPr>
-          <p:cNvPr id="19" name="TextBox 18">
+          <p:cNvPr id="17" name="Rectangle: Rounded Corners 16">
             <a:extLst>
               <a:ext uri="{FF2B5EF4-FFF2-40B4-BE49-F238E27FC236}">
-                <a16:creationId xmlns:a16="http://schemas.microsoft.com/office/drawing/2014/main" id="{19D8ABCD-558E-12FD-A869-7CB2DE308229}"/>
+                <a16:creationId xmlns:a16="http://schemas.microsoft.com/office/drawing/2014/main" id="{D6739F5E-E377-BB9D-ACD3-08A2D99FD298}"/>
+              </a:ext>
+            </a:extLst>
+          </p:cNvPr>
+          <p:cNvSpPr/>
+          <p:nvPr/>
+        </p:nvSpPr>
+        <p:spPr>
+          <a:xfrm>
+            <a:off x="1189434" y="4261046"/>
+            <a:ext cx="6094520" cy="954485"/>
+          </a:xfrm>
+          <a:prstGeom prst="roundRect">
+            <a:avLst/>
+          </a:prstGeom>
+          <a:noFill/>
+        </p:spPr>
+        <p:style>
+          <a:lnRef idx="2">
+            <a:schemeClr val="accent1">
+              <a:shade val="15000"/>
+            </a:schemeClr>
+          </a:lnRef>
+          <a:fillRef idx="1">
+            <a:schemeClr val="accent1"/>
+          </a:fillRef>
+          <a:effectRef idx="0">
+            <a:schemeClr val="accent1"/>
+          </a:effectRef>
+          <a:fontRef idx="minor">
+            <a:schemeClr val="lt1"/>
+          </a:fontRef>
+        </p:style>
+        <p:txBody>
+          <a:bodyPr rtlCol="0" anchor="ctr">
+            <a:normAutofit/>
+          </a:bodyPr>
+          <a:lstStyle/>
+          <a:p>
+            <a:pPr algn="ctr"/>
+            <a:endParaRPr lang="en-GB"/>
+          </a:p>
+        </p:txBody>
+      </p:sp>
+      <p:sp>
+        <p:nvSpPr>
+          <p:cNvPr id="18" name="TextBox 17">
+            <a:extLst>
+              <a:ext uri="{FF2B5EF4-FFF2-40B4-BE49-F238E27FC236}">
+                <a16:creationId xmlns:a16="http://schemas.microsoft.com/office/drawing/2014/main" id="{A4AED9BA-AC2D-E7FF-9EF3-CA8F477EF3F5}"/>
               </a:ext>
             </a:extLst>
           </p:cNvPr>
@@ -6605,8 +6807,8 @@
         </p:nvSpPr>
         <p:spPr>
           <a:xfrm>
-            <a:off x="1189434" y="5106995"/>
-            <a:ext cx="6094520" cy="954484"/>
+            <a:off x="1189434" y="3903378"/>
+            <a:ext cx="3161096" cy="369332"/>
           </a:xfrm>
           <a:prstGeom prst="rect">
             <a:avLst/>
@@ -6614,6 +6816,42 @@
           <a:noFill/>
         </p:spPr>
         <p:txBody>
+          <a:bodyPr wrap="square" rtlCol="0">
+            <a:spAutoFit/>
+          </a:bodyPr>
+          <a:lstStyle/>
+          <a:p>
+            <a:r>
+              <a:rPr lang="en-US" dirty="0"/>
+              <a:t>Research Question 3</a:t>
+            </a:r>
+            <a:endParaRPr lang="en-GB" dirty="0"/>
+          </a:p>
+        </p:txBody>
+      </p:sp>
+      <p:sp>
+        <p:nvSpPr>
+          <p:cNvPr id="19" name="TextBox 18">
+            <a:extLst>
+              <a:ext uri="{FF2B5EF4-FFF2-40B4-BE49-F238E27FC236}">
+                <a16:creationId xmlns:a16="http://schemas.microsoft.com/office/drawing/2014/main" id="{40C3CDF0-D04B-079A-749B-CBA45F7CD178}"/>
+              </a:ext>
+            </a:extLst>
+          </p:cNvPr>
+          <p:cNvSpPr txBox="1"/>
+          <p:nvPr/>
+        </p:nvSpPr>
+        <p:spPr>
+          <a:xfrm>
+            <a:off x="1189434" y="4261046"/>
+            <a:ext cx="6094520" cy="954484"/>
+          </a:xfrm>
+          <a:prstGeom prst="rect">
+            <a:avLst/>
+          </a:prstGeom>
+          <a:noFill/>
+        </p:spPr>
+        <p:txBody>
           <a:bodyPr wrap="square">
             <a:normAutofit/>
           </a:bodyPr>
@@ -6634,10 +6872,1176 @@
           </a:p>
         </p:txBody>
       </p:sp>
+      <p:sp>
+        <p:nvSpPr>
+          <p:cNvPr id="3" name="TextBox 2">
+            <a:extLst>
+              <a:ext uri="{FF2B5EF4-FFF2-40B4-BE49-F238E27FC236}">
+                <a16:creationId xmlns:a16="http://schemas.microsoft.com/office/drawing/2014/main" id="{265FF84C-36F7-3227-F237-3124768794CF}"/>
+              </a:ext>
+            </a:extLst>
+          </p:cNvPr>
+          <p:cNvSpPr txBox="1"/>
+          <p:nvPr/>
+        </p:nvSpPr>
+        <p:spPr>
+          <a:xfrm>
+            <a:off x="5997200" y="5376185"/>
+            <a:ext cx="6094520" cy="928382"/>
+          </a:xfrm>
+          <a:prstGeom prst="rect">
+            <a:avLst/>
+          </a:prstGeom>
+          <a:noFill/>
+        </p:spPr>
+        <p:txBody>
+          <a:bodyPr wrap="square">
+            <a:normAutofit/>
+          </a:bodyPr>
+          <a:lstStyle/>
+          <a:p>
+            <a:pPr algn="ctr"/>
+            <a:r>
+              <a:rPr lang="en-US" dirty="0"/>
+              <a:t>When thinking about robust and resilient FL systems, can blockchain </a:t>
+            </a:r>
+          </a:p>
+          <a:p>
+            <a:endParaRPr lang="en-US" dirty="0"/>
+          </a:p>
+        </p:txBody>
+      </p:sp>
+      <p:sp>
+        <p:nvSpPr>
+          <p:cNvPr id="4" name="Rectangle: Rounded Corners 3">
+            <a:extLst>
+              <a:ext uri="{FF2B5EF4-FFF2-40B4-BE49-F238E27FC236}">
+                <a16:creationId xmlns:a16="http://schemas.microsoft.com/office/drawing/2014/main" id="{2E49B197-D6B9-413F-11AC-DD26215C40C2}"/>
+              </a:ext>
+            </a:extLst>
+          </p:cNvPr>
+          <p:cNvSpPr/>
+          <p:nvPr/>
+        </p:nvSpPr>
+        <p:spPr>
+          <a:xfrm>
+            <a:off x="5997200" y="5338446"/>
+            <a:ext cx="6094520" cy="954485"/>
+          </a:xfrm>
+          <a:prstGeom prst="roundRect">
+            <a:avLst/>
+          </a:prstGeom>
+          <a:noFill/>
+        </p:spPr>
+        <p:style>
+          <a:lnRef idx="2">
+            <a:schemeClr val="accent1">
+              <a:shade val="15000"/>
+            </a:schemeClr>
+          </a:lnRef>
+          <a:fillRef idx="1">
+            <a:schemeClr val="accent1"/>
+          </a:fillRef>
+          <a:effectRef idx="0">
+            <a:schemeClr val="accent1"/>
+          </a:effectRef>
+          <a:fontRef idx="minor">
+            <a:schemeClr val="lt1"/>
+          </a:fontRef>
+        </p:style>
+        <p:txBody>
+          <a:bodyPr rtlCol="0" anchor="ctr">
+            <a:normAutofit/>
+          </a:bodyPr>
+          <a:lstStyle/>
+          <a:p>
+            <a:pPr algn="ctr"/>
+            <a:endParaRPr lang="en-GB"/>
+          </a:p>
+        </p:txBody>
+      </p:sp>
     </p:spTree>
     <p:extLst>
       <p:ext uri="{BB962C8B-B14F-4D97-AF65-F5344CB8AC3E}">
-        <p14:creationId xmlns:p14="http://schemas.microsoft.com/office/powerpoint/2010/main" val="2974212779"/>
+        <p14:creationId xmlns:p14="http://schemas.microsoft.com/office/powerpoint/2010/main" val="2342086455"/>
+      </p:ext>
+    </p:extLst>
+  </p:cSld>
+  <p:clrMapOvr>
+    <a:masterClrMapping/>
+  </p:clrMapOvr>
+</p:sld>
+</file>
+
+<file path=ppt/slides/slide5.xml><?xml version="1.0" encoding="utf-8"?>
+<p:sld xmlns:a="http://schemas.openxmlformats.org/drawingml/2006/main" xmlns:r="http://schemas.openxmlformats.org/officeDocument/2006/relationships" xmlns:p="http://schemas.openxmlformats.org/presentationml/2006/main">
+  <p:cSld>
+    <p:spTree>
+      <p:nvGrpSpPr>
+        <p:cNvPr id="1" name="">
+          <a:extLst>
+            <a:ext uri="{FF2B5EF4-FFF2-40B4-BE49-F238E27FC236}">
+              <a16:creationId xmlns:a16="http://schemas.microsoft.com/office/drawing/2014/main" id="{DAF4E386-B234-6A24-1032-34AFF508B01A}"/>
+            </a:ext>
+          </a:extLst>
+        </p:cNvPr>
+        <p:cNvGrpSpPr/>
+        <p:nvPr/>
+      </p:nvGrpSpPr>
+      <p:grpSpPr>
+        <a:xfrm>
+          <a:off x="0" y="0"/>
+          <a:ext cx="0" cy="0"/>
+          <a:chOff x="0" y="0"/>
+          <a:chExt cx="0" cy="0"/>
+        </a:xfrm>
+      </p:grpSpPr>
+      <p:sp>
+        <p:nvSpPr>
+          <p:cNvPr id="2" name="Title 1">
+            <a:extLst>
+              <a:ext uri="{FF2B5EF4-FFF2-40B4-BE49-F238E27FC236}">
+                <a16:creationId xmlns:a16="http://schemas.microsoft.com/office/drawing/2014/main" id="{519BD0A0-F247-AD31-6C24-4139506AF50E}"/>
+              </a:ext>
+            </a:extLst>
+          </p:cNvPr>
+          <p:cNvSpPr>
+            <a:spLocks noGrp="1"/>
+          </p:cNvSpPr>
+          <p:nvPr>
+            <p:ph type="title"/>
+          </p:nvPr>
+        </p:nvSpPr>
+        <p:spPr/>
+        <p:txBody>
+          <a:bodyPr/>
+          <a:lstStyle/>
+          <a:p>
+            <a:pPr algn="ctr"/>
+            <a:r>
+              <a:rPr lang="en-US" dirty="0"/>
+              <a:t>Research Questions</a:t>
+            </a:r>
+            <a:endParaRPr lang="en-GB" dirty="0"/>
+          </a:p>
+        </p:txBody>
+      </p:sp>
+      <p:sp>
+        <p:nvSpPr>
+          <p:cNvPr id="8" name="TextBox 7">
+            <a:extLst>
+              <a:ext uri="{FF2B5EF4-FFF2-40B4-BE49-F238E27FC236}">
+                <a16:creationId xmlns:a16="http://schemas.microsoft.com/office/drawing/2014/main" id="{FA70DBE6-F2CC-FDE2-2144-5B6F2D7D2FD5}"/>
+              </a:ext>
+            </a:extLst>
+          </p:cNvPr>
+          <p:cNvSpPr txBox="1"/>
+          <p:nvPr/>
+        </p:nvSpPr>
+        <p:spPr>
+          <a:xfrm>
+            <a:off x="5862556" y="3067088"/>
+            <a:ext cx="6094520" cy="1167503"/>
+          </a:xfrm>
+          <a:prstGeom prst="rect">
+            <a:avLst/>
+          </a:prstGeom>
+          <a:noFill/>
+        </p:spPr>
+        <p:txBody>
+          <a:bodyPr wrap="square">
+            <a:normAutofit fontScale="85000" lnSpcReduction="10000"/>
+          </a:bodyPr>
+          <a:lstStyle/>
+          <a:p>
+            <a:pPr algn="ctr"/>
+            <a:r>
+              <a:rPr lang="en-US" dirty="0"/>
+              <a:t>With the ever-increasing use of IoT devices, </a:t>
+            </a:r>
+            <a:r>
+              <a:rPr lang="en-US" b="1" dirty="0"/>
+              <a:t>can FL algorithms or tools be designed to operate specifically on resources Edge devices to minimize computational and communications costs</a:t>
+            </a:r>
+            <a:r>
+              <a:rPr lang="en-US" dirty="0"/>
+              <a:t>. The models should be adaptable to non independently and identically distributed data (IID), and ideally be carried out on the device.</a:t>
+            </a:r>
+          </a:p>
+          <a:p>
+            <a:endParaRPr lang="en-US" dirty="0"/>
+          </a:p>
+        </p:txBody>
+      </p:sp>
+      <p:sp>
+        <p:nvSpPr>
+          <p:cNvPr id="10" name="TextBox 9">
+            <a:extLst>
+              <a:ext uri="{FF2B5EF4-FFF2-40B4-BE49-F238E27FC236}">
+                <a16:creationId xmlns:a16="http://schemas.microsoft.com/office/drawing/2014/main" id="{6E99B88D-6F92-B1DC-8047-0B3100A9A188}"/>
+              </a:ext>
+            </a:extLst>
+          </p:cNvPr>
+          <p:cNvSpPr txBox="1"/>
+          <p:nvPr/>
+        </p:nvSpPr>
+        <p:spPr>
+          <a:xfrm>
+            <a:off x="1189434" y="2125202"/>
+            <a:ext cx="5468818" cy="875450"/>
+          </a:xfrm>
+          <a:prstGeom prst="rect">
+            <a:avLst/>
+          </a:prstGeom>
+          <a:noFill/>
+        </p:spPr>
+        <p:txBody>
+          <a:bodyPr wrap="square">
+            <a:normAutofit fontScale="85000" lnSpcReduction="20000"/>
+          </a:bodyPr>
+          <a:lstStyle/>
+          <a:p>
+            <a:pPr algn="ctr"/>
+            <a:r>
+              <a:rPr lang="en-US" dirty="0"/>
+              <a:t>In any large distributed network, there is a chance that some nodes can be lost, for a range of reason. </a:t>
+            </a:r>
+            <a:r>
+              <a:rPr lang="en-US" b="1" dirty="0"/>
+              <a:t>Can a FL architecture be designed to be resilient, allowing it to identify missing nodes, and adapt so that there is no loss in performance? </a:t>
+            </a:r>
+            <a:endParaRPr lang="en-GB" b="1" dirty="0"/>
+          </a:p>
+        </p:txBody>
+      </p:sp>
+      <p:sp>
+        <p:nvSpPr>
+          <p:cNvPr id="13" name="Rectangle: Rounded Corners 12">
+            <a:extLst>
+              <a:ext uri="{FF2B5EF4-FFF2-40B4-BE49-F238E27FC236}">
+                <a16:creationId xmlns:a16="http://schemas.microsoft.com/office/drawing/2014/main" id="{A4B880AF-35B5-94F0-1879-5389614D86B2}"/>
+              </a:ext>
+            </a:extLst>
+          </p:cNvPr>
+          <p:cNvSpPr/>
+          <p:nvPr/>
+        </p:nvSpPr>
+        <p:spPr>
+          <a:xfrm>
+            <a:off x="5862556" y="3022626"/>
+            <a:ext cx="6094520" cy="1200329"/>
+          </a:xfrm>
+          <a:prstGeom prst="roundRect">
+            <a:avLst/>
+          </a:prstGeom>
+          <a:noFill/>
+        </p:spPr>
+        <p:style>
+          <a:lnRef idx="2">
+            <a:schemeClr val="accent1">
+              <a:shade val="15000"/>
+            </a:schemeClr>
+          </a:lnRef>
+          <a:fillRef idx="1">
+            <a:schemeClr val="accent1"/>
+          </a:fillRef>
+          <a:effectRef idx="0">
+            <a:schemeClr val="accent1"/>
+          </a:effectRef>
+          <a:fontRef idx="minor">
+            <a:schemeClr val="lt1"/>
+          </a:fontRef>
+        </p:style>
+        <p:txBody>
+          <a:bodyPr rtlCol="0" anchor="ctr">
+            <a:normAutofit/>
+          </a:bodyPr>
+          <a:lstStyle/>
+          <a:p>
+            <a:pPr algn="ctr"/>
+            <a:endParaRPr lang="en-GB"/>
+          </a:p>
+        </p:txBody>
+      </p:sp>
+      <p:sp>
+        <p:nvSpPr>
+          <p:cNvPr id="14" name="TextBox 13">
+            <a:extLst>
+              <a:ext uri="{FF2B5EF4-FFF2-40B4-BE49-F238E27FC236}">
+                <a16:creationId xmlns:a16="http://schemas.microsoft.com/office/drawing/2014/main" id="{E582B5D7-66CD-0F41-2C6E-776FDD04B7E7}"/>
+              </a:ext>
+            </a:extLst>
+          </p:cNvPr>
+          <p:cNvSpPr txBox="1"/>
+          <p:nvPr/>
+        </p:nvSpPr>
+        <p:spPr>
+          <a:xfrm>
+            <a:off x="1097280" y="1737847"/>
+            <a:ext cx="2109488" cy="369332"/>
+          </a:xfrm>
+          <a:prstGeom prst="rect">
+            <a:avLst/>
+          </a:prstGeom>
+          <a:noFill/>
+        </p:spPr>
+        <p:txBody>
+          <a:bodyPr wrap="none" rtlCol="0">
+            <a:spAutoFit/>
+          </a:bodyPr>
+          <a:lstStyle/>
+          <a:p>
+            <a:r>
+              <a:rPr lang="en-US" dirty="0"/>
+              <a:t>Research Question 1</a:t>
+            </a:r>
+            <a:endParaRPr lang="en-GB" dirty="0"/>
+          </a:p>
+        </p:txBody>
+      </p:sp>
+      <p:sp>
+        <p:nvSpPr>
+          <p:cNvPr id="15" name="Rectangle: Rounded Corners 14">
+            <a:extLst>
+              <a:ext uri="{FF2B5EF4-FFF2-40B4-BE49-F238E27FC236}">
+                <a16:creationId xmlns:a16="http://schemas.microsoft.com/office/drawing/2014/main" id="{7E3C0550-7240-1B08-C482-CC122976F15D}"/>
+              </a:ext>
+            </a:extLst>
+          </p:cNvPr>
+          <p:cNvSpPr/>
+          <p:nvPr/>
+        </p:nvSpPr>
+        <p:spPr>
+          <a:xfrm>
+            <a:off x="1189434" y="2114669"/>
+            <a:ext cx="5468818" cy="875451"/>
+          </a:xfrm>
+          <a:prstGeom prst="roundRect">
+            <a:avLst/>
+          </a:prstGeom>
+          <a:noFill/>
+        </p:spPr>
+        <p:style>
+          <a:lnRef idx="2">
+            <a:schemeClr val="accent1">
+              <a:shade val="15000"/>
+            </a:schemeClr>
+          </a:lnRef>
+          <a:fillRef idx="1">
+            <a:schemeClr val="accent1"/>
+          </a:fillRef>
+          <a:effectRef idx="0">
+            <a:schemeClr val="accent1"/>
+          </a:effectRef>
+          <a:fontRef idx="minor">
+            <a:schemeClr val="lt1"/>
+          </a:fontRef>
+        </p:style>
+        <p:txBody>
+          <a:bodyPr rtlCol="0" anchor="ctr"/>
+          <a:lstStyle/>
+          <a:p>
+            <a:pPr algn="ctr"/>
+            <a:endParaRPr lang="en-GB"/>
+          </a:p>
+        </p:txBody>
+      </p:sp>
+      <p:sp>
+        <p:nvSpPr>
+          <p:cNvPr id="16" name="TextBox 15">
+            <a:extLst>
+              <a:ext uri="{FF2B5EF4-FFF2-40B4-BE49-F238E27FC236}">
+                <a16:creationId xmlns:a16="http://schemas.microsoft.com/office/drawing/2014/main" id="{BF024E74-A5FC-E1F3-DFE2-7B36BA1E30D7}"/>
+              </a:ext>
+            </a:extLst>
+          </p:cNvPr>
+          <p:cNvSpPr txBox="1"/>
+          <p:nvPr/>
+        </p:nvSpPr>
+        <p:spPr>
+          <a:xfrm>
+            <a:off x="8600671" y="2633193"/>
+            <a:ext cx="3161096" cy="369332"/>
+          </a:xfrm>
+          <a:prstGeom prst="rect">
+            <a:avLst/>
+          </a:prstGeom>
+          <a:noFill/>
+        </p:spPr>
+        <p:txBody>
+          <a:bodyPr wrap="square" rtlCol="0">
+            <a:spAutoFit/>
+          </a:bodyPr>
+          <a:lstStyle/>
+          <a:p>
+            <a:pPr algn="r"/>
+            <a:r>
+              <a:rPr lang="en-US" dirty="0"/>
+              <a:t>Research Question 2</a:t>
+            </a:r>
+            <a:endParaRPr lang="en-GB" dirty="0"/>
+          </a:p>
+        </p:txBody>
+      </p:sp>
+      <p:sp>
+        <p:nvSpPr>
+          <p:cNvPr id="17" name="Rectangle: Rounded Corners 16">
+            <a:extLst>
+              <a:ext uri="{FF2B5EF4-FFF2-40B4-BE49-F238E27FC236}">
+                <a16:creationId xmlns:a16="http://schemas.microsoft.com/office/drawing/2014/main" id="{D3971493-1200-BA08-93A2-9B8319CD5965}"/>
+              </a:ext>
+            </a:extLst>
+          </p:cNvPr>
+          <p:cNvSpPr/>
+          <p:nvPr/>
+        </p:nvSpPr>
+        <p:spPr>
+          <a:xfrm>
+            <a:off x="1189434" y="4261046"/>
+            <a:ext cx="6094520" cy="954485"/>
+          </a:xfrm>
+          <a:prstGeom prst="roundRect">
+            <a:avLst/>
+          </a:prstGeom>
+          <a:noFill/>
+        </p:spPr>
+        <p:style>
+          <a:lnRef idx="2">
+            <a:schemeClr val="accent1">
+              <a:shade val="15000"/>
+            </a:schemeClr>
+          </a:lnRef>
+          <a:fillRef idx="1">
+            <a:schemeClr val="accent1"/>
+          </a:fillRef>
+          <a:effectRef idx="0">
+            <a:schemeClr val="accent1"/>
+          </a:effectRef>
+          <a:fontRef idx="minor">
+            <a:schemeClr val="lt1"/>
+          </a:fontRef>
+        </p:style>
+        <p:txBody>
+          <a:bodyPr rtlCol="0" anchor="ctr">
+            <a:normAutofit/>
+          </a:bodyPr>
+          <a:lstStyle/>
+          <a:p>
+            <a:pPr algn="ctr"/>
+            <a:endParaRPr lang="en-GB"/>
+          </a:p>
+        </p:txBody>
+      </p:sp>
+      <p:sp>
+        <p:nvSpPr>
+          <p:cNvPr id="18" name="TextBox 17">
+            <a:extLst>
+              <a:ext uri="{FF2B5EF4-FFF2-40B4-BE49-F238E27FC236}">
+                <a16:creationId xmlns:a16="http://schemas.microsoft.com/office/drawing/2014/main" id="{901A030E-1065-70C1-854E-1535AA79FEBB}"/>
+              </a:ext>
+            </a:extLst>
+          </p:cNvPr>
+          <p:cNvSpPr txBox="1"/>
+          <p:nvPr/>
+        </p:nvSpPr>
+        <p:spPr>
+          <a:xfrm>
+            <a:off x="1189434" y="3903378"/>
+            <a:ext cx="3161096" cy="369332"/>
+          </a:xfrm>
+          <a:prstGeom prst="rect">
+            <a:avLst/>
+          </a:prstGeom>
+          <a:noFill/>
+        </p:spPr>
+        <p:txBody>
+          <a:bodyPr wrap="square" rtlCol="0">
+            <a:spAutoFit/>
+          </a:bodyPr>
+          <a:lstStyle/>
+          <a:p>
+            <a:r>
+              <a:rPr lang="en-US" dirty="0"/>
+              <a:t>Research Question 3</a:t>
+            </a:r>
+            <a:endParaRPr lang="en-GB" dirty="0"/>
+          </a:p>
+        </p:txBody>
+      </p:sp>
+      <p:sp>
+        <p:nvSpPr>
+          <p:cNvPr id="19" name="TextBox 18">
+            <a:extLst>
+              <a:ext uri="{FF2B5EF4-FFF2-40B4-BE49-F238E27FC236}">
+                <a16:creationId xmlns:a16="http://schemas.microsoft.com/office/drawing/2014/main" id="{BECE7A34-9052-6E03-7A97-16BF03014EE1}"/>
+              </a:ext>
+            </a:extLst>
+          </p:cNvPr>
+          <p:cNvSpPr txBox="1"/>
+          <p:nvPr/>
+        </p:nvSpPr>
+        <p:spPr>
+          <a:xfrm>
+            <a:off x="1189434" y="4261046"/>
+            <a:ext cx="6094520" cy="954484"/>
+          </a:xfrm>
+          <a:prstGeom prst="rect">
+            <a:avLst/>
+          </a:prstGeom>
+          <a:noFill/>
+        </p:spPr>
+        <p:txBody>
+          <a:bodyPr wrap="square">
+            <a:normAutofit/>
+          </a:bodyPr>
+          <a:lstStyle/>
+          <a:p>
+            <a:pPr algn="ctr"/>
+            <a:r>
+              <a:rPr lang="en-US" b="1" dirty="0"/>
+              <a:t>Can we design efficient aggregation algorithms for FL </a:t>
+            </a:r>
+            <a:r>
+              <a:rPr lang="en-US" dirty="0"/>
+              <a:t>that minimize the data exchange between clients and servers while not reducing the model accuracy?</a:t>
+            </a:r>
+          </a:p>
+          <a:p>
+            <a:endParaRPr lang="en-US" dirty="0"/>
+          </a:p>
+        </p:txBody>
+      </p:sp>
+      <p:sp>
+        <p:nvSpPr>
+          <p:cNvPr id="3" name="TextBox 2">
+            <a:extLst>
+              <a:ext uri="{FF2B5EF4-FFF2-40B4-BE49-F238E27FC236}">
+                <a16:creationId xmlns:a16="http://schemas.microsoft.com/office/drawing/2014/main" id="{798EF416-5B39-C9F1-1510-584667A4470E}"/>
+              </a:ext>
+            </a:extLst>
+          </p:cNvPr>
+          <p:cNvSpPr txBox="1"/>
+          <p:nvPr/>
+        </p:nvSpPr>
+        <p:spPr>
+          <a:xfrm>
+            <a:off x="5997200" y="5376185"/>
+            <a:ext cx="6094520" cy="928382"/>
+          </a:xfrm>
+          <a:prstGeom prst="rect">
+            <a:avLst/>
+          </a:prstGeom>
+          <a:noFill/>
+        </p:spPr>
+        <p:txBody>
+          <a:bodyPr wrap="square">
+            <a:normAutofit/>
+          </a:bodyPr>
+          <a:lstStyle/>
+          <a:p>
+            <a:pPr algn="ctr"/>
+            <a:r>
+              <a:rPr lang="en-US" dirty="0"/>
+              <a:t>When thinking about robust and resilient FL systems, can blockchain </a:t>
+            </a:r>
+          </a:p>
+          <a:p>
+            <a:endParaRPr lang="en-US" dirty="0"/>
+          </a:p>
+        </p:txBody>
+      </p:sp>
+      <p:sp>
+        <p:nvSpPr>
+          <p:cNvPr id="4" name="Rectangle: Rounded Corners 3">
+            <a:extLst>
+              <a:ext uri="{FF2B5EF4-FFF2-40B4-BE49-F238E27FC236}">
+                <a16:creationId xmlns:a16="http://schemas.microsoft.com/office/drawing/2014/main" id="{2316EB86-7F05-ADB4-3272-3412E8B74443}"/>
+              </a:ext>
+            </a:extLst>
+          </p:cNvPr>
+          <p:cNvSpPr/>
+          <p:nvPr/>
+        </p:nvSpPr>
+        <p:spPr>
+          <a:xfrm>
+            <a:off x="5997200" y="5338446"/>
+            <a:ext cx="6094520" cy="954485"/>
+          </a:xfrm>
+          <a:prstGeom prst="roundRect">
+            <a:avLst/>
+          </a:prstGeom>
+          <a:noFill/>
+        </p:spPr>
+        <p:style>
+          <a:lnRef idx="2">
+            <a:schemeClr val="accent1">
+              <a:shade val="15000"/>
+            </a:schemeClr>
+          </a:lnRef>
+          <a:fillRef idx="1">
+            <a:schemeClr val="accent1"/>
+          </a:fillRef>
+          <a:effectRef idx="0">
+            <a:schemeClr val="accent1"/>
+          </a:effectRef>
+          <a:fontRef idx="minor">
+            <a:schemeClr val="lt1"/>
+          </a:fontRef>
+        </p:style>
+        <p:txBody>
+          <a:bodyPr rtlCol="0" anchor="ctr">
+            <a:normAutofit/>
+          </a:bodyPr>
+          <a:lstStyle/>
+          <a:p>
+            <a:pPr algn="ctr"/>
+            <a:endParaRPr lang="en-GB"/>
+          </a:p>
+        </p:txBody>
+      </p:sp>
+    </p:spTree>
+    <p:extLst>
+      <p:ext uri="{BB962C8B-B14F-4D97-AF65-F5344CB8AC3E}">
+        <p14:creationId xmlns:p14="http://schemas.microsoft.com/office/powerpoint/2010/main" val="2844604785"/>
+      </p:ext>
+    </p:extLst>
+  </p:cSld>
+  <p:clrMapOvr>
+    <a:masterClrMapping/>
+  </p:clrMapOvr>
+</p:sld>
+</file>
+
+<file path=ppt/slides/slide6.xml><?xml version="1.0" encoding="utf-8"?>
+<p:sld xmlns:a="http://schemas.openxmlformats.org/drawingml/2006/main" xmlns:r="http://schemas.openxmlformats.org/officeDocument/2006/relationships" xmlns:p="http://schemas.openxmlformats.org/presentationml/2006/main">
+  <p:cSld>
+    <p:spTree>
+      <p:nvGrpSpPr>
+        <p:cNvPr id="1" name="">
+          <a:extLst>
+            <a:ext uri="{FF2B5EF4-FFF2-40B4-BE49-F238E27FC236}">
+              <a16:creationId xmlns:a16="http://schemas.microsoft.com/office/drawing/2014/main" id="{29336187-11AF-077D-B3F3-74C04FFF145F}"/>
+            </a:ext>
+          </a:extLst>
+        </p:cNvPr>
+        <p:cNvGrpSpPr/>
+        <p:nvPr/>
+      </p:nvGrpSpPr>
+      <p:grpSpPr>
+        <a:xfrm>
+          <a:off x="0" y="0"/>
+          <a:ext cx="0" cy="0"/>
+          <a:chOff x="0" y="0"/>
+          <a:chExt cx="0" cy="0"/>
+        </a:xfrm>
+      </p:grpSpPr>
+      <p:sp>
+        <p:nvSpPr>
+          <p:cNvPr id="2" name="Title 1">
+            <a:extLst>
+              <a:ext uri="{FF2B5EF4-FFF2-40B4-BE49-F238E27FC236}">
+                <a16:creationId xmlns:a16="http://schemas.microsoft.com/office/drawing/2014/main" id="{5EBC68A5-31C8-8E46-4543-933119126EA4}"/>
+              </a:ext>
+            </a:extLst>
+          </p:cNvPr>
+          <p:cNvSpPr>
+            <a:spLocks noGrp="1"/>
+          </p:cNvSpPr>
+          <p:nvPr>
+            <p:ph type="title"/>
+          </p:nvPr>
+        </p:nvSpPr>
+        <p:spPr/>
+        <p:txBody>
+          <a:bodyPr/>
+          <a:lstStyle/>
+          <a:p>
+            <a:pPr algn="ctr"/>
+            <a:r>
+              <a:rPr lang="en-US" dirty="0"/>
+              <a:t>Research Questions</a:t>
+            </a:r>
+            <a:endParaRPr lang="en-GB" dirty="0"/>
+          </a:p>
+        </p:txBody>
+      </p:sp>
+      <p:sp>
+        <p:nvSpPr>
+          <p:cNvPr id="8" name="TextBox 7">
+            <a:extLst>
+              <a:ext uri="{FF2B5EF4-FFF2-40B4-BE49-F238E27FC236}">
+                <a16:creationId xmlns:a16="http://schemas.microsoft.com/office/drawing/2014/main" id="{49616EDE-1929-BB49-E8B3-EA33C81C48CE}"/>
+              </a:ext>
+            </a:extLst>
+          </p:cNvPr>
+          <p:cNvSpPr txBox="1"/>
+          <p:nvPr/>
+        </p:nvSpPr>
+        <p:spPr>
+          <a:xfrm>
+            <a:off x="5862556" y="3067088"/>
+            <a:ext cx="6094520" cy="1167503"/>
+          </a:xfrm>
+          <a:prstGeom prst="rect">
+            <a:avLst/>
+          </a:prstGeom>
+          <a:noFill/>
+        </p:spPr>
+        <p:txBody>
+          <a:bodyPr wrap="square">
+            <a:normAutofit fontScale="85000" lnSpcReduction="10000"/>
+          </a:bodyPr>
+          <a:lstStyle/>
+          <a:p>
+            <a:pPr algn="ctr"/>
+            <a:r>
+              <a:rPr lang="en-US" dirty="0"/>
+              <a:t>With the ever-increasing use of IoT devices, </a:t>
+            </a:r>
+            <a:r>
+              <a:rPr lang="en-US" b="1" dirty="0"/>
+              <a:t>can FL algorithms or tools be designed to operate specifically on resources Edge devices to minimize computational and communications costs</a:t>
+            </a:r>
+            <a:r>
+              <a:rPr lang="en-US" dirty="0"/>
+              <a:t>. The models should be adaptable to non independently and identically distributed data (IID), and ideally be carried out on the device.</a:t>
+            </a:r>
+          </a:p>
+          <a:p>
+            <a:endParaRPr lang="en-US" dirty="0"/>
+          </a:p>
+        </p:txBody>
+      </p:sp>
+      <p:sp>
+        <p:nvSpPr>
+          <p:cNvPr id="10" name="TextBox 9">
+            <a:extLst>
+              <a:ext uri="{FF2B5EF4-FFF2-40B4-BE49-F238E27FC236}">
+                <a16:creationId xmlns:a16="http://schemas.microsoft.com/office/drawing/2014/main" id="{2E011869-EC12-4DF2-2BF1-0C6545DACE4E}"/>
+              </a:ext>
+            </a:extLst>
+          </p:cNvPr>
+          <p:cNvSpPr txBox="1"/>
+          <p:nvPr/>
+        </p:nvSpPr>
+        <p:spPr>
+          <a:xfrm>
+            <a:off x="1189434" y="2125202"/>
+            <a:ext cx="5468818" cy="875450"/>
+          </a:xfrm>
+          <a:prstGeom prst="rect">
+            <a:avLst/>
+          </a:prstGeom>
+          <a:noFill/>
+        </p:spPr>
+        <p:txBody>
+          <a:bodyPr wrap="square">
+            <a:normAutofit fontScale="85000" lnSpcReduction="20000"/>
+          </a:bodyPr>
+          <a:lstStyle/>
+          <a:p>
+            <a:pPr algn="ctr"/>
+            <a:r>
+              <a:rPr lang="en-US" dirty="0"/>
+              <a:t>In any large distributed network, there is a chance that some nodes can be lost, for a range of reason. </a:t>
+            </a:r>
+            <a:r>
+              <a:rPr lang="en-US" b="1" dirty="0"/>
+              <a:t>Can a FL architecture be designed to be resilient, allowing it to identify missing nodes, and adapt so that there is no loss in performance? </a:t>
+            </a:r>
+            <a:endParaRPr lang="en-GB" b="1" dirty="0"/>
+          </a:p>
+        </p:txBody>
+      </p:sp>
+      <p:sp>
+        <p:nvSpPr>
+          <p:cNvPr id="13" name="Rectangle: Rounded Corners 12">
+            <a:extLst>
+              <a:ext uri="{FF2B5EF4-FFF2-40B4-BE49-F238E27FC236}">
+                <a16:creationId xmlns:a16="http://schemas.microsoft.com/office/drawing/2014/main" id="{9D4EFA77-B219-B3C7-6A7C-6F80AE811C7A}"/>
+              </a:ext>
+            </a:extLst>
+          </p:cNvPr>
+          <p:cNvSpPr/>
+          <p:nvPr/>
+        </p:nvSpPr>
+        <p:spPr>
+          <a:xfrm>
+            <a:off x="5862556" y="3022626"/>
+            <a:ext cx="6094520" cy="1200329"/>
+          </a:xfrm>
+          <a:prstGeom prst="roundRect">
+            <a:avLst/>
+          </a:prstGeom>
+          <a:noFill/>
+        </p:spPr>
+        <p:style>
+          <a:lnRef idx="2">
+            <a:schemeClr val="accent1">
+              <a:shade val="15000"/>
+            </a:schemeClr>
+          </a:lnRef>
+          <a:fillRef idx="1">
+            <a:schemeClr val="accent1"/>
+          </a:fillRef>
+          <a:effectRef idx="0">
+            <a:schemeClr val="accent1"/>
+          </a:effectRef>
+          <a:fontRef idx="minor">
+            <a:schemeClr val="lt1"/>
+          </a:fontRef>
+        </p:style>
+        <p:txBody>
+          <a:bodyPr rtlCol="0" anchor="ctr">
+            <a:normAutofit/>
+          </a:bodyPr>
+          <a:lstStyle/>
+          <a:p>
+            <a:pPr algn="ctr"/>
+            <a:endParaRPr lang="en-GB"/>
+          </a:p>
+        </p:txBody>
+      </p:sp>
+      <p:sp>
+        <p:nvSpPr>
+          <p:cNvPr id="14" name="TextBox 13">
+            <a:extLst>
+              <a:ext uri="{FF2B5EF4-FFF2-40B4-BE49-F238E27FC236}">
+                <a16:creationId xmlns:a16="http://schemas.microsoft.com/office/drawing/2014/main" id="{2C444DD1-9238-12EF-908C-1794A1DF0440}"/>
+              </a:ext>
+            </a:extLst>
+          </p:cNvPr>
+          <p:cNvSpPr txBox="1"/>
+          <p:nvPr/>
+        </p:nvSpPr>
+        <p:spPr>
+          <a:xfrm>
+            <a:off x="1097280" y="1737847"/>
+            <a:ext cx="2109488" cy="369332"/>
+          </a:xfrm>
+          <a:prstGeom prst="rect">
+            <a:avLst/>
+          </a:prstGeom>
+          <a:noFill/>
+        </p:spPr>
+        <p:txBody>
+          <a:bodyPr wrap="none" rtlCol="0">
+            <a:spAutoFit/>
+          </a:bodyPr>
+          <a:lstStyle/>
+          <a:p>
+            <a:r>
+              <a:rPr lang="en-US" dirty="0"/>
+              <a:t>Research Question 1</a:t>
+            </a:r>
+            <a:endParaRPr lang="en-GB" dirty="0"/>
+          </a:p>
+        </p:txBody>
+      </p:sp>
+      <p:sp>
+        <p:nvSpPr>
+          <p:cNvPr id="15" name="Rectangle: Rounded Corners 14">
+            <a:extLst>
+              <a:ext uri="{FF2B5EF4-FFF2-40B4-BE49-F238E27FC236}">
+                <a16:creationId xmlns:a16="http://schemas.microsoft.com/office/drawing/2014/main" id="{4508A9F1-BA5D-F7C2-A8DF-679565A2D5FF}"/>
+              </a:ext>
+            </a:extLst>
+          </p:cNvPr>
+          <p:cNvSpPr/>
+          <p:nvPr/>
+        </p:nvSpPr>
+        <p:spPr>
+          <a:xfrm>
+            <a:off x="1189434" y="2114669"/>
+            <a:ext cx="5468818" cy="875451"/>
+          </a:xfrm>
+          <a:prstGeom prst="roundRect">
+            <a:avLst/>
+          </a:prstGeom>
+          <a:noFill/>
+        </p:spPr>
+        <p:style>
+          <a:lnRef idx="2">
+            <a:schemeClr val="accent1">
+              <a:shade val="15000"/>
+            </a:schemeClr>
+          </a:lnRef>
+          <a:fillRef idx="1">
+            <a:schemeClr val="accent1"/>
+          </a:fillRef>
+          <a:effectRef idx="0">
+            <a:schemeClr val="accent1"/>
+          </a:effectRef>
+          <a:fontRef idx="minor">
+            <a:schemeClr val="lt1"/>
+          </a:fontRef>
+        </p:style>
+        <p:txBody>
+          <a:bodyPr rtlCol="0" anchor="ctr"/>
+          <a:lstStyle/>
+          <a:p>
+            <a:pPr algn="ctr"/>
+            <a:endParaRPr lang="en-GB"/>
+          </a:p>
+        </p:txBody>
+      </p:sp>
+      <p:sp>
+        <p:nvSpPr>
+          <p:cNvPr id="16" name="TextBox 15">
+            <a:extLst>
+              <a:ext uri="{FF2B5EF4-FFF2-40B4-BE49-F238E27FC236}">
+                <a16:creationId xmlns:a16="http://schemas.microsoft.com/office/drawing/2014/main" id="{39FA9E42-CAFB-48E3-6C47-14712A0460E1}"/>
+              </a:ext>
+            </a:extLst>
+          </p:cNvPr>
+          <p:cNvSpPr txBox="1"/>
+          <p:nvPr/>
+        </p:nvSpPr>
+        <p:spPr>
+          <a:xfrm>
+            <a:off x="8600671" y="2633193"/>
+            <a:ext cx="3161096" cy="369332"/>
+          </a:xfrm>
+          <a:prstGeom prst="rect">
+            <a:avLst/>
+          </a:prstGeom>
+          <a:noFill/>
+        </p:spPr>
+        <p:txBody>
+          <a:bodyPr wrap="square" rtlCol="0">
+            <a:spAutoFit/>
+          </a:bodyPr>
+          <a:lstStyle/>
+          <a:p>
+            <a:pPr algn="r"/>
+            <a:r>
+              <a:rPr lang="en-US" dirty="0"/>
+              <a:t>Research Question 2</a:t>
+            </a:r>
+            <a:endParaRPr lang="en-GB" dirty="0"/>
+          </a:p>
+        </p:txBody>
+      </p:sp>
+      <p:sp>
+        <p:nvSpPr>
+          <p:cNvPr id="17" name="Rectangle: Rounded Corners 16">
+            <a:extLst>
+              <a:ext uri="{FF2B5EF4-FFF2-40B4-BE49-F238E27FC236}">
+                <a16:creationId xmlns:a16="http://schemas.microsoft.com/office/drawing/2014/main" id="{D21578CC-15CC-92EC-7229-046D5C3CEE6A}"/>
+              </a:ext>
+            </a:extLst>
+          </p:cNvPr>
+          <p:cNvSpPr/>
+          <p:nvPr/>
+        </p:nvSpPr>
+        <p:spPr>
+          <a:xfrm>
+            <a:off x="1189434" y="4261046"/>
+            <a:ext cx="6094520" cy="954485"/>
+          </a:xfrm>
+          <a:prstGeom prst="roundRect">
+            <a:avLst/>
+          </a:prstGeom>
+          <a:noFill/>
+        </p:spPr>
+        <p:style>
+          <a:lnRef idx="2">
+            <a:schemeClr val="accent1">
+              <a:shade val="15000"/>
+            </a:schemeClr>
+          </a:lnRef>
+          <a:fillRef idx="1">
+            <a:schemeClr val="accent1"/>
+          </a:fillRef>
+          <a:effectRef idx="0">
+            <a:schemeClr val="accent1"/>
+          </a:effectRef>
+          <a:fontRef idx="minor">
+            <a:schemeClr val="lt1"/>
+          </a:fontRef>
+        </p:style>
+        <p:txBody>
+          <a:bodyPr rtlCol="0" anchor="ctr">
+            <a:normAutofit/>
+          </a:bodyPr>
+          <a:lstStyle/>
+          <a:p>
+            <a:pPr algn="ctr"/>
+            <a:endParaRPr lang="en-GB"/>
+          </a:p>
+        </p:txBody>
+      </p:sp>
+      <p:sp>
+        <p:nvSpPr>
+          <p:cNvPr id="18" name="TextBox 17">
+            <a:extLst>
+              <a:ext uri="{FF2B5EF4-FFF2-40B4-BE49-F238E27FC236}">
+                <a16:creationId xmlns:a16="http://schemas.microsoft.com/office/drawing/2014/main" id="{2BB441D9-104D-3543-0995-9785C504B36F}"/>
+              </a:ext>
+            </a:extLst>
+          </p:cNvPr>
+          <p:cNvSpPr txBox="1"/>
+          <p:nvPr/>
+        </p:nvSpPr>
+        <p:spPr>
+          <a:xfrm>
+            <a:off x="1189434" y="3903378"/>
+            <a:ext cx="3161096" cy="369332"/>
+          </a:xfrm>
+          <a:prstGeom prst="rect">
+            <a:avLst/>
+          </a:prstGeom>
+          <a:noFill/>
+        </p:spPr>
+        <p:txBody>
+          <a:bodyPr wrap="square" rtlCol="0">
+            <a:spAutoFit/>
+          </a:bodyPr>
+          <a:lstStyle/>
+          <a:p>
+            <a:r>
+              <a:rPr lang="en-US" dirty="0"/>
+              <a:t>Research Question 3</a:t>
+            </a:r>
+            <a:endParaRPr lang="en-GB" dirty="0"/>
+          </a:p>
+        </p:txBody>
+      </p:sp>
+      <p:sp>
+        <p:nvSpPr>
+          <p:cNvPr id="19" name="TextBox 18">
+            <a:extLst>
+              <a:ext uri="{FF2B5EF4-FFF2-40B4-BE49-F238E27FC236}">
+                <a16:creationId xmlns:a16="http://schemas.microsoft.com/office/drawing/2014/main" id="{6AC0E29E-2C9A-6E0C-3F63-C28C07190676}"/>
+              </a:ext>
+            </a:extLst>
+          </p:cNvPr>
+          <p:cNvSpPr txBox="1"/>
+          <p:nvPr/>
+        </p:nvSpPr>
+        <p:spPr>
+          <a:xfrm>
+            <a:off x="1189434" y="4261046"/>
+            <a:ext cx="6094520" cy="954484"/>
+          </a:xfrm>
+          <a:prstGeom prst="rect">
+            <a:avLst/>
+          </a:prstGeom>
+          <a:noFill/>
+        </p:spPr>
+        <p:txBody>
+          <a:bodyPr wrap="square">
+            <a:normAutofit/>
+          </a:bodyPr>
+          <a:lstStyle/>
+          <a:p>
+            <a:pPr algn="ctr"/>
+            <a:r>
+              <a:rPr lang="en-US" b="1" dirty="0"/>
+              <a:t>Can we design efficient aggregation algorithms for FL </a:t>
+            </a:r>
+            <a:r>
+              <a:rPr lang="en-US" dirty="0"/>
+              <a:t>that minimize the data exchange between clients and servers while not reducing the model accuracy?</a:t>
+            </a:r>
+          </a:p>
+          <a:p>
+            <a:endParaRPr lang="en-US" dirty="0"/>
+          </a:p>
+        </p:txBody>
+      </p:sp>
+      <p:sp>
+        <p:nvSpPr>
+          <p:cNvPr id="3" name="TextBox 2">
+            <a:extLst>
+              <a:ext uri="{FF2B5EF4-FFF2-40B4-BE49-F238E27FC236}">
+                <a16:creationId xmlns:a16="http://schemas.microsoft.com/office/drawing/2014/main" id="{883692FF-0424-E482-2817-86677FBB9EAC}"/>
+              </a:ext>
+            </a:extLst>
+          </p:cNvPr>
+          <p:cNvSpPr txBox="1"/>
+          <p:nvPr/>
+        </p:nvSpPr>
+        <p:spPr>
+          <a:xfrm>
+            <a:off x="5997200" y="5376185"/>
+            <a:ext cx="6094520" cy="928382"/>
+          </a:xfrm>
+          <a:prstGeom prst="rect">
+            <a:avLst/>
+          </a:prstGeom>
+          <a:noFill/>
+        </p:spPr>
+        <p:txBody>
+          <a:bodyPr wrap="square">
+            <a:normAutofit/>
+          </a:bodyPr>
+          <a:lstStyle/>
+          <a:p>
+            <a:pPr algn="ctr"/>
+            <a:r>
+              <a:rPr lang="en-US" dirty="0"/>
+              <a:t>When thinking about robust and resilient FL systems, can blockchain </a:t>
+            </a:r>
+          </a:p>
+          <a:p>
+            <a:endParaRPr lang="en-US" dirty="0"/>
+          </a:p>
+        </p:txBody>
+      </p:sp>
+      <p:sp>
+        <p:nvSpPr>
+          <p:cNvPr id="4" name="Rectangle: Rounded Corners 3">
+            <a:extLst>
+              <a:ext uri="{FF2B5EF4-FFF2-40B4-BE49-F238E27FC236}">
+                <a16:creationId xmlns:a16="http://schemas.microsoft.com/office/drawing/2014/main" id="{34DED446-234A-C834-8B07-E6D1D3AA7F65}"/>
+              </a:ext>
+            </a:extLst>
+          </p:cNvPr>
+          <p:cNvSpPr/>
+          <p:nvPr/>
+        </p:nvSpPr>
+        <p:spPr>
+          <a:xfrm>
+            <a:off x="5997200" y="5338446"/>
+            <a:ext cx="6094520" cy="954485"/>
+          </a:xfrm>
+          <a:prstGeom prst="roundRect">
+            <a:avLst/>
+          </a:prstGeom>
+          <a:noFill/>
+        </p:spPr>
+        <p:style>
+          <a:lnRef idx="2">
+            <a:schemeClr val="accent1">
+              <a:shade val="15000"/>
+            </a:schemeClr>
+          </a:lnRef>
+          <a:fillRef idx="1">
+            <a:schemeClr val="accent1"/>
+          </a:fillRef>
+          <a:effectRef idx="0">
+            <a:schemeClr val="accent1"/>
+          </a:effectRef>
+          <a:fontRef idx="minor">
+            <a:schemeClr val="lt1"/>
+          </a:fontRef>
+        </p:style>
+        <p:txBody>
+          <a:bodyPr rtlCol="0" anchor="ctr">
+            <a:normAutofit/>
+          </a:bodyPr>
+          <a:lstStyle/>
+          <a:p>
+            <a:pPr algn="ctr"/>
+            <a:endParaRPr lang="en-GB"/>
+          </a:p>
+        </p:txBody>
+      </p:sp>
+    </p:spTree>
+    <p:extLst>
+      <p:ext uri="{BB962C8B-B14F-4D97-AF65-F5344CB8AC3E}">
+        <p14:creationId xmlns:p14="http://schemas.microsoft.com/office/powerpoint/2010/main" val="3782082519"/>
       </p:ext>
     </p:extLst>
   </p:cSld>

--- a/Presentations/Supervisor Meetings/2024/Upcoming Meeting.pptx
+++ b/Presentations/Supervisor Meetings/2024/Upcoming Meeting.pptx
@@ -1481,7 +1481,7 @@
   <pc:docChgLst>
     <pc:chgData name="Sean O Fithcheallaigh" userId="47659c31-a575-4792-8be3-61268c4ee0d6" providerId="ADAL" clId="{B7574C7C-3686-460F-9B9F-2A9122AA95F8}"/>
     <pc:docChg chg="undo custSel addSld delSld modSld modMainMaster">
-      <pc:chgData name="Sean O Fithcheallaigh" userId="47659c31-a575-4792-8be3-61268c4ee0d6" providerId="ADAL" clId="{B7574C7C-3686-460F-9B9F-2A9122AA95F8}" dt="2024-02-17T13:15:29.275" v="2050" actId="478"/>
+      <pc:chgData name="Sean O Fithcheallaigh" userId="47659c31-a575-4792-8be3-61268c4ee0d6" providerId="ADAL" clId="{B7574C7C-3686-460F-9B9F-2A9122AA95F8}" dt="2024-02-17T23:02:23.847" v="2225" actId="478"/>
       <pc:docMkLst>
         <pc:docMk/>
       </pc:docMkLst>
@@ -1846,12 +1846,84 @@
           </ac:graphicFrameMkLst>
         </pc:graphicFrameChg>
       </pc:sldChg>
-      <pc:sldChg chg="add">
-        <pc:chgData name="Sean O Fithcheallaigh" userId="47659c31-a575-4792-8be3-61268c4ee0d6" providerId="ADAL" clId="{B7574C7C-3686-460F-9B9F-2A9122AA95F8}" dt="2024-02-17T12:30:52.121" v="2028" actId="2890"/>
+      <pc:sldChg chg="delSp modSp add mod">
+        <pc:chgData name="Sean O Fithcheallaigh" userId="47659c31-a575-4792-8be3-61268c4ee0d6" providerId="ADAL" clId="{B7574C7C-3686-460F-9B9F-2A9122AA95F8}" dt="2024-02-17T23:02:23.847" v="2225" actId="478"/>
         <pc:sldMkLst>
           <pc:docMk/>
           <pc:sldMk cId="2342086455" sldId="263"/>
         </pc:sldMkLst>
+        <pc:spChg chg="del">
+          <ac:chgData name="Sean O Fithcheallaigh" userId="47659c31-a575-4792-8be3-61268c4ee0d6" providerId="ADAL" clId="{B7574C7C-3686-460F-9B9F-2A9122AA95F8}" dt="2024-02-17T23:02:23.847" v="2225" actId="478"/>
+          <ac:spMkLst>
+            <pc:docMk/>
+            <pc:sldMk cId="2342086455" sldId="263"/>
+            <ac:spMk id="3" creationId="{265FF84C-36F7-3227-F237-3124768794CF}"/>
+          </ac:spMkLst>
+        </pc:spChg>
+        <pc:spChg chg="del">
+          <ac:chgData name="Sean O Fithcheallaigh" userId="47659c31-a575-4792-8be3-61268c4ee0d6" providerId="ADAL" clId="{B7574C7C-3686-460F-9B9F-2A9122AA95F8}" dt="2024-02-17T23:02:21.465" v="2224" actId="478"/>
+          <ac:spMkLst>
+            <pc:docMk/>
+            <pc:sldMk cId="2342086455" sldId="263"/>
+            <ac:spMk id="4" creationId="{2E49B197-D6B9-413F-11AC-DD26215C40C2}"/>
+          </ac:spMkLst>
+        </pc:spChg>
+        <pc:spChg chg="mod">
+          <ac:chgData name="Sean O Fithcheallaigh" userId="47659c31-a575-4792-8be3-61268c4ee0d6" providerId="ADAL" clId="{B7574C7C-3686-460F-9B9F-2A9122AA95F8}" dt="2024-02-17T23:00:23.348" v="2220" actId="20577"/>
+          <ac:spMkLst>
+            <pc:docMk/>
+            <pc:sldMk cId="2342086455" sldId="263"/>
+            <ac:spMk id="8" creationId="{4122F22F-CC6A-21A3-E65B-6D9079943A2F}"/>
+          </ac:spMkLst>
+        </pc:spChg>
+        <pc:spChg chg="del">
+          <ac:chgData name="Sean O Fithcheallaigh" userId="47659c31-a575-4792-8be3-61268c4ee0d6" providerId="ADAL" clId="{B7574C7C-3686-460F-9B9F-2A9122AA95F8}" dt="2024-02-17T22:53:44.131" v="2052" actId="478"/>
+          <ac:spMkLst>
+            <pc:docMk/>
+            <pc:sldMk cId="2342086455" sldId="263"/>
+            <ac:spMk id="10" creationId="{40CF2482-4A72-927A-E174-2D0AD48759E7}"/>
+          </ac:spMkLst>
+        </pc:spChg>
+        <pc:spChg chg="del">
+          <ac:chgData name="Sean O Fithcheallaigh" userId="47659c31-a575-4792-8be3-61268c4ee0d6" providerId="ADAL" clId="{B7574C7C-3686-460F-9B9F-2A9122AA95F8}" dt="2024-02-17T22:53:47.449" v="2053" actId="478"/>
+          <ac:spMkLst>
+            <pc:docMk/>
+            <pc:sldMk cId="2342086455" sldId="263"/>
+            <ac:spMk id="14" creationId="{7EA31CE1-424E-0550-4A1F-6E858EE6B780}"/>
+          </ac:spMkLst>
+        </pc:spChg>
+        <pc:spChg chg="del">
+          <ac:chgData name="Sean O Fithcheallaigh" userId="47659c31-a575-4792-8be3-61268c4ee0d6" providerId="ADAL" clId="{B7574C7C-3686-460F-9B9F-2A9122AA95F8}" dt="2024-02-17T22:53:40.490" v="2051" actId="478"/>
+          <ac:spMkLst>
+            <pc:docMk/>
+            <pc:sldMk cId="2342086455" sldId="263"/>
+            <ac:spMk id="15" creationId="{11020F5C-E109-173E-5071-D5E09B0BE377}"/>
+          </ac:spMkLst>
+        </pc:spChg>
+        <pc:spChg chg="del">
+          <ac:chgData name="Sean O Fithcheallaigh" userId="47659c31-a575-4792-8be3-61268c4ee0d6" providerId="ADAL" clId="{B7574C7C-3686-460F-9B9F-2A9122AA95F8}" dt="2024-02-17T23:02:18.332" v="2223" actId="478"/>
+          <ac:spMkLst>
+            <pc:docMk/>
+            <pc:sldMk cId="2342086455" sldId="263"/>
+            <ac:spMk id="17" creationId="{D6739F5E-E377-BB9D-ACD3-08A2D99FD298}"/>
+          </ac:spMkLst>
+        </pc:spChg>
+        <pc:spChg chg="del">
+          <ac:chgData name="Sean O Fithcheallaigh" userId="47659c31-a575-4792-8be3-61268c4ee0d6" providerId="ADAL" clId="{B7574C7C-3686-460F-9B9F-2A9122AA95F8}" dt="2024-02-17T23:02:14.162" v="2221" actId="478"/>
+          <ac:spMkLst>
+            <pc:docMk/>
+            <pc:sldMk cId="2342086455" sldId="263"/>
+            <ac:spMk id="18" creationId="{A4AED9BA-AC2D-E7FF-9EF3-CA8F477EF3F5}"/>
+          </ac:spMkLst>
+        </pc:spChg>
+        <pc:spChg chg="del">
+          <ac:chgData name="Sean O Fithcheallaigh" userId="47659c31-a575-4792-8be3-61268c4ee0d6" providerId="ADAL" clId="{B7574C7C-3686-460F-9B9F-2A9122AA95F8}" dt="2024-02-17T23:02:16.528" v="2222" actId="478"/>
+          <ac:spMkLst>
+            <pc:docMk/>
+            <pc:sldMk cId="2342086455" sldId="263"/>
+            <ac:spMk id="19" creationId="{40C3CDF0-D04B-079A-749B-CBA45F7CD178}"/>
+          </ac:spMkLst>
+        </pc:spChg>
       </pc:sldChg>
       <pc:sldChg chg="add">
         <pc:chgData name="Sean O Fithcheallaigh" userId="47659c31-a575-4792-8be3-61268c4ee0d6" providerId="ADAL" clId="{B7574C7C-3686-460F-9B9F-2A9122AA95F8}" dt="2024-02-17T12:30:54.602" v="2029" actId="2890"/>
@@ -6511,7 +6583,7 @@
         </p:spPr>
         <p:txBody>
           <a:bodyPr wrap="square">
-            <a:normAutofit fontScale="85000" lnSpcReduction="10000"/>
+            <a:normAutofit lnSpcReduction="10000"/>
           </a:bodyPr>
           <a:lstStyle/>
           <a:p>
@@ -6522,56 +6594,15 @@
             </a:r>
             <a:r>
               <a:rPr lang="en-US" b="1" dirty="0"/>
-              <a:t>can FL algorithms or tools be designed to operate specifically on resources Edge devices to minimize computational and communications costs</a:t>
+              <a:t>can FL algorithms or tools be designed to operate specifically on Edge devices to minimize computational and costs</a:t>
             </a:r>
             <a:r>
               <a:rPr lang="en-US" dirty="0"/>
-              <a:t>. The models should be adaptable to non independently and identically distributed data (IID), and ideally be carried out on the device.</a:t>
+              <a:t>. The models should be adaptable to a range of data sources and types.</a:t>
             </a:r>
           </a:p>
           <a:p>
             <a:endParaRPr lang="en-US" dirty="0"/>
-          </a:p>
-        </p:txBody>
-      </p:sp>
-      <p:sp>
-        <p:nvSpPr>
-          <p:cNvPr id="10" name="TextBox 9">
-            <a:extLst>
-              <a:ext uri="{FF2B5EF4-FFF2-40B4-BE49-F238E27FC236}">
-                <a16:creationId xmlns:a16="http://schemas.microsoft.com/office/drawing/2014/main" id="{40CF2482-4A72-927A-E174-2D0AD48759E7}"/>
-              </a:ext>
-            </a:extLst>
-          </p:cNvPr>
-          <p:cNvSpPr txBox="1"/>
-          <p:nvPr/>
-        </p:nvSpPr>
-        <p:spPr>
-          <a:xfrm>
-            <a:off x="1189434" y="2125202"/>
-            <a:ext cx="5468818" cy="875450"/>
-          </a:xfrm>
-          <a:prstGeom prst="rect">
-            <a:avLst/>
-          </a:prstGeom>
-          <a:noFill/>
-        </p:spPr>
-        <p:txBody>
-          <a:bodyPr wrap="square">
-            <a:normAutofit fontScale="85000" lnSpcReduction="20000"/>
-          </a:bodyPr>
-          <a:lstStyle/>
-          <a:p>
-            <a:pPr algn="ctr"/>
-            <a:r>
-              <a:rPr lang="en-US" dirty="0"/>
-              <a:t>In any large distributed network, there is a chance that some nodes can be lost, for a range of reason. </a:t>
-            </a:r>
-            <a:r>
-              <a:rPr lang="en-US" b="1" dirty="0"/>
-              <a:t>Can a FL architecture be designed to be resilient, allowing it to identify missing nodes, and adapt so that there is no loss in performance? </a:t>
-            </a:r>
-            <a:endParaRPr lang="en-GB" b="1" dirty="0"/>
           </a:p>
         </p:txBody>
       </p:sp>
@@ -6626,89 +6657,6 @@
       </p:sp>
       <p:sp>
         <p:nvSpPr>
-          <p:cNvPr id="14" name="TextBox 13">
-            <a:extLst>
-              <a:ext uri="{FF2B5EF4-FFF2-40B4-BE49-F238E27FC236}">
-                <a16:creationId xmlns:a16="http://schemas.microsoft.com/office/drawing/2014/main" id="{7EA31CE1-424E-0550-4A1F-6E858EE6B780}"/>
-              </a:ext>
-            </a:extLst>
-          </p:cNvPr>
-          <p:cNvSpPr txBox="1"/>
-          <p:nvPr/>
-        </p:nvSpPr>
-        <p:spPr>
-          <a:xfrm>
-            <a:off x="1097280" y="1737847"/>
-            <a:ext cx="2109488" cy="369332"/>
-          </a:xfrm>
-          <a:prstGeom prst="rect">
-            <a:avLst/>
-          </a:prstGeom>
-          <a:noFill/>
-        </p:spPr>
-        <p:txBody>
-          <a:bodyPr wrap="none" rtlCol="0">
-            <a:spAutoFit/>
-          </a:bodyPr>
-          <a:lstStyle/>
-          <a:p>
-            <a:r>
-              <a:rPr lang="en-US" dirty="0"/>
-              <a:t>Research Question 1</a:t>
-            </a:r>
-            <a:endParaRPr lang="en-GB" dirty="0"/>
-          </a:p>
-        </p:txBody>
-      </p:sp>
-      <p:sp>
-        <p:nvSpPr>
-          <p:cNvPr id="15" name="Rectangle: Rounded Corners 14">
-            <a:extLst>
-              <a:ext uri="{FF2B5EF4-FFF2-40B4-BE49-F238E27FC236}">
-                <a16:creationId xmlns:a16="http://schemas.microsoft.com/office/drawing/2014/main" id="{11020F5C-E109-173E-5071-D5E09B0BE377}"/>
-              </a:ext>
-            </a:extLst>
-          </p:cNvPr>
-          <p:cNvSpPr/>
-          <p:nvPr/>
-        </p:nvSpPr>
-        <p:spPr>
-          <a:xfrm>
-            <a:off x="1189434" y="2114669"/>
-            <a:ext cx="5468818" cy="875451"/>
-          </a:xfrm>
-          <a:prstGeom prst="roundRect">
-            <a:avLst/>
-          </a:prstGeom>
-          <a:noFill/>
-        </p:spPr>
-        <p:style>
-          <a:lnRef idx="2">
-            <a:schemeClr val="accent1">
-              <a:shade val="15000"/>
-            </a:schemeClr>
-          </a:lnRef>
-          <a:fillRef idx="1">
-            <a:schemeClr val="accent1"/>
-          </a:fillRef>
-          <a:effectRef idx="0">
-            <a:schemeClr val="accent1"/>
-          </a:effectRef>
-          <a:fontRef idx="minor">
-            <a:schemeClr val="lt1"/>
-          </a:fontRef>
-        </p:style>
-        <p:txBody>
-          <a:bodyPr rtlCol="0" anchor="ctr"/>
-          <a:lstStyle/>
-          <a:p>
-            <a:pPr algn="ctr"/>
-            <a:endParaRPr lang="en-GB"/>
-          </a:p>
-        </p:txBody>
-      </p:sp>
-      <p:sp>
-        <p:nvSpPr>
           <p:cNvPr id="16" name="TextBox 15">
             <a:extLst>
               <a:ext uri="{FF2B5EF4-FFF2-40B4-BE49-F238E27FC236}">
@@ -6741,222 +6689,6 @@
               <a:t>Research Question 2</a:t>
             </a:r>
             <a:endParaRPr lang="en-GB" dirty="0"/>
-          </a:p>
-        </p:txBody>
-      </p:sp>
-      <p:sp>
-        <p:nvSpPr>
-          <p:cNvPr id="17" name="Rectangle: Rounded Corners 16">
-            <a:extLst>
-              <a:ext uri="{FF2B5EF4-FFF2-40B4-BE49-F238E27FC236}">
-                <a16:creationId xmlns:a16="http://schemas.microsoft.com/office/drawing/2014/main" id="{D6739F5E-E377-BB9D-ACD3-08A2D99FD298}"/>
-              </a:ext>
-            </a:extLst>
-          </p:cNvPr>
-          <p:cNvSpPr/>
-          <p:nvPr/>
-        </p:nvSpPr>
-        <p:spPr>
-          <a:xfrm>
-            <a:off x="1189434" y="4261046"/>
-            <a:ext cx="6094520" cy="954485"/>
-          </a:xfrm>
-          <a:prstGeom prst="roundRect">
-            <a:avLst/>
-          </a:prstGeom>
-          <a:noFill/>
-        </p:spPr>
-        <p:style>
-          <a:lnRef idx="2">
-            <a:schemeClr val="accent1">
-              <a:shade val="15000"/>
-            </a:schemeClr>
-          </a:lnRef>
-          <a:fillRef idx="1">
-            <a:schemeClr val="accent1"/>
-          </a:fillRef>
-          <a:effectRef idx="0">
-            <a:schemeClr val="accent1"/>
-          </a:effectRef>
-          <a:fontRef idx="minor">
-            <a:schemeClr val="lt1"/>
-          </a:fontRef>
-        </p:style>
-        <p:txBody>
-          <a:bodyPr rtlCol="0" anchor="ctr">
-            <a:normAutofit/>
-          </a:bodyPr>
-          <a:lstStyle/>
-          <a:p>
-            <a:pPr algn="ctr"/>
-            <a:endParaRPr lang="en-GB"/>
-          </a:p>
-        </p:txBody>
-      </p:sp>
-      <p:sp>
-        <p:nvSpPr>
-          <p:cNvPr id="18" name="TextBox 17">
-            <a:extLst>
-              <a:ext uri="{FF2B5EF4-FFF2-40B4-BE49-F238E27FC236}">
-                <a16:creationId xmlns:a16="http://schemas.microsoft.com/office/drawing/2014/main" id="{A4AED9BA-AC2D-E7FF-9EF3-CA8F477EF3F5}"/>
-              </a:ext>
-            </a:extLst>
-          </p:cNvPr>
-          <p:cNvSpPr txBox="1"/>
-          <p:nvPr/>
-        </p:nvSpPr>
-        <p:spPr>
-          <a:xfrm>
-            <a:off x="1189434" y="3903378"/>
-            <a:ext cx="3161096" cy="369332"/>
-          </a:xfrm>
-          <a:prstGeom prst="rect">
-            <a:avLst/>
-          </a:prstGeom>
-          <a:noFill/>
-        </p:spPr>
-        <p:txBody>
-          <a:bodyPr wrap="square" rtlCol="0">
-            <a:spAutoFit/>
-          </a:bodyPr>
-          <a:lstStyle/>
-          <a:p>
-            <a:r>
-              <a:rPr lang="en-US" dirty="0"/>
-              <a:t>Research Question 3</a:t>
-            </a:r>
-            <a:endParaRPr lang="en-GB" dirty="0"/>
-          </a:p>
-        </p:txBody>
-      </p:sp>
-      <p:sp>
-        <p:nvSpPr>
-          <p:cNvPr id="19" name="TextBox 18">
-            <a:extLst>
-              <a:ext uri="{FF2B5EF4-FFF2-40B4-BE49-F238E27FC236}">
-                <a16:creationId xmlns:a16="http://schemas.microsoft.com/office/drawing/2014/main" id="{40C3CDF0-D04B-079A-749B-CBA45F7CD178}"/>
-              </a:ext>
-            </a:extLst>
-          </p:cNvPr>
-          <p:cNvSpPr txBox="1"/>
-          <p:nvPr/>
-        </p:nvSpPr>
-        <p:spPr>
-          <a:xfrm>
-            <a:off x="1189434" y="4261046"/>
-            <a:ext cx="6094520" cy="954484"/>
-          </a:xfrm>
-          <a:prstGeom prst="rect">
-            <a:avLst/>
-          </a:prstGeom>
-          <a:noFill/>
-        </p:spPr>
-        <p:txBody>
-          <a:bodyPr wrap="square">
-            <a:normAutofit/>
-          </a:bodyPr>
-          <a:lstStyle/>
-          <a:p>
-            <a:pPr algn="ctr"/>
-            <a:r>
-              <a:rPr lang="en-US" b="1" dirty="0"/>
-              <a:t>Can we design efficient aggregation algorithms for FL </a:t>
-            </a:r>
-            <a:r>
-              <a:rPr lang="en-US" dirty="0"/>
-              <a:t>that minimize the data exchange between clients and servers while not reducing the model accuracy?</a:t>
-            </a:r>
-          </a:p>
-          <a:p>
-            <a:endParaRPr lang="en-US" dirty="0"/>
-          </a:p>
-        </p:txBody>
-      </p:sp>
-      <p:sp>
-        <p:nvSpPr>
-          <p:cNvPr id="3" name="TextBox 2">
-            <a:extLst>
-              <a:ext uri="{FF2B5EF4-FFF2-40B4-BE49-F238E27FC236}">
-                <a16:creationId xmlns:a16="http://schemas.microsoft.com/office/drawing/2014/main" id="{265FF84C-36F7-3227-F237-3124768794CF}"/>
-              </a:ext>
-            </a:extLst>
-          </p:cNvPr>
-          <p:cNvSpPr txBox="1"/>
-          <p:nvPr/>
-        </p:nvSpPr>
-        <p:spPr>
-          <a:xfrm>
-            <a:off x="5997200" y="5376185"/>
-            <a:ext cx="6094520" cy="928382"/>
-          </a:xfrm>
-          <a:prstGeom prst="rect">
-            <a:avLst/>
-          </a:prstGeom>
-          <a:noFill/>
-        </p:spPr>
-        <p:txBody>
-          <a:bodyPr wrap="square">
-            <a:normAutofit/>
-          </a:bodyPr>
-          <a:lstStyle/>
-          <a:p>
-            <a:pPr algn="ctr"/>
-            <a:r>
-              <a:rPr lang="en-US" dirty="0"/>
-              <a:t>When thinking about robust and resilient FL systems, can blockchain </a:t>
-            </a:r>
-          </a:p>
-          <a:p>
-            <a:endParaRPr lang="en-US" dirty="0"/>
-          </a:p>
-        </p:txBody>
-      </p:sp>
-      <p:sp>
-        <p:nvSpPr>
-          <p:cNvPr id="4" name="Rectangle: Rounded Corners 3">
-            <a:extLst>
-              <a:ext uri="{FF2B5EF4-FFF2-40B4-BE49-F238E27FC236}">
-                <a16:creationId xmlns:a16="http://schemas.microsoft.com/office/drawing/2014/main" id="{2E49B197-D6B9-413F-11AC-DD26215C40C2}"/>
-              </a:ext>
-            </a:extLst>
-          </p:cNvPr>
-          <p:cNvSpPr/>
-          <p:nvPr/>
-        </p:nvSpPr>
-        <p:spPr>
-          <a:xfrm>
-            <a:off x="5997200" y="5338446"/>
-            <a:ext cx="6094520" cy="954485"/>
-          </a:xfrm>
-          <a:prstGeom prst="roundRect">
-            <a:avLst/>
-          </a:prstGeom>
-          <a:noFill/>
-        </p:spPr>
-        <p:style>
-          <a:lnRef idx="2">
-            <a:schemeClr val="accent1">
-              <a:shade val="15000"/>
-            </a:schemeClr>
-          </a:lnRef>
-          <a:fillRef idx="1">
-            <a:schemeClr val="accent1"/>
-          </a:fillRef>
-          <a:effectRef idx="0">
-            <a:schemeClr val="accent1"/>
-          </a:effectRef>
-          <a:fontRef idx="minor">
-            <a:schemeClr val="lt1"/>
-          </a:fontRef>
-        </p:style>
-        <p:txBody>
-          <a:bodyPr rtlCol="0" anchor="ctr">
-            <a:normAutofit/>
-          </a:bodyPr>
-          <a:lstStyle/>
-          <a:p>
-            <a:pPr algn="ctr"/>
-            <a:endParaRPr lang="en-GB"/>
           </a:p>
         </p:txBody>
       </p:sp>

--- a/Presentations/Supervisor Meetings/2024/Upcoming Meeting.pptx
+++ b/Presentations/Supervisor Meetings/2024/Upcoming Meeting.pptx
@@ -7,10 +7,12 @@
   <p:sldIdLst>
     <p:sldId id="256" r:id="rId2"/>
     <p:sldId id="257" r:id="rId3"/>
-    <p:sldId id="262" r:id="rId4"/>
-    <p:sldId id="263" r:id="rId5"/>
-    <p:sldId id="264" r:id="rId6"/>
-    <p:sldId id="265" r:id="rId7"/>
+    <p:sldId id="266" r:id="rId4"/>
+    <p:sldId id="262" r:id="rId5"/>
+    <p:sldId id="267" r:id="rId6"/>
+    <p:sldId id="268" r:id="rId7"/>
+    <p:sldId id="264" r:id="rId8"/>
+    <p:sldId id="265" r:id="rId9"/>
   </p:sldIdLst>
   <p:sldSz cx="12192000" cy="6858000"/>
   <p:notesSz cx="6858000" cy="9144000"/>
@@ -120,7 +122,7 @@
 <file path=ppt/revisionInfo.xml><?xml version="1.0" encoding="utf-8"?>
 <p1510:revInfo xmlns:a="http://schemas.openxmlformats.org/drawingml/2006/main" xmlns:r="http://schemas.openxmlformats.org/officeDocument/2006/relationships" xmlns:p1510="http://schemas.microsoft.com/office/powerpoint/2015/10/main">
   <p1510:revLst>
-    <p1510:client id="{B7574C7C-3686-460F-9B9F-2A9122AA95F8}" v="34" dt="2024-02-17T12:44:38.054"/>
+    <p1510:client id="{B7574C7C-3686-460F-9B9F-2A9122AA95F8}" v="40" dt="2024-02-18T22:48:09.011"/>
   </p1510:revLst>
 </p1510:revInfo>
 </file>
@@ -1481,7 +1483,7 @@
   <pc:docChgLst>
     <pc:chgData name="Sean O Fithcheallaigh" userId="47659c31-a575-4792-8be3-61268c4ee0d6" providerId="ADAL" clId="{B7574C7C-3686-460F-9B9F-2A9122AA95F8}"/>
     <pc:docChg chg="undo custSel addSld delSld modSld modMainMaster">
-      <pc:chgData name="Sean O Fithcheallaigh" userId="47659c31-a575-4792-8be3-61268c4ee0d6" providerId="ADAL" clId="{B7574C7C-3686-460F-9B9F-2A9122AA95F8}" dt="2024-02-17T23:02:23.847" v="2225" actId="478"/>
+      <pc:chgData name="Sean O Fithcheallaigh" userId="47659c31-a575-4792-8be3-61268c4ee0d6" providerId="ADAL" clId="{B7574C7C-3686-460F-9B9F-2A9122AA95F8}" dt="2024-02-18T22:48:27.068" v="2366" actId="20577"/>
       <pc:docMkLst>
         <pc:docMk/>
       </pc:docMkLst>
@@ -1696,13 +1698,13 @@
         </pc:sldMkLst>
       </pc:sldChg>
       <pc:sldChg chg="addSp delSp modSp new mod chgLayout">
-        <pc:chgData name="Sean O Fithcheallaigh" userId="47659c31-a575-4792-8be3-61268c4ee0d6" providerId="ADAL" clId="{B7574C7C-3686-460F-9B9F-2A9122AA95F8}" dt="2024-02-17T13:15:29.275" v="2050" actId="478"/>
+        <pc:chgData name="Sean O Fithcheallaigh" userId="47659c31-a575-4792-8be3-61268c4ee0d6" providerId="ADAL" clId="{B7574C7C-3686-460F-9B9F-2A9122AA95F8}" dt="2024-02-18T20:49:53.613" v="2327" actId="1076"/>
         <pc:sldMkLst>
           <pc:docMk/>
           <pc:sldMk cId="2974212779" sldId="262"/>
         </pc:sldMkLst>
         <pc:spChg chg="mod ord">
-          <ac:chgData name="Sean O Fithcheallaigh" userId="47659c31-a575-4792-8be3-61268c4ee0d6" providerId="ADAL" clId="{B7574C7C-3686-460F-9B9F-2A9122AA95F8}" dt="2024-02-16T15:26:36.337" v="1800" actId="122"/>
+          <ac:chgData name="Sean O Fithcheallaigh" userId="47659c31-a575-4792-8be3-61268c4ee0d6" providerId="ADAL" clId="{B7574C7C-3686-460F-9B9F-2A9122AA95F8}" dt="2024-02-18T20:41:30.007" v="2312" actId="14100"/>
           <ac:spMkLst>
             <pc:docMk/>
             <pc:sldMk cId="2974212779" sldId="262"/>
@@ -1766,7 +1768,7 @@
           </ac:spMkLst>
         </pc:spChg>
         <pc:spChg chg="add mod">
-          <ac:chgData name="Sean O Fithcheallaigh" userId="47659c31-a575-4792-8be3-61268c4ee0d6" providerId="ADAL" clId="{B7574C7C-3686-460F-9B9F-2A9122AA95F8}" dt="2024-02-17T12:09:00.941" v="1932" actId="27636"/>
+          <ac:chgData name="Sean O Fithcheallaigh" userId="47659c31-a575-4792-8be3-61268c4ee0d6" providerId="ADAL" clId="{B7574C7C-3686-460F-9B9F-2A9122AA95F8}" dt="2024-02-18T19:17:53.214" v="2274" actId="1076"/>
           <ac:spMkLst>
             <pc:docMk/>
             <pc:sldMk cId="2974212779" sldId="262"/>
@@ -1789,8 +1791,8 @@
             <ac:spMk id="13" creationId="{5C025563-8660-1FD1-DCD9-043A3F3BBD94}"/>
           </ac:spMkLst>
         </pc:spChg>
-        <pc:spChg chg="add mod">
-          <ac:chgData name="Sean O Fithcheallaigh" userId="47659c31-a575-4792-8be3-61268c4ee0d6" providerId="ADAL" clId="{B7574C7C-3686-460F-9B9F-2A9122AA95F8}" dt="2024-02-16T15:25:51.110" v="1791" actId="1076"/>
+        <pc:spChg chg="add del mod">
+          <ac:chgData name="Sean O Fithcheallaigh" userId="47659c31-a575-4792-8be3-61268c4ee0d6" providerId="ADAL" clId="{B7574C7C-3686-460F-9B9F-2A9122AA95F8}" dt="2024-02-18T16:19:23.567" v="2238" actId="478"/>
           <ac:spMkLst>
             <pc:docMk/>
             <pc:sldMk cId="2974212779" sldId="262"/>
@@ -1798,7 +1800,7 @@
           </ac:spMkLst>
         </pc:spChg>
         <pc:spChg chg="add mod">
-          <ac:chgData name="Sean O Fithcheallaigh" userId="47659c31-a575-4792-8be3-61268c4ee0d6" providerId="ADAL" clId="{B7574C7C-3686-460F-9B9F-2A9122AA95F8}" dt="2024-02-17T12:09:06.466" v="1933" actId="14100"/>
+          <ac:chgData name="Sean O Fithcheallaigh" userId="47659c31-a575-4792-8be3-61268c4ee0d6" providerId="ADAL" clId="{B7574C7C-3686-460F-9B9F-2A9122AA95F8}" dt="2024-02-18T19:17:49.008" v="2273" actId="1076"/>
           <ac:spMkLst>
             <pc:docMk/>
             <pc:sldMk cId="2974212779" sldId="262"/>
@@ -1845,13 +1847,53 @@
             <ac:graphicFrameMk id="4" creationId="{214AC544-048D-9AC6-C15B-95DB87E65341}"/>
           </ac:graphicFrameMkLst>
         </pc:graphicFrameChg>
+        <pc:picChg chg="add del mod">
+          <ac:chgData name="Sean O Fithcheallaigh" userId="47659c31-a575-4792-8be3-61268c4ee0d6" providerId="ADAL" clId="{B7574C7C-3686-460F-9B9F-2A9122AA95F8}" dt="2024-02-18T16:29:52.594" v="2245" actId="478"/>
+          <ac:picMkLst>
+            <pc:docMk/>
+            <pc:sldMk cId="2974212779" sldId="262"/>
+            <ac:picMk id="4" creationId="{78E2A836-BB30-4A56-2D0C-090F483D8876}"/>
+          </ac:picMkLst>
+        </pc:picChg>
+        <pc:picChg chg="add del mod">
+          <ac:chgData name="Sean O Fithcheallaigh" userId="47659c31-a575-4792-8be3-61268c4ee0d6" providerId="ADAL" clId="{B7574C7C-3686-460F-9B9F-2A9122AA95F8}" dt="2024-02-18T16:30:09.955" v="2249" actId="478"/>
+          <ac:picMkLst>
+            <pc:docMk/>
+            <pc:sldMk cId="2974212779" sldId="262"/>
+            <ac:picMk id="6" creationId="{F0F96907-03E4-221E-32B8-3C8C770636C7}"/>
+          </ac:picMkLst>
+        </pc:picChg>
+        <pc:picChg chg="add del mod">
+          <ac:chgData name="Sean O Fithcheallaigh" userId="47659c31-a575-4792-8be3-61268c4ee0d6" providerId="ADAL" clId="{B7574C7C-3686-460F-9B9F-2A9122AA95F8}" dt="2024-02-18T20:49:13.848" v="2316" actId="478"/>
+          <ac:picMkLst>
+            <pc:docMk/>
+            <pc:sldMk cId="2974212779" sldId="262"/>
+            <ac:picMk id="8" creationId="{EBB4193B-BC40-8F38-0423-92474BD5FFC2}"/>
+          </ac:picMkLst>
+        </pc:picChg>
+        <pc:picChg chg="add mod ord">
+          <ac:chgData name="Sean O Fithcheallaigh" userId="47659c31-a575-4792-8be3-61268c4ee0d6" providerId="ADAL" clId="{B7574C7C-3686-460F-9B9F-2A9122AA95F8}" dt="2024-02-18T20:49:53.613" v="2327" actId="1076"/>
+          <ac:picMkLst>
+            <pc:docMk/>
+            <pc:sldMk cId="2974212779" sldId="262"/>
+            <ac:picMk id="11" creationId="{3184CB76-7485-B103-EC60-6AC34C95110F}"/>
+          </ac:picMkLst>
+        </pc:picChg>
       </pc:sldChg>
-      <pc:sldChg chg="delSp modSp add mod">
-        <pc:chgData name="Sean O Fithcheallaigh" userId="47659c31-a575-4792-8be3-61268c4ee0d6" providerId="ADAL" clId="{B7574C7C-3686-460F-9B9F-2A9122AA95F8}" dt="2024-02-17T23:02:23.847" v="2225" actId="478"/>
+      <pc:sldChg chg="delSp modSp add del mod">
+        <pc:chgData name="Sean O Fithcheallaigh" userId="47659c31-a575-4792-8be3-61268c4ee0d6" providerId="ADAL" clId="{B7574C7C-3686-460F-9B9F-2A9122AA95F8}" dt="2024-02-18T22:47:32.309" v="2350" actId="47"/>
         <pc:sldMkLst>
           <pc:docMk/>
           <pc:sldMk cId="2342086455" sldId="263"/>
         </pc:sldMkLst>
+        <pc:spChg chg="mod">
+          <ac:chgData name="Sean O Fithcheallaigh" userId="47659c31-a575-4792-8be3-61268c4ee0d6" providerId="ADAL" clId="{B7574C7C-3686-460F-9B9F-2A9122AA95F8}" dt="2024-02-18T20:41:41.742" v="2313" actId="1076"/>
+          <ac:spMkLst>
+            <pc:docMk/>
+            <pc:sldMk cId="2342086455" sldId="263"/>
+            <ac:spMk id="2" creationId="{5B79BE80-421F-E0A2-E347-1FB3E87F24E8}"/>
+          </ac:spMkLst>
+        </pc:spChg>
         <pc:spChg chg="del">
           <ac:chgData name="Sean O Fithcheallaigh" userId="47659c31-a575-4792-8be3-61268c4ee0d6" providerId="ADAL" clId="{B7574C7C-3686-460F-9B9F-2A9122AA95F8}" dt="2024-02-17T23:02:23.847" v="2225" actId="478"/>
           <ac:spMkLst>
@@ -1868,8 +1910,8 @@
             <ac:spMk id="4" creationId="{2E49B197-D6B9-413F-11AC-DD26215C40C2}"/>
           </ac:spMkLst>
         </pc:spChg>
-        <pc:spChg chg="mod">
-          <ac:chgData name="Sean O Fithcheallaigh" userId="47659c31-a575-4792-8be3-61268c4ee0d6" providerId="ADAL" clId="{B7574C7C-3686-460F-9B9F-2A9122AA95F8}" dt="2024-02-17T23:00:23.348" v="2220" actId="20577"/>
+        <pc:spChg chg="del mod">
+          <ac:chgData name="Sean O Fithcheallaigh" userId="47659c31-a575-4792-8be3-61268c4ee0d6" providerId="ADAL" clId="{B7574C7C-3686-460F-9B9F-2A9122AA95F8}" dt="2024-02-18T22:43:06.398" v="2331" actId="21"/>
           <ac:spMkLst>
             <pc:docMk/>
             <pc:sldMk cId="2342086455" sldId="263"/>
@@ -1884,6 +1926,14 @@
             <ac:spMk id="10" creationId="{40CF2482-4A72-927A-E174-2D0AD48759E7}"/>
           </ac:spMkLst>
         </pc:spChg>
+        <pc:spChg chg="del mod">
+          <ac:chgData name="Sean O Fithcheallaigh" userId="47659c31-a575-4792-8be3-61268c4ee0d6" providerId="ADAL" clId="{B7574C7C-3686-460F-9B9F-2A9122AA95F8}" dt="2024-02-18T22:42:58.878" v="2330" actId="21"/>
+          <ac:spMkLst>
+            <pc:docMk/>
+            <pc:sldMk cId="2342086455" sldId="263"/>
+            <ac:spMk id="13" creationId="{C4D43637-DC10-B3A5-5029-8D1C5ADAC38A}"/>
+          </ac:spMkLst>
+        </pc:spChg>
         <pc:spChg chg="del">
           <ac:chgData name="Sean O Fithcheallaigh" userId="47659c31-a575-4792-8be3-61268c4ee0d6" providerId="ADAL" clId="{B7574C7C-3686-460F-9B9F-2A9122AA95F8}" dt="2024-02-17T22:53:47.449" v="2053" actId="478"/>
           <ac:spMkLst>
@@ -1901,6 +1951,14 @@
           </ac:spMkLst>
         </pc:spChg>
         <pc:spChg chg="del">
+          <ac:chgData name="Sean O Fithcheallaigh" userId="47659c31-a575-4792-8be3-61268c4ee0d6" providerId="ADAL" clId="{B7574C7C-3686-460F-9B9F-2A9122AA95F8}" dt="2024-02-18T20:41:50.876" v="2315" actId="478"/>
+          <ac:spMkLst>
+            <pc:docMk/>
+            <pc:sldMk cId="2342086455" sldId="263"/>
+            <ac:spMk id="16" creationId="{B8B448B7-BD48-5613-6948-EFF3941D1E25}"/>
+          </ac:spMkLst>
+        </pc:spChg>
+        <pc:spChg chg="del">
           <ac:chgData name="Sean O Fithcheallaigh" userId="47659c31-a575-4792-8be3-61268c4ee0d6" providerId="ADAL" clId="{B7574C7C-3686-460F-9B9F-2A9122AA95F8}" dt="2024-02-17T23:02:18.332" v="2223" actId="478"/>
           <ac:spMkLst>
             <pc:docMk/>
@@ -1925,12 +1983,84 @@
           </ac:spMkLst>
         </pc:spChg>
       </pc:sldChg>
-      <pc:sldChg chg="add">
-        <pc:chgData name="Sean O Fithcheallaigh" userId="47659c31-a575-4792-8be3-61268c4ee0d6" providerId="ADAL" clId="{B7574C7C-3686-460F-9B9F-2A9122AA95F8}" dt="2024-02-17T12:30:54.602" v="2029" actId="2890"/>
+      <pc:sldChg chg="delSp add mod">
+        <pc:chgData name="Sean O Fithcheallaigh" userId="47659c31-a575-4792-8be3-61268c4ee0d6" providerId="ADAL" clId="{B7574C7C-3686-460F-9B9F-2A9122AA95F8}" dt="2024-02-18T22:48:06.552" v="2358" actId="21"/>
         <pc:sldMkLst>
           <pc:docMk/>
           <pc:sldMk cId="2844604785" sldId="264"/>
         </pc:sldMkLst>
+        <pc:spChg chg="del">
+          <ac:chgData name="Sean O Fithcheallaigh" userId="47659c31-a575-4792-8be3-61268c4ee0d6" providerId="ADAL" clId="{B7574C7C-3686-460F-9B9F-2A9122AA95F8}" dt="2024-02-18T22:47:46.593" v="2354" actId="478"/>
+          <ac:spMkLst>
+            <pc:docMk/>
+            <pc:sldMk cId="2844604785" sldId="264"/>
+            <ac:spMk id="3" creationId="{798EF416-5B39-C9F1-1510-584667A4470E}"/>
+          </ac:spMkLst>
+        </pc:spChg>
+        <pc:spChg chg="del">
+          <ac:chgData name="Sean O Fithcheallaigh" userId="47659c31-a575-4792-8be3-61268c4ee0d6" providerId="ADAL" clId="{B7574C7C-3686-460F-9B9F-2A9122AA95F8}" dt="2024-02-18T22:47:43.869" v="2353" actId="478"/>
+          <ac:spMkLst>
+            <pc:docMk/>
+            <pc:sldMk cId="2844604785" sldId="264"/>
+            <ac:spMk id="4" creationId="{2316EB86-7F05-ADB4-3272-3412E8B74443}"/>
+          </ac:spMkLst>
+        </pc:spChg>
+        <pc:spChg chg="del">
+          <ac:chgData name="Sean O Fithcheallaigh" userId="47659c31-a575-4792-8be3-61268c4ee0d6" providerId="ADAL" clId="{B7574C7C-3686-460F-9B9F-2A9122AA95F8}" dt="2024-02-18T22:47:38.466" v="2351" actId="478"/>
+          <ac:spMkLst>
+            <pc:docMk/>
+            <pc:sldMk cId="2844604785" sldId="264"/>
+            <ac:spMk id="8" creationId="{FA70DBE6-F2CC-FDE2-2144-5B6F2D7D2FD5}"/>
+          </ac:spMkLst>
+        </pc:spChg>
+        <pc:spChg chg="del">
+          <ac:chgData name="Sean O Fithcheallaigh" userId="47659c31-a575-4792-8be3-61268c4ee0d6" providerId="ADAL" clId="{B7574C7C-3686-460F-9B9F-2A9122AA95F8}" dt="2024-02-18T22:47:38.466" v="2351" actId="478"/>
+          <ac:spMkLst>
+            <pc:docMk/>
+            <pc:sldMk cId="2844604785" sldId="264"/>
+            <ac:spMk id="10" creationId="{6E99B88D-6F92-B1DC-8047-0B3100A9A188}"/>
+          </ac:spMkLst>
+        </pc:spChg>
+        <pc:spChg chg="del">
+          <ac:chgData name="Sean O Fithcheallaigh" userId="47659c31-a575-4792-8be3-61268c4ee0d6" providerId="ADAL" clId="{B7574C7C-3686-460F-9B9F-2A9122AA95F8}" dt="2024-02-18T22:47:38.466" v="2351" actId="478"/>
+          <ac:spMkLst>
+            <pc:docMk/>
+            <pc:sldMk cId="2844604785" sldId="264"/>
+            <ac:spMk id="13" creationId="{A4B880AF-35B5-94F0-1879-5389614D86B2}"/>
+          </ac:spMkLst>
+        </pc:spChg>
+        <pc:spChg chg="del">
+          <ac:chgData name="Sean O Fithcheallaigh" userId="47659c31-a575-4792-8be3-61268c4ee0d6" providerId="ADAL" clId="{B7574C7C-3686-460F-9B9F-2A9122AA95F8}" dt="2024-02-18T22:47:41.017" v="2352" actId="478"/>
+          <ac:spMkLst>
+            <pc:docMk/>
+            <pc:sldMk cId="2844604785" sldId="264"/>
+            <ac:spMk id="14" creationId="{E582B5D7-66CD-0F41-2C6E-776FDD04B7E7}"/>
+          </ac:spMkLst>
+        </pc:spChg>
+        <pc:spChg chg="del">
+          <ac:chgData name="Sean O Fithcheallaigh" userId="47659c31-a575-4792-8be3-61268c4ee0d6" providerId="ADAL" clId="{B7574C7C-3686-460F-9B9F-2A9122AA95F8}" dt="2024-02-18T22:47:38.466" v="2351" actId="478"/>
+          <ac:spMkLst>
+            <pc:docMk/>
+            <pc:sldMk cId="2844604785" sldId="264"/>
+            <ac:spMk id="15" creationId="{7E3C0550-7240-1B08-C482-CC122976F15D}"/>
+          </ac:spMkLst>
+        </pc:spChg>
+        <pc:spChg chg="del">
+          <ac:chgData name="Sean O Fithcheallaigh" userId="47659c31-a575-4792-8be3-61268c4ee0d6" providerId="ADAL" clId="{B7574C7C-3686-460F-9B9F-2A9122AA95F8}" dt="2024-02-18T22:47:38.466" v="2351" actId="478"/>
+          <ac:spMkLst>
+            <pc:docMk/>
+            <pc:sldMk cId="2844604785" sldId="264"/>
+            <ac:spMk id="16" creationId="{BF024E74-A5FC-E1F3-DFE2-7B36BA1E30D7}"/>
+          </ac:spMkLst>
+        </pc:spChg>
+        <pc:spChg chg="del">
+          <ac:chgData name="Sean O Fithcheallaigh" userId="47659c31-a575-4792-8be3-61268c4ee0d6" providerId="ADAL" clId="{B7574C7C-3686-460F-9B9F-2A9122AA95F8}" dt="2024-02-18T22:48:06.552" v="2358" actId="21"/>
+          <ac:spMkLst>
+            <pc:docMk/>
+            <pc:sldMk cId="2844604785" sldId="264"/>
+            <ac:spMk id="19" creationId="{BECE7A34-9052-6E03-7A97-16BF03014EE1}"/>
+          </ac:spMkLst>
+        </pc:spChg>
       </pc:sldChg>
       <pc:sldChg chg="add">
         <pc:chgData name="Sean O Fithcheallaigh" userId="47659c31-a575-4792-8be3-61268c4ee0d6" providerId="ADAL" clId="{B7574C7C-3686-460F-9B9F-2A9122AA95F8}" dt="2024-02-17T12:30:56.947" v="2030" actId="2890"/>
@@ -1938,6 +2068,131 @@
           <pc:docMk/>
           <pc:sldMk cId="3782082519" sldId="265"/>
         </pc:sldMkLst>
+      </pc:sldChg>
+      <pc:sldChg chg="addSp delSp modSp new mod modClrScheme chgLayout">
+        <pc:chgData name="Sean O Fithcheallaigh" userId="47659c31-a575-4792-8be3-61268c4ee0d6" providerId="ADAL" clId="{B7574C7C-3686-460F-9B9F-2A9122AA95F8}" dt="2024-02-18T19:19:17.093" v="2304" actId="20577"/>
+        <pc:sldMkLst>
+          <pc:docMk/>
+          <pc:sldMk cId="3569103075" sldId="266"/>
+        </pc:sldMkLst>
+        <pc:spChg chg="del mod ord">
+          <ac:chgData name="Sean O Fithcheallaigh" userId="47659c31-a575-4792-8be3-61268c4ee0d6" providerId="ADAL" clId="{B7574C7C-3686-460F-9B9F-2A9122AA95F8}" dt="2024-02-18T19:19:08.900" v="2276" actId="700"/>
+          <ac:spMkLst>
+            <pc:docMk/>
+            <pc:sldMk cId="3569103075" sldId="266"/>
+            <ac:spMk id="2" creationId="{58A0204D-35E3-6FD5-EA9E-669E4C135158}"/>
+          </ac:spMkLst>
+        </pc:spChg>
+        <pc:spChg chg="del mod ord">
+          <ac:chgData name="Sean O Fithcheallaigh" userId="47659c31-a575-4792-8be3-61268c4ee0d6" providerId="ADAL" clId="{B7574C7C-3686-460F-9B9F-2A9122AA95F8}" dt="2024-02-18T19:19:08.900" v="2276" actId="700"/>
+          <ac:spMkLst>
+            <pc:docMk/>
+            <pc:sldMk cId="3569103075" sldId="266"/>
+            <ac:spMk id="3" creationId="{4ACFB99E-B9F5-54A3-8557-98F72C48E0BE}"/>
+          </ac:spMkLst>
+        </pc:spChg>
+        <pc:spChg chg="add mod ord">
+          <ac:chgData name="Sean O Fithcheallaigh" userId="47659c31-a575-4792-8be3-61268c4ee0d6" providerId="ADAL" clId="{B7574C7C-3686-460F-9B9F-2A9122AA95F8}" dt="2024-02-18T19:19:17.093" v="2304" actId="20577"/>
+          <ac:spMkLst>
+            <pc:docMk/>
+            <pc:sldMk cId="3569103075" sldId="266"/>
+            <ac:spMk id="4" creationId="{508FEA84-3B56-F047-1C08-7BE2118BD8D1}"/>
+          </ac:spMkLst>
+        </pc:spChg>
+        <pc:spChg chg="add mod ord">
+          <ac:chgData name="Sean O Fithcheallaigh" userId="47659c31-a575-4792-8be3-61268c4ee0d6" providerId="ADAL" clId="{B7574C7C-3686-460F-9B9F-2A9122AA95F8}" dt="2024-02-18T19:19:08.900" v="2276" actId="700"/>
+          <ac:spMkLst>
+            <pc:docMk/>
+            <pc:sldMk cId="3569103075" sldId="266"/>
+            <ac:spMk id="5" creationId="{C4C0E46C-8317-9684-2C90-0F282F80E8C6}"/>
+          </ac:spMkLst>
+        </pc:spChg>
+      </pc:sldChg>
+      <pc:sldChg chg="addSp delSp modSp add mod">
+        <pc:chgData name="Sean O Fithcheallaigh" userId="47659c31-a575-4792-8be3-61268c4ee0d6" providerId="ADAL" clId="{B7574C7C-3686-460F-9B9F-2A9122AA95F8}" dt="2024-02-18T22:47:16.484" v="2349" actId="1076"/>
+        <pc:sldMkLst>
+          <pc:docMk/>
+          <pc:sldMk cId="788743055" sldId="267"/>
+        </pc:sldMkLst>
+        <pc:spChg chg="mod">
+          <ac:chgData name="Sean O Fithcheallaigh" userId="47659c31-a575-4792-8be3-61268c4ee0d6" providerId="ADAL" clId="{B7574C7C-3686-460F-9B9F-2A9122AA95F8}" dt="2024-02-18T22:44:31.320" v="2342" actId="20577"/>
+          <ac:spMkLst>
+            <pc:docMk/>
+            <pc:sldMk cId="788743055" sldId="267"/>
+            <ac:spMk id="2" creationId="{31E878F4-4676-0EB5-3DD7-1EBC366A2B7F}"/>
+          </ac:spMkLst>
+        </pc:spChg>
+        <pc:spChg chg="add mod">
+          <ac:chgData name="Sean O Fithcheallaigh" userId="47659c31-a575-4792-8be3-61268c4ee0d6" providerId="ADAL" clId="{B7574C7C-3686-460F-9B9F-2A9122AA95F8}" dt="2024-02-18T22:43:33.586" v="2340" actId="14100"/>
+          <ac:spMkLst>
+            <pc:docMk/>
+            <pc:sldMk cId="788743055" sldId="267"/>
+            <ac:spMk id="8" creationId="{4122F22F-CC6A-21A3-E65B-6D9079943A2F}"/>
+          </ac:spMkLst>
+        </pc:spChg>
+        <pc:spChg chg="del">
+          <ac:chgData name="Sean O Fithcheallaigh" userId="47659c31-a575-4792-8be3-61268c4ee0d6" providerId="ADAL" clId="{B7574C7C-3686-460F-9B9F-2A9122AA95F8}" dt="2024-02-18T22:43:15.694" v="2334" actId="478"/>
+          <ac:spMkLst>
+            <pc:docMk/>
+            <pc:sldMk cId="788743055" sldId="267"/>
+            <ac:spMk id="10" creationId="{EBD7B968-9147-3196-3B41-5DCD0408049E}"/>
+          </ac:spMkLst>
+        </pc:spChg>
+        <pc:picChg chg="add mod">
+          <ac:chgData name="Sean O Fithcheallaigh" userId="47659c31-a575-4792-8be3-61268c4ee0d6" providerId="ADAL" clId="{B7574C7C-3686-460F-9B9F-2A9122AA95F8}" dt="2024-02-18T22:47:16.484" v="2349" actId="1076"/>
+          <ac:picMkLst>
+            <pc:docMk/>
+            <pc:sldMk cId="788743055" sldId="267"/>
+            <ac:picMk id="4" creationId="{5B56D578-CB51-F8CE-5FB9-835BB51C03E6}"/>
+          </ac:picMkLst>
+        </pc:picChg>
+        <pc:picChg chg="del">
+          <ac:chgData name="Sean O Fithcheallaigh" userId="47659c31-a575-4792-8be3-61268c4ee0d6" providerId="ADAL" clId="{B7574C7C-3686-460F-9B9F-2A9122AA95F8}" dt="2024-02-18T22:42:49.899" v="2329" actId="478"/>
+          <ac:picMkLst>
+            <pc:docMk/>
+            <pc:sldMk cId="788743055" sldId="267"/>
+            <ac:picMk id="11" creationId="{67D64EEE-BB37-E2DC-9FC5-A3328D7FC911}"/>
+          </ac:picMkLst>
+        </pc:picChg>
+      </pc:sldChg>
+      <pc:sldChg chg="addSp delSp modSp add mod">
+        <pc:chgData name="Sean O Fithcheallaigh" userId="47659c31-a575-4792-8be3-61268c4ee0d6" providerId="ADAL" clId="{B7574C7C-3686-460F-9B9F-2A9122AA95F8}" dt="2024-02-18T22:48:27.068" v="2366" actId="20577"/>
+        <pc:sldMkLst>
+          <pc:docMk/>
+          <pc:sldMk cId="3408599131" sldId="268"/>
+        </pc:sldMkLst>
+        <pc:spChg chg="mod">
+          <ac:chgData name="Sean O Fithcheallaigh" userId="47659c31-a575-4792-8be3-61268c4ee0d6" providerId="ADAL" clId="{B7574C7C-3686-460F-9B9F-2A9122AA95F8}" dt="2024-02-18T22:48:27.068" v="2366" actId="20577"/>
+          <ac:spMkLst>
+            <pc:docMk/>
+            <pc:sldMk cId="3408599131" sldId="268"/>
+            <ac:spMk id="2" creationId="{1FD7FD30-CABE-80F9-096F-63AAA66F52B5}"/>
+          </ac:spMkLst>
+        </pc:spChg>
+        <pc:spChg chg="del">
+          <ac:chgData name="Sean O Fithcheallaigh" userId="47659c31-a575-4792-8be3-61268c4ee0d6" providerId="ADAL" clId="{B7574C7C-3686-460F-9B9F-2A9122AA95F8}" dt="2024-02-18T22:47:58.766" v="2357" actId="478"/>
+          <ac:spMkLst>
+            <pc:docMk/>
+            <pc:sldMk cId="3408599131" sldId="268"/>
+            <ac:spMk id="8" creationId="{ECDC8963-F3CA-1767-4B50-D3AA031E3DD1}"/>
+          </ac:spMkLst>
+        </pc:spChg>
+        <pc:spChg chg="add mod">
+          <ac:chgData name="Sean O Fithcheallaigh" userId="47659c31-a575-4792-8be3-61268c4ee0d6" providerId="ADAL" clId="{B7574C7C-3686-460F-9B9F-2A9122AA95F8}" dt="2024-02-18T22:48:22.535" v="2364" actId="14100"/>
+          <ac:spMkLst>
+            <pc:docMk/>
+            <pc:sldMk cId="3408599131" sldId="268"/>
+            <ac:spMk id="19" creationId="{BECE7A34-9052-6E03-7A97-16BF03014EE1}"/>
+          </ac:spMkLst>
+        </pc:spChg>
+        <pc:picChg chg="del">
+          <ac:chgData name="Sean O Fithcheallaigh" userId="47659c31-a575-4792-8be3-61268c4ee0d6" providerId="ADAL" clId="{B7574C7C-3686-460F-9B9F-2A9122AA95F8}" dt="2024-02-18T22:47:54.990" v="2356" actId="478"/>
+          <ac:picMkLst>
+            <pc:docMk/>
+            <pc:sldMk cId="3408599131" sldId="268"/>
+            <ac:picMk id="4" creationId="{12015CF4-D7D8-79EE-6E57-27DB24F8A48D}"/>
+          </ac:picMkLst>
+        </pc:picChg>
       </pc:sldChg>
       <pc:sldMasterChg chg="modSldLayout">
         <pc:chgData name="Sean O Fithcheallaigh" userId="47659c31-a575-4792-8be3-61268c4ee0d6" providerId="ADAL" clId="{B7574C7C-3686-460F-9B9F-2A9122AA95F8}" dt="2024-02-13T19:56:02.820" v="272"/>
@@ -2242,7 +2497,7 @@
           <a:p>
             <a:fld id="{0CD94E99-FA29-4EFF-88BE-3447E30E8C4D}" type="datetimeFigureOut">
               <a:rPr lang="en-GB" smtClean="0"/>
-              <a:t>17/02/2024</a:t>
+              <a:t>18/02/2024</a:t>
             </a:fld>
             <a:endParaRPr lang="en-GB"/>
           </a:p>
@@ -2450,7 +2705,7 @@
           <a:p>
             <a:fld id="{0CD94E99-FA29-4EFF-88BE-3447E30E8C4D}" type="datetimeFigureOut">
               <a:rPr lang="en-GB" smtClean="0"/>
-              <a:t>17/02/2024</a:t>
+              <a:t>18/02/2024</a:t>
             </a:fld>
             <a:endParaRPr lang="en-GB"/>
           </a:p>
@@ -2708,7 +2963,7 @@
           <a:p>
             <a:fld id="{0CD94E99-FA29-4EFF-88BE-3447E30E8C4D}" type="datetimeFigureOut">
               <a:rPr lang="en-GB" smtClean="0"/>
-              <a:t>17/02/2024</a:t>
+              <a:t>18/02/2024</a:t>
             </a:fld>
             <a:endParaRPr lang="en-GB"/>
           </a:p>
@@ -2886,7 +3141,7 @@
           <a:p>
             <a:fld id="{0CD94E99-FA29-4EFF-88BE-3447E30E8C4D}" type="datetimeFigureOut">
               <a:rPr lang="en-GB" smtClean="0"/>
-              <a:t>17/02/2024</a:t>
+              <a:t>18/02/2024</a:t>
             </a:fld>
             <a:endParaRPr lang="en-GB"/>
           </a:p>
@@ -3223,7 +3478,7 @@
           <a:p>
             <a:fld id="{0CD94E99-FA29-4EFF-88BE-3447E30E8C4D}" type="datetimeFigureOut">
               <a:rPr lang="en-GB" smtClean="0"/>
-              <a:t>17/02/2024</a:t>
+              <a:t>18/02/2024</a:t>
             </a:fld>
             <a:endParaRPr lang="en-GB"/>
           </a:p>
@@ -3503,7 +3758,7 @@
           <a:p>
             <a:fld id="{0CD94E99-FA29-4EFF-88BE-3447E30E8C4D}" type="datetimeFigureOut">
               <a:rPr lang="en-GB" smtClean="0"/>
-              <a:t>17/02/2024</a:t>
+              <a:t>18/02/2024</a:t>
             </a:fld>
             <a:endParaRPr lang="en-GB"/>
           </a:p>
@@ -3882,7 +4137,7 @@
           <a:p>
             <a:fld id="{0CD94E99-FA29-4EFF-88BE-3447E30E8C4D}" type="datetimeFigureOut">
               <a:rPr lang="en-GB" smtClean="0"/>
-              <a:t>17/02/2024</a:t>
+              <a:t>18/02/2024</a:t>
             </a:fld>
             <a:endParaRPr lang="en-GB"/>
           </a:p>
@@ -4000,7 +4255,7 @@
           <a:p>
             <a:fld id="{0CD94E99-FA29-4EFF-88BE-3447E30E8C4D}" type="datetimeFigureOut">
               <a:rPr lang="en-GB" smtClean="0"/>
-              <a:t>17/02/2024</a:t>
+              <a:t>18/02/2024</a:t>
             </a:fld>
             <a:endParaRPr lang="en-GB"/>
           </a:p>
@@ -4173,7 +4428,7 @@
           <a:p>
             <a:fld id="{0CD94E99-FA29-4EFF-88BE-3447E30E8C4D}" type="datetimeFigureOut">
               <a:rPr lang="en-GB" smtClean="0"/>
-              <a:t>17/02/2024</a:t>
+              <a:t>18/02/2024</a:t>
             </a:fld>
             <a:endParaRPr lang="en-GB"/>
           </a:p>
@@ -4529,7 +4784,7 @@
           <a:p>
             <a:fld id="{0CD94E99-FA29-4EFF-88BE-3447E30E8C4D}" type="datetimeFigureOut">
               <a:rPr lang="en-GB" smtClean="0"/>
-              <a:t>17/02/2024</a:t>
+              <a:t>18/02/2024</a:t>
             </a:fld>
             <a:endParaRPr lang="en-GB"/>
           </a:p>
@@ -4908,7 +5163,7 @@
           <a:p>
             <a:fld id="{0CD94E99-FA29-4EFF-88BE-3447E30E8C4D}" type="datetimeFigureOut">
               <a:rPr lang="en-GB" smtClean="0"/>
-              <a:t>17/02/2024</a:t>
+              <a:t>18/02/2024</a:t>
             </a:fld>
             <a:endParaRPr lang="en-GB"/>
           </a:p>
@@ -5197,7 +5452,7 @@
           <a:p>
             <a:fld id="{0CD94E99-FA29-4EFF-88BE-3447E30E8C4D}" type="datetimeFigureOut">
               <a:rPr lang="en-GB" smtClean="0"/>
-              <a:t>17/02/2024</a:t>
+              <a:t>18/02/2024</a:t>
             </a:fld>
             <a:endParaRPr lang="en-GB"/>
           </a:p>
@@ -6341,6 +6596,90 @@
       </p:grpSpPr>
       <p:sp>
         <p:nvSpPr>
+          <p:cNvPr id="4" name="Title 3">
+            <a:extLst>
+              <a:ext uri="{FF2B5EF4-FFF2-40B4-BE49-F238E27FC236}">
+                <a16:creationId xmlns:a16="http://schemas.microsoft.com/office/drawing/2014/main" id="{508FEA84-3B56-F047-1C08-7BE2118BD8D1}"/>
+              </a:ext>
+            </a:extLst>
+          </p:cNvPr>
+          <p:cNvSpPr>
+            <a:spLocks noGrp="1"/>
+          </p:cNvSpPr>
+          <p:nvPr>
+            <p:ph type="ctrTitle"/>
+          </p:nvPr>
+        </p:nvSpPr>
+        <p:spPr/>
+        <p:txBody>
+          <a:bodyPr/>
+          <a:lstStyle/>
+          <a:p>
+            <a:r>
+              <a:rPr lang="en-US" dirty="0"/>
+              <a:t>Exploring Research Questions</a:t>
+            </a:r>
+            <a:endParaRPr lang="en-GB" dirty="0"/>
+          </a:p>
+        </p:txBody>
+      </p:sp>
+      <p:sp>
+        <p:nvSpPr>
+          <p:cNvPr id="5" name="Subtitle 4">
+            <a:extLst>
+              <a:ext uri="{FF2B5EF4-FFF2-40B4-BE49-F238E27FC236}">
+                <a16:creationId xmlns:a16="http://schemas.microsoft.com/office/drawing/2014/main" id="{C4C0E46C-8317-9684-2C90-0F282F80E8C6}"/>
+              </a:ext>
+            </a:extLst>
+          </p:cNvPr>
+          <p:cNvSpPr>
+            <a:spLocks noGrp="1"/>
+          </p:cNvSpPr>
+          <p:nvPr>
+            <p:ph type="subTitle" idx="1"/>
+          </p:nvPr>
+        </p:nvSpPr>
+        <p:spPr/>
+        <p:txBody>
+          <a:bodyPr/>
+          <a:lstStyle/>
+          <a:p>
+            <a:endParaRPr lang="en-GB"/>
+          </a:p>
+        </p:txBody>
+      </p:sp>
+    </p:spTree>
+    <p:extLst>
+      <p:ext uri="{BB962C8B-B14F-4D97-AF65-F5344CB8AC3E}">
+        <p14:creationId xmlns:p14="http://schemas.microsoft.com/office/powerpoint/2010/main" val="3569103075"/>
+      </p:ext>
+    </p:extLst>
+  </p:cSld>
+  <p:clrMapOvr>
+    <a:masterClrMapping/>
+  </p:clrMapOvr>
+</p:sld>
+</file>
+
+<file path=ppt/slides/slide4.xml><?xml version="1.0" encoding="utf-8"?>
+<p:sld xmlns:a="http://schemas.openxmlformats.org/drawingml/2006/main" xmlns:r="http://schemas.openxmlformats.org/officeDocument/2006/relationships" xmlns:p="http://schemas.openxmlformats.org/presentationml/2006/main">
+  <p:cSld>
+    <p:spTree>
+      <p:nvGrpSpPr>
+        <p:cNvPr id="1" name=""/>
+        <p:cNvGrpSpPr/>
+        <p:nvPr/>
+      </p:nvGrpSpPr>
+      <p:grpSpPr>
+        <a:xfrm>
+          <a:off x="0" y="0"/>
+          <a:ext cx="0" cy="0"/>
+          <a:chOff x="0" y="0"/>
+          <a:chExt cx="0" cy="0"/>
+        </a:xfrm>
+      </p:grpSpPr>
+      <p:sp>
+        <p:nvSpPr>
           <p:cNvPr id="2" name="Title 1">
             <a:extLst>
               <a:ext uri="{FF2B5EF4-FFF2-40B4-BE49-F238E27FC236}">
@@ -6355,15 +6694,22 @@
             <p:ph type="title"/>
           </p:nvPr>
         </p:nvSpPr>
-        <p:spPr/>
-        <p:txBody>
-          <a:bodyPr/>
+        <p:spPr>
+          <a:xfrm>
+            <a:off x="1202924" y="408541"/>
+            <a:ext cx="3262544" cy="1112812"/>
+          </a:xfrm>
+        </p:spPr>
+        <p:txBody>
+          <a:bodyPr>
+            <a:normAutofit fontScale="90000"/>
+          </a:bodyPr>
           <a:lstStyle/>
           <a:p>
             <a:pPr algn="ctr"/>
             <a:r>
               <a:rPr lang="en-US" dirty="0"/>
-              <a:t>Research Questions</a:t>
+              <a:t>Research Question 1</a:t>
             </a:r>
             <a:endParaRPr lang="en-GB" dirty="0"/>
           </a:p>
@@ -6383,8 +6729,8 @@
         </p:nvSpPr>
         <p:spPr>
           <a:xfrm>
-            <a:off x="1189434" y="2125202"/>
-            <a:ext cx="5468818" cy="875450"/>
+            <a:off x="4782693" y="463166"/>
+            <a:ext cx="5805997" cy="1058187"/>
           </a:xfrm>
           <a:prstGeom prst="rect">
             <a:avLst/>
@@ -6393,7 +6739,7 @@
         </p:spPr>
         <p:txBody>
           <a:bodyPr wrap="square">
-            <a:normAutofit fontScale="85000" lnSpcReduction="20000"/>
+            <a:normAutofit fontScale="92500" lnSpcReduction="10000"/>
           </a:bodyPr>
           <a:lstStyle/>
           <a:p>
@@ -6407,42 +6753,6 @@
               <a:t>Can a FL architecture be designed to be resilient, allowing it to identify missing nodes, and adapt so that there is no loss in performance? </a:t>
             </a:r>
             <a:endParaRPr lang="en-GB" b="1" dirty="0"/>
-          </a:p>
-        </p:txBody>
-      </p:sp>
-      <p:sp>
-        <p:nvSpPr>
-          <p:cNvPr id="14" name="TextBox 13">
-            <a:extLst>
-              <a:ext uri="{FF2B5EF4-FFF2-40B4-BE49-F238E27FC236}">
-                <a16:creationId xmlns:a16="http://schemas.microsoft.com/office/drawing/2014/main" id="{D9D0AB5B-65B7-2487-EF79-97B298F3FB34}"/>
-              </a:ext>
-            </a:extLst>
-          </p:cNvPr>
-          <p:cNvSpPr txBox="1"/>
-          <p:nvPr/>
-        </p:nvSpPr>
-        <p:spPr>
-          <a:xfrm>
-            <a:off x="1097280" y="1737847"/>
-            <a:ext cx="2109488" cy="369332"/>
-          </a:xfrm>
-          <a:prstGeom prst="rect">
-            <a:avLst/>
-          </a:prstGeom>
-          <a:noFill/>
-        </p:spPr>
-        <p:txBody>
-          <a:bodyPr wrap="none" rtlCol="0">
-            <a:spAutoFit/>
-          </a:bodyPr>
-          <a:lstStyle/>
-          <a:p>
-            <a:r>
-              <a:rPr lang="en-US" dirty="0"/>
-              <a:t>Research Question 1</a:t>
-            </a:r>
-            <a:endParaRPr lang="en-GB" dirty="0"/>
           </a:p>
         </p:txBody>
       </p:sp>
@@ -6460,8 +6770,8 @@
         </p:nvSpPr>
         <p:spPr>
           <a:xfrm>
-            <a:off x="1189434" y="2114669"/>
-            <a:ext cx="5468818" cy="875451"/>
+            <a:off x="4811695" y="408541"/>
+            <a:ext cx="5805997" cy="1112812"/>
           </a:xfrm>
           <a:prstGeom prst="roundRect">
             <a:avLst/>
@@ -6493,6 +6803,42 @@
           </a:p>
         </p:txBody>
       </p:sp>
+      <p:pic>
+        <p:nvPicPr>
+          <p:cNvPr id="11" name="Picture 10" descr="A diagram of a diagram&#10;&#10;Description automatically generated with medium confidence">
+            <a:extLst>
+              <a:ext uri="{FF2B5EF4-FFF2-40B4-BE49-F238E27FC236}">
+                <a16:creationId xmlns:a16="http://schemas.microsoft.com/office/drawing/2014/main" id="{3184CB76-7485-B103-EC60-6AC34C95110F}"/>
+              </a:ext>
+            </a:extLst>
+          </p:cNvPr>
+          <p:cNvPicPr>
+            <a:picLocks noChangeAspect="1"/>
+          </p:cNvPicPr>
+          <p:nvPr/>
+        </p:nvPicPr>
+        <p:blipFill>
+          <a:blip r:embed="rId2">
+            <a:extLst>
+              <a:ext uri="{28A0092B-C50C-407E-A947-70E740481C1C}">
+                <a14:useLocalDpi xmlns:a14="http://schemas.microsoft.com/office/drawing/2010/main" val="0"/>
+              </a:ext>
+            </a:extLst>
+          </a:blip>
+          <a:stretch>
+            <a:fillRect/>
+          </a:stretch>
+        </p:blipFill>
+        <p:spPr>
+          <a:xfrm>
+            <a:off x="1318334" y="1748605"/>
+            <a:ext cx="9555331" cy="4539697"/>
+          </a:xfrm>
+          <a:prstGeom prst="rect">
+            <a:avLst/>
+          </a:prstGeom>
+        </p:spPr>
+      </p:pic>
     </p:spTree>
     <p:extLst>
       <p:ext uri="{BB962C8B-B14F-4D97-AF65-F5344CB8AC3E}">
@@ -6506,7 +6852,7 @@
 </p:sld>
 </file>
 
-<file path=ppt/slides/slide4.xml><?xml version="1.0" encoding="utf-8"?>
+<file path=ppt/slides/slide5.xml><?xml version="1.0" encoding="utf-8"?>
 <p:sld xmlns:a="http://schemas.openxmlformats.org/drawingml/2006/main" xmlns:r="http://schemas.openxmlformats.org/officeDocument/2006/relationships" xmlns:p="http://schemas.openxmlformats.org/presentationml/2006/main">
   <p:cSld>
     <p:spTree>
@@ -6514,7 +6860,7 @@
         <p:cNvPr id="1" name="">
           <a:extLst>
             <a:ext uri="{FF2B5EF4-FFF2-40B4-BE49-F238E27FC236}">
-              <a16:creationId xmlns:a16="http://schemas.microsoft.com/office/drawing/2014/main" id="{C103487E-61DD-12BD-72AB-DDB959FE2FC0}"/>
+              <a16:creationId xmlns:a16="http://schemas.microsoft.com/office/drawing/2014/main" id="{A75DFD47-E96D-8B48-0C28-FA7AC6E8305C}"/>
             </a:ext>
           </a:extLst>
         </p:cNvPr>
@@ -6534,7 +6880,7 @@
           <p:cNvPr id="2" name="Title 1">
             <a:extLst>
               <a:ext uri="{FF2B5EF4-FFF2-40B4-BE49-F238E27FC236}">
-                <a16:creationId xmlns:a16="http://schemas.microsoft.com/office/drawing/2014/main" id="{5B79BE80-421F-E0A2-E347-1FB3E87F24E8}"/>
+                <a16:creationId xmlns:a16="http://schemas.microsoft.com/office/drawing/2014/main" id="{31E878F4-4676-0EB5-3DD7-1EBC366A2B7F}"/>
               </a:ext>
             </a:extLst>
           </p:cNvPr>
@@ -6545,15 +6891,22 @@
             <p:ph type="title"/>
           </p:nvPr>
         </p:nvSpPr>
-        <p:spPr/>
-        <p:txBody>
-          <a:bodyPr/>
+        <p:spPr>
+          <a:xfrm>
+            <a:off x="1202924" y="408541"/>
+            <a:ext cx="3262544" cy="1112812"/>
+          </a:xfrm>
+        </p:spPr>
+        <p:txBody>
+          <a:bodyPr>
+            <a:normAutofit fontScale="90000"/>
+          </a:bodyPr>
           <a:lstStyle/>
           <a:p>
             <a:pPr algn="ctr"/>
             <a:r>
               <a:rPr lang="en-US" dirty="0"/>
-              <a:t>Research Questions</a:t>
+              <a:t>Research Question 2</a:t>
             </a:r>
             <a:endParaRPr lang="en-GB" dirty="0"/>
           </a:p>
@@ -6561,57 +6914,10 @@
       </p:sp>
       <p:sp>
         <p:nvSpPr>
-          <p:cNvPr id="8" name="TextBox 7">
+          <p:cNvPr id="15" name="Rectangle: Rounded Corners 14">
             <a:extLst>
               <a:ext uri="{FF2B5EF4-FFF2-40B4-BE49-F238E27FC236}">
-                <a16:creationId xmlns:a16="http://schemas.microsoft.com/office/drawing/2014/main" id="{4122F22F-CC6A-21A3-E65B-6D9079943A2F}"/>
-              </a:ext>
-            </a:extLst>
-          </p:cNvPr>
-          <p:cNvSpPr txBox="1"/>
-          <p:nvPr/>
-        </p:nvSpPr>
-        <p:spPr>
-          <a:xfrm>
-            <a:off x="5862556" y="3067088"/>
-            <a:ext cx="6094520" cy="1167503"/>
-          </a:xfrm>
-          <a:prstGeom prst="rect">
-            <a:avLst/>
-          </a:prstGeom>
-          <a:noFill/>
-        </p:spPr>
-        <p:txBody>
-          <a:bodyPr wrap="square">
-            <a:normAutofit lnSpcReduction="10000"/>
-          </a:bodyPr>
-          <a:lstStyle/>
-          <a:p>
-            <a:pPr algn="ctr"/>
-            <a:r>
-              <a:rPr lang="en-US" dirty="0"/>
-              <a:t>With the ever-increasing use of IoT devices, </a:t>
-            </a:r>
-            <a:r>
-              <a:rPr lang="en-US" b="1" dirty="0"/>
-              <a:t>can FL algorithms or tools be designed to operate specifically on Edge devices to minimize computational and costs</a:t>
-            </a:r>
-            <a:r>
-              <a:rPr lang="en-US" dirty="0"/>
-              <a:t>. The models should be adaptable to a range of data sources and types.</a:t>
-            </a:r>
-          </a:p>
-          <a:p>
-            <a:endParaRPr lang="en-US" dirty="0"/>
-          </a:p>
-        </p:txBody>
-      </p:sp>
-      <p:sp>
-        <p:nvSpPr>
-          <p:cNvPr id="13" name="Rectangle: Rounded Corners 12">
-            <a:extLst>
-              <a:ext uri="{FF2B5EF4-FFF2-40B4-BE49-F238E27FC236}">
-                <a16:creationId xmlns:a16="http://schemas.microsoft.com/office/drawing/2014/main" id="{C4D43637-DC10-B3A5-5029-8D1C5ADAC38A}"/>
+                <a16:creationId xmlns:a16="http://schemas.microsoft.com/office/drawing/2014/main" id="{67D2BD6C-5B3A-C5A0-94AC-D0ECC15EEFBC}"/>
               </a:ext>
             </a:extLst>
           </p:cNvPr>
@@ -6620,8 +6926,8 @@
         </p:nvSpPr>
         <p:spPr>
           <a:xfrm>
-            <a:off x="5862556" y="3022626"/>
-            <a:ext cx="6094520" cy="1200329"/>
+            <a:off x="4811695" y="408541"/>
+            <a:ext cx="5805997" cy="1112812"/>
           </a:xfrm>
           <a:prstGeom prst="roundRect">
             <a:avLst/>
@@ -6645,9 +6951,7 @@
           </a:fontRef>
         </p:style>
         <p:txBody>
-          <a:bodyPr rtlCol="0" anchor="ctr">
-            <a:normAutofit/>
-          </a:bodyPr>
+          <a:bodyPr rtlCol="0" anchor="ctr"/>
           <a:lstStyle/>
           <a:p>
             <a:pPr algn="ctr"/>
@@ -6657,10 +6961,10 @@
       </p:sp>
       <p:sp>
         <p:nvSpPr>
-          <p:cNvPr id="16" name="TextBox 15">
+          <p:cNvPr id="8" name="TextBox 7">
             <a:extLst>
               <a:ext uri="{FF2B5EF4-FFF2-40B4-BE49-F238E27FC236}">
-                <a16:creationId xmlns:a16="http://schemas.microsoft.com/office/drawing/2014/main" id="{B8B448B7-BD48-5613-6948-EFF3941D1E25}"/>
+                <a16:creationId xmlns:a16="http://schemas.microsoft.com/office/drawing/2014/main" id="{4122F22F-CC6A-21A3-E65B-6D9079943A2F}"/>
               </a:ext>
             </a:extLst>
           </p:cNvPr>
@@ -6669,8 +6973,8 @@
         </p:nvSpPr>
         <p:spPr>
           <a:xfrm>
-            <a:off x="8600671" y="2633193"/>
-            <a:ext cx="3161096" cy="369332"/>
+            <a:off x="4873840" y="506027"/>
+            <a:ext cx="5592933" cy="987980"/>
           </a:xfrm>
           <a:prstGeom prst="rect">
             <a:avLst/>
@@ -6678,24 +6982,70 @@
           <a:noFill/>
         </p:spPr>
         <p:txBody>
-          <a:bodyPr wrap="square" rtlCol="0">
-            <a:spAutoFit/>
+          <a:bodyPr wrap="square">
+            <a:normAutofit fontScale="85000" lnSpcReduction="10000"/>
           </a:bodyPr>
           <a:lstStyle/>
           <a:p>
-            <a:pPr algn="r"/>
+            <a:pPr algn="ctr"/>
             <a:r>
               <a:rPr lang="en-US" dirty="0"/>
-              <a:t>Research Question 2</a:t>
-            </a:r>
-            <a:endParaRPr lang="en-GB" dirty="0"/>
-          </a:p>
-        </p:txBody>
-      </p:sp>
+              <a:t>With the ever-increasing use of IoT devices, </a:t>
+            </a:r>
+            <a:r>
+              <a:rPr lang="en-US" b="1" dirty="0"/>
+              <a:t>can FL algorithms or tools be designed to operate specifically on Edge devices to minimize computational and costs</a:t>
+            </a:r>
+            <a:r>
+              <a:rPr lang="en-US" dirty="0"/>
+              <a:t>. The models should be adaptable to a range of data sources and types.</a:t>
+            </a:r>
+          </a:p>
+          <a:p>
+            <a:endParaRPr lang="en-US" dirty="0"/>
+          </a:p>
+        </p:txBody>
+      </p:sp>
+      <p:pic>
+        <p:nvPicPr>
+          <p:cNvPr id="4" name="Picture 3" descr="A diagram with text on it&#10;&#10;Description automatically generated">
+            <a:extLst>
+              <a:ext uri="{FF2B5EF4-FFF2-40B4-BE49-F238E27FC236}">
+                <a16:creationId xmlns:a16="http://schemas.microsoft.com/office/drawing/2014/main" id="{5B56D578-CB51-F8CE-5FB9-835BB51C03E6}"/>
+              </a:ext>
+            </a:extLst>
+          </p:cNvPr>
+          <p:cNvPicPr>
+            <a:picLocks noChangeAspect="1"/>
+          </p:cNvPicPr>
+          <p:nvPr/>
+        </p:nvPicPr>
+        <p:blipFill>
+          <a:blip r:embed="rId2">
+            <a:extLst>
+              <a:ext uri="{28A0092B-C50C-407E-A947-70E740481C1C}">
+                <a14:useLocalDpi xmlns:a14="http://schemas.microsoft.com/office/drawing/2010/main" val="0"/>
+              </a:ext>
+            </a:extLst>
+          </a:blip>
+          <a:stretch>
+            <a:fillRect/>
+          </a:stretch>
+        </p:blipFill>
+        <p:spPr>
+          <a:xfrm>
+            <a:off x="1052004" y="1769785"/>
+            <a:ext cx="10087992" cy="4427425"/>
+          </a:xfrm>
+          <a:prstGeom prst="rect">
+            <a:avLst/>
+          </a:prstGeom>
+        </p:spPr>
+      </p:pic>
     </p:spTree>
     <p:extLst>
       <p:ext uri="{BB962C8B-B14F-4D97-AF65-F5344CB8AC3E}">
-        <p14:creationId xmlns:p14="http://schemas.microsoft.com/office/powerpoint/2010/main" val="2342086455"/>
+        <p14:creationId xmlns:p14="http://schemas.microsoft.com/office/powerpoint/2010/main" val="788743055"/>
       </p:ext>
     </p:extLst>
   </p:cSld>
@@ -6705,7 +7055,170 @@
 </p:sld>
 </file>
 
-<file path=ppt/slides/slide5.xml><?xml version="1.0" encoding="utf-8"?>
+<file path=ppt/slides/slide6.xml><?xml version="1.0" encoding="utf-8"?>
+<p:sld xmlns:a="http://schemas.openxmlformats.org/drawingml/2006/main" xmlns:r="http://schemas.openxmlformats.org/officeDocument/2006/relationships" xmlns:p="http://schemas.openxmlformats.org/presentationml/2006/main">
+  <p:cSld>
+    <p:spTree>
+      <p:nvGrpSpPr>
+        <p:cNvPr id="1" name="">
+          <a:extLst>
+            <a:ext uri="{FF2B5EF4-FFF2-40B4-BE49-F238E27FC236}">
+              <a16:creationId xmlns:a16="http://schemas.microsoft.com/office/drawing/2014/main" id="{25AB105C-AF0D-278A-E4B2-1A113401BAFB}"/>
+            </a:ext>
+          </a:extLst>
+        </p:cNvPr>
+        <p:cNvGrpSpPr/>
+        <p:nvPr/>
+      </p:nvGrpSpPr>
+      <p:grpSpPr>
+        <a:xfrm>
+          <a:off x="0" y="0"/>
+          <a:ext cx="0" cy="0"/>
+          <a:chOff x="0" y="0"/>
+          <a:chExt cx="0" cy="0"/>
+        </a:xfrm>
+      </p:grpSpPr>
+      <p:sp>
+        <p:nvSpPr>
+          <p:cNvPr id="2" name="Title 1">
+            <a:extLst>
+              <a:ext uri="{FF2B5EF4-FFF2-40B4-BE49-F238E27FC236}">
+                <a16:creationId xmlns:a16="http://schemas.microsoft.com/office/drawing/2014/main" id="{1FD7FD30-CABE-80F9-096F-63AAA66F52B5}"/>
+              </a:ext>
+            </a:extLst>
+          </p:cNvPr>
+          <p:cNvSpPr>
+            <a:spLocks noGrp="1"/>
+          </p:cNvSpPr>
+          <p:nvPr>
+            <p:ph type="title"/>
+          </p:nvPr>
+        </p:nvSpPr>
+        <p:spPr>
+          <a:xfrm>
+            <a:off x="1202924" y="408541"/>
+            <a:ext cx="3262544" cy="1112812"/>
+          </a:xfrm>
+        </p:spPr>
+        <p:txBody>
+          <a:bodyPr>
+            <a:normAutofit fontScale="90000"/>
+          </a:bodyPr>
+          <a:lstStyle/>
+          <a:p>
+            <a:pPr algn="ctr"/>
+            <a:r>
+              <a:rPr lang="en-US" dirty="0"/>
+              <a:t>Research Question 3</a:t>
+            </a:r>
+            <a:endParaRPr lang="en-GB" dirty="0"/>
+          </a:p>
+        </p:txBody>
+      </p:sp>
+      <p:sp>
+        <p:nvSpPr>
+          <p:cNvPr id="15" name="Rectangle: Rounded Corners 14">
+            <a:extLst>
+              <a:ext uri="{FF2B5EF4-FFF2-40B4-BE49-F238E27FC236}">
+                <a16:creationId xmlns:a16="http://schemas.microsoft.com/office/drawing/2014/main" id="{4FC66C9B-35CF-0185-FDAA-B671BF099103}"/>
+              </a:ext>
+            </a:extLst>
+          </p:cNvPr>
+          <p:cNvSpPr/>
+          <p:nvPr/>
+        </p:nvSpPr>
+        <p:spPr>
+          <a:xfrm>
+            <a:off x="4811695" y="408541"/>
+            <a:ext cx="5805997" cy="1112812"/>
+          </a:xfrm>
+          <a:prstGeom prst="roundRect">
+            <a:avLst/>
+          </a:prstGeom>
+          <a:noFill/>
+        </p:spPr>
+        <p:style>
+          <a:lnRef idx="2">
+            <a:schemeClr val="accent1">
+              <a:shade val="15000"/>
+            </a:schemeClr>
+          </a:lnRef>
+          <a:fillRef idx="1">
+            <a:schemeClr val="accent1"/>
+          </a:fillRef>
+          <a:effectRef idx="0">
+            <a:schemeClr val="accent1"/>
+          </a:effectRef>
+          <a:fontRef idx="minor">
+            <a:schemeClr val="lt1"/>
+          </a:fontRef>
+        </p:style>
+        <p:txBody>
+          <a:bodyPr rtlCol="0" anchor="ctr"/>
+          <a:lstStyle/>
+          <a:p>
+            <a:pPr algn="ctr"/>
+            <a:endParaRPr lang="en-GB"/>
+          </a:p>
+        </p:txBody>
+      </p:sp>
+      <p:sp>
+        <p:nvSpPr>
+          <p:cNvPr id="19" name="TextBox 18">
+            <a:extLst>
+              <a:ext uri="{FF2B5EF4-FFF2-40B4-BE49-F238E27FC236}">
+                <a16:creationId xmlns:a16="http://schemas.microsoft.com/office/drawing/2014/main" id="{BECE7A34-9052-6E03-7A97-16BF03014EE1}"/>
+              </a:ext>
+            </a:extLst>
+          </p:cNvPr>
+          <p:cNvSpPr txBox="1"/>
+          <p:nvPr/>
+        </p:nvSpPr>
+        <p:spPr>
+          <a:xfrm>
+            <a:off x="4955955" y="488271"/>
+            <a:ext cx="5466429" cy="1033081"/>
+          </a:xfrm>
+          <a:prstGeom prst="rect">
+            <a:avLst/>
+          </a:prstGeom>
+          <a:noFill/>
+        </p:spPr>
+        <p:txBody>
+          <a:bodyPr wrap="square">
+            <a:normAutofit/>
+          </a:bodyPr>
+          <a:lstStyle/>
+          <a:p>
+            <a:pPr algn="ctr"/>
+            <a:r>
+              <a:rPr lang="en-US" b="1" dirty="0"/>
+              <a:t>Can we design efficient aggregation algorithms for FL </a:t>
+            </a:r>
+            <a:r>
+              <a:rPr lang="en-US" dirty="0"/>
+              <a:t>that minimize the data exchange between clients and servers while not reducing the model accuracy?</a:t>
+            </a:r>
+          </a:p>
+          <a:p>
+            <a:endParaRPr lang="en-US" dirty="0"/>
+          </a:p>
+        </p:txBody>
+      </p:sp>
+    </p:spTree>
+    <p:extLst>
+      <p:ext uri="{BB962C8B-B14F-4D97-AF65-F5344CB8AC3E}">
+        <p14:creationId xmlns:p14="http://schemas.microsoft.com/office/powerpoint/2010/main" val="3408599131"/>
+      </p:ext>
+    </p:extLst>
+  </p:cSld>
+  <p:clrMapOvr>
+    <a:masterClrMapping/>
+  </p:clrMapOvr>
+</p:sld>
+</file>
+
+<file path=ppt/slides/slide7.xml><?xml version="1.0" encoding="utf-8"?>
 <p:sld xmlns:a="http://schemas.openxmlformats.org/drawingml/2006/main" xmlns:r="http://schemas.openxmlformats.org/officeDocument/2006/relationships" xmlns:p="http://schemas.openxmlformats.org/presentationml/2006/main">
   <p:cSld>
     <p:spTree>
@@ -6753,263 +7266,6 @@
             <a:r>
               <a:rPr lang="en-US" dirty="0"/>
               <a:t>Research Questions</a:t>
-            </a:r>
-            <a:endParaRPr lang="en-GB" dirty="0"/>
-          </a:p>
-        </p:txBody>
-      </p:sp>
-      <p:sp>
-        <p:nvSpPr>
-          <p:cNvPr id="8" name="TextBox 7">
-            <a:extLst>
-              <a:ext uri="{FF2B5EF4-FFF2-40B4-BE49-F238E27FC236}">
-                <a16:creationId xmlns:a16="http://schemas.microsoft.com/office/drawing/2014/main" id="{FA70DBE6-F2CC-FDE2-2144-5B6F2D7D2FD5}"/>
-              </a:ext>
-            </a:extLst>
-          </p:cNvPr>
-          <p:cNvSpPr txBox="1"/>
-          <p:nvPr/>
-        </p:nvSpPr>
-        <p:spPr>
-          <a:xfrm>
-            <a:off x="5862556" y="3067088"/>
-            <a:ext cx="6094520" cy="1167503"/>
-          </a:xfrm>
-          <a:prstGeom prst="rect">
-            <a:avLst/>
-          </a:prstGeom>
-          <a:noFill/>
-        </p:spPr>
-        <p:txBody>
-          <a:bodyPr wrap="square">
-            <a:normAutofit fontScale="85000" lnSpcReduction="10000"/>
-          </a:bodyPr>
-          <a:lstStyle/>
-          <a:p>
-            <a:pPr algn="ctr"/>
-            <a:r>
-              <a:rPr lang="en-US" dirty="0"/>
-              <a:t>With the ever-increasing use of IoT devices, </a:t>
-            </a:r>
-            <a:r>
-              <a:rPr lang="en-US" b="1" dirty="0"/>
-              <a:t>can FL algorithms or tools be designed to operate specifically on resources Edge devices to minimize computational and communications costs</a:t>
-            </a:r>
-            <a:r>
-              <a:rPr lang="en-US" dirty="0"/>
-              <a:t>. The models should be adaptable to non independently and identically distributed data (IID), and ideally be carried out on the device.</a:t>
-            </a:r>
-          </a:p>
-          <a:p>
-            <a:endParaRPr lang="en-US" dirty="0"/>
-          </a:p>
-        </p:txBody>
-      </p:sp>
-      <p:sp>
-        <p:nvSpPr>
-          <p:cNvPr id="10" name="TextBox 9">
-            <a:extLst>
-              <a:ext uri="{FF2B5EF4-FFF2-40B4-BE49-F238E27FC236}">
-                <a16:creationId xmlns:a16="http://schemas.microsoft.com/office/drawing/2014/main" id="{6E99B88D-6F92-B1DC-8047-0B3100A9A188}"/>
-              </a:ext>
-            </a:extLst>
-          </p:cNvPr>
-          <p:cNvSpPr txBox="1"/>
-          <p:nvPr/>
-        </p:nvSpPr>
-        <p:spPr>
-          <a:xfrm>
-            <a:off x="1189434" y="2125202"/>
-            <a:ext cx="5468818" cy="875450"/>
-          </a:xfrm>
-          <a:prstGeom prst="rect">
-            <a:avLst/>
-          </a:prstGeom>
-          <a:noFill/>
-        </p:spPr>
-        <p:txBody>
-          <a:bodyPr wrap="square">
-            <a:normAutofit fontScale="85000" lnSpcReduction="20000"/>
-          </a:bodyPr>
-          <a:lstStyle/>
-          <a:p>
-            <a:pPr algn="ctr"/>
-            <a:r>
-              <a:rPr lang="en-US" dirty="0"/>
-              <a:t>In any large distributed network, there is a chance that some nodes can be lost, for a range of reason. </a:t>
-            </a:r>
-            <a:r>
-              <a:rPr lang="en-US" b="1" dirty="0"/>
-              <a:t>Can a FL architecture be designed to be resilient, allowing it to identify missing nodes, and adapt so that there is no loss in performance? </a:t>
-            </a:r>
-            <a:endParaRPr lang="en-GB" b="1" dirty="0"/>
-          </a:p>
-        </p:txBody>
-      </p:sp>
-      <p:sp>
-        <p:nvSpPr>
-          <p:cNvPr id="13" name="Rectangle: Rounded Corners 12">
-            <a:extLst>
-              <a:ext uri="{FF2B5EF4-FFF2-40B4-BE49-F238E27FC236}">
-                <a16:creationId xmlns:a16="http://schemas.microsoft.com/office/drawing/2014/main" id="{A4B880AF-35B5-94F0-1879-5389614D86B2}"/>
-              </a:ext>
-            </a:extLst>
-          </p:cNvPr>
-          <p:cNvSpPr/>
-          <p:nvPr/>
-        </p:nvSpPr>
-        <p:spPr>
-          <a:xfrm>
-            <a:off x="5862556" y="3022626"/>
-            <a:ext cx="6094520" cy="1200329"/>
-          </a:xfrm>
-          <a:prstGeom prst="roundRect">
-            <a:avLst/>
-          </a:prstGeom>
-          <a:noFill/>
-        </p:spPr>
-        <p:style>
-          <a:lnRef idx="2">
-            <a:schemeClr val="accent1">
-              <a:shade val="15000"/>
-            </a:schemeClr>
-          </a:lnRef>
-          <a:fillRef idx="1">
-            <a:schemeClr val="accent1"/>
-          </a:fillRef>
-          <a:effectRef idx="0">
-            <a:schemeClr val="accent1"/>
-          </a:effectRef>
-          <a:fontRef idx="minor">
-            <a:schemeClr val="lt1"/>
-          </a:fontRef>
-        </p:style>
-        <p:txBody>
-          <a:bodyPr rtlCol="0" anchor="ctr">
-            <a:normAutofit/>
-          </a:bodyPr>
-          <a:lstStyle/>
-          <a:p>
-            <a:pPr algn="ctr"/>
-            <a:endParaRPr lang="en-GB"/>
-          </a:p>
-        </p:txBody>
-      </p:sp>
-      <p:sp>
-        <p:nvSpPr>
-          <p:cNvPr id="14" name="TextBox 13">
-            <a:extLst>
-              <a:ext uri="{FF2B5EF4-FFF2-40B4-BE49-F238E27FC236}">
-                <a16:creationId xmlns:a16="http://schemas.microsoft.com/office/drawing/2014/main" id="{E582B5D7-66CD-0F41-2C6E-776FDD04B7E7}"/>
-              </a:ext>
-            </a:extLst>
-          </p:cNvPr>
-          <p:cNvSpPr txBox="1"/>
-          <p:nvPr/>
-        </p:nvSpPr>
-        <p:spPr>
-          <a:xfrm>
-            <a:off x="1097280" y="1737847"/>
-            <a:ext cx="2109488" cy="369332"/>
-          </a:xfrm>
-          <a:prstGeom prst="rect">
-            <a:avLst/>
-          </a:prstGeom>
-          <a:noFill/>
-        </p:spPr>
-        <p:txBody>
-          <a:bodyPr wrap="none" rtlCol="0">
-            <a:spAutoFit/>
-          </a:bodyPr>
-          <a:lstStyle/>
-          <a:p>
-            <a:r>
-              <a:rPr lang="en-US" dirty="0"/>
-              <a:t>Research Question 1</a:t>
-            </a:r>
-            <a:endParaRPr lang="en-GB" dirty="0"/>
-          </a:p>
-        </p:txBody>
-      </p:sp>
-      <p:sp>
-        <p:nvSpPr>
-          <p:cNvPr id="15" name="Rectangle: Rounded Corners 14">
-            <a:extLst>
-              <a:ext uri="{FF2B5EF4-FFF2-40B4-BE49-F238E27FC236}">
-                <a16:creationId xmlns:a16="http://schemas.microsoft.com/office/drawing/2014/main" id="{7E3C0550-7240-1B08-C482-CC122976F15D}"/>
-              </a:ext>
-            </a:extLst>
-          </p:cNvPr>
-          <p:cNvSpPr/>
-          <p:nvPr/>
-        </p:nvSpPr>
-        <p:spPr>
-          <a:xfrm>
-            <a:off x="1189434" y="2114669"/>
-            <a:ext cx="5468818" cy="875451"/>
-          </a:xfrm>
-          <a:prstGeom prst="roundRect">
-            <a:avLst/>
-          </a:prstGeom>
-          <a:noFill/>
-        </p:spPr>
-        <p:style>
-          <a:lnRef idx="2">
-            <a:schemeClr val="accent1">
-              <a:shade val="15000"/>
-            </a:schemeClr>
-          </a:lnRef>
-          <a:fillRef idx="1">
-            <a:schemeClr val="accent1"/>
-          </a:fillRef>
-          <a:effectRef idx="0">
-            <a:schemeClr val="accent1"/>
-          </a:effectRef>
-          <a:fontRef idx="minor">
-            <a:schemeClr val="lt1"/>
-          </a:fontRef>
-        </p:style>
-        <p:txBody>
-          <a:bodyPr rtlCol="0" anchor="ctr"/>
-          <a:lstStyle/>
-          <a:p>
-            <a:pPr algn="ctr"/>
-            <a:endParaRPr lang="en-GB"/>
-          </a:p>
-        </p:txBody>
-      </p:sp>
-      <p:sp>
-        <p:nvSpPr>
-          <p:cNvPr id="16" name="TextBox 15">
-            <a:extLst>
-              <a:ext uri="{FF2B5EF4-FFF2-40B4-BE49-F238E27FC236}">
-                <a16:creationId xmlns:a16="http://schemas.microsoft.com/office/drawing/2014/main" id="{BF024E74-A5FC-E1F3-DFE2-7B36BA1E30D7}"/>
-              </a:ext>
-            </a:extLst>
-          </p:cNvPr>
-          <p:cNvSpPr txBox="1"/>
-          <p:nvPr/>
-        </p:nvSpPr>
-        <p:spPr>
-          <a:xfrm>
-            <a:off x="8600671" y="2633193"/>
-            <a:ext cx="3161096" cy="369332"/>
-          </a:xfrm>
-          <a:prstGeom prst="rect">
-            <a:avLst/>
-          </a:prstGeom>
-          <a:noFill/>
-        </p:spPr>
-        <p:txBody>
-          <a:bodyPr wrap="square" rtlCol="0">
-            <a:spAutoFit/>
-          </a:bodyPr>
-          <a:lstStyle/>
-          <a:p>
-            <a:pPr algn="r"/>
-            <a:r>
-              <a:rPr lang="en-US" dirty="0"/>
-              <a:t>Research Question 2</a:t>
             </a:r>
             <a:endParaRPr lang="en-GB" dirty="0"/>
           </a:p>
@@ -7100,137 +7356,6 @@
           </a:p>
         </p:txBody>
       </p:sp>
-      <p:sp>
-        <p:nvSpPr>
-          <p:cNvPr id="19" name="TextBox 18">
-            <a:extLst>
-              <a:ext uri="{FF2B5EF4-FFF2-40B4-BE49-F238E27FC236}">
-                <a16:creationId xmlns:a16="http://schemas.microsoft.com/office/drawing/2014/main" id="{BECE7A34-9052-6E03-7A97-16BF03014EE1}"/>
-              </a:ext>
-            </a:extLst>
-          </p:cNvPr>
-          <p:cNvSpPr txBox="1"/>
-          <p:nvPr/>
-        </p:nvSpPr>
-        <p:spPr>
-          <a:xfrm>
-            <a:off x="1189434" y="4261046"/>
-            <a:ext cx="6094520" cy="954484"/>
-          </a:xfrm>
-          <a:prstGeom prst="rect">
-            <a:avLst/>
-          </a:prstGeom>
-          <a:noFill/>
-        </p:spPr>
-        <p:txBody>
-          <a:bodyPr wrap="square">
-            <a:normAutofit/>
-          </a:bodyPr>
-          <a:lstStyle/>
-          <a:p>
-            <a:pPr algn="ctr"/>
-            <a:r>
-              <a:rPr lang="en-US" b="1" dirty="0"/>
-              <a:t>Can we design efficient aggregation algorithms for FL </a:t>
-            </a:r>
-            <a:r>
-              <a:rPr lang="en-US" dirty="0"/>
-              <a:t>that minimize the data exchange between clients and servers while not reducing the model accuracy?</a:t>
-            </a:r>
-          </a:p>
-          <a:p>
-            <a:endParaRPr lang="en-US" dirty="0"/>
-          </a:p>
-        </p:txBody>
-      </p:sp>
-      <p:sp>
-        <p:nvSpPr>
-          <p:cNvPr id="3" name="TextBox 2">
-            <a:extLst>
-              <a:ext uri="{FF2B5EF4-FFF2-40B4-BE49-F238E27FC236}">
-                <a16:creationId xmlns:a16="http://schemas.microsoft.com/office/drawing/2014/main" id="{798EF416-5B39-C9F1-1510-584667A4470E}"/>
-              </a:ext>
-            </a:extLst>
-          </p:cNvPr>
-          <p:cNvSpPr txBox="1"/>
-          <p:nvPr/>
-        </p:nvSpPr>
-        <p:spPr>
-          <a:xfrm>
-            <a:off x="5997200" y="5376185"/>
-            <a:ext cx="6094520" cy="928382"/>
-          </a:xfrm>
-          <a:prstGeom prst="rect">
-            <a:avLst/>
-          </a:prstGeom>
-          <a:noFill/>
-        </p:spPr>
-        <p:txBody>
-          <a:bodyPr wrap="square">
-            <a:normAutofit/>
-          </a:bodyPr>
-          <a:lstStyle/>
-          <a:p>
-            <a:pPr algn="ctr"/>
-            <a:r>
-              <a:rPr lang="en-US" dirty="0"/>
-              <a:t>When thinking about robust and resilient FL systems, can blockchain </a:t>
-            </a:r>
-          </a:p>
-          <a:p>
-            <a:endParaRPr lang="en-US" dirty="0"/>
-          </a:p>
-        </p:txBody>
-      </p:sp>
-      <p:sp>
-        <p:nvSpPr>
-          <p:cNvPr id="4" name="Rectangle: Rounded Corners 3">
-            <a:extLst>
-              <a:ext uri="{FF2B5EF4-FFF2-40B4-BE49-F238E27FC236}">
-                <a16:creationId xmlns:a16="http://schemas.microsoft.com/office/drawing/2014/main" id="{2316EB86-7F05-ADB4-3272-3412E8B74443}"/>
-              </a:ext>
-            </a:extLst>
-          </p:cNvPr>
-          <p:cNvSpPr/>
-          <p:nvPr/>
-        </p:nvSpPr>
-        <p:spPr>
-          <a:xfrm>
-            <a:off x="5997200" y="5338446"/>
-            <a:ext cx="6094520" cy="954485"/>
-          </a:xfrm>
-          <a:prstGeom prst="roundRect">
-            <a:avLst/>
-          </a:prstGeom>
-          <a:noFill/>
-        </p:spPr>
-        <p:style>
-          <a:lnRef idx="2">
-            <a:schemeClr val="accent1">
-              <a:shade val="15000"/>
-            </a:schemeClr>
-          </a:lnRef>
-          <a:fillRef idx="1">
-            <a:schemeClr val="accent1"/>
-          </a:fillRef>
-          <a:effectRef idx="0">
-            <a:schemeClr val="accent1"/>
-          </a:effectRef>
-          <a:fontRef idx="minor">
-            <a:schemeClr val="lt1"/>
-          </a:fontRef>
-        </p:style>
-        <p:txBody>
-          <a:bodyPr rtlCol="0" anchor="ctr">
-            <a:normAutofit/>
-          </a:bodyPr>
-          <a:lstStyle/>
-          <a:p>
-            <a:pPr algn="ctr"/>
-            <a:endParaRPr lang="en-GB"/>
-          </a:p>
-        </p:txBody>
-      </p:sp>
     </p:spTree>
     <p:extLst>
       <p:ext uri="{BB962C8B-B14F-4D97-AF65-F5344CB8AC3E}">
@@ -7244,7 +7369,7 @@
 </p:sld>
 </file>
 
-<file path=ppt/slides/slide6.xml><?xml version="1.0" encoding="utf-8"?>
+<file path=ppt/slides/slide8.xml><?xml version="1.0" encoding="utf-8"?>
 <p:sld xmlns:a="http://schemas.openxmlformats.org/drawingml/2006/main" xmlns:r="http://schemas.openxmlformats.org/officeDocument/2006/relationships" xmlns:p="http://schemas.openxmlformats.org/presentationml/2006/main">
   <p:cSld>
     <p:spTree>

--- a/Presentations/Supervisor Meetings/2024/Upcoming Meeting.pptx
+++ b/Presentations/Supervisor Meetings/2024/Upcoming Meeting.pptx
@@ -13,6 +13,7 @@
     <p:sldId id="268" r:id="rId7"/>
     <p:sldId id="264" r:id="rId8"/>
     <p:sldId id="265" r:id="rId9"/>
+    <p:sldId id="269" r:id="rId10"/>
   </p:sldIdLst>
   <p:sldSz cx="12192000" cy="6858000"/>
   <p:notesSz cx="6858000" cy="9144000"/>
@@ -122,7 +123,7 @@
 <file path=ppt/revisionInfo.xml><?xml version="1.0" encoding="utf-8"?>
 <p1510:revInfo xmlns:a="http://schemas.openxmlformats.org/drawingml/2006/main" xmlns:r="http://schemas.openxmlformats.org/officeDocument/2006/relationships" xmlns:p1510="http://schemas.microsoft.com/office/powerpoint/2015/10/main">
   <p1510:revLst>
-    <p1510:client id="{B7574C7C-3686-460F-9B9F-2A9122AA95F8}" v="40" dt="2024-02-18T22:48:09.011"/>
+    <p1510:client id="{B7574C7C-3686-460F-9B9F-2A9122AA95F8}" v="46" dt="2024-02-19T18:35:19.781"/>
   </p1510:revLst>
 </p1510:revInfo>
 </file>
@@ -1483,7 +1484,7 @@
   <pc:docChgLst>
     <pc:chgData name="Sean O Fithcheallaigh" userId="47659c31-a575-4792-8be3-61268c4ee0d6" providerId="ADAL" clId="{B7574C7C-3686-460F-9B9F-2A9122AA95F8}"/>
     <pc:docChg chg="undo custSel addSld delSld modSld modMainMaster">
-      <pc:chgData name="Sean O Fithcheallaigh" userId="47659c31-a575-4792-8be3-61268c4ee0d6" providerId="ADAL" clId="{B7574C7C-3686-460F-9B9F-2A9122AA95F8}" dt="2024-02-18T22:48:27.068" v="2366" actId="20577"/>
+      <pc:chgData name="Sean O Fithcheallaigh" userId="47659c31-a575-4792-8be3-61268c4ee0d6" providerId="ADAL" clId="{B7574C7C-3686-460F-9B9F-2A9122AA95F8}" dt="2024-02-19T18:35:27.491" v="2542" actId="1076"/>
       <pc:docMkLst>
         <pc:docMk/>
       </pc:docMkLst>
@@ -1698,7 +1699,7 @@
         </pc:sldMkLst>
       </pc:sldChg>
       <pc:sldChg chg="addSp delSp modSp new mod chgLayout">
-        <pc:chgData name="Sean O Fithcheallaigh" userId="47659c31-a575-4792-8be3-61268c4ee0d6" providerId="ADAL" clId="{B7574C7C-3686-460F-9B9F-2A9122AA95F8}" dt="2024-02-18T20:49:53.613" v="2327" actId="1076"/>
+        <pc:chgData name="Sean O Fithcheallaigh" userId="47659c31-a575-4792-8be3-61268c4ee0d6" providerId="ADAL" clId="{B7574C7C-3686-460F-9B9F-2A9122AA95F8}" dt="2024-02-19T18:24:35.664" v="2529" actId="1076"/>
         <pc:sldMkLst>
           <pc:docMk/>
           <pc:sldMk cId="2974212779" sldId="262"/>
@@ -1847,6 +1848,14 @@
             <ac:graphicFrameMk id="4" creationId="{214AC544-048D-9AC6-C15B-95DB87E65341}"/>
           </ac:graphicFrameMkLst>
         </pc:graphicFrameChg>
+        <pc:picChg chg="add mod">
+          <ac:chgData name="Sean O Fithcheallaigh" userId="47659c31-a575-4792-8be3-61268c4ee0d6" providerId="ADAL" clId="{B7574C7C-3686-460F-9B9F-2A9122AA95F8}" dt="2024-02-19T18:24:35.664" v="2529" actId="1076"/>
+          <ac:picMkLst>
+            <pc:docMk/>
+            <pc:sldMk cId="2974212779" sldId="262"/>
+            <ac:picMk id="4" creationId="{2B301E7E-DFFF-347D-8886-41B2A3BC9414}"/>
+          </ac:picMkLst>
+        </pc:picChg>
         <pc:picChg chg="add del mod">
           <ac:chgData name="Sean O Fithcheallaigh" userId="47659c31-a575-4792-8be3-61268c4ee0d6" providerId="ADAL" clId="{B7574C7C-3686-460F-9B9F-2A9122AA95F8}" dt="2024-02-18T16:29:52.594" v="2245" actId="478"/>
           <ac:picMkLst>
@@ -1871,8 +1880,8 @@
             <ac:picMk id="8" creationId="{EBB4193B-BC40-8F38-0423-92474BD5FFC2}"/>
           </ac:picMkLst>
         </pc:picChg>
-        <pc:picChg chg="add mod ord">
-          <ac:chgData name="Sean O Fithcheallaigh" userId="47659c31-a575-4792-8be3-61268c4ee0d6" providerId="ADAL" clId="{B7574C7C-3686-460F-9B9F-2A9122AA95F8}" dt="2024-02-18T20:49:53.613" v="2327" actId="1076"/>
+        <pc:picChg chg="add del mod ord">
+          <ac:chgData name="Sean O Fithcheallaigh" userId="47659c31-a575-4792-8be3-61268c4ee0d6" providerId="ADAL" clId="{B7574C7C-3686-460F-9B9F-2A9122AA95F8}" dt="2024-02-19T18:23:31.838" v="2524" actId="478"/>
           <ac:picMkLst>
             <pc:docMk/>
             <pc:sldMk cId="2974212779" sldId="262"/>
@@ -2109,7 +2118,7 @@
         </pc:spChg>
       </pc:sldChg>
       <pc:sldChg chg="addSp delSp modSp add mod">
-        <pc:chgData name="Sean O Fithcheallaigh" userId="47659c31-a575-4792-8be3-61268c4ee0d6" providerId="ADAL" clId="{B7574C7C-3686-460F-9B9F-2A9122AA95F8}" dt="2024-02-18T22:47:16.484" v="2349" actId="1076"/>
+        <pc:chgData name="Sean O Fithcheallaigh" userId="47659c31-a575-4792-8be3-61268c4ee0d6" providerId="ADAL" clId="{B7574C7C-3686-460F-9B9F-2A9122AA95F8}" dt="2024-02-19T18:34:30.813" v="2536" actId="1076"/>
         <pc:sldMkLst>
           <pc:docMk/>
           <pc:sldMk cId="788743055" sldId="267"/>
@@ -2138,12 +2147,20 @@
             <ac:spMk id="10" creationId="{EBD7B968-9147-3196-3B41-5DCD0408049E}"/>
           </ac:spMkLst>
         </pc:spChg>
-        <pc:picChg chg="add mod">
-          <ac:chgData name="Sean O Fithcheallaigh" userId="47659c31-a575-4792-8be3-61268c4ee0d6" providerId="ADAL" clId="{B7574C7C-3686-460F-9B9F-2A9122AA95F8}" dt="2024-02-18T22:47:16.484" v="2349" actId="1076"/>
+        <pc:picChg chg="add del mod">
+          <ac:chgData name="Sean O Fithcheallaigh" userId="47659c31-a575-4792-8be3-61268c4ee0d6" providerId="ADAL" clId="{B7574C7C-3686-460F-9B9F-2A9122AA95F8}" dt="2024-02-19T18:33:54.978" v="2530" actId="478"/>
           <ac:picMkLst>
             <pc:docMk/>
             <pc:sldMk cId="788743055" sldId="267"/>
             <ac:picMk id="4" creationId="{5B56D578-CB51-F8CE-5FB9-835BB51C03E6}"/>
+          </ac:picMkLst>
+        </pc:picChg>
+        <pc:picChg chg="add mod">
+          <ac:chgData name="Sean O Fithcheallaigh" userId="47659c31-a575-4792-8be3-61268c4ee0d6" providerId="ADAL" clId="{B7574C7C-3686-460F-9B9F-2A9122AA95F8}" dt="2024-02-19T18:34:30.813" v="2536" actId="1076"/>
+          <ac:picMkLst>
+            <pc:docMk/>
+            <pc:sldMk cId="788743055" sldId="267"/>
+            <ac:picMk id="5" creationId="{330CED38-880D-1A6E-F2F5-50E784ED0B71}"/>
           </ac:picMkLst>
         </pc:picChg>
         <pc:picChg chg="del">
@@ -2156,7 +2173,7 @@
         </pc:picChg>
       </pc:sldChg>
       <pc:sldChg chg="addSp delSp modSp add mod">
-        <pc:chgData name="Sean O Fithcheallaigh" userId="47659c31-a575-4792-8be3-61268c4ee0d6" providerId="ADAL" clId="{B7574C7C-3686-460F-9B9F-2A9122AA95F8}" dt="2024-02-18T22:48:27.068" v="2366" actId="20577"/>
+        <pc:chgData name="Sean O Fithcheallaigh" userId="47659c31-a575-4792-8be3-61268c4ee0d6" providerId="ADAL" clId="{B7574C7C-3686-460F-9B9F-2A9122AA95F8}" dt="2024-02-19T18:35:27.491" v="2542" actId="1076"/>
         <pc:sldMkLst>
           <pc:docMk/>
           <pc:sldMk cId="3408599131" sldId="268"/>
@@ -2193,6 +2210,92 @@
             <ac:picMk id="4" creationId="{12015CF4-D7D8-79EE-6E57-27DB24F8A48D}"/>
           </ac:picMkLst>
         </pc:picChg>
+        <pc:picChg chg="add del mod">
+          <ac:chgData name="Sean O Fithcheallaigh" userId="47659c31-a575-4792-8be3-61268c4ee0d6" providerId="ADAL" clId="{B7574C7C-3686-460F-9B9F-2A9122AA95F8}" dt="2024-02-19T18:34:42.817" v="2537" actId="478"/>
+          <ac:picMkLst>
+            <pc:docMk/>
+            <pc:sldMk cId="3408599131" sldId="268"/>
+            <ac:picMk id="4" creationId="{F564CC6F-E1BB-7D18-F960-40635C6E8692}"/>
+          </ac:picMkLst>
+        </pc:picChg>
+        <pc:picChg chg="add mod">
+          <ac:chgData name="Sean O Fithcheallaigh" userId="47659c31-a575-4792-8be3-61268c4ee0d6" providerId="ADAL" clId="{B7574C7C-3686-460F-9B9F-2A9122AA95F8}" dt="2024-02-19T18:35:27.491" v="2542" actId="1076"/>
+          <ac:picMkLst>
+            <pc:docMk/>
+            <pc:sldMk cId="3408599131" sldId="268"/>
+            <ac:picMk id="6" creationId="{F92B1EA3-86C8-9D8D-6A8B-50BE3769FEB7}"/>
+          </ac:picMkLst>
+        </pc:picChg>
+      </pc:sldChg>
+      <pc:sldChg chg="modSp new mod">
+        <pc:chgData name="Sean O Fithcheallaigh" userId="47659c31-a575-4792-8be3-61268c4ee0d6" providerId="ADAL" clId="{B7574C7C-3686-460F-9B9F-2A9122AA95F8}" dt="2024-02-19T17:20:50.929" v="2373" actId="20577"/>
+        <pc:sldMkLst>
+          <pc:docMk/>
+          <pc:sldMk cId="2550028783" sldId="269"/>
+        </pc:sldMkLst>
+        <pc:spChg chg="mod">
+          <ac:chgData name="Sean O Fithcheallaigh" userId="47659c31-a575-4792-8be3-61268c4ee0d6" providerId="ADAL" clId="{B7574C7C-3686-460F-9B9F-2A9122AA95F8}" dt="2024-02-19T17:20:50.929" v="2373" actId="20577"/>
+          <ac:spMkLst>
+            <pc:docMk/>
+            <pc:sldMk cId="2550028783" sldId="269"/>
+            <ac:spMk id="2" creationId="{17058185-E9E4-FA65-C4BE-A187A1D7107B}"/>
+          </ac:spMkLst>
+        </pc:spChg>
+      </pc:sldChg>
+      <pc:sldChg chg="addSp delSp modSp new del mod chgLayout">
+        <pc:chgData name="Sean O Fithcheallaigh" userId="47659c31-a575-4792-8be3-61268c4ee0d6" providerId="ADAL" clId="{B7574C7C-3686-460F-9B9F-2A9122AA95F8}" dt="2024-02-19T17:58:21.190" v="2514" actId="2696"/>
+        <pc:sldMkLst>
+          <pc:docMk/>
+          <pc:sldMk cId="3480506106" sldId="270"/>
+        </pc:sldMkLst>
+        <pc:spChg chg="del">
+          <ac:chgData name="Sean O Fithcheallaigh" userId="47659c31-a575-4792-8be3-61268c4ee0d6" providerId="ADAL" clId="{B7574C7C-3686-460F-9B9F-2A9122AA95F8}" dt="2024-02-19T17:21:03.416" v="2375" actId="700"/>
+          <ac:spMkLst>
+            <pc:docMk/>
+            <pc:sldMk cId="3480506106" sldId="270"/>
+            <ac:spMk id="2" creationId="{C09E1CC4-5830-2FC9-E02C-5F6CE4DE745B}"/>
+          </ac:spMkLst>
+        </pc:spChg>
+        <pc:spChg chg="del">
+          <ac:chgData name="Sean O Fithcheallaigh" userId="47659c31-a575-4792-8be3-61268c4ee0d6" providerId="ADAL" clId="{B7574C7C-3686-460F-9B9F-2A9122AA95F8}" dt="2024-02-19T17:21:03.416" v="2375" actId="700"/>
+          <ac:spMkLst>
+            <pc:docMk/>
+            <pc:sldMk cId="3480506106" sldId="270"/>
+            <ac:spMk id="3" creationId="{CA39CA83-A003-68F8-81FF-92376FA2E8AE}"/>
+          </ac:spMkLst>
+        </pc:spChg>
+        <pc:spChg chg="add mod ord">
+          <ac:chgData name="Sean O Fithcheallaigh" userId="47659c31-a575-4792-8be3-61268c4ee0d6" providerId="ADAL" clId="{B7574C7C-3686-460F-9B9F-2A9122AA95F8}" dt="2024-02-19T17:24:29.822" v="2383" actId="20577"/>
+          <ac:spMkLst>
+            <pc:docMk/>
+            <pc:sldMk cId="3480506106" sldId="270"/>
+            <ac:spMk id="4" creationId="{DD8325DC-4CFF-36CF-00DB-5C92AD91E987}"/>
+          </ac:spMkLst>
+        </pc:spChg>
+        <pc:spChg chg="add del mod ord">
+          <ac:chgData name="Sean O Fithcheallaigh" userId="47659c31-a575-4792-8be3-61268c4ee0d6" providerId="ADAL" clId="{B7574C7C-3686-460F-9B9F-2A9122AA95F8}" dt="2024-02-19T17:24:15.875" v="2376" actId="478"/>
+          <ac:spMkLst>
+            <pc:docMk/>
+            <pc:sldMk cId="3480506106" sldId="270"/>
+            <ac:spMk id="5" creationId="{CFCF19CB-6D49-10EA-2F14-0CF837EA42B8}"/>
+          </ac:spMkLst>
+        </pc:spChg>
+        <pc:spChg chg="add mod">
+          <ac:chgData name="Sean O Fithcheallaigh" userId="47659c31-a575-4792-8be3-61268c4ee0d6" providerId="ADAL" clId="{B7574C7C-3686-460F-9B9F-2A9122AA95F8}" dt="2024-02-19T17:26:38.933" v="2480" actId="1076"/>
+          <ac:spMkLst>
+            <pc:docMk/>
+            <pc:sldMk cId="3480506106" sldId="270"/>
+            <ac:spMk id="6" creationId="{7476A7BC-65F3-83A2-8277-9206C20A27A9}"/>
+          </ac:spMkLst>
+        </pc:spChg>
+        <pc:spChg chg="add mod">
+          <ac:chgData name="Sean O Fithcheallaigh" userId="47659c31-a575-4792-8be3-61268c4ee0d6" providerId="ADAL" clId="{B7574C7C-3686-460F-9B9F-2A9122AA95F8}" dt="2024-02-19T17:30:31.580" v="2513" actId="20577"/>
+          <ac:spMkLst>
+            <pc:docMk/>
+            <pc:sldMk cId="3480506106" sldId="270"/>
+            <ac:spMk id="7" creationId="{C120372E-61A6-C062-A27C-DDD1EEBD1880}"/>
+          </ac:spMkLst>
+        </pc:spChg>
       </pc:sldChg>
       <pc:sldMasterChg chg="modSldLayout">
         <pc:chgData name="Sean O Fithcheallaigh" userId="47659c31-a575-4792-8be3-61268c4ee0d6" providerId="ADAL" clId="{B7574C7C-3686-460F-9B9F-2A9122AA95F8}" dt="2024-02-13T19:56:02.820" v="272"/>
@@ -2497,7 +2600,7 @@
           <a:p>
             <a:fld id="{0CD94E99-FA29-4EFF-88BE-3447E30E8C4D}" type="datetimeFigureOut">
               <a:rPr lang="en-GB" smtClean="0"/>
-              <a:t>18/02/2024</a:t>
+              <a:t>19/02/2024</a:t>
             </a:fld>
             <a:endParaRPr lang="en-GB"/>
           </a:p>
@@ -2705,7 +2808,7 @@
           <a:p>
             <a:fld id="{0CD94E99-FA29-4EFF-88BE-3447E30E8C4D}" type="datetimeFigureOut">
               <a:rPr lang="en-GB" smtClean="0"/>
-              <a:t>18/02/2024</a:t>
+              <a:t>19/02/2024</a:t>
             </a:fld>
             <a:endParaRPr lang="en-GB"/>
           </a:p>
@@ -2963,7 +3066,7 @@
           <a:p>
             <a:fld id="{0CD94E99-FA29-4EFF-88BE-3447E30E8C4D}" type="datetimeFigureOut">
               <a:rPr lang="en-GB" smtClean="0"/>
-              <a:t>18/02/2024</a:t>
+              <a:t>19/02/2024</a:t>
             </a:fld>
             <a:endParaRPr lang="en-GB"/>
           </a:p>
@@ -3141,7 +3244,7 @@
           <a:p>
             <a:fld id="{0CD94E99-FA29-4EFF-88BE-3447E30E8C4D}" type="datetimeFigureOut">
               <a:rPr lang="en-GB" smtClean="0"/>
-              <a:t>18/02/2024</a:t>
+              <a:t>19/02/2024</a:t>
             </a:fld>
             <a:endParaRPr lang="en-GB"/>
           </a:p>
@@ -3478,7 +3581,7 @@
           <a:p>
             <a:fld id="{0CD94E99-FA29-4EFF-88BE-3447E30E8C4D}" type="datetimeFigureOut">
               <a:rPr lang="en-GB" smtClean="0"/>
-              <a:t>18/02/2024</a:t>
+              <a:t>19/02/2024</a:t>
             </a:fld>
             <a:endParaRPr lang="en-GB"/>
           </a:p>
@@ -3758,7 +3861,7 @@
           <a:p>
             <a:fld id="{0CD94E99-FA29-4EFF-88BE-3447E30E8C4D}" type="datetimeFigureOut">
               <a:rPr lang="en-GB" smtClean="0"/>
-              <a:t>18/02/2024</a:t>
+              <a:t>19/02/2024</a:t>
             </a:fld>
             <a:endParaRPr lang="en-GB"/>
           </a:p>
@@ -4137,7 +4240,7 @@
           <a:p>
             <a:fld id="{0CD94E99-FA29-4EFF-88BE-3447E30E8C4D}" type="datetimeFigureOut">
               <a:rPr lang="en-GB" smtClean="0"/>
-              <a:t>18/02/2024</a:t>
+              <a:t>19/02/2024</a:t>
             </a:fld>
             <a:endParaRPr lang="en-GB"/>
           </a:p>
@@ -4255,7 +4358,7 @@
           <a:p>
             <a:fld id="{0CD94E99-FA29-4EFF-88BE-3447E30E8C4D}" type="datetimeFigureOut">
               <a:rPr lang="en-GB" smtClean="0"/>
-              <a:t>18/02/2024</a:t>
+              <a:t>19/02/2024</a:t>
             </a:fld>
             <a:endParaRPr lang="en-GB"/>
           </a:p>
@@ -4428,7 +4531,7 @@
           <a:p>
             <a:fld id="{0CD94E99-FA29-4EFF-88BE-3447E30E8C4D}" type="datetimeFigureOut">
               <a:rPr lang="en-GB" smtClean="0"/>
-              <a:t>18/02/2024</a:t>
+              <a:t>19/02/2024</a:t>
             </a:fld>
             <a:endParaRPr lang="en-GB"/>
           </a:p>
@@ -4784,7 +4887,7 @@
           <a:p>
             <a:fld id="{0CD94E99-FA29-4EFF-88BE-3447E30E8C4D}" type="datetimeFigureOut">
               <a:rPr lang="en-GB" smtClean="0"/>
-              <a:t>18/02/2024</a:t>
+              <a:t>19/02/2024</a:t>
             </a:fld>
             <a:endParaRPr lang="en-GB"/>
           </a:p>
@@ -5163,7 +5266,7 @@
           <a:p>
             <a:fld id="{0CD94E99-FA29-4EFF-88BE-3447E30E8C4D}" type="datetimeFigureOut">
               <a:rPr lang="en-GB" smtClean="0"/>
-              <a:t>18/02/2024</a:t>
+              <a:t>19/02/2024</a:t>
             </a:fld>
             <a:endParaRPr lang="en-GB"/>
           </a:p>
@@ -5452,7 +5555,7 @@
           <a:p>
             <a:fld id="{0CD94E99-FA29-4EFF-88BE-3447E30E8C4D}" type="datetimeFigureOut">
               <a:rPr lang="en-GB" smtClean="0"/>
-              <a:t>18/02/2024</a:t>
+              <a:t>19/02/2024</a:t>
             </a:fld>
             <a:endParaRPr lang="en-GB"/>
           </a:p>
@@ -6805,10 +6908,10 @@
       </p:sp>
       <p:pic>
         <p:nvPicPr>
-          <p:cNvPr id="11" name="Picture 10" descr="A diagram of a diagram&#10;&#10;Description automatically generated with medium confidence">
+          <p:cNvPr id="4" name="Picture 3" descr="A diagram of a flowchart&#10;&#10;Description automatically generated">
             <a:extLst>
               <a:ext uri="{FF2B5EF4-FFF2-40B4-BE49-F238E27FC236}">
-                <a16:creationId xmlns:a16="http://schemas.microsoft.com/office/drawing/2014/main" id="{3184CB76-7485-B103-EC60-6AC34C95110F}"/>
+                <a16:creationId xmlns:a16="http://schemas.microsoft.com/office/drawing/2014/main" id="{2B301E7E-DFFF-347D-8886-41B2A3BC9414}"/>
               </a:ext>
             </a:extLst>
           </p:cNvPr>
@@ -6831,8 +6934,8 @@
         </p:blipFill>
         <p:spPr>
           <a:xfrm>
-            <a:off x="1318334" y="1748605"/>
-            <a:ext cx="9555331" cy="4539697"/>
+            <a:off x="1464815" y="1733752"/>
+            <a:ext cx="9439922" cy="4484957"/>
           </a:xfrm>
           <a:prstGeom prst="rect">
             <a:avLst/>
@@ -7008,10 +7111,10 @@
       </p:sp>
       <p:pic>
         <p:nvPicPr>
-          <p:cNvPr id="4" name="Picture 3" descr="A diagram with text on it&#10;&#10;Description automatically generated">
+          <p:cNvPr id="5" name="Picture 4" descr="A close-up of a diagram&#10;&#10;Description automatically generated">
             <a:extLst>
               <a:ext uri="{FF2B5EF4-FFF2-40B4-BE49-F238E27FC236}">
-                <a16:creationId xmlns:a16="http://schemas.microsoft.com/office/drawing/2014/main" id="{5B56D578-CB51-F8CE-5FB9-835BB51C03E6}"/>
+                <a16:creationId xmlns:a16="http://schemas.microsoft.com/office/drawing/2014/main" id="{330CED38-880D-1A6E-F2F5-50E784ED0B71}"/>
               </a:ext>
             </a:extLst>
           </p:cNvPr>
@@ -7034,8 +7137,8 @@
         </p:blipFill>
         <p:spPr>
           <a:xfrm>
-            <a:off x="1052004" y="1769785"/>
-            <a:ext cx="10087992" cy="4427425"/>
+            <a:off x="878440" y="1826162"/>
+            <a:ext cx="10435119" cy="4373527"/>
           </a:xfrm>
           <a:prstGeom prst="rect">
             <a:avLst/>
@@ -7205,6 +7308,42 @@
           </a:p>
         </p:txBody>
       </p:sp>
+      <p:pic>
+        <p:nvPicPr>
+          <p:cNvPr id="6" name="Picture 5" descr="A diagram of a diagram&#10;&#10;Description automatically generated">
+            <a:extLst>
+              <a:ext uri="{FF2B5EF4-FFF2-40B4-BE49-F238E27FC236}">
+                <a16:creationId xmlns:a16="http://schemas.microsoft.com/office/drawing/2014/main" id="{F92B1EA3-86C8-9D8D-6A8B-50BE3769FEB7}"/>
+              </a:ext>
+            </a:extLst>
+          </p:cNvPr>
+          <p:cNvPicPr>
+            <a:picLocks noChangeAspect="1"/>
+          </p:cNvPicPr>
+          <p:nvPr/>
+        </p:nvPicPr>
+        <p:blipFill>
+          <a:blip r:embed="rId2">
+            <a:extLst>
+              <a:ext uri="{28A0092B-C50C-407E-A947-70E740481C1C}">
+                <a14:useLocalDpi xmlns:a14="http://schemas.microsoft.com/office/drawing/2010/main" val="0"/>
+              </a:ext>
+            </a:extLst>
+          </a:blip>
+          <a:stretch>
+            <a:fillRect/>
+          </a:stretch>
+        </p:blipFill>
+        <p:spPr>
+          <a:xfrm>
+            <a:off x="1779973" y="1800856"/>
+            <a:ext cx="8632054" cy="4272645"/>
+          </a:xfrm>
+          <a:prstGeom prst="rect">
+            <a:avLst/>
+          </a:prstGeom>
+        </p:spPr>
+      </p:pic>
     </p:spTree>
     <p:extLst>
       <p:ext uri="{BB962C8B-B14F-4D97-AF65-F5344CB8AC3E}">
@@ -7899,6 +8038,90 @@
     <p:extLst>
       <p:ext uri="{BB962C8B-B14F-4D97-AF65-F5344CB8AC3E}">
         <p14:creationId xmlns:p14="http://schemas.microsoft.com/office/powerpoint/2010/main" val="3782082519"/>
+      </p:ext>
+    </p:extLst>
+  </p:cSld>
+  <p:clrMapOvr>
+    <a:masterClrMapping/>
+  </p:clrMapOvr>
+</p:sld>
+</file>
+
+<file path=ppt/slides/slide9.xml><?xml version="1.0" encoding="utf-8"?>
+<p:sld xmlns:a="http://schemas.openxmlformats.org/drawingml/2006/main" xmlns:r="http://schemas.openxmlformats.org/officeDocument/2006/relationships" xmlns:p="http://schemas.openxmlformats.org/presentationml/2006/main">
+  <p:cSld>
+    <p:spTree>
+      <p:nvGrpSpPr>
+        <p:cNvPr id="1" name=""/>
+        <p:cNvGrpSpPr/>
+        <p:nvPr/>
+      </p:nvGrpSpPr>
+      <p:grpSpPr>
+        <a:xfrm>
+          <a:off x="0" y="0"/>
+          <a:ext cx="0" cy="0"/>
+          <a:chOff x="0" y="0"/>
+          <a:chExt cx="0" cy="0"/>
+        </a:xfrm>
+      </p:grpSpPr>
+      <p:sp>
+        <p:nvSpPr>
+          <p:cNvPr id="2" name="Title 1">
+            <a:extLst>
+              <a:ext uri="{FF2B5EF4-FFF2-40B4-BE49-F238E27FC236}">
+                <a16:creationId xmlns:a16="http://schemas.microsoft.com/office/drawing/2014/main" id="{17058185-E9E4-FA65-C4BE-A187A1D7107B}"/>
+              </a:ext>
+            </a:extLst>
+          </p:cNvPr>
+          <p:cNvSpPr>
+            <a:spLocks noGrp="1"/>
+          </p:cNvSpPr>
+          <p:nvPr>
+            <p:ph type="title"/>
+          </p:nvPr>
+        </p:nvSpPr>
+        <p:spPr/>
+        <p:txBody>
+          <a:bodyPr/>
+          <a:lstStyle/>
+          <a:p>
+            <a:r>
+              <a:rPr lang="en-US" dirty="0"/>
+              <a:t>Backup</a:t>
+            </a:r>
+            <a:endParaRPr lang="en-GB" dirty="0"/>
+          </a:p>
+        </p:txBody>
+      </p:sp>
+      <p:sp>
+        <p:nvSpPr>
+          <p:cNvPr id="3" name="Content Placeholder 2">
+            <a:extLst>
+              <a:ext uri="{FF2B5EF4-FFF2-40B4-BE49-F238E27FC236}">
+                <a16:creationId xmlns:a16="http://schemas.microsoft.com/office/drawing/2014/main" id="{DF79C7AA-017F-7A8A-7B4C-892611F7684C}"/>
+              </a:ext>
+            </a:extLst>
+          </p:cNvPr>
+          <p:cNvSpPr>
+            <a:spLocks noGrp="1"/>
+          </p:cNvSpPr>
+          <p:nvPr>
+            <p:ph idx="1"/>
+          </p:nvPr>
+        </p:nvSpPr>
+        <p:spPr/>
+        <p:txBody>
+          <a:bodyPr/>
+          <a:lstStyle/>
+          <a:p>
+            <a:endParaRPr lang="en-GB"/>
+          </a:p>
+        </p:txBody>
+      </p:sp>
+    </p:spTree>
+    <p:extLst>
+      <p:ext uri="{BB962C8B-B14F-4D97-AF65-F5344CB8AC3E}">
+        <p14:creationId xmlns:p14="http://schemas.microsoft.com/office/powerpoint/2010/main" val="2550028783"/>
       </p:ext>
     </p:extLst>
   </p:cSld>

--- a/Presentations/Supervisor Meetings/2024/Upcoming Meeting.pptx
+++ b/Presentations/Supervisor Meetings/2024/Upcoming Meeting.pptx
@@ -11,9 +11,8 @@
     <p:sldId id="262" r:id="rId5"/>
     <p:sldId id="267" r:id="rId6"/>
     <p:sldId id="268" r:id="rId7"/>
-    <p:sldId id="264" r:id="rId8"/>
-    <p:sldId id="265" r:id="rId9"/>
-    <p:sldId id="269" r:id="rId10"/>
+    <p:sldId id="265" r:id="rId8"/>
+    <p:sldId id="269" r:id="rId9"/>
   </p:sldIdLst>
   <p:sldSz cx="12192000" cy="6858000"/>
   <p:notesSz cx="6858000" cy="9144000"/>
@@ -1484,7 +1483,7 @@
   <pc:docChgLst>
     <pc:chgData name="Sean O Fithcheallaigh" userId="47659c31-a575-4792-8be3-61268c4ee0d6" providerId="ADAL" clId="{B7574C7C-3686-460F-9B9F-2A9122AA95F8}"/>
     <pc:docChg chg="undo custSel addSld delSld modSld modMainMaster">
-      <pc:chgData name="Sean O Fithcheallaigh" userId="47659c31-a575-4792-8be3-61268c4ee0d6" providerId="ADAL" clId="{B7574C7C-3686-460F-9B9F-2A9122AA95F8}" dt="2024-02-19T18:35:27.491" v="2542" actId="1076"/>
+      <pc:chgData name="Sean O Fithcheallaigh" userId="47659c31-a575-4792-8be3-61268c4ee0d6" providerId="ADAL" clId="{B7574C7C-3686-460F-9B9F-2A9122AA95F8}" dt="2024-02-21T13:47:52.806" v="2548" actId="478"/>
       <pc:docMkLst>
         <pc:docMk/>
       </pc:docMkLst>
@@ -1699,7 +1698,7 @@
         </pc:sldMkLst>
       </pc:sldChg>
       <pc:sldChg chg="addSp delSp modSp new mod chgLayout">
-        <pc:chgData name="Sean O Fithcheallaigh" userId="47659c31-a575-4792-8be3-61268c4ee0d6" providerId="ADAL" clId="{B7574C7C-3686-460F-9B9F-2A9122AA95F8}" dt="2024-02-19T18:24:35.664" v="2529" actId="1076"/>
+        <pc:chgData name="Sean O Fithcheallaigh" userId="47659c31-a575-4792-8be3-61268c4ee0d6" providerId="ADAL" clId="{B7574C7C-3686-460F-9B9F-2A9122AA95F8}" dt="2024-02-19T20:23:47.515" v="2543" actId="1076"/>
         <pc:sldMkLst>
           <pc:docMk/>
           <pc:sldMk cId="2974212779" sldId="262"/>
@@ -1849,7 +1848,7 @@
           </ac:graphicFrameMkLst>
         </pc:graphicFrameChg>
         <pc:picChg chg="add mod">
-          <ac:chgData name="Sean O Fithcheallaigh" userId="47659c31-a575-4792-8be3-61268c4ee0d6" providerId="ADAL" clId="{B7574C7C-3686-460F-9B9F-2A9122AA95F8}" dt="2024-02-19T18:24:35.664" v="2529" actId="1076"/>
+          <ac:chgData name="Sean O Fithcheallaigh" userId="47659c31-a575-4792-8be3-61268c4ee0d6" providerId="ADAL" clId="{B7574C7C-3686-460F-9B9F-2A9122AA95F8}" dt="2024-02-19T20:23:47.515" v="2543" actId="1076"/>
           <ac:picMkLst>
             <pc:docMk/>
             <pc:sldMk cId="2974212779" sldId="262"/>
@@ -1992,8 +1991,8 @@
           </ac:spMkLst>
         </pc:spChg>
       </pc:sldChg>
-      <pc:sldChg chg="delSp add mod">
-        <pc:chgData name="Sean O Fithcheallaigh" userId="47659c31-a575-4792-8be3-61268c4ee0d6" providerId="ADAL" clId="{B7574C7C-3686-460F-9B9F-2A9122AA95F8}" dt="2024-02-18T22:48:06.552" v="2358" actId="21"/>
+      <pc:sldChg chg="delSp add del mod">
+        <pc:chgData name="Sean O Fithcheallaigh" userId="47659c31-a575-4792-8be3-61268c4ee0d6" providerId="ADAL" clId="{B7574C7C-3686-460F-9B9F-2A9122AA95F8}" dt="2024-02-21T13:47:23.304" v="2544" actId="47"/>
         <pc:sldMkLst>
           <pc:docMk/>
           <pc:sldMk cId="2844604785" sldId="264"/>
@@ -2071,12 +2070,84 @@
           </ac:spMkLst>
         </pc:spChg>
       </pc:sldChg>
-      <pc:sldChg chg="add">
-        <pc:chgData name="Sean O Fithcheallaigh" userId="47659c31-a575-4792-8be3-61268c4ee0d6" providerId="ADAL" clId="{B7574C7C-3686-460F-9B9F-2A9122AA95F8}" dt="2024-02-17T12:30:56.947" v="2030" actId="2890"/>
+      <pc:sldChg chg="delSp add mod">
+        <pc:chgData name="Sean O Fithcheallaigh" userId="47659c31-a575-4792-8be3-61268c4ee0d6" providerId="ADAL" clId="{B7574C7C-3686-460F-9B9F-2A9122AA95F8}" dt="2024-02-21T13:47:52.806" v="2548" actId="478"/>
         <pc:sldMkLst>
           <pc:docMk/>
           <pc:sldMk cId="3782082519" sldId="265"/>
         </pc:sldMkLst>
+        <pc:spChg chg="del">
+          <ac:chgData name="Sean O Fithcheallaigh" userId="47659c31-a575-4792-8be3-61268c4ee0d6" providerId="ADAL" clId="{B7574C7C-3686-460F-9B9F-2A9122AA95F8}" dt="2024-02-21T13:47:50.211" v="2547" actId="478"/>
+          <ac:spMkLst>
+            <pc:docMk/>
+            <pc:sldMk cId="3782082519" sldId="265"/>
+            <ac:spMk id="8" creationId="{49616EDE-1929-BB49-E8B3-EA33C81C48CE}"/>
+          </ac:spMkLst>
+        </pc:spChg>
+        <pc:spChg chg="del">
+          <ac:chgData name="Sean O Fithcheallaigh" userId="47659c31-a575-4792-8be3-61268c4ee0d6" providerId="ADAL" clId="{B7574C7C-3686-460F-9B9F-2A9122AA95F8}" dt="2024-02-21T13:47:52.806" v="2548" actId="478"/>
+          <ac:spMkLst>
+            <pc:docMk/>
+            <pc:sldMk cId="3782082519" sldId="265"/>
+            <ac:spMk id="10" creationId="{2E011869-EC12-4DF2-2BF1-0C6545DACE4E}"/>
+          </ac:spMkLst>
+        </pc:spChg>
+        <pc:spChg chg="del">
+          <ac:chgData name="Sean O Fithcheallaigh" userId="47659c31-a575-4792-8be3-61268c4ee0d6" providerId="ADAL" clId="{B7574C7C-3686-460F-9B9F-2A9122AA95F8}" dt="2024-02-21T13:47:44.255" v="2545" actId="478"/>
+          <ac:spMkLst>
+            <pc:docMk/>
+            <pc:sldMk cId="3782082519" sldId="265"/>
+            <ac:spMk id="13" creationId="{9D4EFA77-B219-B3C7-6A7C-6F80AE811C7A}"/>
+          </ac:spMkLst>
+        </pc:spChg>
+        <pc:spChg chg="del">
+          <ac:chgData name="Sean O Fithcheallaigh" userId="47659c31-a575-4792-8be3-61268c4ee0d6" providerId="ADAL" clId="{B7574C7C-3686-460F-9B9F-2A9122AA95F8}" dt="2024-02-21T13:47:44.255" v="2545" actId="478"/>
+          <ac:spMkLst>
+            <pc:docMk/>
+            <pc:sldMk cId="3782082519" sldId="265"/>
+            <ac:spMk id="14" creationId="{2C444DD1-9238-12EF-908C-1794A1DF0440}"/>
+          </ac:spMkLst>
+        </pc:spChg>
+        <pc:spChg chg="del">
+          <ac:chgData name="Sean O Fithcheallaigh" userId="47659c31-a575-4792-8be3-61268c4ee0d6" providerId="ADAL" clId="{B7574C7C-3686-460F-9B9F-2A9122AA95F8}" dt="2024-02-21T13:47:44.255" v="2545" actId="478"/>
+          <ac:spMkLst>
+            <pc:docMk/>
+            <pc:sldMk cId="3782082519" sldId="265"/>
+            <ac:spMk id="15" creationId="{4508A9F1-BA5D-F7C2-A8DF-679565A2D5FF}"/>
+          </ac:spMkLst>
+        </pc:spChg>
+        <pc:spChg chg="del">
+          <ac:chgData name="Sean O Fithcheallaigh" userId="47659c31-a575-4792-8be3-61268c4ee0d6" providerId="ADAL" clId="{B7574C7C-3686-460F-9B9F-2A9122AA95F8}" dt="2024-02-21T13:47:44.255" v="2545" actId="478"/>
+          <ac:spMkLst>
+            <pc:docMk/>
+            <pc:sldMk cId="3782082519" sldId="265"/>
+            <ac:spMk id="16" creationId="{39FA9E42-CAFB-48E3-6C47-14712A0460E1}"/>
+          </ac:spMkLst>
+        </pc:spChg>
+        <pc:spChg chg="del">
+          <ac:chgData name="Sean O Fithcheallaigh" userId="47659c31-a575-4792-8be3-61268c4ee0d6" providerId="ADAL" clId="{B7574C7C-3686-460F-9B9F-2A9122AA95F8}" dt="2024-02-21T13:47:44.255" v="2545" actId="478"/>
+          <ac:spMkLst>
+            <pc:docMk/>
+            <pc:sldMk cId="3782082519" sldId="265"/>
+            <ac:spMk id="17" creationId="{D21578CC-15CC-92EC-7229-046D5C3CEE6A}"/>
+          </ac:spMkLst>
+        </pc:spChg>
+        <pc:spChg chg="del">
+          <ac:chgData name="Sean O Fithcheallaigh" userId="47659c31-a575-4792-8be3-61268c4ee0d6" providerId="ADAL" clId="{B7574C7C-3686-460F-9B9F-2A9122AA95F8}" dt="2024-02-21T13:47:44.255" v="2545" actId="478"/>
+          <ac:spMkLst>
+            <pc:docMk/>
+            <pc:sldMk cId="3782082519" sldId="265"/>
+            <ac:spMk id="18" creationId="{2BB441D9-104D-3543-0995-9785C504B36F}"/>
+          </ac:spMkLst>
+        </pc:spChg>
+        <pc:spChg chg="del">
+          <ac:chgData name="Sean O Fithcheallaigh" userId="47659c31-a575-4792-8be3-61268c4ee0d6" providerId="ADAL" clId="{B7574C7C-3686-460F-9B9F-2A9122AA95F8}" dt="2024-02-21T13:47:47.494" v="2546" actId="478"/>
+          <ac:spMkLst>
+            <pc:docMk/>
+            <pc:sldMk cId="3782082519" sldId="265"/>
+            <ac:spMk id="19" creationId="{6AC0E29E-2C9A-6E0C-3F63-C28C07190676}"/>
+          </ac:spMkLst>
+        </pc:spChg>
       </pc:sldChg>
       <pc:sldChg chg="addSp delSp modSp new mod modClrScheme chgLayout">
         <pc:chgData name="Sean O Fithcheallaigh" userId="47659c31-a575-4792-8be3-61268c4ee0d6" providerId="ADAL" clId="{B7574C7C-3686-460F-9B9F-2A9122AA95F8}" dt="2024-02-18T19:19:17.093" v="2304" actId="20577"/>
@@ -2600,7 +2671,7 @@
           <a:p>
             <a:fld id="{0CD94E99-FA29-4EFF-88BE-3447E30E8C4D}" type="datetimeFigureOut">
               <a:rPr lang="en-GB" smtClean="0"/>
-              <a:t>19/02/2024</a:t>
+              <a:t>21/02/2024</a:t>
             </a:fld>
             <a:endParaRPr lang="en-GB"/>
           </a:p>
@@ -2808,7 +2879,7 @@
           <a:p>
             <a:fld id="{0CD94E99-FA29-4EFF-88BE-3447E30E8C4D}" type="datetimeFigureOut">
               <a:rPr lang="en-GB" smtClean="0"/>
-              <a:t>19/02/2024</a:t>
+              <a:t>21/02/2024</a:t>
             </a:fld>
             <a:endParaRPr lang="en-GB"/>
           </a:p>
@@ -3066,7 +3137,7 @@
           <a:p>
             <a:fld id="{0CD94E99-FA29-4EFF-88BE-3447E30E8C4D}" type="datetimeFigureOut">
               <a:rPr lang="en-GB" smtClean="0"/>
-              <a:t>19/02/2024</a:t>
+              <a:t>21/02/2024</a:t>
             </a:fld>
             <a:endParaRPr lang="en-GB"/>
           </a:p>
@@ -3244,7 +3315,7 @@
           <a:p>
             <a:fld id="{0CD94E99-FA29-4EFF-88BE-3447E30E8C4D}" type="datetimeFigureOut">
               <a:rPr lang="en-GB" smtClean="0"/>
-              <a:t>19/02/2024</a:t>
+              <a:t>21/02/2024</a:t>
             </a:fld>
             <a:endParaRPr lang="en-GB"/>
           </a:p>
@@ -3581,7 +3652,7 @@
           <a:p>
             <a:fld id="{0CD94E99-FA29-4EFF-88BE-3447E30E8C4D}" type="datetimeFigureOut">
               <a:rPr lang="en-GB" smtClean="0"/>
-              <a:t>19/02/2024</a:t>
+              <a:t>21/02/2024</a:t>
             </a:fld>
             <a:endParaRPr lang="en-GB"/>
           </a:p>
@@ -3861,7 +3932,7 @@
           <a:p>
             <a:fld id="{0CD94E99-FA29-4EFF-88BE-3447E30E8C4D}" type="datetimeFigureOut">
               <a:rPr lang="en-GB" smtClean="0"/>
-              <a:t>19/02/2024</a:t>
+              <a:t>21/02/2024</a:t>
             </a:fld>
             <a:endParaRPr lang="en-GB"/>
           </a:p>
@@ -4240,7 +4311,7 @@
           <a:p>
             <a:fld id="{0CD94E99-FA29-4EFF-88BE-3447E30E8C4D}" type="datetimeFigureOut">
               <a:rPr lang="en-GB" smtClean="0"/>
-              <a:t>19/02/2024</a:t>
+              <a:t>21/02/2024</a:t>
             </a:fld>
             <a:endParaRPr lang="en-GB"/>
           </a:p>
@@ -4358,7 +4429,7 @@
           <a:p>
             <a:fld id="{0CD94E99-FA29-4EFF-88BE-3447E30E8C4D}" type="datetimeFigureOut">
               <a:rPr lang="en-GB" smtClean="0"/>
-              <a:t>19/02/2024</a:t>
+              <a:t>21/02/2024</a:t>
             </a:fld>
             <a:endParaRPr lang="en-GB"/>
           </a:p>
@@ -4531,7 +4602,7 @@
           <a:p>
             <a:fld id="{0CD94E99-FA29-4EFF-88BE-3447E30E8C4D}" type="datetimeFigureOut">
               <a:rPr lang="en-GB" smtClean="0"/>
-              <a:t>19/02/2024</a:t>
+              <a:t>21/02/2024</a:t>
             </a:fld>
             <a:endParaRPr lang="en-GB"/>
           </a:p>
@@ -4887,7 +4958,7 @@
           <a:p>
             <a:fld id="{0CD94E99-FA29-4EFF-88BE-3447E30E8C4D}" type="datetimeFigureOut">
               <a:rPr lang="en-GB" smtClean="0"/>
-              <a:t>19/02/2024</a:t>
+              <a:t>21/02/2024</a:t>
             </a:fld>
             <a:endParaRPr lang="en-GB"/>
           </a:p>
@@ -5266,7 +5337,7 @@
           <a:p>
             <a:fld id="{0CD94E99-FA29-4EFF-88BE-3447E30E8C4D}" type="datetimeFigureOut">
               <a:rPr lang="en-GB" smtClean="0"/>
-              <a:t>19/02/2024</a:t>
+              <a:t>21/02/2024</a:t>
             </a:fld>
             <a:endParaRPr lang="en-GB"/>
           </a:p>
@@ -5555,7 +5626,7 @@
           <a:p>
             <a:fld id="{0CD94E99-FA29-4EFF-88BE-3447E30E8C4D}" type="datetimeFigureOut">
               <a:rPr lang="en-GB" smtClean="0"/>
-              <a:t>19/02/2024</a:t>
+              <a:t>21/02/2024</a:t>
             </a:fld>
             <a:endParaRPr lang="en-GB"/>
           </a:p>
@@ -6934,7 +7005,7 @@
         </p:blipFill>
         <p:spPr>
           <a:xfrm>
-            <a:off x="1464815" y="1733752"/>
+            <a:off x="1464815" y="1815945"/>
             <a:ext cx="9439922" cy="4484957"/>
           </a:xfrm>
           <a:prstGeom prst="rect">
@@ -7365,157 +7436,6 @@
         <p:cNvPr id="1" name="">
           <a:extLst>
             <a:ext uri="{FF2B5EF4-FFF2-40B4-BE49-F238E27FC236}">
-              <a16:creationId xmlns:a16="http://schemas.microsoft.com/office/drawing/2014/main" id="{DAF4E386-B234-6A24-1032-34AFF508B01A}"/>
-            </a:ext>
-          </a:extLst>
-        </p:cNvPr>
-        <p:cNvGrpSpPr/>
-        <p:nvPr/>
-      </p:nvGrpSpPr>
-      <p:grpSpPr>
-        <a:xfrm>
-          <a:off x="0" y="0"/>
-          <a:ext cx="0" cy="0"/>
-          <a:chOff x="0" y="0"/>
-          <a:chExt cx="0" cy="0"/>
-        </a:xfrm>
-      </p:grpSpPr>
-      <p:sp>
-        <p:nvSpPr>
-          <p:cNvPr id="2" name="Title 1">
-            <a:extLst>
-              <a:ext uri="{FF2B5EF4-FFF2-40B4-BE49-F238E27FC236}">
-                <a16:creationId xmlns:a16="http://schemas.microsoft.com/office/drawing/2014/main" id="{519BD0A0-F247-AD31-6C24-4139506AF50E}"/>
-              </a:ext>
-            </a:extLst>
-          </p:cNvPr>
-          <p:cNvSpPr>
-            <a:spLocks noGrp="1"/>
-          </p:cNvSpPr>
-          <p:nvPr>
-            <p:ph type="title"/>
-          </p:nvPr>
-        </p:nvSpPr>
-        <p:spPr/>
-        <p:txBody>
-          <a:bodyPr/>
-          <a:lstStyle/>
-          <a:p>
-            <a:pPr algn="ctr"/>
-            <a:r>
-              <a:rPr lang="en-US" dirty="0"/>
-              <a:t>Research Questions</a:t>
-            </a:r>
-            <a:endParaRPr lang="en-GB" dirty="0"/>
-          </a:p>
-        </p:txBody>
-      </p:sp>
-      <p:sp>
-        <p:nvSpPr>
-          <p:cNvPr id="17" name="Rectangle: Rounded Corners 16">
-            <a:extLst>
-              <a:ext uri="{FF2B5EF4-FFF2-40B4-BE49-F238E27FC236}">
-                <a16:creationId xmlns:a16="http://schemas.microsoft.com/office/drawing/2014/main" id="{D3971493-1200-BA08-93A2-9B8319CD5965}"/>
-              </a:ext>
-            </a:extLst>
-          </p:cNvPr>
-          <p:cNvSpPr/>
-          <p:nvPr/>
-        </p:nvSpPr>
-        <p:spPr>
-          <a:xfrm>
-            <a:off x="1189434" y="4261046"/>
-            <a:ext cx="6094520" cy="954485"/>
-          </a:xfrm>
-          <a:prstGeom prst="roundRect">
-            <a:avLst/>
-          </a:prstGeom>
-          <a:noFill/>
-        </p:spPr>
-        <p:style>
-          <a:lnRef idx="2">
-            <a:schemeClr val="accent1">
-              <a:shade val="15000"/>
-            </a:schemeClr>
-          </a:lnRef>
-          <a:fillRef idx="1">
-            <a:schemeClr val="accent1"/>
-          </a:fillRef>
-          <a:effectRef idx="0">
-            <a:schemeClr val="accent1"/>
-          </a:effectRef>
-          <a:fontRef idx="minor">
-            <a:schemeClr val="lt1"/>
-          </a:fontRef>
-        </p:style>
-        <p:txBody>
-          <a:bodyPr rtlCol="0" anchor="ctr">
-            <a:normAutofit/>
-          </a:bodyPr>
-          <a:lstStyle/>
-          <a:p>
-            <a:pPr algn="ctr"/>
-            <a:endParaRPr lang="en-GB"/>
-          </a:p>
-        </p:txBody>
-      </p:sp>
-      <p:sp>
-        <p:nvSpPr>
-          <p:cNvPr id="18" name="TextBox 17">
-            <a:extLst>
-              <a:ext uri="{FF2B5EF4-FFF2-40B4-BE49-F238E27FC236}">
-                <a16:creationId xmlns:a16="http://schemas.microsoft.com/office/drawing/2014/main" id="{901A030E-1065-70C1-854E-1535AA79FEBB}"/>
-              </a:ext>
-            </a:extLst>
-          </p:cNvPr>
-          <p:cNvSpPr txBox="1"/>
-          <p:nvPr/>
-        </p:nvSpPr>
-        <p:spPr>
-          <a:xfrm>
-            <a:off x="1189434" y="3903378"/>
-            <a:ext cx="3161096" cy="369332"/>
-          </a:xfrm>
-          <a:prstGeom prst="rect">
-            <a:avLst/>
-          </a:prstGeom>
-          <a:noFill/>
-        </p:spPr>
-        <p:txBody>
-          <a:bodyPr wrap="square" rtlCol="0">
-            <a:spAutoFit/>
-          </a:bodyPr>
-          <a:lstStyle/>
-          <a:p>
-            <a:r>
-              <a:rPr lang="en-US" dirty="0"/>
-              <a:t>Research Question 3</a:t>
-            </a:r>
-            <a:endParaRPr lang="en-GB" dirty="0"/>
-          </a:p>
-        </p:txBody>
-      </p:sp>
-    </p:spTree>
-    <p:extLst>
-      <p:ext uri="{BB962C8B-B14F-4D97-AF65-F5344CB8AC3E}">
-        <p14:creationId xmlns:p14="http://schemas.microsoft.com/office/powerpoint/2010/main" val="2844604785"/>
-      </p:ext>
-    </p:extLst>
-  </p:cSld>
-  <p:clrMapOvr>
-    <a:masterClrMapping/>
-  </p:clrMapOvr>
-</p:sld>
-</file>
-
-<file path=ppt/slides/slide8.xml><?xml version="1.0" encoding="utf-8"?>
-<p:sld xmlns:a="http://schemas.openxmlformats.org/drawingml/2006/main" xmlns:r="http://schemas.openxmlformats.org/officeDocument/2006/relationships" xmlns:p="http://schemas.openxmlformats.org/presentationml/2006/main">
-  <p:cSld>
-    <p:spTree>
-      <p:nvGrpSpPr>
-        <p:cNvPr id="1" name="">
-          <a:extLst>
-            <a:ext uri="{FF2B5EF4-FFF2-40B4-BE49-F238E27FC236}">
               <a16:creationId xmlns:a16="http://schemas.microsoft.com/office/drawing/2014/main" id="{29336187-11AF-077D-B3F3-74C04FFF145F}"/>
             </a:ext>
           </a:extLst>
@@ -7558,391 +7478,6 @@
               <a:t>Research Questions</a:t>
             </a:r>
             <a:endParaRPr lang="en-GB" dirty="0"/>
-          </a:p>
-        </p:txBody>
-      </p:sp>
-      <p:sp>
-        <p:nvSpPr>
-          <p:cNvPr id="8" name="TextBox 7">
-            <a:extLst>
-              <a:ext uri="{FF2B5EF4-FFF2-40B4-BE49-F238E27FC236}">
-                <a16:creationId xmlns:a16="http://schemas.microsoft.com/office/drawing/2014/main" id="{49616EDE-1929-BB49-E8B3-EA33C81C48CE}"/>
-              </a:ext>
-            </a:extLst>
-          </p:cNvPr>
-          <p:cNvSpPr txBox="1"/>
-          <p:nvPr/>
-        </p:nvSpPr>
-        <p:spPr>
-          <a:xfrm>
-            <a:off x="5862556" y="3067088"/>
-            <a:ext cx="6094520" cy="1167503"/>
-          </a:xfrm>
-          <a:prstGeom prst="rect">
-            <a:avLst/>
-          </a:prstGeom>
-          <a:noFill/>
-        </p:spPr>
-        <p:txBody>
-          <a:bodyPr wrap="square">
-            <a:normAutofit fontScale="85000" lnSpcReduction="10000"/>
-          </a:bodyPr>
-          <a:lstStyle/>
-          <a:p>
-            <a:pPr algn="ctr"/>
-            <a:r>
-              <a:rPr lang="en-US" dirty="0"/>
-              <a:t>With the ever-increasing use of IoT devices, </a:t>
-            </a:r>
-            <a:r>
-              <a:rPr lang="en-US" b="1" dirty="0"/>
-              <a:t>can FL algorithms or tools be designed to operate specifically on resources Edge devices to minimize computational and communications costs</a:t>
-            </a:r>
-            <a:r>
-              <a:rPr lang="en-US" dirty="0"/>
-              <a:t>. The models should be adaptable to non independently and identically distributed data (IID), and ideally be carried out on the device.</a:t>
-            </a:r>
-          </a:p>
-          <a:p>
-            <a:endParaRPr lang="en-US" dirty="0"/>
-          </a:p>
-        </p:txBody>
-      </p:sp>
-      <p:sp>
-        <p:nvSpPr>
-          <p:cNvPr id="10" name="TextBox 9">
-            <a:extLst>
-              <a:ext uri="{FF2B5EF4-FFF2-40B4-BE49-F238E27FC236}">
-                <a16:creationId xmlns:a16="http://schemas.microsoft.com/office/drawing/2014/main" id="{2E011869-EC12-4DF2-2BF1-0C6545DACE4E}"/>
-              </a:ext>
-            </a:extLst>
-          </p:cNvPr>
-          <p:cNvSpPr txBox="1"/>
-          <p:nvPr/>
-        </p:nvSpPr>
-        <p:spPr>
-          <a:xfrm>
-            <a:off x="1189434" y="2125202"/>
-            <a:ext cx="5468818" cy="875450"/>
-          </a:xfrm>
-          <a:prstGeom prst="rect">
-            <a:avLst/>
-          </a:prstGeom>
-          <a:noFill/>
-        </p:spPr>
-        <p:txBody>
-          <a:bodyPr wrap="square">
-            <a:normAutofit fontScale="85000" lnSpcReduction="20000"/>
-          </a:bodyPr>
-          <a:lstStyle/>
-          <a:p>
-            <a:pPr algn="ctr"/>
-            <a:r>
-              <a:rPr lang="en-US" dirty="0"/>
-              <a:t>In any large distributed network, there is a chance that some nodes can be lost, for a range of reason. </a:t>
-            </a:r>
-            <a:r>
-              <a:rPr lang="en-US" b="1" dirty="0"/>
-              <a:t>Can a FL architecture be designed to be resilient, allowing it to identify missing nodes, and adapt so that there is no loss in performance? </a:t>
-            </a:r>
-            <a:endParaRPr lang="en-GB" b="1" dirty="0"/>
-          </a:p>
-        </p:txBody>
-      </p:sp>
-      <p:sp>
-        <p:nvSpPr>
-          <p:cNvPr id="13" name="Rectangle: Rounded Corners 12">
-            <a:extLst>
-              <a:ext uri="{FF2B5EF4-FFF2-40B4-BE49-F238E27FC236}">
-                <a16:creationId xmlns:a16="http://schemas.microsoft.com/office/drawing/2014/main" id="{9D4EFA77-B219-B3C7-6A7C-6F80AE811C7A}"/>
-              </a:ext>
-            </a:extLst>
-          </p:cNvPr>
-          <p:cNvSpPr/>
-          <p:nvPr/>
-        </p:nvSpPr>
-        <p:spPr>
-          <a:xfrm>
-            <a:off x="5862556" y="3022626"/>
-            <a:ext cx="6094520" cy="1200329"/>
-          </a:xfrm>
-          <a:prstGeom prst="roundRect">
-            <a:avLst/>
-          </a:prstGeom>
-          <a:noFill/>
-        </p:spPr>
-        <p:style>
-          <a:lnRef idx="2">
-            <a:schemeClr val="accent1">
-              <a:shade val="15000"/>
-            </a:schemeClr>
-          </a:lnRef>
-          <a:fillRef idx="1">
-            <a:schemeClr val="accent1"/>
-          </a:fillRef>
-          <a:effectRef idx="0">
-            <a:schemeClr val="accent1"/>
-          </a:effectRef>
-          <a:fontRef idx="minor">
-            <a:schemeClr val="lt1"/>
-          </a:fontRef>
-        </p:style>
-        <p:txBody>
-          <a:bodyPr rtlCol="0" anchor="ctr">
-            <a:normAutofit/>
-          </a:bodyPr>
-          <a:lstStyle/>
-          <a:p>
-            <a:pPr algn="ctr"/>
-            <a:endParaRPr lang="en-GB"/>
-          </a:p>
-        </p:txBody>
-      </p:sp>
-      <p:sp>
-        <p:nvSpPr>
-          <p:cNvPr id="14" name="TextBox 13">
-            <a:extLst>
-              <a:ext uri="{FF2B5EF4-FFF2-40B4-BE49-F238E27FC236}">
-                <a16:creationId xmlns:a16="http://schemas.microsoft.com/office/drawing/2014/main" id="{2C444DD1-9238-12EF-908C-1794A1DF0440}"/>
-              </a:ext>
-            </a:extLst>
-          </p:cNvPr>
-          <p:cNvSpPr txBox="1"/>
-          <p:nvPr/>
-        </p:nvSpPr>
-        <p:spPr>
-          <a:xfrm>
-            <a:off x="1097280" y="1737847"/>
-            <a:ext cx="2109488" cy="369332"/>
-          </a:xfrm>
-          <a:prstGeom prst="rect">
-            <a:avLst/>
-          </a:prstGeom>
-          <a:noFill/>
-        </p:spPr>
-        <p:txBody>
-          <a:bodyPr wrap="none" rtlCol="0">
-            <a:spAutoFit/>
-          </a:bodyPr>
-          <a:lstStyle/>
-          <a:p>
-            <a:r>
-              <a:rPr lang="en-US" dirty="0"/>
-              <a:t>Research Question 1</a:t>
-            </a:r>
-            <a:endParaRPr lang="en-GB" dirty="0"/>
-          </a:p>
-        </p:txBody>
-      </p:sp>
-      <p:sp>
-        <p:nvSpPr>
-          <p:cNvPr id="15" name="Rectangle: Rounded Corners 14">
-            <a:extLst>
-              <a:ext uri="{FF2B5EF4-FFF2-40B4-BE49-F238E27FC236}">
-                <a16:creationId xmlns:a16="http://schemas.microsoft.com/office/drawing/2014/main" id="{4508A9F1-BA5D-F7C2-A8DF-679565A2D5FF}"/>
-              </a:ext>
-            </a:extLst>
-          </p:cNvPr>
-          <p:cNvSpPr/>
-          <p:nvPr/>
-        </p:nvSpPr>
-        <p:spPr>
-          <a:xfrm>
-            <a:off x="1189434" y="2114669"/>
-            <a:ext cx="5468818" cy="875451"/>
-          </a:xfrm>
-          <a:prstGeom prst="roundRect">
-            <a:avLst/>
-          </a:prstGeom>
-          <a:noFill/>
-        </p:spPr>
-        <p:style>
-          <a:lnRef idx="2">
-            <a:schemeClr val="accent1">
-              <a:shade val="15000"/>
-            </a:schemeClr>
-          </a:lnRef>
-          <a:fillRef idx="1">
-            <a:schemeClr val="accent1"/>
-          </a:fillRef>
-          <a:effectRef idx="0">
-            <a:schemeClr val="accent1"/>
-          </a:effectRef>
-          <a:fontRef idx="minor">
-            <a:schemeClr val="lt1"/>
-          </a:fontRef>
-        </p:style>
-        <p:txBody>
-          <a:bodyPr rtlCol="0" anchor="ctr"/>
-          <a:lstStyle/>
-          <a:p>
-            <a:pPr algn="ctr"/>
-            <a:endParaRPr lang="en-GB"/>
-          </a:p>
-        </p:txBody>
-      </p:sp>
-      <p:sp>
-        <p:nvSpPr>
-          <p:cNvPr id="16" name="TextBox 15">
-            <a:extLst>
-              <a:ext uri="{FF2B5EF4-FFF2-40B4-BE49-F238E27FC236}">
-                <a16:creationId xmlns:a16="http://schemas.microsoft.com/office/drawing/2014/main" id="{39FA9E42-CAFB-48E3-6C47-14712A0460E1}"/>
-              </a:ext>
-            </a:extLst>
-          </p:cNvPr>
-          <p:cNvSpPr txBox="1"/>
-          <p:nvPr/>
-        </p:nvSpPr>
-        <p:spPr>
-          <a:xfrm>
-            <a:off x="8600671" y="2633193"/>
-            <a:ext cx="3161096" cy="369332"/>
-          </a:xfrm>
-          <a:prstGeom prst="rect">
-            <a:avLst/>
-          </a:prstGeom>
-          <a:noFill/>
-        </p:spPr>
-        <p:txBody>
-          <a:bodyPr wrap="square" rtlCol="0">
-            <a:spAutoFit/>
-          </a:bodyPr>
-          <a:lstStyle/>
-          <a:p>
-            <a:pPr algn="r"/>
-            <a:r>
-              <a:rPr lang="en-US" dirty="0"/>
-              <a:t>Research Question 2</a:t>
-            </a:r>
-            <a:endParaRPr lang="en-GB" dirty="0"/>
-          </a:p>
-        </p:txBody>
-      </p:sp>
-      <p:sp>
-        <p:nvSpPr>
-          <p:cNvPr id="17" name="Rectangle: Rounded Corners 16">
-            <a:extLst>
-              <a:ext uri="{FF2B5EF4-FFF2-40B4-BE49-F238E27FC236}">
-                <a16:creationId xmlns:a16="http://schemas.microsoft.com/office/drawing/2014/main" id="{D21578CC-15CC-92EC-7229-046D5C3CEE6A}"/>
-              </a:ext>
-            </a:extLst>
-          </p:cNvPr>
-          <p:cNvSpPr/>
-          <p:nvPr/>
-        </p:nvSpPr>
-        <p:spPr>
-          <a:xfrm>
-            <a:off x="1189434" y="4261046"/>
-            <a:ext cx="6094520" cy="954485"/>
-          </a:xfrm>
-          <a:prstGeom prst="roundRect">
-            <a:avLst/>
-          </a:prstGeom>
-          <a:noFill/>
-        </p:spPr>
-        <p:style>
-          <a:lnRef idx="2">
-            <a:schemeClr val="accent1">
-              <a:shade val="15000"/>
-            </a:schemeClr>
-          </a:lnRef>
-          <a:fillRef idx="1">
-            <a:schemeClr val="accent1"/>
-          </a:fillRef>
-          <a:effectRef idx="0">
-            <a:schemeClr val="accent1"/>
-          </a:effectRef>
-          <a:fontRef idx="minor">
-            <a:schemeClr val="lt1"/>
-          </a:fontRef>
-        </p:style>
-        <p:txBody>
-          <a:bodyPr rtlCol="0" anchor="ctr">
-            <a:normAutofit/>
-          </a:bodyPr>
-          <a:lstStyle/>
-          <a:p>
-            <a:pPr algn="ctr"/>
-            <a:endParaRPr lang="en-GB"/>
-          </a:p>
-        </p:txBody>
-      </p:sp>
-      <p:sp>
-        <p:nvSpPr>
-          <p:cNvPr id="18" name="TextBox 17">
-            <a:extLst>
-              <a:ext uri="{FF2B5EF4-FFF2-40B4-BE49-F238E27FC236}">
-                <a16:creationId xmlns:a16="http://schemas.microsoft.com/office/drawing/2014/main" id="{2BB441D9-104D-3543-0995-9785C504B36F}"/>
-              </a:ext>
-            </a:extLst>
-          </p:cNvPr>
-          <p:cNvSpPr txBox="1"/>
-          <p:nvPr/>
-        </p:nvSpPr>
-        <p:spPr>
-          <a:xfrm>
-            <a:off x="1189434" y="3903378"/>
-            <a:ext cx="3161096" cy="369332"/>
-          </a:xfrm>
-          <a:prstGeom prst="rect">
-            <a:avLst/>
-          </a:prstGeom>
-          <a:noFill/>
-        </p:spPr>
-        <p:txBody>
-          <a:bodyPr wrap="square" rtlCol="0">
-            <a:spAutoFit/>
-          </a:bodyPr>
-          <a:lstStyle/>
-          <a:p>
-            <a:r>
-              <a:rPr lang="en-US" dirty="0"/>
-              <a:t>Research Question 3</a:t>
-            </a:r>
-            <a:endParaRPr lang="en-GB" dirty="0"/>
-          </a:p>
-        </p:txBody>
-      </p:sp>
-      <p:sp>
-        <p:nvSpPr>
-          <p:cNvPr id="19" name="TextBox 18">
-            <a:extLst>
-              <a:ext uri="{FF2B5EF4-FFF2-40B4-BE49-F238E27FC236}">
-                <a16:creationId xmlns:a16="http://schemas.microsoft.com/office/drawing/2014/main" id="{6AC0E29E-2C9A-6E0C-3F63-C28C07190676}"/>
-              </a:ext>
-            </a:extLst>
-          </p:cNvPr>
-          <p:cNvSpPr txBox="1"/>
-          <p:nvPr/>
-        </p:nvSpPr>
-        <p:spPr>
-          <a:xfrm>
-            <a:off x="1189434" y="4261046"/>
-            <a:ext cx="6094520" cy="954484"/>
-          </a:xfrm>
-          <a:prstGeom prst="rect">
-            <a:avLst/>
-          </a:prstGeom>
-          <a:noFill/>
-        </p:spPr>
-        <p:txBody>
-          <a:bodyPr wrap="square">
-            <a:normAutofit/>
-          </a:bodyPr>
-          <a:lstStyle/>
-          <a:p>
-            <a:pPr algn="ctr"/>
-            <a:r>
-              <a:rPr lang="en-US" b="1" dirty="0"/>
-              <a:t>Can we design efficient aggregation algorithms for FL </a:t>
-            </a:r>
-            <a:r>
-              <a:rPr lang="en-US" dirty="0"/>
-              <a:t>that minimize the data exchange between clients and servers while not reducing the model accuracy?</a:t>
-            </a:r>
-          </a:p>
-          <a:p>
-            <a:endParaRPr lang="en-US" dirty="0"/>
           </a:p>
         </p:txBody>
       </p:sp>
@@ -8047,7 +7582,7 @@
 </p:sld>
 </file>
 
-<file path=ppt/slides/slide9.xml><?xml version="1.0" encoding="utf-8"?>
+<file path=ppt/slides/slide8.xml><?xml version="1.0" encoding="utf-8"?>
 <p:sld xmlns:a="http://schemas.openxmlformats.org/drawingml/2006/main" xmlns:r="http://schemas.openxmlformats.org/officeDocument/2006/relationships" xmlns:p="http://schemas.openxmlformats.org/presentationml/2006/main">
   <p:cSld>
     <p:spTree>

--- a/Presentations/Supervisor Meetings/2024/Upcoming Meeting.pptx
+++ b/Presentations/Supervisor Meetings/2024/Upcoming Meeting.pptx
@@ -122,7 +122,7 @@
 <file path=ppt/revisionInfo.xml><?xml version="1.0" encoding="utf-8"?>
 <p1510:revInfo xmlns:a="http://schemas.openxmlformats.org/drawingml/2006/main" xmlns:r="http://schemas.openxmlformats.org/officeDocument/2006/relationships" xmlns:p1510="http://schemas.microsoft.com/office/powerpoint/2015/10/main">
   <p1510:revLst>
-    <p1510:client id="{B7574C7C-3686-460F-9B9F-2A9122AA95F8}" v="46" dt="2024-02-19T18:35:19.781"/>
+    <p1510:client id="{B7574C7C-3686-460F-9B9F-2A9122AA95F8}" v="70" dt="2024-02-25T21:07:13.962"/>
   </p1510:revLst>
 </p1510:revInfo>
 </file>
@@ -1483,31 +1483,87 @@
   <pc:docChgLst>
     <pc:chgData name="Sean O Fithcheallaigh" userId="47659c31-a575-4792-8be3-61268c4ee0d6" providerId="ADAL" clId="{B7574C7C-3686-460F-9B9F-2A9122AA95F8}"/>
     <pc:docChg chg="undo custSel addSld delSld modSld modMainMaster">
-      <pc:chgData name="Sean O Fithcheallaigh" userId="47659c31-a575-4792-8be3-61268c4ee0d6" providerId="ADAL" clId="{B7574C7C-3686-460F-9B9F-2A9122AA95F8}" dt="2024-02-21T13:47:52.806" v="2548" actId="478"/>
+      <pc:chgData name="Sean O Fithcheallaigh" userId="47659c31-a575-4792-8be3-61268c4ee0d6" providerId="ADAL" clId="{B7574C7C-3686-460F-9B9F-2A9122AA95F8}" dt="2024-02-25T21:07:37.360" v="2800" actId="20577"/>
       <pc:docMkLst>
         <pc:docMk/>
       </pc:docMkLst>
-      <pc:sldChg chg="modSp mod">
-        <pc:chgData name="Sean O Fithcheallaigh" userId="47659c31-a575-4792-8be3-61268c4ee0d6" providerId="ADAL" clId="{B7574C7C-3686-460F-9B9F-2A9122AA95F8}" dt="2024-02-12T19:34:42.577" v="7" actId="20577"/>
+      <pc:sldChg chg="addSp modSp mod setBg chgLayout">
+        <pc:chgData name="Sean O Fithcheallaigh" userId="47659c31-a575-4792-8be3-61268c4ee0d6" providerId="ADAL" clId="{B7574C7C-3686-460F-9B9F-2A9122AA95F8}" dt="2024-02-25T21:07:37.360" v="2800" actId="20577"/>
         <pc:sldMkLst>
           <pc:docMk/>
           <pc:sldMk cId="905190482" sldId="256"/>
         </pc:sldMkLst>
-        <pc:spChg chg="mod">
-          <ac:chgData name="Sean O Fithcheallaigh" userId="47659c31-a575-4792-8be3-61268c4ee0d6" providerId="ADAL" clId="{B7574C7C-3686-460F-9B9F-2A9122AA95F8}" dt="2024-02-12T19:34:42.577" v="7" actId="20577"/>
+        <pc:spChg chg="mod ord">
+          <ac:chgData name="Sean O Fithcheallaigh" userId="47659c31-a575-4792-8be3-61268c4ee0d6" providerId="ADAL" clId="{B7574C7C-3686-460F-9B9F-2A9122AA95F8}" dt="2024-02-25T21:04:12.995" v="2782" actId="26606"/>
+          <ac:spMkLst>
+            <pc:docMk/>
+            <pc:sldMk cId="905190482" sldId="256"/>
+            <ac:spMk id="2" creationId="{9D26D2D5-D30F-4BA4-BE2B-908BEB7AA9C6}"/>
+          </ac:spMkLst>
+        </pc:spChg>
+        <pc:spChg chg="mod ord">
+          <ac:chgData name="Sean O Fithcheallaigh" userId="47659c31-a575-4792-8be3-61268c4ee0d6" providerId="ADAL" clId="{B7574C7C-3686-460F-9B9F-2A9122AA95F8}" dt="2024-02-25T21:07:37.360" v="2800" actId="20577"/>
           <ac:spMkLst>
             <pc:docMk/>
             <pc:sldMk cId="905190482" sldId="256"/>
             <ac:spMk id="3" creationId="{678D1CD4-AABC-4B3E-A2CC-37ACEEC74568}"/>
           </ac:spMkLst>
         </pc:spChg>
+        <pc:spChg chg="add">
+          <ac:chgData name="Sean O Fithcheallaigh" userId="47659c31-a575-4792-8be3-61268c4ee0d6" providerId="ADAL" clId="{B7574C7C-3686-460F-9B9F-2A9122AA95F8}" dt="2024-02-25T21:04:12.995" v="2782" actId="26606"/>
+          <ac:spMkLst>
+            <pc:docMk/>
+            <pc:sldMk cId="905190482" sldId="256"/>
+            <ac:spMk id="13" creationId="{4030725F-96B1-4047-B74B-7CC19DB1CB42}"/>
+          </ac:spMkLst>
+        </pc:spChg>
+        <pc:spChg chg="add">
+          <ac:chgData name="Sean O Fithcheallaigh" userId="47659c31-a575-4792-8be3-61268c4ee0d6" providerId="ADAL" clId="{B7574C7C-3686-460F-9B9F-2A9122AA95F8}" dt="2024-02-25T21:04:12.995" v="2782" actId="26606"/>
+          <ac:spMkLst>
+            <pc:docMk/>
+            <pc:sldMk cId="905190482" sldId="256"/>
+            <ac:spMk id="17" creationId="{D03ABE8C-6A7E-4C35-B74C-CE45DA0B504B}"/>
+          </ac:spMkLst>
+        </pc:spChg>
+        <pc:spChg chg="add">
+          <ac:chgData name="Sean O Fithcheallaigh" userId="47659c31-a575-4792-8be3-61268c4ee0d6" providerId="ADAL" clId="{B7574C7C-3686-460F-9B9F-2A9122AA95F8}" dt="2024-02-25T21:04:12.995" v="2782" actId="26606"/>
+          <ac:spMkLst>
+            <pc:docMk/>
+            <pc:sldMk cId="905190482" sldId="256"/>
+            <ac:spMk id="19" creationId="{431B6D19-39C5-45BF-8B25-29192C5D1395}"/>
+          </ac:spMkLst>
+        </pc:spChg>
+        <pc:picChg chg="mod">
+          <ac:chgData name="Sean O Fithcheallaigh" userId="47659c31-a575-4792-8be3-61268c4ee0d6" providerId="ADAL" clId="{B7574C7C-3686-460F-9B9F-2A9122AA95F8}" dt="2024-02-25T21:04:12.995" v="2782" actId="26606"/>
+          <ac:picMkLst>
+            <pc:docMk/>
+            <pc:sldMk cId="905190482" sldId="256"/>
+            <ac:picMk id="7" creationId="{CE993EFB-9571-715A-5DF5-03848A409B21}"/>
+          </ac:picMkLst>
+        </pc:picChg>
+        <pc:cxnChg chg="add">
+          <ac:chgData name="Sean O Fithcheallaigh" userId="47659c31-a575-4792-8be3-61268c4ee0d6" providerId="ADAL" clId="{B7574C7C-3686-460F-9B9F-2A9122AA95F8}" dt="2024-02-25T21:04:12.995" v="2782" actId="26606"/>
+          <ac:cxnSpMkLst>
+            <pc:docMk/>
+            <pc:sldMk cId="905190482" sldId="256"/>
+            <ac:cxnSpMk id="15" creationId="{C14B5A7D-B352-42F9-83F6-4AF14C1BAE65}"/>
+          </ac:cxnSpMkLst>
+        </pc:cxnChg>
       </pc:sldChg>
-      <pc:sldChg chg="addSp delSp modSp mod">
-        <pc:chgData name="Sean O Fithcheallaigh" userId="47659c31-a575-4792-8be3-61268c4ee0d6" providerId="ADAL" clId="{B7574C7C-3686-460F-9B9F-2A9122AA95F8}" dt="2024-02-16T14:57:22.743" v="1212" actId="1076"/>
+      <pc:sldChg chg="addSp delSp modSp mod setBg">
+        <pc:chgData name="Sean O Fithcheallaigh" userId="47659c31-a575-4792-8be3-61268c4ee0d6" providerId="ADAL" clId="{B7574C7C-3686-460F-9B9F-2A9122AA95F8}" dt="2024-02-25T21:07:13.962" v="2790"/>
         <pc:sldMkLst>
           <pc:docMk/>
           <pc:sldMk cId="3126834720" sldId="257"/>
         </pc:sldMkLst>
+        <pc:spChg chg="mod">
+          <ac:chgData name="Sean O Fithcheallaigh" userId="47659c31-a575-4792-8be3-61268c4ee0d6" providerId="ADAL" clId="{B7574C7C-3686-460F-9B9F-2A9122AA95F8}" dt="2024-02-25T21:03:23.952" v="2779" actId="14100"/>
+          <ac:spMkLst>
+            <pc:docMk/>
+            <pc:sldMk cId="3126834720" sldId="257"/>
+            <ac:spMk id="2" creationId="{681D533A-3C45-4858-8E40-47B9F15C47FC}"/>
+          </ac:spMkLst>
+        </pc:spChg>
         <pc:spChg chg="add del mod ord">
           <ac:chgData name="Sean O Fithcheallaigh" userId="47659c31-a575-4792-8be3-61268c4ee0d6" providerId="ADAL" clId="{B7574C7C-3686-460F-9B9F-2A9122AA95F8}" dt="2024-02-12T19:55:42.077" v="39" actId="478"/>
           <ac:spMkLst>
@@ -1698,13 +1754,13 @@
         </pc:sldMkLst>
       </pc:sldChg>
       <pc:sldChg chg="addSp delSp modSp new mod chgLayout">
-        <pc:chgData name="Sean O Fithcheallaigh" userId="47659c31-a575-4792-8be3-61268c4ee0d6" providerId="ADAL" clId="{B7574C7C-3686-460F-9B9F-2A9122AA95F8}" dt="2024-02-19T20:23:47.515" v="2543" actId="1076"/>
+        <pc:chgData name="Sean O Fithcheallaigh" userId="47659c31-a575-4792-8be3-61268c4ee0d6" providerId="ADAL" clId="{B7574C7C-3686-460F-9B9F-2A9122AA95F8}" dt="2024-02-25T20:57:48.821" v="2688" actId="14100"/>
         <pc:sldMkLst>
           <pc:docMk/>
           <pc:sldMk cId="2974212779" sldId="262"/>
         </pc:sldMkLst>
-        <pc:spChg chg="mod ord">
-          <ac:chgData name="Sean O Fithcheallaigh" userId="47659c31-a575-4792-8be3-61268c4ee0d6" providerId="ADAL" clId="{B7574C7C-3686-460F-9B9F-2A9122AA95F8}" dt="2024-02-18T20:41:30.007" v="2312" actId="14100"/>
+        <pc:spChg chg="del mod ord">
+          <ac:chgData name="Sean O Fithcheallaigh" userId="47659c31-a575-4792-8be3-61268c4ee0d6" providerId="ADAL" clId="{B7574C7C-3686-460F-9B9F-2A9122AA95F8}" dt="2024-02-25T20:57:33.742" v="2682" actId="478"/>
           <ac:spMkLst>
             <pc:docMk/>
             <pc:sldMk cId="2974212779" sldId="262"/>
@@ -1727,6 +1783,14 @@
             <ac:spMk id="3" creationId="{51F93FA8-3939-B691-B925-DB5285307CE7}"/>
           </ac:spMkLst>
         </pc:spChg>
+        <pc:spChg chg="add mod">
+          <ac:chgData name="Sean O Fithcheallaigh" userId="47659c31-a575-4792-8be3-61268c4ee0d6" providerId="ADAL" clId="{B7574C7C-3686-460F-9B9F-2A9122AA95F8}" dt="2024-02-25T20:57:44.372" v="2687" actId="27636"/>
+          <ac:spMkLst>
+            <pc:docMk/>
+            <pc:sldMk cId="2974212779" sldId="262"/>
+            <ac:spMk id="3" creationId="{6E0278D4-A37C-DE0F-37CD-F271C3D0E448}"/>
+          </ac:spMkLst>
+        </pc:spChg>
         <pc:spChg chg="add del mod">
           <ac:chgData name="Sean O Fithcheallaigh" userId="47659c31-a575-4792-8be3-61268c4ee0d6" providerId="ADAL" clId="{B7574C7C-3686-460F-9B9F-2A9122AA95F8}" dt="2024-02-17T12:31:11.160" v="2038" actId="478"/>
           <ac:spMkLst>
@@ -1760,6 +1824,14 @@
           </ac:spMkLst>
         </pc:spChg>
         <pc:spChg chg="add del mod">
+          <ac:chgData name="Sean O Fithcheallaigh" userId="47659c31-a575-4792-8be3-61268c4ee0d6" providerId="ADAL" clId="{B7574C7C-3686-460F-9B9F-2A9122AA95F8}" dt="2024-02-25T20:57:37.715" v="2683" actId="478"/>
+          <ac:spMkLst>
+            <pc:docMk/>
+            <pc:sldMk cId="2974212779" sldId="262"/>
+            <ac:spMk id="6" creationId="{8D1E488F-BB03-F49C-8001-0454BC0AB8E8}"/>
+          </ac:spMkLst>
+        </pc:spChg>
+        <pc:spChg chg="add del mod">
           <ac:chgData name="Sean O Fithcheallaigh" userId="47659c31-a575-4792-8be3-61268c4ee0d6" providerId="ADAL" clId="{B7574C7C-3686-460F-9B9F-2A9122AA95F8}" dt="2024-02-17T12:31:04.058" v="2033" actId="478"/>
           <ac:spMkLst>
             <pc:docMk/>
@@ -1768,7 +1840,7 @@
           </ac:spMkLst>
         </pc:spChg>
         <pc:spChg chg="add mod">
-          <ac:chgData name="Sean O Fithcheallaigh" userId="47659c31-a575-4792-8be3-61268c4ee0d6" providerId="ADAL" clId="{B7574C7C-3686-460F-9B9F-2A9122AA95F8}" dt="2024-02-18T19:17:53.214" v="2274" actId="1076"/>
+          <ac:chgData name="Sean O Fithcheallaigh" userId="47659c31-a575-4792-8be3-61268c4ee0d6" providerId="ADAL" clId="{B7574C7C-3686-460F-9B9F-2A9122AA95F8}" dt="2024-02-25T20:54:22.073" v="2600" actId="1076"/>
           <ac:spMkLst>
             <pc:docMk/>
             <pc:sldMk cId="2974212779" sldId="262"/>
@@ -1800,7 +1872,7 @@
           </ac:spMkLst>
         </pc:spChg>
         <pc:spChg chg="add mod">
-          <ac:chgData name="Sean O Fithcheallaigh" userId="47659c31-a575-4792-8be3-61268c4ee0d6" providerId="ADAL" clId="{B7574C7C-3686-460F-9B9F-2A9122AA95F8}" dt="2024-02-18T19:17:49.008" v="2273" actId="1076"/>
+          <ac:chgData name="Sean O Fithcheallaigh" userId="47659c31-a575-4792-8be3-61268c4ee0d6" providerId="ADAL" clId="{B7574C7C-3686-460F-9B9F-2A9122AA95F8}" dt="2024-02-25T20:54:19.457" v="2599" actId="1076"/>
           <ac:spMkLst>
             <pc:docMk/>
             <pc:sldMk cId="2974212779" sldId="262"/>
@@ -1848,7 +1920,7 @@
           </ac:graphicFrameMkLst>
         </pc:graphicFrameChg>
         <pc:picChg chg="add mod">
-          <ac:chgData name="Sean O Fithcheallaigh" userId="47659c31-a575-4792-8be3-61268c4ee0d6" providerId="ADAL" clId="{B7574C7C-3686-460F-9B9F-2A9122AA95F8}" dt="2024-02-19T20:23:47.515" v="2543" actId="1076"/>
+          <ac:chgData name="Sean O Fithcheallaigh" userId="47659c31-a575-4792-8be3-61268c4ee0d6" providerId="ADAL" clId="{B7574C7C-3686-460F-9B9F-2A9122AA95F8}" dt="2024-02-25T20:57:48.821" v="2688" actId="14100"/>
           <ac:picMkLst>
             <pc:docMk/>
             <pc:sldMk cId="2974212779" sldId="262"/>
@@ -2070,12 +2142,44 @@
           </ac:spMkLst>
         </pc:spChg>
       </pc:sldChg>
-      <pc:sldChg chg="delSp add mod">
-        <pc:chgData name="Sean O Fithcheallaigh" userId="47659c31-a575-4792-8be3-61268c4ee0d6" providerId="ADAL" clId="{B7574C7C-3686-460F-9B9F-2A9122AA95F8}" dt="2024-02-21T13:47:52.806" v="2548" actId="478"/>
+      <pc:sldChg chg="addSp delSp modSp add mod setBg modClrScheme chgLayout">
+        <pc:chgData name="Sean O Fithcheallaigh" userId="47659c31-a575-4792-8be3-61268c4ee0d6" providerId="ADAL" clId="{B7574C7C-3686-460F-9B9F-2A9122AA95F8}" dt="2024-02-25T21:07:13.962" v="2790"/>
         <pc:sldMkLst>
           <pc:docMk/>
           <pc:sldMk cId="3782082519" sldId="265"/>
         </pc:sldMkLst>
+        <pc:spChg chg="mod ord">
+          <ac:chgData name="Sean O Fithcheallaigh" userId="47659c31-a575-4792-8be3-61268c4ee0d6" providerId="ADAL" clId="{B7574C7C-3686-460F-9B9F-2A9122AA95F8}" dt="2024-02-25T21:00:38.529" v="2769" actId="120"/>
+          <ac:spMkLst>
+            <pc:docMk/>
+            <pc:sldMk cId="3782082519" sldId="265"/>
+            <ac:spMk id="2" creationId="{5EBC68A5-31C8-8E46-4543-933119126EA4}"/>
+          </ac:spMkLst>
+        </pc:spChg>
+        <pc:spChg chg="del">
+          <ac:chgData name="Sean O Fithcheallaigh" userId="47659c31-a575-4792-8be3-61268c4ee0d6" providerId="ADAL" clId="{B7574C7C-3686-460F-9B9F-2A9122AA95F8}" dt="2024-02-25T20:44:17.541" v="2549" actId="478"/>
+          <ac:spMkLst>
+            <pc:docMk/>
+            <pc:sldMk cId="3782082519" sldId="265"/>
+            <ac:spMk id="3" creationId="{883692FF-0424-E482-2817-86677FBB9EAC}"/>
+          </ac:spMkLst>
+        </pc:spChg>
+        <pc:spChg chg="del">
+          <ac:chgData name="Sean O Fithcheallaigh" userId="47659c31-a575-4792-8be3-61268c4ee0d6" providerId="ADAL" clId="{B7574C7C-3686-460F-9B9F-2A9122AA95F8}" dt="2024-02-25T20:44:18.437" v="2550" actId="478"/>
+          <ac:spMkLst>
+            <pc:docMk/>
+            <pc:sldMk cId="3782082519" sldId="265"/>
+            <ac:spMk id="4" creationId="{34DED446-234A-C834-8B07-E6D1D3AA7F65}"/>
+          </ac:spMkLst>
+        </pc:spChg>
+        <pc:spChg chg="add del mod ord">
+          <ac:chgData name="Sean O Fithcheallaigh" userId="47659c31-a575-4792-8be3-61268c4ee0d6" providerId="ADAL" clId="{B7574C7C-3686-460F-9B9F-2A9122AA95F8}" dt="2024-02-25T20:59:44.517" v="2733" actId="478"/>
+          <ac:spMkLst>
+            <pc:docMk/>
+            <pc:sldMk cId="3782082519" sldId="265"/>
+            <ac:spMk id="7" creationId="{3D6E6109-CA4B-8A9E-6839-BDB56B386AE5}"/>
+          </ac:spMkLst>
+        </pc:spChg>
         <pc:spChg chg="del">
           <ac:chgData name="Sean O Fithcheallaigh" userId="47659c31-a575-4792-8be3-61268c4ee0d6" providerId="ADAL" clId="{B7574C7C-3686-460F-9B9F-2A9122AA95F8}" dt="2024-02-21T13:47:50.211" v="2547" actId="478"/>
           <ac:spMkLst>
@@ -2148,6 +2252,14 @@
             <ac:spMk id="19" creationId="{6AC0E29E-2C9A-6E0C-3F63-C28C07190676}"/>
           </ac:spMkLst>
         </pc:spChg>
+        <pc:picChg chg="add mod ord">
+          <ac:chgData name="Sean O Fithcheallaigh" userId="47659c31-a575-4792-8be3-61268c4ee0d6" providerId="ADAL" clId="{B7574C7C-3686-460F-9B9F-2A9122AA95F8}" dt="2024-02-25T21:00:54.553" v="2771" actId="14100"/>
+          <ac:picMkLst>
+            <pc:docMk/>
+            <pc:sldMk cId="3782082519" sldId="265"/>
+            <ac:picMk id="6" creationId="{3392B3E4-AC63-EB8B-96D5-17FDDBE2504E}"/>
+          </ac:picMkLst>
+        </pc:picChg>
       </pc:sldChg>
       <pc:sldChg chg="addSp delSp modSp new mod modClrScheme chgLayout">
         <pc:chgData name="Sean O Fithcheallaigh" userId="47659c31-a575-4792-8be3-61268c4ee0d6" providerId="ADAL" clId="{B7574C7C-3686-460F-9B9F-2A9122AA95F8}" dt="2024-02-18T19:19:17.093" v="2304" actId="20577"/>
@@ -2189,13 +2301,13 @@
         </pc:spChg>
       </pc:sldChg>
       <pc:sldChg chg="addSp delSp modSp add mod">
-        <pc:chgData name="Sean O Fithcheallaigh" userId="47659c31-a575-4792-8be3-61268c4ee0d6" providerId="ADAL" clId="{B7574C7C-3686-460F-9B9F-2A9122AA95F8}" dt="2024-02-19T18:34:30.813" v="2536" actId="1076"/>
+        <pc:chgData name="Sean O Fithcheallaigh" userId="47659c31-a575-4792-8be3-61268c4ee0d6" providerId="ADAL" clId="{B7574C7C-3686-460F-9B9F-2A9122AA95F8}" dt="2024-02-25T20:57:53.504" v="2689" actId="14100"/>
         <pc:sldMkLst>
           <pc:docMk/>
           <pc:sldMk cId="788743055" sldId="267"/>
         </pc:sldMkLst>
-        <pc:spChg chg="mod">
-          <ac:chgData name="Sean O Fithcheallaigh" userId="47659c31-a575-4792-8be3-61268c4ee0d6" providerId="ADAL" clId="{B7574C7C-3686-460F-9B9F-2A9122AA95F8}" dt="2024-02-18T22:44:31.320" v="2342" actId="20577"/>
+        <pc:spChg chg="del mod">
+          <ac:chgData name="Sean O Fithcheallaigh" userId="47659c31-a575-4792-8be3-61268c4ee0d6" providerId="ADAL" clId="{B7574C7C-3686-460F-9B9F-2A9122AA95F8}" dt="2024-02-25T20:55:12.344" v="2613" actId="478"/>
           <ac:spMkLst>
             <pc:docMk/>
             <pc:sldMk cId="788743055" sldId="267"/>
@@ -2203,7 +2315,23 @@
           </ac:spMkLst>
         </pc:spChg>
         <pc:spChg chg="add mod">
-          <ac:chgData name="Sean O Fithcheallaigh" userId="47659c31-a575-4792-8be3-61268c4ee0d6" providerId="ADAL" clId="{B7574C7C-3686-460F-9B9F-2A9122AA95F8}" dt="2024-02-18T22:43:33.586" v="2340" actId="14100"/>
+          <ac:chgData name="Sean O Fithcheallaigh" userId="47659c31-a575-4792-8be3-61268c4ee0d6" providerId="ADAL" clId="{B7574C7C-3686-460F-9B9F-2A9122AA95F8}" dt="2024-02-25T20:56:38.479" v="2633" actId="27636"/>
+          <ac:spMkLst>
+            <pc:docMk/>
+            <pc:sldMk cId="788743055" sldId="267"/>
+            <ac:spMk id="3" creationId="{F48022CB-9AA6-E5AB-13E3-835BF32A1988}"/>
+          </ac:spMkLst>
+        </pc:spChg>
+        <pc:spChg chg="add del mod">
+          <ac:chgData name="Sean O Fithcheallaigh" userId="47659c31-a575-4792-8be3-61268c4ee0d6" providerId="ADAL" clId="{B7574C7C-3686-460F-9B9F-2A9122AA95F8}" dt="2024-02-25T20:55:18.455" v="2615" actId="478"/>
+          <ac:spMkLst>
+            <pc:docMk/>
+            <pc:sldMk cId="788743055" sldId="267"/>
+            <ac:spMk id="6" creationId="{3FF19241-6E07-24DC-DB1A-B9D0D31C53E9}"/>
+          </ac:spMkLst>
+        </pc:spChg>
+        <pc:spChg chg="add mod">
+          <ac:chgData name="Sean O Fithcheallaigh" userId="47659c31-a575-4792-8be3-61268c4ee0d6" providerId="ADAL" clId="{B7574C7C-3686-460F-9B9F-2A9122AA95F8}" dt="2024-02-25T20:56:00.275" v="2626" actId="27636"/>
           <ac:spMkLst>
             <pc:docMk/>
             <pc:sldMk cId="788743055" sldId="267"/>
@@ -2216,6 +2344,14 @@
             <pc:docMk/>
             <pc:sldMk cId="788743055" sldId="267"/>
             <ac:spMk id="10" creationId="{EBD7B968-9147-3196-3B41-5DCD0408049E}"/>
+          </ac:spMkLst>
+        </pc:spChg>
+        <pc:spChg chg="mod">
+          <ac:chgData name="Sean O Fithcheallaigh" userId="47659c31-a575-4792-8be3-61268c4ee0d6" providerId="ADAL" clId="{B7574C7C-3686-460F-9B9F-2A9122AA95F8}" dt="2024-02-25T20:56:05.020" v="2627" actId="14100"/>
+          <ac:spMkLst>
+            <pc:docMk/>
+            <pc:sldMk cId="788743055" sldId="267"/>
+            <ac:spMk id="15" creationId="{67D2BD6C-5B3A-C5A0-94AC-D0ECC15EEFBC}"/>
           </ac:spMkLst>
         </pc:spChg>
         <pc:picChg chg="add del mod">
@@ -2227,7 +2363,7 @@
           </ac:picMkLst>
         </pc:picChg>
         <pc:picChg chg="add mod">
-          <ac:chgData name="Sean O Fithcheallaigh" userId="47659c31-a575-4792-8be3-61268c4ee0d6" providerId="ADAL" clId="{B7574C7C-3686-460F-9B9F-2A9122AA95F8}" dt="2024-02-19T18:34:30.813" v="2536" actId="1076"/>
+          <ac:chgData name="Sean O Fithcheallaigh" userId="47659c31-a575-4792-8be3-61268c4ee0d6" providerId="ADAL" clId="{B7574C7C-3686-460F-9B9F-2A9122AA95F8}" dt="2024-02-25T20:57:53.504" v="2689" actId="14100"/>
           <ac:picMkLst>
             <pc:docMk/>
             <pc:sldMk cId="788743055" sldId="267"/>
@@ -2244,19 +2380,35 @@
         </pc:picChg>
       </pc:sldChg>
       <pc:sldChg chg="addSp delSp modSp add mod">
-        <pc:chgData name="Sean O Fithcheallaigh" userId="47659c31-a575-4792-8be3-61268c4ee0d6" providerId="ADAL" clId="{B7574C7C-3686-460F-9B9F-2A9122AA95F8}" dt="2024-02-19T18:35:27.491" v="2542" actId="1076"/>
+        <pc:chgData name="Sean O Fithcheallaigh" userId="47659c31-a575-4792-8be3-61268c4ee0d6" providerId="ADAL" clId="{B7574C7C-3686-460F-9B9F-2A9122AA95F8}" dt="2024-02-25T20:59:28.994" v="2731" actId="14100"/>
         <pc:sldMkLst>
           <pc:docMk/>
           <pc:sldMk cId="3408599131" sldId="268"/>
         </pc:sldMkLst>
-        <pc:spChg chg="mod">
-          <ac:chgData name="Sean O Fithcheallaigh" userId="47659c31-a575-4792-8be3-61268c4ee0d6" providerId="ADAL" clId="{B7574C7C-3686-460F-9B9F-2A9122AA95F8}" dt="2024-02-18T22:48:27.068" v="2366" actId="20577"/>
+        <pc:spChg chg="del mod">
+          <ac:chgData name="Sean O Fithcheallaigh" userId="47659c31-a575-4792-8be3-61268c4ee0d6" providerId="ADAL" clId="{B7574C7C-3686-460F-9B9F-2A9122AA95F8}" dt="2024-02-25T20:58:31.355" v="2695" actId="478"/>
           <ac:spMkLst>
             <pc:docMk/>
             <pc:sldMk cId="3408599131" sldId="268"/>
             <ac:spMk id="2" creationId="{1FD7FD30-CABE-80F9-096F-63AAA66F52B5}"/>
           </ac:spMkLst>
         </pc:spChg>
+        <pc:spChg chg="add del mod">
+          <ac:chgData name="Sean O Fithcheallaigh" userId="47659c31-a575-4792-8be3-61268c4ee0d6" providerId="ADAL" clId="{B7574C7C-3686-460F-9B9F-2A9122AA95F8}" dt="2024-02-25T20:59:09.682" v="2724" actId="478"/>
+          <ac:spMkLst>
+            <pc:docMk/>
+            <pc:sldMk cId="3408599131" sldId="268"/>
+            <ac:spMk id="4" creationId="{CF819D37-CC28-C997-B316-4DDC2A705BBF}"/>
+          </ac:spMkLst>
+        </pc:spChg>
+        <pc:spChg chg="add del mod">
+          <ac:chgData name="Sean O Fithcheallaigh" userId="47659c31-a575-4792-8be3-61268c4ee0d6" providerId="ADAL" clId="{B7574C7C-3686-460F-9B9F-2A9122AA95F8}" dt="2024-02-25T20:59:11.685" v="2725" actId="478"/>
+          <ac:spMkLst>
+            <pc:docMk/>
+            <pc:sldMk cId="3408599131" sldId="268"/>
+            <ac:spMk id="7" creationId="{6593DADC-E7CF-42DE-0ADB-18193877E327}"/>
+          </ac:spMkLst>
+        </pc:spChg>
         <pc:spChg chg="del">
           <ac:chgData name="Sean O Fithcheallaigh" userId="47659c31-a575-4792-8be3-61268c4ee0d6" providerId="ADAL" clId="{B7574C7C-3686-460F-9B9F-2A9122AA95F8}" dt="2024-02-18T22:47:58.766" v="2357" actId="478"/>
           <ac:spMkLst>
@@ -2266,7 +2418,23 @@
           </ac:spMkLst>
         </pc:spChg>
         <pc:spChg chg="add mod">
-          <ac:chgData name="Sean O Fithcheallaigh" userId="47659c31-a575-4792-8be3-61268c4ee0d6" providerId="ADAL" clId="{B7574C7C-3686-460F-9B9F-2A9122AA95F8}" dt="2024-02-18T22:48:22.535" v="2364" actId="14100"/>
+          <ac:chgData name="Sean O Fithcheallaigh" userId="47659c31-a575-4792-8be3-61268c4ee0d6" providerId="ADAL" clId="{B7574C7C-3686-460F-9B9F-2A9122AA95F8}" dt="2024-02-25T20:59:22.551" v="2730" actId="27636"/>
+          <ac:spMkLst>
+            <pc:docMk/>
+            <pc:sldMk cId="3408599131" sldId="268"/>
+            <ac:spMk id="8" creationId="{F81BE618-FCDB-5266-C293-407EFD814C8B}"/>
+          </ac:spMkLst>
+        </pc:spChg>
+        <pc:spChg chg="mod">
+          <ac:chgData name="Sean O Fithcheallaigh" userId="47659c31-a575-4792-8be3-61268c4ee0d6" providerId="ADAL" clId="{B7574C7C-3686-460F-9B9F-2A9122AA95F8}" dt="2024-02-25T20:58:18.681" v="2693" actId="14100"/>
+          <ac:spMkLst>
+            <pc:docMk/>
+            <pc:sldMk cId="3408599131" sldId="268"/>
+            <ac:spMk id="15" creationId="{4FC66C9B-35CF-0185-FDAA-B671BF099103}"/>
+          </ac:spMkLst>
+        </pc:spChg>
+        <pc:spChg chg="add mod">
+          <ac:chgData name="Sean O Fithcheallaigh" userId="47659c31-a575-4792-8be3-61268c4ee0d6" providerId="ADAL" clId="{B7574C7C-3686-460F-9B9F-2A9122AA95F8}" dt="2024-02-25T20:58:11.230" v="2691" actId="1076"/>
           <ac:spMkLst>
             <pc:docMk/>
             <pc:sldMk cId="3408599131" sldId="268"/>
@@ -2290,7 +2458,7 @@
           </ac:picMkLst>
         </pc:picChg>
         <pc:picChg chg="add mod">
-          <ac:chgData name="Sean O Fithcheallaigh" userId="47659c31-a575-4792-8be3-61268c4ee0d6" providerId="ADAL" clId="{B7574C7C-3686-460F-9B9F-2A9122AA95F8}" dt="2024-02-19T18:35:27.491" v="2542" actId="1076"/>
+          <ac:chgData name="Sean O Fithcheallaigh" userId="47659c31-a575-4792-8be3-61268c4ee0d6" providerId="ADAL" clId="{B7574C7C-3686-460F-9B9F-2A9122AA95F8}" dt="2024-02-25T20:59:28.994" v="2731" actId="14100"/>
           <ac:picMkLst>
             <pc:docMk/>
             <pc:sldMk cId="3408599131" sldId="268"/>
@@ -2368,18 +2536,194 @@
           </ac:spMkLst>
         </pc:spChg>
       </pc:sldChg>
-      <pc:sldMasterChg chg="modSldLayout">
-        <pc:chgData name="Sean O Fithcheallaigh" userId="47659c31-a575-4792-8be3-61268c4ee0d6" providerId="ADAL" clId="{B7574C7C-3686-460F-9B9F-2A9122AA95F8}" dt="2024-02-13T19:56:02.820" v="272"/>
+      <pc:sldMasterChg chg="modSp mod setBg modSldLayout">
+        <pc:chgData name="Sean O Fithcheallaigh" userId="47659c31-a575-4792-8be3-61268c4ee0d6" providerId="ADAL" clId="{B7574C7C-3686-460F-9B9F-2A9122AA95F8}" dt="2024-02-25T21:07:13.962" v="2790"/>
         <pc:sldMasterMkLst>
           <pc:docMk/>
           <pc:sldMasterMk cId="2989193502" sldId="2147483884"/>
         </pc:sldMasterMkLst>
+        <pc:spChg chg="mod">
+          <ac:chgData name="Sean O Fithcheallaigh" userId="47659c31-a575-4792-8be3-61268c4ee0d6" providerId="ADAL" clId="{B7574C7C-3686-460F-9B9F-2A9122AA95F8}" dt="2024-02-25T20:53:35.268" v="2590" actId="14100"/>
+          <ac:spMkLst>
+            <pc:docMk/>
+            <pc:sldMasterMk cId="2989193502" sldId="2147483884"/>
+            <ac:spMk id="2" creationId="{00000000-0000-0000-0000-000000000000}"/>
+          </ac:spMkLst>
+        </pc:spChg>
+        <pc:spChg chg="mod">
+          <ac:chgData name="Sean O Fithcheallaigh" userId="47659c31-a575-4792-8be3-61268c4ee0d6" providerId="ADAL" clId="{B7574C7C-3686-460F-9B9F-2A9122AA95F8}" dt="2024-02-25T20:53:29.924" v="2589" actId="14100"/>
+          <ac:spMkLst>
+            <pc:docMk/>
+            <pc:sldMasterMk cId="2989193502" sldId="2147483884"/>
+            <ac:spMk id="3" creationId="{00000000-0000-0000-0000-000000000000}"/>
+          </ac:spMkLst>
+        </pc:spChg>
+        <pc:cxnChg chg="mod">
+          <ac:chgData name="Sean O Fithcheallaigh" userId="47659c31-a575-4792-8be3-61268c4ee0d6" providerId="ADAL" clId="{B7574C7C-3686-460F-9B9F-2A9122AA95F8}" dt="2024-02-25T20:53:24.878" v="2588" actId="1076"/>
+          <ac:cxnSpMkLst>
+            <pc:docMk/>
+            <pc:sldMasterMk cId="2989193502" sldId="2147483884"/>
+            <ac:cxnSpMk id="10" creationId="{00000000-0000-0000-0000-000000000000}"/>
+          </ac:cxnSpMkLst>
+        </pc:cxnChg>
         <pc:sldLayoutChg chg="setBg">
-          <pc:chgData name="Sean O Fithcheallaigh" userId="47659c31-a575-4792-8be3-61268c4ee0d6" providerId="ADAL" clId="{B7574C7C-3686-460F-9B9F-2A9122AA95F8}" dt="2024-02-13T19:56:02.820" v="272"/>
+          <pc:chgData name="Sean O Fithcheallaigh" userId="47659c31-a575-4792-8be3-61268c4ee0d6" providerId="ADAL" clId="{B7574C7C-3686-460F-9B9F-2A9122AA95F8}" dt="2024-02-25T21:07:13.962" v="2790"/>
+          <pc:sldLayoutMkLst>
+            <pc:docMk/>
+            <pc:sldMasterMk cId="2989193502" sldId="2147483884"/>
+            <pc:sldLayoutMk cId="1032340772" sldId="2147483885"/>
+          </pc:sldLayoutMkLst>
+        </pc:sldLayoutChg>
+        <pc:sldLayoutChg chg="addSp delSp modSp mod setBg">
+          <pc:chgData name="Sean O Fithcheallaigh" userId="47659c31-a575-4792-8be3-61268c4ee0d6" providerId="ADAL" clId="{B7574C7C-3686-460F-9B9F-2A9122AA95F8}" dt="2024-02-25T21:07:13.962" v="2790"/>
           <pc:sldLayoutMkLst>
             <pc:docMk/>
             <pc:sldMasterMk cId="2989193502" sldId="2147483884"/>
             <pc:sldLayoutMk cId="2634379243" sldId="2147483886"/>
+          </pc:sldLayoutMkLst>
+          <pc:spChg chg="mod">
+            <ac:chgData name="Sean O Fithcheallaigh" userId="47659c31-a575-4792-8be3-61268c4ee0d6" providerId="ADAL" clId="{B7574C7C-3686-460F-9B9F-2A9122AA95F8}" dt="2024-02-25T21:02:07.995" v="2772" actId="14100"/>
+            <ac:spMkLst>
+              <pc:docMk/>
+              <pc:sldMasterMk cId="2989193502" sldId="2147483884"/>
+              <pc:sldLayoutMk cId="2634379243" sldId="2147483886"/>
+              <ac:spMk id="2" creationId="{00000000-0000-0000-0000-000000000000}"/>
+            </ac:spMkLst>
+          </pc:spChg>
+          <pc:spChg chg="mod">
+            <ac:chgData name="Sean O Fithcheallaigh" userId="47659c31-a575-4792-8be3-61268c4ee0d6" providerId="ADAL" clId="{B7574C7C-3686-460F-9B9F-2A9122AA95F8}" dt="2024-02-25T21:02:12.752" v="2773" actId="14100"/>
+            <ac:spMkLst>
+              <pc:docMk/>
+              <pc:sldMasterMk cId="2989193502" sldId="2147483884"/>
+              <pc:sldLayoutMk cId="2634379243" sldId="2147483886"/>
+              <ac:spMk id="3" creationId="{00000000-0000-0000-0000-000000000000}"/>
+            </ac:spMkLst>
+          </pc:spChg>
+          <pc:spChg chg="del">
+            <ac:chgData name="Sean O Fithcheallaigh" userId="47659c31-a575-4792-8be3-61268c4ee0d6" providerId="ADAL" clId="{B7574C7C-3686-460F-9B9F-2A9122AA95F8}" dt="2024-02-25T20:48:42.690" v="2585"/>
+            <ac:spMkLst>
+              <pc:docMk/>
+              <pc:sldMasterMk cId="2989193502" sldId="2147483884"/>
+              <pc:sldLayoutMk cId="2634379243" sldId="2147483886"/>
+              <ac:spMk id="4" creationId="{00000000-0000-0000-0000-000000000000}"/>
+            </ac:spMkLst>
+          </pc:spChg>
+          <pc:spChg chg="del">
+            <ac:chgData name="Sean O Fithcheallaigh" userId="47659c31-a575-4792-8be3-61268c4ee0d6" providerId="ADAL" clId="{B7574C7C-3686-460F-9B9F-2A9122AA95F8}" dt="2024-02-25T20:48:42.690" v="2585"/>
+            <ac:spMkLst>
+              <pc:docMk/>
+              <pc:sldMasterMk cId="2989193502" sldId="2147483884"/>
+              <pc:sldLayoutMk cId="2634379243" sldId="2147483886"/>
+              <ac:spMk id="5" creationId="{00000000-0000-0000-0000-000000000000}"/>
+            </ac:spMkLst>
+          </pc:spChg>
+          <pc:spChg chg="del">
+            <ac:chgData name="Sean O Fithcheallaigh" userId="47659c31-a575-4792-8be3-61268c4ee0d6" providerId="ADAL" clId="{B7574C7C-3686-460F-9B9F-2A9122AA95F8}" dt="2024-02-25T20:48:42.690" v="2585"/>
+            <ac:spMkLst>
+              <pc:docMk/>
+              <pc:sldMasterMk cId="2989193502" sldId="2147483884"/>
+              <pc:sldLayoutMk cId="2634379243" sldId="2147483886"/>
+              <ac:spMk id="6" creationId="{00000000-0000-0000-0000-000000000000}"/>
+            </ac:spMkLst>
+          </pc:spChg>
+          <pc:spChg chg="add mod">
+            <ac:chgData name="Sean O Fithcheallaigh" userId="47659c31-a575-4792-8be3-61268c4ee0d6" providerId="ADAL" clId="{B7574C7C-3686-460F-9B9F-2A9122AA95F8}" dt="2024-02-25T20:48:43.348" v="2586"/>
+            <ac:spMkLst>
+              <pc:docMk/>
+              <pc:sldMasterMk cId="2989193502" sldId="2147483884"/>
+              <pc:sldLayoutMk cId="2634379243" sldId="2147483886"/>
+              <ac:spMk id="7" creationId="{4B72DB9C-5DEA-6DD4-784F-41BD58908A73}"/>
+            </ac:spMkLst>
+          </pc:spChg>
+          <pc:spChg chg="add mod">
+            <ac:chgData name="Sean O Fithcheallaigh" userId="47659c31-a575-4792-8be3-61268c4ee0d6" providerId="ADAL" clId="{B7574C7C-3686-460F-9B9F-2A9122AA95F8}" dt="2024-02-25T20:48:43.348" v="2586"/>
+            <ac:spMkLst>
+              <pc:docMk/>
+              <pc:sldMasterMk cId="2989193502" sldId="2147483884"/>
+              <pc:sldLayoutMk cId="2634379243" sldId="2147483886"/>
+              <ac:spMk id="8" creationId="{A289F02A-CEE2-6F05-59EC-E6ABF87D1DC6}"/>
+            </ac:spMkLst>
+          </pc:spChg>
+          <pc:spChg chg="add mod">
+            <ac:chgData name="Sean O Fithcheallaigh" userId="47659c31-a575-4792-8be3-61268c4ee0d6" providerId="ADAL" clId="{B7574C7C-3686-460F-9B9F-2A9122AA95F8}" dt="2024-02-25T20:48:43.348" v="2586"/>
+            <ac:spMkLst>
+              <pc:docMk/>
+              <pc:sldMasterMk cId="2989193502" sldId="2147483884"/>
+              <pc:sldLayoutMk cId="2634379243" sldId="2147483886"/>
+              <ac:spMk id="9" creationId="{AF8782C5-747C-DD09-7234-882A1D5FD405}"/>
+            </ac:spMkLst>
+          </pc:spChg>
+        </pc:sldLayoutChg>
+        <pc:sldLayoutChg chg="setBg">
+          <pc:chgData name="Sean O Fithcheallaigh" userId="47659c31-a575-4792-8be3-61268c4ee0d6" providerId="ADAL" clId="{B7574C7C-3686-460F-9B9F-2A9122AA95F8}" dt="2024-02-25T21:07:13.962" v="2790"/>
+          <pc:sldLayoutMkLst>
+            <pc:docMk/>
+            <pc:sldMasterMk cId="2989193502" sldId="2147483884"/>
+            <pc:sldLayoutMk cId="2601701279" sldId="2147483887"/>
+          </pc:sldLayoutMkLst>
+        </pc:sldLayoutChg>
+        <pc:sldLayoutChg chg="setBg">
+          <pc:chgData name="Sean O Fithcheallaigh" userId="47659c31-a575-4792-8be3-61268c4ee0d6" providerId="ADAL" clId="{B7574C7C-3686-460F-9B9F-2A9122AA95F8}" dt="2024-02-25T21:07:13.962" v="2790"/>
+          <pc:sldLayoutMkLst>
+            <pc:docMk/>
+            <pc:sldMasterMk cId="2989193502" sldId="2147483884"/>
+            <pc:sldLayoutMk cId="2006694186" sldId="2147483888"/>
+          </pc:sldLayoutMkLst>
+        </pc:sldLayoutChg>
+        <pc:sldLayoutChg chg="setBg">
+          <pc:chgData name="Sean O Fithcheallaigh" userId="47659c31-a575-4792-8be3-61268c4ee0d6" providerId="ADAL" clId="{B7574C7C-3686-460F-9B9F-2A9122AA95F8}" dt="2024-02-25T21:07:13.962" v="2790"/>
+          <pc:sldLayoutMkLst>
+            <pc:docMk/>
+            <pc:sldMasterMk cId="2989193502" sldId="2147483884"/>
+            <pc:sldLayoutMk cId="2349671932" sldId="2147483889"/>
+          </pc:sldLayoutMkLst>
+        </pc:sldLayoutChg>
+        <pc:sldLayoutChg chg="setBg">
+          <pc:chgData name="Sean O Fithcheallaigh" userId="47659c31-a575-4792-8be3-61268c4ee0d6" providerId="ADAL" clId="{B7574C7C-3686-460F-9B9F-2A9122AA95F8}" dt="2024-02-25T21:07:13.962" v="2790"/>
+          <pc:sldLayoutMkLst>
+            <pc:docMk/>
+            <pc:sldMasterMk cId="2989193502" sldId="2147483884"/>
+            <pc:sldLayoutMk cId="2885172000" sldId="2147483890"/>
+          </pc:sldLayoutMkLst>
+        </pc:sldLayoutChg>
+        <pc:sldLayoutChg chg="setBg">
+          <pc:chgData name="Sean O Fithcheallaigh" userId="47659c31-a575-4792-8be3-61268c4ee0d6" providerId="ADAL" clId="{B7574C7C-3686-460F-9B9F-2A9122AA95F8}" dt="2024-02-25T21:07:13.962" v="2790"/>
+          <pc:sldLayoutMkLst>
+            <pc:docMk/>
+            <pc:sldMasterMk cId="2989193502" sldId="2147483884"/>
+            <pc:sldLayoutMk cId="873411810" sldId="2147483891"/>
+          </pc:sldLayoutMkLst>
+        </pc:sldLayoutChg>
+        <pc:sldLayoutChg chg="setBg">
+          <pc:chgData name="Sean O Fithcheallaigh" userId="47659c31-a575-4792-8be3-61268c4ee0d6" providerId="ADAL" clId="{B7574C7C-3686-460F-9B9F-2A9122AA95F8}" dt="2024-02-25T21:07:13.962" v="2790"/>
+          <pc:sldLayoutMkLst>
+            <pc:docMk/>
+            <pc:sldMasterMk cId="2989193502" sldId="2147483884"/>
+            <pc:sldLayoutMk cId="1387623995" sldId="2147483892"/>
+          </pc:sldLayoutMkLst>
+        </pc:sldLayoutChg>
+        <pc:sldLayoutChg chg="setBg">
+          <pc:chgData name="Sean O Fithcheallaigh" userId="47659c31-a575-4792-8be3-61268c4ee0d6" providerId="ADAL" clId="{B7574C7C-3686-460F-9B9F-2A9122AA95F8}" dt="2024-02-25T21:07:13.962" v="2790"/>
+          <pc:sldLayoutMkLst>
+            <pc:docMk/>
+            <pc:sldMasterMk cId="2989193502" sldId="2147483884"/>
+            <pc:sldLayoutMk cId="4025620083" sldId="2147483893"/>
+          </pc:sldLayoutMkLst>
+        </pc:sldLayoutChg>
+        <pc:sldLayoutChg chg="setBg">
+          <pc:chgData name="Sean O Fithcheallaigh" userId="47659c31-a575-4792-8be3-61268c4ee0d6" providerId="ADAL" clId="{B7574C7C-3686-460F-9B9F-2A9122AA95F8}" dt="2024-02-25T21:07:13.962" v="2790"/>
+          <pc:sldLayoutMkLst>
+            <pc:docMk/>
+            <pc:sldMasterMk cId="2989193502" sldId="2147483884"/>
+            <pc:sldLayoutMk cId="508955739" sldId="2147483894"/>
+          </pc:sldLayoutMkLst>
+        </pc:sldLayoutChg>
+        <pc:sldLayoutChg chg="setBg">
+          <pc:chgData name="Sean O Fithcheallaigh" userId="47659c31-a575-4792-8be3-61268c4ee0d6" providerId="ADAL" clId="{B7574C7C-3686-460F-9B9F-2A9122AA95F8}" dt="2024-02-25T21:07:13.962" v="2790"/>
+          <pc:sldLayoutMkLst>
+            <pc:docMk/>
+            <pc:sldMasterMk cId="2989193502" sldId="2147483884"/>
+            <pc:sldLayoutMk cId="4079772589" sldId="2147483895"/>
           </pc:sldLayoutMkLst>
         </pc:sldLayoutChg>
       </pc:sldMasterChg>
@@ -2444,7 +2788,7 @@
 </file>
 
 <file path=ppt/slideLayouts/slideLayout1.xml><?xml version="1.0" encoding="utf-8"?>
-<p:sldLayout xmlns:a="http://schemas.openxmlformats.org/drawingml/2006/main" xmlns:r="http://schemas.openxmlformats.org/officeDocument/2006/relationships" xmlns:p="http://schemas.openxmlformats.org/presentationml/2006/main" showMasterSp="0" type="title" preserve="1">
+<p:sldLayout xmlns:a="http://schemas.openxmlformats.org/drawingml/2006/main" xmlns:r="http://schemas.openxmlformats.org/officeDocument/2006/relationships" xmlns:p="http://schemas.openxmlformats.org/presentationml/2006/main" type="title" preserve="1">
   <p:cSld name="Title Slide">
     <p:spTree>
       <p:nvGrpSpPr>
@@ -2671,7 +3015,7 @@
           <a:p>
             <a:fld id="{0CD94E99-FA29-4EFF-88BE-3447E30E8C4D}" type="datetimeFigureOut">
               <a:rPr lang="en-GB" smtClean="0"/>
-              <a:t>21/02/2024</a:t>
+              <a:t>25/02/2024</a:t>
             </a:fld>
             <a:endParaRPr lang="en-GB"/>
           </a:p>
@@ -2879,7 +3223,7 @@
           <a:p>
             <a:fld id="{0CD94E99-FA29-4EFF-88BE-3447E30E8C4D}" type="datetimeFigureOut">
               <a:rPr lang="en-GB" smtClean="0"/>
-              <a:t>21/02/2024</a:t>
+              <a:t>25/02/2024</a:t>
             </a:fld>
             <a:endParaRPr lang="en-GB"/>
           </a:p>
@@ -2941,7 +3285,7 @@
 </file>
 
 <file path=ppt/slideLayouts/slideLayout11.xml><?xml version="1.0" encoding="utf-8"?>
-<p:sldLayout xmlns:a="http://schemas.openxmlformats.org/drawingml/2006/main" xmlns:r="http://schemas.openxmlformats.org/officeDocument/2006/relationships" xmlns:p="http://schemas.openxmlformats.org/presentationml/2006/main" showMasterSp="0" type="vertTitleAndTx" preserve="1">
+<p:sldLayout xmlns:a="http://schemas.openxmlformats.org/drawingml/2006/main" xmlns:r="http://schemas.openxmlformats.org/officeDocument/2006/relationships" xmlns:p="http://schemas.openxmlformats.org/presentationml/2006/main" type="vertTitleAndTx" preserve="1">
   <p:cSld name="Vertical Title and Text">
     <p:spTree>
       <p:nvGrpSpPr>
@@ -3137,7 +3481,7 @@
           <a:p>
             <a:fld id="{0CD94E99-FA29-4EFF-88BE-3447E30E8C4D}" type="datetimeFigureOut">
               <a:rPr lang="en-GB" smtClean="0"/>
-              <a:t>21/02/2024</a:t>
+              <a:t>25/02/2024</a:t>
             </a:fld>
             <a:endParaRPr lang="en-GB"/>
           </a:p>
@@ -3201,14 +3545,6 @@
 <file path=ppt/slideLayouts/slideLayout2.xml><?xml version="1.0" encoding="utf-8"?>
 <p:sldLayout xmlns:a="http://schemas.openxmlformats.org/drawingml/2006/main" xmlns:r="http://schemas.openxmlformats.org/officeDocument/2006/relationships" xmlns:p="http://schemas.openxmlformats.org/presentationml/2006/main" type="obj" preserve="1">
   <p:cSld name="Title and Content">
-    <p:bg>
-      <p:bgPr>
-        <a:solidFill>
-          <a:schemeClr val="bg1"/>
-        </a:solidFill>
-        <a:effectLst/>
-      </p:bgPr>
-    </p:bg>
     <p:spTree>
       <p:nvGrpSpPr>
         <p:cNvPr id="1" name=""/>
@@ -3233,7 +3569,12 @@
             <p:ph type="title"/>
           </p:nvPr>
         </p:nvSpPr>
-        <p:spPr/>
+        <p:spPr>
+          <a:xfrm>
+            <a:off x="1097280" y="286603"/>
+            <a:ext cx="10058400" cy="902117"/>
+          </a:xfrm>
+        </p:spPr>
         <p:txBody>
           <a:bodyPr/>
           <a:lstStyle/>
@@ -3256,7 +3597,12 @@
             <p:ph idx="1"/>
           </p:nvPr>
         </p:nvSpPr>
-        <p:spPr/>
+        <p:spPr>
+          <a:xfrm>
+            <a:off x="1097280" y="1396538"/>
+            <a:ext cx="10058400" cy="4472555"/>
+          </a:xfrm>
+        </p:spPr>
         <p:txBody>
           <a:bodyPr/>
           <a:lstStyle/>
@@ -3300,7 +3646,13 @@
       </p:sp>
       <p:sp>
         <p:nvSpPr>
-          <p:cNvPr id="4" name="Date Placeholder 3"/>
+          <p:cNvPr id="7" name="Date Placeholder 6">
+            <a:extLst>
+              <a:ext uri="{FF2B5EF4-FFF2-40B4-BE49-F238E27FC236}">
+                <a16:creationId xmlns:a16="http://schemas.microsoft.com/office/drawing/2014/main" id="{4B72DB9C-5DEA-6DD4-784F-41BD58908A73}"/>
+              </a:ext>
+            </a:extLst>
+          </p:cNvPr>
           <p:cNvSpPr>
             <a:spLocks noGrp="1"/>
           </p:cNvSpPr>
@@ -3315,7 +3667,7 @@
           <a:p>
             <a:fld id="{0CD94E99-FA29-4EFF-88BE-3447E30E8C4D}" type="datetimeFigureOut">
               <a:rPr lang="en-GB" smtClean="0"/>
-              <a:t>21/02/2024</a:t>
+              <a:t>25/02/2024</a:t>
             </a:fld>
             <a:endParaRPr lang="en-GB"/>
           </a:p>
@@ -3323,7 +3675,13 @@
       </p:sp>
       <p:sp>
         <p:nvSpPr>
-          <p:cNvPr id="5" name="Footer Placeholder 4"/>
+          <p:cNvPr id="8" name="Footer Placeholder 7">
+            <a:extLst>
+              <a:ext uri="{FF2B5EF4-FFF2-40B4-BE49-F238E27FC236}">
+                <a16:creationId xmlns:a16="http://schemas.microsoft.com/office/drawing/2014/main" id="{A289F02A-CEE2-6F05-59EC-E6ABF87D1DC6}"/>
+              </a:ext>
+            </a:extLst>
+          </p:cNvPr>
           <p:cNvSpPr>
             <a:spLocks noGrp="1"/>
           </p:cNvSpPr>
@@ -3342,7 +3700,13 @@
       </p:sp>
       <p:sp>
         <p:nvSpPr>
-          <p:cNvPr id="6" name="Slide Number Placeholder 5"/>
+          <p:cNvPr id="9" name="Slide Number Placeholder 8">
+            <a:extLst>
+              <a:ext uri="{FF2B5EF4-FFF2-40B4-BE49-F238E27FC236}">
+                <a16:creationId xmlns:a16="http://schemas.microsoft.com/office/drawing/2014/main" id="{AF8782C5-747C-DD09-7234-882A1D5FD405}"/>
+              </a:ext>
+            </a:extLst>
+          </p:cNvPr>
           <p:cNvSpPr>
             <a:spLocks noGrp="1"/>
           </p:cNvSpPr>
@@ -3377,7 +3741,7 @@
 </file>
 
 <file path=ppt/slideLayouts/slideLayout3.xml><?xml version="1.0" encoding="utf-8"?>
-<p:sldLayout xmlns:a="http://schemas.openxmlformats.org/drawingml/2006/main" xmlns:r="http://schemas.openxmlformats.org/officeDocument/2006/relationships" xmlns:p="http://schemas.openxmlformats.org/presentationml/2006/main" showMasterSp="0" type="secHead" preserve="1">
+<p:sldLayout xmlns:a="http://schemas.openxmlformats.org/drawingml/2006/main" xmlns:r="http://schemas.openxmlformats.org/officeDocument/2006/relationships" xmlns:p="http://schemas.openxmlformats.org/presentationml/2006/main" type="secHead" preserve="1">
   <p:cSld name="Section Header">
     <p:spTree>
       <p:nvGrpSpPr>
@@ -3652,7 +4016,7 @@
           <a:p>
             <a:fld id="{0CD94E99-FA29-4EFF-88BE-3447E30E8C4D}" type="datetimeFigureOut">
               <a:rPr lang="en-GB" smtClean="0"/>
-              <a:t>21/02/2024</a:t>
+              <a:t>25/02/2024</a:t>
             </a:fld>
             <a:endParaRPr lang="en-GB"/>
           </a:p>
@@ -3754,11 +4118,6 @@
 <file path=ppt/slideLayouts/slideLayout4.xml><?xml version="1.0" encoding="utf-8"?>
 <p:sldLayout xmlns:a="http://schemas.openxmlformats.org/drawingml/2006/main" xmlns:r="http://schemas.openxmlformats.org/officeDocument/2006/relationships" xmlns:p="http://schemas.openxmlformats.org/presentationml/2006/main" type="twoObj" preserve="1">
   <p:cSld name="Two Content">
-    <p:bg>
-      <p:bgRef idx="1002">
-        <a:schemeClr val="bg1"/>
-      </p:bgRef>
-    </p:bg>
     <p:spTree>
       <p:nvGrpSpPr>
         <p:cNvPr id="1" name=""/>
@@ -3932,7 +4291,7 @@
           <a:p>
             <a:fld id="{0CD94E99-FA29-4EFF-88BE-3447E30E8C4D}" type="datetimeFigureOut">
               <a:rPr lang="en-GB" smtClean="0"/>
-              <a:t>21/02/2024</a:t>
+              <a:t>25/02/2024</a:t>
             </a:fld>
             <a:endParaRPr lang="en-GB"/>
           </a:p>
@@ -3988,7 +4347,7 @@
     </p:extLst>
   </p:cSld>
   <p:clrMapOvr>
-    <a:overrideClrMapping bg1="lt1" tx1="dk1" bg2="lt2" tx2="dk2" accent1="accent1" accent2="accent2" accent3="accent3" accent4="accent4" accent5="accent5" accent6="accent6" hlink="hlink" folHlink="folHlink"/>
+    <a:masterClrMapping/>
   </p:clrMapOvr>
 </p:sldLayout>
 </file>
@@ -4311,7 +4670,7 @@
           <a:p>
             <a:fld id="{0CD94E99-FA29-4EFF-88BE-3447E30E8C4D}" type="datetimeFigureOut">
               <a:rPr lang="en-GB" smtClean="0"/>
-              <a:t>21/02/2024</a:t>
+              <a:t>25/02/2024</a:t>
             </a:fld>
             <a:endParaRPr lang="en-GB"/>
           </a:p>
@@ -4429,7 +4788,7 @@
           <a:p>
             <a:fld id="{0CD94E99-FA29-4EFF-88BE-3447E30E8C4D}" type="datetimeFigureOut">
               <a:rPr lang="en-GB" smtClean="0"/>
-              <a:t>21/02/2024</a:t>
+              <a:t>25/02/2024</a:t>
             </a:fld>
             <a:endParaRPr lang="en-GB"/>
           </a:p>
@@ -4491,7 +4850,7 @@
 </file>
 
 <file path=ppt/slideLayouts/slideLayout7.xml><?xml version="1.0" encoding="utf-8"?>
-<p:sldLayout xmlns:a="http://schemas.openxmlformats.org/drawingml/2006/main" xmlns:r="http://schemas.openxmlformats.org/officeDocument/2006/relationships" xmlns:p="http://schemas.openxmlformats.org/presentationml/2006/main" showMasterSp="0" type="blank" preserve="1">
+<p:sldLayout xmlns:a="http://schemas.openxmlformats.org/drawingml/2006/main" xmlns:r="http://schemas.openxmlformats.org/officeDocument/2006/relationships" xmlns:p="http://schemas.openxmlformats.org/presentationml/2006/main" type="blank" preserve="1">
   <p:cSld name="Blank">
     <p:spTree>
       <p:nvGrpSpPr>
@@ -4602,7 +4961,7 @@
           <a:p>
             <a:fld id="{0CD94E99-FA29-4EFF-88BE-3447E30E8C4D}" type="datetimeFigureOut">
               <a:rPr lang="en-GB" smtClean="0"/>
-              <a:t>21/02/2024</a:t>
+              <a:t>25/02/2024</a:t>
             </a:fld>
             <a:endParaRPr lang="en-GB"/>
           </a:p>
@@ -4672,7 +5031,7 @@
 </file>
 
 <file path=ppt/slideLayouts/slideLayout8.xml><?xml version="1.0" encoding="utf-8"?>
-<p:sldLayout xmlns:a="http://schemas.openxmlformats.org/drawingml/2006/main" xmlns:r="http://schemas.openxmlformats.org/officeDocument/2006/relationships" xmlns:p="http://schemas.openxmlformats.org/presentationml/2006/main" showMasterSp="0" type="objTx" preserve="1">
+<p:sldLayout xmlns:a="http://schemas.openxmlformats.org/drawingml/2006/main" xmlns:r="http://schemas.openxmlformats.org/officeDocument/2006/relationships" xmlns:p="http://schemas.openxmlformats.org/presentationml/2006/main" type="objTx" preserve="1">
   <p:cSld name="Content with Caption">
     <p:spTree>
       <p:nvGrpSpPr>
@@ -4958,7 +5317,7 @@
           <a:p>
             <a:fld id="{0CD94E99-FA29-4EFF-88BE-3447E30E8C4D}" type="datetimeFigureOut">
               <a:rPr lang="en-GB" smtClean="0"/>
-              <a:t>21/02/2024</a:t>
+              <a:t>25/02/2024</a:t>
             </a:fld>
             <a:endParaRPr lang="en-GB"/>
           </a:p>
@@ -5041,7 +5400,7 @@
 </file>
 
 <file path=ppt/slideLayouts/slideLayout9.xml><?xml version="1.0" encoding="utf-8"?>
-<p:sldLayout xmlns:a="http://schemas.openxmlformats.org/drawingml/2006/main" xmlns:r="http://schemas.openxmlformats.org/officeDocument/2006/relationships" xmlns:p="http://schemas.openxmlformats.org/presentationml/2006/main" showMasterSp="0" type="picTx" preserve="1">
+<p:sldLayout xmlns:a="http://schemas.openxmlformats.org/drawingml/2006/main" xmlns:r="http://schemas.openxmlformats.org/officeDocument/2006/relationships" xmlns:p="http://schemas.openxmlformats.org/presentationml/2006/main" type="picTx" preserve="1">
   <p:cSld name="Picture with Caption">
     <p:spTree>
       <p:nvGrpSpPr>
@@ -5337,7 +5696,7 @@
           <a:p>
             <a:fld id="{0CD94E99-FA29-4EFF-88BE-3447E30E8C4D}" type="datetimeFigureOut">
               <a:rPr lang="en-GB" smtClean="0"/>
-              <a:t>21/02/2024</a:t>
+              <a:t>25/02/2024</a:t>
             </a:fld>
             <a:endParaRPr lang="en-GB"/>
           </a:p>
@@ -5402,9 +5761,12 @@
 <p:sldMaster xmlns:a="http://schemas.openxmlformats.org/drawingml/2006/main" xmlns:r="http://schemas.openxmlformats.org/officeDocument/2006/relationships" xmlns:p="http://schemas.openxmlformats.org/presentationml/2006/main">
   <p:cSld>
     <p:bg>
-      <p:bgRef idx="1001">
-        <a:schemeClr val="bg2"/>
-      </p:bgRef>
+      <p:bgPr>
+        <a:solidFill>
+          <a:schemeClr val="bg1"/>
+        </a:solidFill>
+        <a:effectLst/>
+      </p:bgPr>
     </p:bg>
     <p:spTree>
       <p:nvGrpSpPr>
@@ -5510,8 +5872,8 @@
         </p:nvSpPr>
         <p:spPr>
           <a:xfrm>
-            <a:off x="1097280" y="286603"/>
-            <a:ext cx="10058400" cy="1450757"/>
+            <a:off x="1097280" y="286604"/>
+            <a:ext cx="10058400" cy="943855"/>
           </a:xfrm>
           <a:prstGeom prst="rect">
             <a:avLst/>
@@ -5543,8 +5905,8 @@
         </p:nvSpPr>
         <p:spPr>
           <a:xfrm>
-            <a:off x="1097280" y="1845734"/>
-            <a:ext cx="10058400" cy="4023360"/>
+            <a:off x="1097280" y="1355929"/>
+            <a:ext cx="10058400" cy="4513165"/>
           </a:xfrm>
           <a:prstGeom prst="rect">
             <a:avLst/>
@@ -5626,7 +5988,7 @@
           <a:p>
             <a:fld id="{0CD94E99-FA29-4EFF-88BE-3447E30E8C4D}" type="datetimeFigureOut">
               <a:rPr lang="en-GB" smtClean="0"/>
-              <a:t>21/02/2024</a:t>
+              <a:t>25/02/2024</a:t>
             </a:fld>
             <a:endParaRPr lang="en-GB"/>
           </a:p>
@@ -5714,7 +6076,7 @@
         </p:nvCxnSpPr>
         <p:spPr>
           <a:xfrm>
-            <a:off x="1193532" y="1737845"/>
+            <a:off x="1188720" y="1289444"/>
             <a:ext cx="9966960" cy="0"/>
           </a:xfrm>
           <a:prstGeom prst="line">
@@ -6136,14 +6498,6 @@
 <file path=ppt/slides/slide1.xml><?xml version="1.0" encoding="utf-8"?>
 <p:sld xmlns:a="http://schemas.openxmlformats.org/drawingml/2006/main" xmlns:r="http://schemas.openxmlformats.org/officeDocument/2006/relationships" xmlns:p="http://schemas.openxmlformats.org/presentationml/2006/main">
   <p:cSld>
-    <p:bg>
-      <p:bgPr>
-        <a:solidFill>
-          <a:schemeClr val="bg1"/>
-        </a:solidFill>
-        <a:effectLst/>
-      </p:bgPr>
-    </p:bg>
     <p:spTree>
       <p:nvGrpSpPr>
         <p:cNvPr id="1" name=""/>
@@ -6158,6 +6512,66 @@
           <a:chExt cx="0" cy="0"/>
         </a:xfrm>
       </p:grpSpPr>
+      <p:sp useBgFill="1">
+        <p:nvSpPr>
+          <p:cNvPr id="13" name="Rectangle 12">
+            <a:extLst>
+              <a:ext uri="{FF2B5EF4-FFF2-40B4-BE49-F238E27FC236}">
+                <a16:creationId xmlns:a16="http://schemas.microsoft.com/office/drawing/2014/main" id="{4030725F-96B1-4047-B74B-7CC19DB1CB42}"/>
+              </a:ext>
+              <a:ext uri="{C183D7F6-B498-43B3-948B-1728B52AA6E4}">
+                <adec:decorative xmlns:adec="http://schemas.microsoft.com/office/drawing/2017/decorative" val="1"/>
+              </a:ext>
+            </a:extLst>
+          </p:cNvPr>
+          <p:cNvSpPr>
+            <a:spLocks noGrp="1" noRot="1" noChangeAspect="1" noMove="1" noResize="1" noEditPoints="1" noAdjustHandles="1" noChangeArrowheads="1" noChangeShapeType="1" noTextEdit="1"/>
+          </p:cNvSpPr>
+          <p:nvPr>
+            <p:extLst>
+              <p:ext uri="{386F3935-93C4-4BCD-93E2-E3B085C9AB24}">
+                <p16:designElem xmlns:p16="http://schemas.microsoft.com/office/powerpoint/2015/main" val="1"/>
+              </p:ext>
+            </p:extLst>
+          </p:nvPr>
+        </p:nvSpPr>
+        <p:spPr>
+          <a:xfrm>
+            <a:off x="0" y="0"/>
+            <a:ext cx="12192001" cy="6334316"/>
+          </a:xfrm>
+          <a:prstGeom prst="rect">
+            <a:avLst/>
+          </a:prstGeom>
+          <a:ln>
+            <a:noFill/>
+          </a:ln>
+        </p:spPr>
+        <p:style>
+          <a:lnRef idx="2">
+            <a:schemeClr val="accent1">
+              <a:shade val="50000"/>
+            </a:schemeClr>
+          </a:lnRef>
+          <a:fillRef idx="1">
+            <a:schemeClr val="accent1"/>
+          </a:fillRef>
+          <a:effectRef idx="0">
+            <a:schemeClr val="accent1"/>
+          </a:effectRef>
+          <a:fontRef idx="minor">
+            <a:schemeClr val="lt1"/>
+          </a:fontRef>
+        </p:style>
+        <p:txBody>
+          <a:bodyPr rtlCol="0" anchor="ctr"/>
+          <a:lstStyle/>
+          <a:p>
+            <a:pPr algn="ctr"/>
+            <a:endParaRPr lang="en-US"/>
+          </a:p>
+        </p:txBody>
+      </p:sp>
       <p:sp>
         <p:nvSpPr>
           <p:cNvPr id="2" name="Title 1">
@@ -6176,30 +6590,21 @@
         </p:nvSpPr>
         <p:spPr>
           <a:xfrm>
-            <a:off x="804672" y="3121701"/>
-            <a:ext cx="3658053" cy="1786515"/>
+            <a:off x="5289754" y="639097"/>
+            <a:ext cx="6253317" cy="3686015"/>
           </a:xfrm>
         </p:spPr>
         <p:txBody>
-          <a:bodyPr anchor="t">
+          <a:bodyPr>
             <a:normAutofit/>
           </a:bodyPr>
           <a:lstStyle/>
           <a:p>
-            <a:pPr algn="l"/>
             <a:r>
-              <a:rPr lang="en-US" sz="4000" dirty="0">
-                <a:solidFill>
-                  <a:schemeClr val="tx2"/>
-                </a:solidFill>
-              </a:rPr>
+              <a:rPr lang="en-US"/>
               <a:t>PhD Supervisors Meeting</a:t>
             </a:r>
-            <a:endParaRPr lang="en-GB" sz="4000" dirty="0">
-              <a:solidFill>
-                <a:schemeClr val="tx2"/>
-              </a:solidFill>
-            </a:endParaRPr>
+            <a:endParaRPr lang="en-GB"/>
           </a:p>
         </p:txBody>
       </p:sp>
@@ -6221,32 +6626,33 @@
         </p:nvSpPr>
         <p:spPr>
           <a:xfrm>
-            <a:off x="804672" y="2032347"/>
-            <a:ext cx="3658053" cy="955111"/>
+            <a:off x="5289753" y="4455621"/>
+            <a:ext cx="6269347" cy="1238616"/>
           </a:xfrm>
         </p:spPr>
         <p:txBody>
-          <a:bodyPr anchor="b">
+          <a:bodyPr>
             <a:normAutofit/>
           </a:bodyPr>
           <a:lstStyle/>
           <a:p>
-            <a:pPr algn="l"/>
             <a:r>
-              <a:rPr lang="en-US" sz="2000" dirty="0"/>
-              <a:t>xx</a:t>
-            </a:r>
-            <a:r>
-              <a:rPr lang="en-US" sz="2000" dirty="0">
+              <a:rPr lang="en-US" dirty="0">
                 <a:solidFill>
-                  <a:schemeClr val="tx2"/>
+                  <a:schemeClr val="tx1">
+                    <a:lumMod val="85000"/>
+                    <a:lumOff val="15000"/>
+                  </a:schemeClr>
                 </a:solidFill>
               </a:rPr>
-              <a:t>/xx/24</a:t>
+              <a:t>01/03/24</a:t>
             </a:r>
-            <a:endParaRPr lang="en-GB" sz="2000" dirty="0">
+            <a:endParaRPr lang="en-GB" dirty="0">
               <a:solidFill>
-                <a:schemeClr val="tx2"/>
+                <a:schemeClr val="tx1">
+                  <a:lumMod val="85000"/>
+                  <a:lumOff val="15000"/>
+                </a:schemeClr>
               </a:solidFill>
             </a:endParaRPr>
           </a:p>
@@ -6283,17 +6689,194 @@
         </p:blipFill>
         <p:spPr>
           <a:xfrm>
-            <a:off x="6379341" y="910518"/>
-            <a:ext cx="5029200" cy="5029200"/>
+            <a:off x="633999" y="1163529"/>
+            <a:ext cx="4001315" cy="4001315"/>
           </a:xfrm>
           <a:prstGeom prst="rect">
             <a:avLst/>
           </a:prstGeom>
-          <a:ln w="9525">
+        </p:spPr>
+      </p:pic>
+      <p:cxnSp>
+        <p:nvCxnSpPr>
+          <p:cNvPr id="15" name="Straight Connector 14">
+            <a:extLst>
+              <a:ext uri="{FF2B5EF4-FFF2-40B4-BE49-F238E27FC236}">
+                <a16:creationId xmlns:a16="http://schemas.microsoft.com/office/drawing/2014/main" id="{C14B5A7D-B352-42F9-83F6-4AF14C1BAE65}"/>
+              </a:ext>
+              <a:ext uri="{C183D7F6-B498-43B3-948B-1728B52AA6E4}">
+                <adec:decorative xmlns:adec="http://schemas.microsoft.com/office/drawing/2017/decorative" val="1"/>
+              </a:ext>
+            </a:extLst>
+          </p:cNvPr>
+          <p:cNvCxnSpPr>
+            <a:cxnSpLocks noGrp="1" noRot="1" noChangeAspect="1" noMove="1" noResize="1" noEditPoints="1" noAdjustHandles="1" noChangeArrowheads="1" noChangeShapeType="1"/>
+          </p:cNvCxnSpPr>
+          <p:nvPr>
+            <p:extLst>
+              <p:ext uri="{386F3935-93C4-4BCD-93E2-E3B085C9AB24}">
+                <p16:designElem xmlns:p16="http://schemas.microsoft.com/office/powerpoint/2015/main" val="1"/>
+              </p:ext>
+            </p:extLst>
+          </p:nvPr>
+        </p:nvCxnSpPr>
+        <p:spPr>
+          <a:xfrm>
+            <a:off x="5447071" y="4343400"/>
+            <a:ext cx="5636107" cy="0"/>
+          </a:xfrm>
+          <a:prstGeom prst="line">
+            <a:avLst/>
+          </a:prstGeom>
+          <a:ln w="6350">
+            <a:solidFill>
+              <a:schemeClr val="tx2">
+                <a:alpha val="90000"/>
+              </a:schemeClr>
+            </a:solidFill>
+          </a:ln>
+        </p:spPr>
+        <p:style>
+          <a:lnRef idx="1">
+            <a:schemeClr val="accent1"/>
+          </a:lnRef>
+          <a:fillRef idx="0">
+            <a:schemeClr val="accent1"/>
+          </a:fillRef>
+          <a:effectRef idx="0">
+            <a:schemeClr val="accent1"/>
+          </a:effectRef>
+          <a:fontRef idx="minor">
+            <a:schemeClr val="tx1"/>
+          </a:fontRef>
+        </p:style>
+      </p:cxnSp>
+      <p:sp>
+        <p:nvSpPr>
+          <p:cNvPr id="17" name="Rectangle 16">
+            <a:extLst>
+              <a:ext uri="{FF2B5EF4-FFF2-40B4-BE49-F238E27FC236}">
+                <a16:creationId xmlns:a16="http://schemas.microsoft.com/office/drawing/2014/main" id="{D03ABE8C-6A7E-4C35-B74C-CE45DA0B504B}"/>
+              </a:ext>
+              <a:ext uri="{C183D7F6-B498-43B3-948B-1728B52AA6E4}">
+                <adec:decorative xmlns:adec="http://schemas.microsoft.com/office/drawing/2017/decorative" val="1"/>
+              </a:ext>
+            </a:extLst>
+          </p:cNvPr>
+          <p:cNvSpPr>
+            <a:spLocks noGrp="1" noRot="1" noChangeAspect="1" noMove="1" noResize="1" noEditPoints="1" noAdjustHandles="1" noChangeArrowheads="1" noChangeShapeType="1" noTextEdit="1"/>
+          </p:cNvSpPr>
+          <p:nvPr>
+            <p:extLst>
+              <p:ext uri="{386F3935-93C4-4BCD-93E2-E3B085C9AB24}">
+                <p16:designElem xmlns:p16="http://schemas.microsoft.com/office/powerpoint/2015/main" val="1"/>
+              </p:ext>
+            </p:extLst>
+          </p:nvPr>
+        </p:nvSpPr>
+        <p:spPr>
+          <a:xfrm>
+            <a:off x="15" y="6334316"/>
+            <a:ext cx="12191985" cy="66484"/>
+          </a:xfrm>
+          <a:prstGeom prst="rect">
+            <a:avLst/>
+          </a:prstGeom>
+          <a:solidFill>
+            <a:schemeClr val="accent4"/>
+          </a:solidFill>
+          <a:ln>
             <a:noFill/>
           </a:ln>
         </p:spPr>
-      </p:pic>
+        <p:style>
+          <a:lnRef idx="2">
+            <a:schemeClr val="accent1">
+              <a:shade val="50000"/>
+            </a:schemeClr>
+          </a:lnRef>
+          <a:fillRef idx="1">
+            <a:schemeClr val="accent1"/>
+          </a:fillRef>
+          <a:effectRef idx="0">
+            <a:schemeClr val="accent1"/>
+          </a:effectRef>
+          <a:fontRef idx="minor">
+            <a:schemeClr val="lt1"/>
+          </a:fontRef>
+        </p:style>
+        <p:txBody>
+          <a:bodyPr/>
+          <a:lstStyle/>
+          <a:p>
+            <a:endParaRPr lang="en-GB"/>
+          </a:p>
+        </p:txBody>
+      </p:sp>
+      <p:sp>
+        <p:nvSpPr>
+          <p:cNvPr id="19" name="Rectangle 18">
+            <a:extLst>
+              <a:ext uri="{FF2B5EF4-FFF2-40B4-BE49-F238E27FC236}">
+                <a16:creationId xmlns:a16="http://schemas.microsoft.com/office/drawing/2014/main" id="{431B6D19-39C5-45BF-8B25-29192C5D1395}"/>
+              </a:ext>
+              <a:ext uri="{C183D7F6-B498-43B3-948B-1728B52AA6E4}">
+                <adec:decorative xmlns:adec="http://schemas.microsoft.com/office/drawing/2017/decorative" val="1"/>
+              </a:ext>
+            </a:extLst>
+          </p:cNvPr>
+          <p:cNvSpPr>
+            <a:spLocks noGrp="1" noRot="1" noChangeAspect="1" noMove="1" noResize="1" noEditPoints="1" noAdjustHandles="1" noChangeArrowheads="1" noChangeShapeType="1" noTextEdit="1"/>
+          </p:cNvSpPr>
+          <p:nvPr>
+            <p:extLst>
+              <p:ext uri="{386F3935-93C4-4BCD-93E2-E3B085C9AB24}">
+                <p16:designElem xmlns:p16="http://schemas.microsoft.com/office/powerpoint/2015/main" val="1"/>
+              </p:ext>
+            </p:extLst>
+          </p:nvPr>
+        </p:nvSpPr>
+        <p:spPr>
+          <a:xfrm>
+            <a:off x="1" y="6400800"/>
+            <a:ext cx="12192000" cy="457200"/>
+          </a:xfrm>
+          <a:prstGeom prst="rect">
+            <a:avLst/>
+          </a:prstGeom>
+          <a:solidFill>
+            <a:schemeClr val="accent4">
+              <a:lumMod val="75000"/>
+            </a:schemeClr>
+          </a:solidFill>
+          <a:ln>
+            <a:noFill/>
+          </a:ln>
+        </p:spPr>
+        <p:style>
+          <a:lnRef idx="2">
+            <a:schemeClr val="accent1">
+              <a:shade val="50000"/>
+            </a:schemeClr>
+          </a:lnRef>
+          <a:fillRef idx="1">
+            <a:schemeClr val="accent1"/>
+          </a:fillRef>
+          <a:effectRef idx="0">
+            <a:schemeClr val="accent1"/>
+          </a:effectRef>
+          <a:fontRef idx="minor">
+            <a:schemeClr val="lt1"/>
+          </a:fontRef>
+        </p:style>
+        <p:txBody>
+          <a:bodyPr/>
+          <a:lstStyle/>
+          <a:p>
+            <a:endParaRPr lang="en-GB"/>
+          </a:p>
+        </p:txBody>
+      </p:sp>
     </p:spTree>
     <p:extLst>
       <p:ext uri="{BB962C8B-B14F-4D97-AF65-F5344CB8AC3E}">
@@ -6310,14 +6893,6 @@
 <file path=ppt/slides/slide2.xml><?xml version="1.0" encoding="utf-8"?>
 <p:sld xmlns:a="http://schemas.openxmlformats.org/drawingml/2006/main" xmlns:r="http://schemas.openxmlformats.org/officeDocument/2006/relationships" xmlns:p="http://schemas.openxmlformats.org/presentationml/2006/main">
   <p:cSld>
-    <p:bg>
-      <p:bgPr>
-        <a:solidFill>
-          <a:schemeClr val="bg1"/>
-        </a:solidFill>
-        <a:effectLst/>
-      </p:bgPr>
-    </p:bg>
     <p:spTree>
       <p:nvGrpSpPr>
         <p:cNvPr id="1" name=""/>
@@ -6351,7 +6926,7 @@
         <p:spPr>
           <a:xfrm>
             <a:off x="1097280" y="286603"/>
-            <a:ext cx="10058400" cy="1450757"/>
+            <a:ext cx="10058400" cy="903005"/>
           </a:xfrm>
         </p:spPr>
         <p:txBody>
@@ -6361,10 +6936,10 @@
           <a:lstStyle/>
           <a:p>
             <a:r>
-              <a:rPr lang="en-US"/>
+              <a:rPr lang="en-US" dirty="0"/>
               <a:t>Agenda	</a:t>
             </a:r>
-            <a:endParaRPr lang="en-GB"/>
+            <a:endParaRPr lang="en-GB" dirty="0"/>
           </a:p>
         </p:txBody>
       </p:sp>
@@ -6854,43 +7429,6 @@
       </p:grpSpPr>
       <p:sp>
         <p:nvSpPr>
-          <p:cNvPr id="2" name="Title 1">
-            <a:extLst>
-              <a:ext uri="{FF2B5EF4-FFF2-40B4-BE49-F238E27FC236}">
-                <a16:creationId xmlns:a16="http://schemas.microsoft.com/office/drawing/2014/main" id="{F6D46A62-CBF9-68D8-6244-B4D9F731BD4E}"/>
-              </a:ext>
-            </a:extLst>
-          </p:cNvPr>
-          <p:cNvSpPr>
-            <a:spLocks noGrp="1"/>
-          </p:cNvSpPr>
-          <p:nvPr>
-            <p:ph type="title"/>
-          </p:nvPr>
-        </p:nvSpPr>
-        <p:spPr>
-          <a:xfrm>
-            <a:off x="1202924" y="408541"/>
-            <a:ext cx="3262544" cy="1112812"/>
-          </a:xfrm>
-        </p:spPr>
-        <p:txBody>
-          <a:bodyPr>
-            <a:normAutofit fontScale="90000"/>
-          </a:bodyPr>
-          <a:lstStyle/>
-          <a:p>
-            <a:pPr algn="ctr"/>
-            <a:r>
-              <a:rPr lang="en-US" dirty="0"/>
-              <a:t>Research Question 1</a:t>
-            </a:r>
-            <a:endParaRPr lang="en-GB" dirty="0"/>
-          </a:p>
-        </p:txBody>
-      </p:sp>
-      <p:sp>
-        <p:nvSpPr>
           <p:cNvPr id="10" name="TextBox 9">
             <a:extLst>
               <a:ext uri="{FF2B5EF4-FFF2-40B4-BE49-F238E27FC236}">
@@ -6903,8 +7441,8 @@
         </p:nvSpPr>
         <p:spPr>
           <a:xfrm>
-            <a:off x="4782693" y="463166"/>
-            <a:ext cx="5805997" cy="1058187"/>
+            <a:off x="5208821" y="349779"/>
+            <a:ext cx="6447559" cy="753075"/>
           </a:xfrm>
           <a:prstGeom prst="rect">
             <a:avLst/>
@@ -6913,7 +7451,7 @@
         </p:spPr>
         <p:txBody>
           <a:bodyPr wrap="square">
-            <a:normAutofit fontScale="92500" lnSpcReduction="10000"/>
+            <a:normAutofit fontScale="85000" lnSpcReduction="10000"/>
           </a:bodyPr>
           <a:lstStyle/>
           <a:p>
@@ -6944,8 +7482,8 @@
         </p:nvSpPr>
         <p:spPr>
           <a:xfrm>
-            <a:off x="4811695" y="408541"/>
-            <a:ext cx="5805997" cy="1112812"/>
+            <a:off x="5237823" y="322467"/>
+            <a:ext cx="6418557" cy="807700"/>
           </a:xfrm>
           <a:prstGeom prst="roundRect">
             <a:avLst/>
@@ -7005,14 +7543,72 @@
         </p:blipFill>
         <p:spPr>
           <a:xfrm>
-            <a:off x="1464815" y="1815945"/>
-            <a:ext cx="9439922" cy="4484957"/>
+            <a:off x="1464815" y="1331651"/>
+            <a:ext cx="9439922" cy="4969252"/>
           </a:xfrm>
           <a:prstGeom prst="rect">
             <a:avLst/>
           </a:prstGeom>
         </p:spPr>
       </p:pic>
+      <p:sp>
+        <p:nvSpPr>
+          <p:cNvPr id="3" name="Title 1">
+            <a:extLst>
+              <a:ext uri="{FF2B5EF4-FFF2-40B4-BE49-F238E27FC236}">
+                <a16:creationId xmlns:a16="http://schemas.microsoft.com/office/drawing/2014/main" id="{6E0278D4-A37C-DE0F-37CD-F271C3D0E448}"/>
+              </a:ext>
+            </a:extLst>
+          </p:cNvPr>
+          <p:cNvSpPr txBox="1">
+            <a:spLocks/>
+          </p:cNvSpPr>
+          <p:nvPr/>
+        </p:nvSpPr>
+        <p:spPr>
+          <a:xfrm>
+            <a:off x="1162975" y="329312"/>
+            <a:ext cx="3959441" cy="719427"/>
+          </a:xfrm>
+          <a:prstGeom prst="rect">
+            <a:avLst/>
+          </a:prstGeom>
+        </p:spPr>
+        <p:txBody>
+          <a:bodyPr vert="horz" lIns="91440" tIns="45720" rIns="91440" bIns="45720" rtlCol="0" anchor="b">
+            <a:normAutofit fontScale="75000" lnSpcReduction="20000"/>
+          </a:bodyPr>
+          <a:lstStyle>
+            <a:lvl1pPr algn="l" defTabSz="914400" rtl="0" eaLnBrk="1" latinLnBrk="0" hangingPunct="1">
+              <a:lnSpc>
+                <a:spcPct val="85000"/>
+              </a:lnSpc>
+              <a:spcBef>
+                <a:spcPct val="0"/>
+              </a:spcBef>
+              <a:buNone/>
+              <a:defRPr sz="4800" kern="1200" spc="-50" baseline="0">
+                <a:solidFill>
+                  <a:schemeClr val="tx1">
+                    <a:lumMod val="75000"/>
+                    <a:lumOff val="25000"/>
+                  </a:schemeClr>
+                </a:solidFill>
+                <a:latin typeface="+mj-lt"/>
+                <a:ea typeface="+mj-ea"/>
+                <a:cs typeface="+mj-cs"/>
+              </a:defRPr>
+            </a:lvl1pPr>
+          </a:lstStyle>
+          <a:p>
+            <a:r>
+              <a:rPr lang="en-US" dirty="0"/>
+              <a:t>Research Question 1</a:t>
+            </a:r>
+            <a:endParaRPr lang="en-GB" dirty="0"/>
+          </a:p>
+        </p:txBody>
+      </p:sp>
     </p:spTree>
     <p:extLst>
       <p:ext uri="{BB962C8B-B14F-4D97-AF65-F5344CB8AC3E}">
@@ -7051,43 +7647,6 @@
       </p:grpSpPr>
       <p:sp>
         <p:nvSpPr>
-          <p:cNvPr id="2" name="Title 1">
-            <a:extLst>
-              <a:ext uri="{FF2B5EF4-FFF2-40B4-BE49-F238E27FC236}">
-                <a16:creationId xmlns:a16="http://schemas.microsoft.com/office/drawing/2014/main" id="{31E878F4-4676-0EB5-3DD7-1EBC366A2B7F}"/>
-              </a:ext>
-            </a:extLst>
-          </p:cNvPr>
-          <p:cNvSpPr>
-            <a:spLocks noGrp="1"/>
-          </p:cNvSpPr>
-          <p:nvPr>
-            <p:ph type="title"/>
-          </p:nvPr>
-        </p:nvSpPr>
-        <p:spPr>
-          <a:xfrm>
-            <a:off x="1202924" y="408541"/>
-            <a:ext cx="3262544" cy="1112812"/>
-          </a:xfrm>
-        </p:spPr>
-        <p:txBody>
-          <a:bodyPr>
-            <a:normAutofit fontScale="90000"/>
-          </a:bodyPr>
-          <a:lstStyle/>
-          <a:p>
-            <a:pPr algn="ctr"/>
-            <a:r>
-              <a:rPr lang="en-US" dirty="0"/>
-              <a:t>Research Question 2</a:t>
-            </a:r>
-            <a:endParaRPr lang="en-GB" dirty="0"/>
-          </a:p>
-        </p:txBody>
-      </p:sp>
-      <p:sp>
-        <p:nvSpPr>
           <p:cNvPr id="15" name="Rectangle: Rounded Corners 14">
             <a:extLst>
               <a:ext uri="{FF2B5EF4-FFF2-40B4-BE49-F238E27FC236}">
@@ -7100,8 +7659,8 @@
         </p:nvSpPr>
         <p:spPr>
           <a:xfrm>
-            <a:off x="4811695" y="408541"/>
-            <a:ext cx="5805997" cy="1112812"/>
+            <a:off x="5273336" y="132620"/>
+            <a:ext cx="6208897" cy="1112812"/>
           </a:xfrm>
           <a:prstGeom prst="roundRect">
             <a:avLst/>
@@ -7147,8 +7706,8 @@
         </p:nvSpPr>
         <p:spPr>
           <a:xfrm>
-            <a:off x="4873840" y="506027"/>
-            <a:ext cx="5592933" cy="987980"/>
+            <a:off x="5335480" y="257452"/>
+            <a:ext cx="5933689" cy="987980"/>
           </a:xfrm>
           <a:prstGeom prst="rect">
             <a:avLst/>
@@ -7157,7 +7716,7 @@
         </p:spPr>
         <p:txBody>
           <a:bodyPr wrap="square">
-            <a:normAutofit fontScale="85000" lnSpcReduction="10000"/>
+            <a:normAutofit fontScale="92500" lnSpcReduction="20000"/>
           </a:bodyPr>
           <a:lstStyle/>
           <a:p>
@@ -7208,14 +7767,72 @@
         </p:blipFill>
         <p:spPr>
           <a:xfrm>
-            <a:off x="878440" y="1826162"/>
-            <a:ext cx="10435119" cy="4373527"/>
+            <a:off x="878440" y="1370264"/>
+            <a:ext cx="10435119" cy="4829425"/>
           </a:xfrm>
           <a:prstGeom prst="rect">
             <a:avLst/>
           </a:prstGeom>
         </p:spPr>
       </p:pic>
+      <p:sp>
+        <p:nvSpPr>
+          <p:cNvPr id="3" name="Title 1">
+            <a:extLst>
+              <a:ext uri="{FF2B5EF4-FFF2-40B4-BE49-F238E27FC236}">
+                <a16:creationId xmlns:a16="http://schemas.microsoft.com/office/drawing/2014/main" id="{F48022CB-9AA6-E5AB-13E3-835BF32A1988}"/>
+              </a:ext>
+            </a:extLst>
+          </p:cNvPr>
+          <p:cNvSpPr txBox="1">
+            <a:spLocks/>
+          </p:cNvSpPr>
+          <p:nvPr/>
+        </p:nvSpPr>
+        <p:spPr>
+          <a:xfrm>
+            <a:off x="1162975" y="329312"/>
+            <a:ext cx="3959441" cy="719427"/>
+          </a:xfrm>
+          <a:prstGeom prst="rect">
+            <a:avLst/>
+          </a:prstGeom>
+        </p:spPr>
+        <p:txBody>
+          <a:bodyPr vert="horz" lIns="91440" tIns="45720" rIns="91440" bIns="45720" rtlCol="0" anchor="b">
+            <a:normAutofit fontScale="75000" lnSpcReduction="20000"/>
+          </a:bodyPr>
+          <a:lstStyle>
+            <a:lvl1pPr algn="l" defTabSz="914400" rtl="0" eaLnBrk="1" latinLnBrk="0" hangingPunct="1">
+              <a:lnSpc>
+                <a:spcPct val="85000"/>
+              </a:lnSpc>
+              <a:spcBef>
+                <a:spcPct val="0"/>
+              </a:spcBef>
+              <a:buNone/>
+              <a:defRPr sz="4800" kern="1200" spc="-50" baseline="0">
+                <a:solidFill>
+                  <a:schemeClr val="tx1">
+                    <a:lumMod val="75000"/>
+                    <a:lumOff val="25000"/>
+                  </a:schemeClr>
+                </a:solidFill>
+                <a:latin typeface="+mj-lt"/>
+                <a:ea typeface="+mj-ea"/>
+                <a:cs typeface="+mj-cs"/>
+              </a:defRPr>
+            </a:lvl1pPr>
+          </a:lstStyle>
+          <a:p>
+            <a:r>
+              <a:rPr lang="en-US" dirty="0"/>
+              <a:t>Research Question 2</a:t>
+            </a:r>
+            <a:endParaRPr lang="en-GB" dirty="0"/>
+          </a:p>
+        </p:txBody>
+      </p:sp>
     </p:spTree>
     <p:extLst>
       <p:ext uri="{BB962C8B-B14F-4D97-AF65-F5344CB8AC3E}">
@@ -7254,43 +7871,6 @@
       </p:grpSpPr>
       <p:sp>
         <p:nvSpPr>
-          <p:cNvPr id="2" name="Title 1">
-            <a:extLst>
-              <a:ext uri="{FF2B5EF4-FFF2-40B4-BE49-F238E27FC236}">
-                <a16:creationId xmlns:a16="http://schemas.microsoft.com/office/drawing/2014/main" id="{1FD7FD30-CABE-80F9-096F-63AAA66F52B5}"/>
-              </a:ext>
-            </a:extLst>
-          </p:cNvPr>
-          <p:cNvSpPr>
-            <a:spLocks noGrp="1"/>
-          </p:cNvSpPr>
-          <p:nvPr>
-            <p:ph type="title"/>
-          </p:nvPr>
-        </p:nvSpPr>
-        <p:spPr>
-          <a:xfrm>
-            <a:off x="1202924" y="408541"/>
-            <a:ext cx="3262544" cy="1112812"/>
-          </a:xfrm>
-        </p:spPr>
-        <p:txBody>
-          <a:bodyPr>
-            <a:normAutofit fontScale="90000"/>
-          </a:bodyPr>
-          <a:lstStyle/>
-          <a:p>
-            <a:pPr algn="ctr"/>
-            <a:r>
-              <a:rPr lang="en-US" dirty="0"/>
-              <a:t>Research Question 3</a:t>
-            </a:r>
-            <a:endParaRPr lang="en-GB" dirty="0"/>
-          </a:p>
-        </p:txBody>
-      </p:sp>
-      <p:sp>
-        <p:nvSpPr>
           <p:cNvPr id="15" name="Rectangle: Rounded Corners 14">
             <a:extLst>
               <a:ext uri="{FF2B5EF4-FFF2-40B4-BE49-F238E27FC236}">
@@ -7303,8 +7883,8 @@
         </p:nvSpPr>
         <p:spPr>
           <a:xfrm>
-            <a:off x="4811695" y="408541"/>
-            <a:ext cx="5805997" cy="1112812"/>
+            <a:off x="5522647" y="267958"/>
+            <a:ext cx="5805997" cy="930696"/>
           </a:xfrm>
           <a:prstGeom prst="roundRect">
             <a:avLst/>
@@ -7350,7 +7930,7 @@
         </p:nvSpPr>
         <p:spPr>
           <a:xfrm>
-            <a:off x="4955955" y="488271"/>
+            <a:off x="5522647" y="267958"/>
             <a:ext cx="5466429" cy="1033081"/>
           </a:xfrm>
           <a:prstGeom prst="rect">
@@ -7407,14 +7987,72 @@
         </p:blipFill>
         <p:spPr>
           <a:xfrm>
-            <a:off x="1779973" y="1800856"/>
-            <a:ext cx="8632054" cy="4272645"/>
+            <a:off x="1779973" y="1438184"/>
+            <a:ext cx="8632054" cy="4635318"/>
           </a:xfrm>
           <a:prstGeom prst="rect">
             <a:avLst/>
           </a:prstGeom>
         </p:spPr>
       </p:pic>
+      <p:sp>
+        <p:nvSpPr>
+          <p:cNvPr id="8" name="Title 1">
+            <a:extLst>
+              <a:ext uri="{FF2B5EF4-FFF2-40B4-BE49-F238E27FC236}">
+                <a16:creationId xmlns:a16="http://schemas.microsoft.com/office/drawing/2014/main" id="{F81BE618-FCDB-5266-C293-407EFD814C8B}"/>
+              </a:ext>
+            </a:extLst>
+          </p:cNvPr>
+          <p:cNvSpPr txBox="1">
+            <a:spLocks/>
+          </p:cNvSpPr>
+          <p:nvPr/>
+        </p:nvSpPr>
+        <p:spPr>
+          <a:xfrm>
+            <a:off x="1162975" y="329312"/>
+            <a:ext cx="3959441" cy="719427"/>
+          </a:xfrm>
+          <a:prstGeom prst="rect">
+            <a:avLst/>
+          </a:prstGeom>
+        </p:spPr>
+        <p:txBody>
+          <a:bodyPr vert="horz" lIns="91440" tIns="45720" rIns="91440" bIns="45720" rtlCol="0" anchor="b">
+            <a:normAutofit fontScale="75000" lnSpcReduction="20000"/>
+          </a:bodyPr>
+          <a:lstStyle>
+            <a:lvl1pPr algn="l" defTabSz="914400" rtl="0" eaLnBrk="1" latinLnBrk="0" hangingPunct="1">
+              <a:lnSpc>
+                <a:spcPct val="85000"/>
+              </a:lnSpc>
+              <a:spcBef>
+                <a:spcPct val="0"/>
+              </a:spcBef>
+              <a:buNone/>
+              <a:defRPr sz="4800" kern="1200" spc="-50" baseline="0">
+                <a:solidFill>
+                  <a:schemeClr val="tx1">
+                    <a:lumMod val="75000"/>
+                    <a:lumOff val="25000"/>
+                  </a:schemeClr>
+                </a:solidFill>
+                <a:latin typeface="+mj-lt"/>
+                <a:ea typeface="+mj-ea"/>
+                <a:cs typeface="+mj-cs"/>
+              </a:defRPr>
+            </a:lvl1pPr>
+          </a:lstStyle>
+          <a:p>
+            <a:r>
+              <a:rPr lang="en-US" dirty="0"/>
+              <a:t>Research Question 3</a:t>
+            </a:r>
+            <a:endParaRPr lang="en-GB" dirty="0"/>
+          </a:p>
+        </p:txBody>
+      </p:sp>
     </p:spTree>
     <p:extLst>
       <p:ext uri="{BB962C8B-B14F-4D97-AF65-F5344CB8AC3E}">
@@ -7451,6 +8089,42 @@
           <a:chExt cx="0" cy="0"/>
         </a:xfrm>
       </p:grpSpPr>
+      <p:pic>
+        <p:nvPicPr>
+          <p:cNvPr id="6" name="Picture 5" descr="A diagram of a cloud computing system&#10;&#10;Description automatically generated">
+            <a:extLst>
+              <a:ext uri="{FF2B5EF4-FFF2-40B4-BE49-F238E27FC236}">
+                <a16:creationId xmlns:a16="http://schemas.microsoft.com/office/drawing/2014/main" id="{3392B3E4-AC63-EB8B-96D5-17FDDBE2504E}"/>
+              </a:ext>
+            </a:extLst>
+          </p:cNvPr>
+          <p:cNvPicPr>
+            <a:picLocks noChangeAspect="1"/>
+          </p:cNvPicPr>
+          <p:nvPr/>
+        </p:nvPicPr>
+        <p:blipFill>
+          <a:blip r:embed="rId2">
+            <a:extLst>
+              <a:ext uri="{28A0092B-C50C-407E-A947-70E740481C1C}">
+                <a14:useLocalDpi xmlns:a14="http://schemas.microsoft.com/office/drawing/2010/main" val="0"/>
+              </a:ext>
+            </a:extLst>
+          </a:blip>
+          <a:stretch>
+            <a:fillRect/>
+          </a:stretch>
+        </p:blipFill>
+        <p:spPr>
+          <a:xfrm>
+            <a:off x="1931404" y="1322772"/>
+            <a:ext cx="8329191" cy="4994051"/>
+          </a:xfrm>
+          <a:prstGeom prst="rect">
+            <a:avLst/>
+          </a:prstGeom>
+        </p:spPr>
+      </p:pic>
       <p:sp>
         <p:nvSpPr>
           <p:cNvPr id="2" name="Title 1">
@@ -7467,105 +8141,23 @@
             <p:ph type="title"/>
           </p:nvPr>
         </p:nvSpPr>
-        <p:spPr/>
-        <p:txBody>
-          <a:bodyPr/>
+        <p:spPr>
+          <a:xfrm>
+            <a:off x="1171852" y="310718"/>
+            <a:ext cx="6782539" cy="827618"/>
+          </a:xfrm>
+        </p:spPr>
+        <p:txBody>
+          <a:bodyPr>
+            <a:normAutofit fontScale="90000"/>
+          </a:bodyPr>
           <a:lstStyle/>
           <a:p>
-            <a:pPr algn="ctr"/>
             <a:r>
               <a:rPr lang="en-US" dirty="0"/>
-              <a:t>Research Questions</a:t>
+              <a:t>Federated Learning Diagram</a:t>
             </a:r>
             <a:endParaRPr lang="en-GB" dirty="0"/>
-          </a:p>
-        </p:txBody>
-      </p:sp>
-      <p:sp>
-        <p:nvSpPr>
-          <p:cNvPr id="3" name="TextBox 2">
-            <a:extLst>
-              <a:ext uri="{FF2B5EF4-FFF2-40B4-BE49-F238E27FC236}">
-                <a16:creationId xmlns:a16="http://schemas.microsoft.com/office/drawing/2014/main" id="{883692FF-0424-E482-2817-86677FBB9EAC}"/>
-              </a:ext>
-            </a:extLst>
-          </p:cNvPr>
-          <p:cNvSpPr txBox="1"/>
-          <p:nvPr/>
-        </p:nvSpPr>
-        <p:spPr>
-          <a:xfrm>
-            <a:off x="5997200" y="5376185"/>
-            <a:ext cx="6094520" cy="928382"/>
-          </a:xfrm>
-          <a:prstGeom prst="rect">
-            <a:avLst/>
-          </a:prstGeom>
-          <a:noFill/>
-        </p:spPr>
-        <p:txBody>
-          <a:bodyPr wrap="square">
-            <a:normAutofit/>
-          </a:bodyPr>
-          <a:lstStyle/>
-          <a:p>
-            <a:pPr algn="ctr"/>
-            <a:r>
-              <a:rPr lang="en-US" dirty="0"/>
-              <a:t>When thinking about robust and resilient FL systems, can blockchain </a:t>
-            </a:r>
-          </a:p>
-          <a:p>
-            <a:endParaRPr lang="en-US" dirty="0"/>
-          </a:p>
-        </p:txBody>
-      </p:sp>
-      <p:sp>
-        <p:nvSpPr>
-          <p:cNvPr id="4" name="Rectangle: Rounded Corners 3">
-            <a:extLst>
-              <a:ext uri="{FF2B5EF4-FFF2-40B4-BE49-F238E27FC236}">
-                <a16:creationId xmlns:a16="http://schemas.microsoft.com/office/drawing/2014/main" id="{34DED446-234A-C834-8B07-E6D1D3AA7F65}"/>
-              </a:ext>
-            </a:extLst>
-          </p:cNvPr>
-          <p:cNvSpPr/>
-          <p:nvPr/>
-        </p:nvSpPr>
-        <p:spPr>
-          <a:xfrm>
-            <a:off x="5997200" y="5338446"/>
-            <a:ext cx="6094520" cy="954485"/>
-          </a:xfrm>
-          <a:prstGeom prst="roundRect">
-            <a:avLst/>
-          </a:prstGeom>
-          <a:noFill/>
-        </p:spPr>
-        <p:style>
-          <a:lnRef idx="2">
-            <a:schemeClr val="accent1">
-              <a:shade val="15000"/>
-            </a:schemeClr>
-          </a:lnRef>
-          <a:fillRef idx="1">
-            <a:schemeClr val="accent1"/>
-          </a:fillRef>
-          <a:effectRef idx="0">
-            <a:schemeClr val="accent1"/>
-          </a:effectRef>
-          <a:fontRef idx="minor">
-            <a:schemeClr val="lt1"/>
-          </a:fontRef>
-        </p:style>
-        <p:txBody>
-          <a:bodyPr rtlCol="0" anchor="ctr">
-            <a:normAutofit/>
-          </a:bodyPr>
-          <a:lstStyle/>
-          <a:p>
-            <a:pPr algn="ctr"/>
-            <a:endParaRPr lang="en-GB"/>
           </a:p>
         </p:txBody>
       </p:sp>
